--- a/Presentations/Spotify NLP status 20231005.pptx
+++ b/Presentations/Spotify NLP status 20231005.pptx
@@ -5,13 +5,16 @@
     <p:sldMasterId id="2147483648" r:id="rId1"/>
   </p:sldMasterIdLst>
   <p:notesMasterIdLst>
-    <p:notesMasterId r:id="rId6"/>
+    <p:notesMasterId r:id="rId9"/>
   </p:notesMasterIdLst>
   <p:sldIdLst>
     <p:sldId id="256" r:id="rId2"/>
     <p:sldId id="296" r:id="rId3"/>
     <p:sldId id="297" r:id="rId4"/>
-    <p:sldId id="266" r:id="rId5"/>
+    <p:sldId id="299" r:id="rId5"/>
+    <p:sldId id="298" r:id="rId6"/>
+    <p:sldId id="300" r:id="rId7"/>
+    <p:sldId id="266" r:id="rId8"/>
   </p:sldIdLst>
   <p:sldSz cx="12192000" cy="6858000"/>
   <p:notesSz cx="6858000" cy="9144000"/>
@@ -124,1841 +127,6 @@
     <p1510:client id="{EC767E0F-3D28-0F42-8B6C-43F553734B82}" v="15" dt="2023-10-04T18:59:40.405"/>
   </p1510:revLst>
 </p1510:revInfo>
-</file>
-
-<file path=ppt/changesInfos/changesInfo1.xml><?xml version="1.0" encoding="utf-8"?>
-<pc:chgInfo xmlns:a="http://schemas.openxmlformats.org/drawingml/2006/main" xmlns:r="http://schemas.openxmlformats.org/officeDocument/2006/relationships" xmlns:ac="http://schemas.microsoft.com/office/drawing/2013/main/command" xmlns:pc="http://schemas.microsoft.com/office/powerpoint/2013/main/command">
-  <pc:docChgLst>
-    <pc:chgData name="M T" userId="7f6c2d3ff5585f85" providerId="LiveId" clId="{EC767E0F-3D28-0F42-8B6C-43F553734B82}"/>
-    <pc:docChg chg="undo redo custSel addSld delSld modSld modMainMaster">
-      <pc:chgData name="M T" userId="7f6c2d3ff5585f85" providerId="LiveId" clId="{EC767E0F-3D28-0F42-8B6C-43F553734B82}" dt="2023-10-04T19:00:14.270" v="247" actId="20577"/>
-      <pc:docMkLst>
-        <pc:docMk/>
-      </pc:docMkLst>
-      <pc:sldChg chg="addSp delSp modSp mod">
-        <pc:chgData name="M T" userId="7f6c2d3ff5585f85" providerId="LiveId" clId="{EC767E0F-3D28-0F42-8B6C-43F553734B82}" dt="2023-10-04T17:53:39.447" v="54" actId="14100"/>
-        <pc:sldMkLst>
-          <pc:docMk/>
-          <pc:sldMk cId="3376455654" sldId="256"/>
-        </pc:sldMkLst>
-        <pc:spChg chg="add mod">
-          <ac:chgData name="M T" userId="7f6c2d3ff5585f85" providerId="LiveId" clId="{EC767E0F-3D28-0F42-8B6C-43F553734B82}" dt="2023-10-04T17:53:39.447" v="54" actId="14100"/>
-          <ac:spMkLst>
-            <pc:docMk/>
-            <pc:sldMk cId="3376455654" sldId="256"/>
-            <ac:spMk id="2" creationId="{4142BFA2-56D5-2E33-D743-9604E3D6871E}"/>
-          </ac:spMkLst>
-        </pc:spChg>
-        <pc:spChg chg="add mod">
-          <ac:chgData name="M T" userId="7f6c2d3ff5585f85" providerId="LiveId" clId="{EC767E0F-3D28-0F42-8B6C-43F553734B82}" dt="2023-10-04T17:52:57.288" v="45" actId="404"/>
-          <ac:spMkLst>
-            <pc:docMk/>
-            <pc:sldMk cId="3376455654" sldId="256"/>
-            <ac:spMk id="3" creationId="{64B69CD0-D4A8-6D73-4AA6-8C471E0FC9F2}"/>
-          </ac:spMkLst>
-        </pc:spChg>
-        <pc:grpChg chg="mod">
-          <ac:chgData name="M T" userId="7f6c2d3ff5585f85" providerId="LiveId" clId="{EC767E0F-3D28-0F42-8B6C-43F553734B82}" dt="2023-10-04T17:51:49.862" v="1" actId="14100"/>
-          <ac:grpSpMkLst>
-            <pc:docMk/>
-            <pc:sldMk cId="3376455654" sldId="256"/>
-            <ac:grpSpMk id="26" creationId="{BE4E7984-497A-6366-05D4-C73F944B01C3}"/>
-          </ac:grpSpMkLst>
-        </pc:grpChg>
-        <pc:grpChg chg="mod">
-          <ac:chgData name="M T" userId="7f6c2d3ff5585f85" providerId="LiveId" clId="{EC767E0F-3D28-0F42-8B6C-43F553734B82}" dt="2023-10-04T17:52:02.023" v="5" actId="1076"/>
-          <ac:grpSpMkLst>
-            <pc:docMk/>
-            <pc:sldMk cId="3376455654" sldId="256"/>
-            <ac:grpSpMk id="27" creationId="{2AAC2752-81B3-8900-1568-FF1F757AA32B}"/>
-          </ac:grpSpMkLst>
-        </pc:grpChg>
-        <pc:picChg chg="del">
-          <ac:chgData name="M T" userId="7f6c2d3ff5585f85" providerId="LiveId" clId="{EC767E0F-3D28-0F42-8B6C-43F553734B82}" dt="2023-10-04T17:51:45.494" v="0" actId="478"/>
-          <ac:picMkLst>
-            <pc:docMk/>
-            <pc:sldMk cId="3376455654" sldId="256"/>
-            <ac:picMk id="12" creationId="{9F891B18-3D8B-095E-2AA5-A7C7E1D3B1BE}"/>
-          </ac:picMkLst>
-        </pc:picChg>
-      </pc:sldChg>
-      <pc:sldChg chg="del">
-        <pc:chgData name="M T" userId="7f6c2d3ff5585f85" providerId="LiveId" clId="{EC767E0F-3D28-0F42-8B6C-43F553734B82}" dt="2023-10-04T17:54:10.783" v="60" actId="2696"/>
-        <pc:sldMkLst>
-          <pc:docMk/>
-          <pc:sldMk cId="1899087313" sldId="257"/>
-        </pc:sldMkLst>
-      </pc:sldChg>
-      <pc:sldChg chg="add del">
-        <pc:chgData name="M T" userId="7f6c2d3ff5585f85" providerId="LiveId" clId="{EC767E0F-3D28-0F42-8B6C-43F553734B82}" dt="2023-10-04T17:53:55.553" v="55" actId="2696"/>
-        <pc:sldMkLst>
-          <pc:docMk/>
-          <pc:sldMk cId="1377395150" sldId="295"/>
-        </pc:sldMkLst>
-      </pc:sldChg>
-      <pc:sldChg chg="delSp modSp mod">
-        <pc:chgData name="M T" userId="7f6c2d3ff5585f85" providerId="LiveId" clId="{EC767E0F-3D28-0F42-8B6C-43F553734B82}" dt="2023-10-04T18:59:51.322" v="207" actId="15"/>
-        <pc:sldMkLst>
-          <pc:docMk/>
-          <pc:sldMk cId="4024329133" sldId="296"/>
-        </pc:sldMkLst>
-        <pc:spChg chg="mod">
-          <ac:chgData name="M T" userId="7f6c2d3ff5585f85" providerId="LiveId" clId="{EC767E0F-3D28-0F42-8B6C-43F553734B82}" dt="2023-10-04T18:53:58.093" v="154" actId="108"/>
-          <ac:spMkLst>
-            <pc:docMk/>
-            <pc:sldMk cId="4024329133" sldId="296"/>
-            <ac:spMk id="18" creationId="{355AC3A1-175C-0DC3-DBAF-F626A9F3780A}"/>
-          </ac:spMkLst>
-        </pc:spChg>
-        <pc:spChg chg="del mod">
-          <ac:chgData name="M T" userId="7f6c2d3ff5585f85" providerId="LiveId" clId="{EC767E0F-3D28-0F42-8B6C-43F553734B82}" dt="2023-10-04T18:56:16.144" v="181" actId="478"/>
-          <ac:spMkLst>
-            <pc:docMk/>
-            <pc:sldMk cId="4024329133" sldId="296"/>
-            <ac:spMk id="19" creationId="{E642CB68-7691-44D5-88F4-20E83F6DA0D7}"/>
-          </ac:spMkLst>
-        </pc:spChg>
-        <pc:spChg chg="mod">
-          <ac:chgData name="M T" userId="7f6c2d3ff5585f85" providerId="LiveId" clId="{EC767E0F-3D28-0F42-8B6C-43F553734B82}" dt="2023-10-04T18:52:21.462" v="110" actId="20577"/>
-          <ac:spMkLst>
-            <pc:docMk/>
-            <pc:sldMk cId="4024329133" sldId="296"/>
-            <ac:spMk id="21" creationId="{ED46B618-2CF9-7941-4EA2-0BAE302EE4DF}"/>
-          </ac:spMkLst>
-        </pc:spChg>
-        <pc:spChg chg="mod">
-          <ac:chgData name="M T" userId="7f6c2d3ff5585f85" providerId="LiveId" clId="{EC767E0F-3D28-0F42-8B6C-43F553734B82}" dt="2023-10-04T18:52:26.347" v="113" actId="20577"/>
-          <ac:spMkLst>
-            <pc:docMk/>
-            <pc:sldMk cId="4024329133" sldId="296"/>
-            <ac:spMk id="22" creationId="{29CCABAF-CABD-0DCA-146A-8DF8AA94EF98}"/>
-          </ac:spMkLst>
-        </pc:spChg>
-        <pc:spChg chg="del">
-          <ac:chgData name="M T" userId="7f6c2d3ff5585f85" providerId="LiveId" clId="{EC767E0F-3D28-0F42-8B6C-43F553734B82}" dt="2023-10-04T18:52:33.837" v="114" actId="478"/>
-          <ac:spMkLst>
-            <pc:docMk/>
-            <pc:sldMk cId="4024329133" sldId="296"/>
-            <ac:spMk id="29" creationId="{265E560A-5878-F6A4-D133-56FE5AC42BB5}"/>
-          </ac:spMkLst>
-        </pc:spChg>
-        <pc:spChg chg="mod">
-          <ac:chgData name="M T" userId="7f6c2d3ff5585f85" providerId="LiveId" clId="{EC767E0F-3D28-0F42-8B6C-43F553734B82}" dt="2023-10-04T18:59:51.322" v="207" actId="15"/>
-          <ac:spMkLst>
-            <pc:docMk/>
-            <pc:sldMk cId="4024329133" sldId="296"/>
-            <ac:spMk id="48" creationId="{E4CCABAB-F10A-642D-34EC-706C8A69764F}"/>
-          </ac:spMkLst>
-        </pc:spChg>
-        <pc:spChg chg="del">
-          <ac:chgData name="M T" userId="7f6c2d3ff5585f85" providerId="LiveId" clId="{EC767E0F-3D28-0F42-8B6C-43F553734B82}" dt="2023-10-04T18:55:11.543" v="163" actId="478"/>
-          <ac:spMkLst>
-            <pc:docMk/>
-            <pc:sldMk cId="4024329133" sldId="296"/>
-            <ac:spMk id="60" creationId="{A8B32FA7-9DD5-84FD-B013-2AC801BA3D78}"/>
-          </ac:spMkLst>
-        </pc:spChg>
-        <pc:spChg chg="del mod">
-          <ac:chgData name="M T" userId="7f6c2d3ff5585f85" providerId="LiveId" clId="{EC767E0F-3D28-0F42-8B6C-43F553734B82}" dt="2023-10-04T18:52:11.271" v="82" actId="478"/>
-          <ac:spMkLst>
-            <pc:docMk/>
-            <pc:sldMk cId="4024329133" sldId="296"/>
-            <ac:spMk id="1043" creationId="{74FF25D1-9C7F-1C6F-B359-8B986150EDAA}"/>
-          </ac:spMkLst>
-        </pc:spChg>
-        <pc:spChg chg="del mod">
-          <ac:chgData name="M T" userId="7f6c2d3ff5585f85" providerId="LiveId" clId="{EC767E0F-3D28-0F42-8B6C-43F553734B82}" dt="2023-10-04T18:55:15.477" v="164" actId="478"/>
-          <ac:spMkLst>
-            <pc:docMk/>
-            <pc:sldMk cId="4024329133" sldId="296"/>
-            <ac:spMk id="1045" creationId="{5CA130BB-4BBB-5DA4-96B0-88C5D390A212}"/>
-          </ac:spMkLst>
-        </pc:spChg>
-        <pc:grpChg chg="del">
-          <ac:chgData name="M T" userId="7f6c2d3ff5585f85" providerId="LiveId" clId="{EC767E0F-3D28-0F42-8B6C-43F553734B82}" dt="2023-10-04T18:52:33.837" v="114" actId="478"/>
-          <ac:grpSpMkLst>
-            <pc:docMk/>
-            <pc:sldMk cId="4024329133" sldId="296"/>
-            <ac:grpSpMk id="1053" creationId="{68418050-7D1D-3CEF-10BB-7D6E6CCEBE0F}"/>
-          </ac:grpSpMkLst>
-        </pc:grpChg>
-        <pc:picChg chg="del">
-          <ac:chgData name="M T" userId="7f6c2d3ff5585f85" providerId="LiveId" clId="{EC767E0F-3D28-0F42-8B6C-43F553734B82}" dt="2023-10-04T18:52:33.837" v="114" actId="478"/>
-          <ac:picMkLst>
-            <pc:docMk/>
-            <pc:sldMk cId="4024329133" sldId="296"/>
-            <ac:picMk id="27" creationId="{9E441735-64FC-E2D3-778C-4784AF24B298}"/>
-          </ac:picMkLst>
-        </pc:picChg>
-        <pc:cxnChg chg="del">
-          <ac:chgData name="M T" userId="7f6c2d3ff5585f85" providerId="LiveId" clId="{EC767E0F-3D28-0F42-8B6C-43F553734B82}" dt="2023-10-04T18:55:46.698" v="168" actId="478"/>
-          <ac:cxnSpMkLst>
-            <pc:docMk/>
-            <pc:sldMk cId="4024329133" sldId="296"/>
-            <ac:cxnSpMk id="1044" creationId="{C89FD349-03DF-7969-4E20-94C89D32B59F}"/>
-          </ac:cxnSpMkLst>
-        </pc:cxnChg>
-      </pc:sldChg>
-      <pc:sldChg chg="addSp delSp modSp add del mod">
-        <pc:chgData name="M T" userId="7f6c2d3ff5585f85" providerId="LiveId" clId="{EC767E0F-3D28-0F42-8B6C-43F553734B82}" dt="2023-10-04T19:00:14.270" v="247" actId="20577"/>
-        <pc:sldMkLst>
-          <pc:docMk/>
-          <pc:sldMk cId="203779619" sldId="297"/>
-        </pc:sldMkLst>
-        <pc:spChg chg="add mod">
-          <ac:chgData name="M T" userId="7f6c2d3ff5585f85" providerId="LiveId" clId="{EC767E0F-3D28-0F42-8B6C-43F553734B82}" dt="2023-10-04T18:53:42.394" v="149" actId="20577"/>
-          <ac:spMkLst>
-            <pc:docMk/>
-            <pc:sldMk cId="203779619" sldId="297"/>
-            <ac:spMk id="3" creationId="{120F99AC-1455-3A16-6F33-5B71AA5C26C8}"/>
-          </ac:spMkLst>
-        </pc:spChg>
-        <pc:spChg chg="add mod">
-          <ac:chgData name="M T" userId="7f6c2d3ff5585f85" providerId="LiveId" clId="{EC767E0F-3D28-0F42-8B6C-43F553734B82}" dt="2023-10-04T18:53:40.971" v="146" actId="20577"/>
-          <ac:spMkLst>
-            <pc:docMk/>
-            <pc:sldMk cId="203779619" sldId="297"/>
-            <ac:spMk id="10" creationId="{228298A3-AA79-9AAE-DC10-145B5C02E7BD}"/>
-          </ac:spMkLst>
-        </pc:spChg>
-        <pc:spChg chg="mod">
-          <ac:chgData name="M T" userId="7f6c2d3ff5585f85" providerId="LiveId" clId="{EC767E0F-3D28-0F42-8B6C-43F553734B82}" dt="2023-10-04T18:52:54.862" v="116"/>
-          <ac:spMkLst>
-            <pc:docMk/>
-            <pc:sldMk cId="203779619" sldId="297"/>
-            <ac:spMk id="12" creationId="{328E40C6-FD5C-DD40-06A4-F1942B4A4FAB}"/>
-          </ac:spMkLst>
-        </pc:spChg>
-        <pc:spChg chg="mod">
-          <ac:chgData name="M T" userId="7f6c2d3ff5585f85" providerId="LiveId" clId="{EC767E0F-3D28-0F42-8B6C-43F553734B82}" dt="2023-10-04T18:52:54.862" v="116"/>
-          <ac:spMkLst>
-            <pc:docMk/>
-            <pc:sldMk cId="203779619" sldId="297"/>
-            <ac:spMk id="13" creationId="{B1DE3B6B-DA0B-27DC-5332-5CDF012300E9}"/>
-          </ac:spMkLst>
-        </pc:spChg>
-        <pc:spChg chg="mod">
-          <ac:chgData name="M T" userId="7f6c2d3ff5585f85" providerId="LiveId" clId="{EC767E0F-3D28-0F42-8B6C-43F553734B82}" dt="2023-10-04T18:52:54.862" v="116"/>
-          <ac:spMkLst>
-            <pc:docMk/>
-            <pc:sldMk cId="203779619" sldId="297"/>
-            <ac:spMk id="14" creationId="{90862457-02BA-CF3C-8850-3627E428FB05}"/>
-          </ac:spMkLst>
-        </pc:spChg>
-        <pc:spChg chg="mod">
-          <ac:chgData name="M T" userId="7f6c2d3ff5585f85" providerId="LiveId" clId="{EC767E0F-3D28-0F42-8B6C-43F553734B82}" dt="2023-10-04T18:52:54.862" v="116"/>
-          <ac:spMkLst>
-            <pc:docMk/>
-            <pc:sldMk cId="203779619" sldId="297"/>
-            <ac:spMk id="15" creationId="{0B1FEE66-A87A-58D9-AF49-7432543A30F0}"/>
-          </ac:spMkLst>
-        </pc:spChg>
-        <pc:spChg chg="mod">
-          <ac:chgData name="M T" userId="7f6c2d3ff5585f85" providerId="LiveId" clId="{EC767E0F-3D28-0F42-8B6C-43F553734B82}" dt="2023-10-04T18:52:54.862" v="116"/>
-          <ac:spMkLst>
-            <pc:docMk/>
-            <pc:sldMk cId="203779619" sldId="297"/>
-            <ac:spMk id="16" creationId="{9CAAF5E4-B610-CFC0-67B8-307CAB29B9E7}"/>
-          </ac:spMkLst>
-        </pc:spChg>
-        <pc:spChg chg="mod">
-          <ac:chgData name="M T" userId="7f6c2d3ff5585f85" providerId="LiveId" clId="{EC767E0F-3D28-0F42-8B6C-43F553734B82}" dt="2023-10-04T18:52:54.862" v="116"/>
-          <ac:spMkLst>
-            <pc:docMk/>
-            <pc:sldMk cId="203779619" sldId="297"/>
-            <ac:spMk id="17" creationId="{9C1470DC-A351-F187-760E-46AB14A5ACD2}"/>
-          </ac:spMkLst>
-        </pc:spChg>
-        <pc:spChg chg="mod">
-          <ac:chgData name="M T" userId="7f6c2d3ff5585f85" providerId="LiveId" clId="{EC767E0F-3D28-0F42-8B6C-43F553734B82}" dt="2023-10-04T18:53:47.328" v="152" actId="20577"/>
-          <ac:spMkLst>
-            <pc:docMk/>
-            <pc:sldMk cId="203779619" sldId="297"/>
-            <ac:spMk id="18" creationId="{355AC3A1-175C-0DC3-DBAF-F626A9F3780A}"/>
-          </ac:spMkLst>
-        </pc:spChg>
-        <pc:spChg chg="add del mod">
-          <ac:chgData name="M T" userId="7f6c2d3ff5585f85" providerId="LiveId" clId="{EC767E0F-3D28-0F42-8B6C-43F553734B82}" dt="2023-10-04T18:56:19.081" v="182" actId="478"/>
-          <ac:spMkLst>
-            <pc:docMk/>
-            <pc:sldMk cId="203779619" sldId="297"/>
-            <ac:spMk id="19" creationId="{E642CB68-7691-44D5-88F4-20E83F6DA0D7}"/>
-          </ac:spMkLst>
-        </pc:spChg>
-        <pc:spChg chg="del">
-          <ac:chgData name="M T" userId="7f6c2d3ff5585f85" providerId="LiveId" clId="{EC767E0F-3D28-0F42-8B6C-43F553734B82}" dt="2023-10-04T18:52:54.324" v="115" actId="478"/>
-          <ac:spMkLst>
-            <pc:docMk/>
-            <pc:sldMk cId="203779619" sldId="297"/>
-            <ac:spMk id="21" creationId="{ED46B618-2CF9-7941-4EA2-0BAE302EE4DF}"/>
-          </ac:spMkLst>
-        </pc:spChg>
-        <pc:spChg chg="del mod">
-          <ac:chgData name="M T" userId="7f6c2d3ff5585f85" providerId="LiveId" clId="{EC767E0F-3D28-0F42-8B6C-43F553734B82}" dt="2023-10-04T18:52:54.324" v="115" actId="478"/>
-          <ac:spMkLst>
-            <pc:docMk/>
-            <pc:sldMk cId="203779619" sldId="297"/>
-            <ac:spMk id="22" creationId="{29CCABAF-CABD-0DCA-146A-8DF8AA94EF98}"/>
-          </ac:spMkLst>
-        </pc:spChg>
-        <pc:spChg chg="mod">
-          <ac:chgData name="M T" userId="7f6c2d3ff5585f85" providerId="LiveId" clId="{EC767E0F-3D28-0F42-8B6C-43F553734B82}" dt="2023-10-04T18:52:54.862" v="116"/>
-          <ac:spMkLst>
-            <pc:docMk/>
-            <pc:sldMk cId="203779619" sldId="297"/>
-            <ac:spMk id="23" creationId="{377714EA-9945-8C7C-6101-CB26744BEB9D}"/>
-          </ac:spMkLst>
-        </pc:spChg>
-        <pc:spChg chg="mod">
-          <ac:chgData name="M T" userId="7f6c2d3ff5585f85" providerId="LiveId" clId="{EC767E0F-3D28-0F42-8B6C-43F553734B82}" dt="2023-10-04T18:52:54.862" v="116"/>
-          <ac:spMkLst>
-            <pc:docMk/>
-            <pc:sldMk cId="203779619" sldId="297"/>
-            <ac:spMk id="24" creationId="{999D1A82-0B57-13FE-0694-D479B060535E}"/>
-          </ac:spMkLst>
-        </pc:spChg>
-        <pc:spChg chg="mod">
-          <ac:chgData name="M T" userId="7f6c2d3ff5585f85" providerId="LiveId" clId="{EC767E0F-3D28-0F42-8B6C-43F553734B82}" dt="2023-10-04T18:52:54.862" v="116"/>
-          <ac:spMkLst>
-            <pc:docMk/>
-            <pc:sldMk cId="203779619" sldId="297"/>
-            <ac:spMk id="25" creationId="{AF3AA778-A66C-CD25-2479-162712D0EB20}"/>
-          </ac:spMkLst>
-        </pc:spChg>
-        <pc:spChg chg="mod">
-          <ac:chgData name="M T" userId="7f6c2d3ff5585f85" providerId="LiveId" clId="{EC767E0F-3D28-0F42-8B6C-43F553734B82}" dt="2023-10-04T18:52:54.862" v="116"/>
-          <ac:spMkLst>
-            <pc:docMk/>
-            <pc:sldMk cId="203779619" sldId="297"/>
-            <ac:spMk id="26" creationId="{48106F25-3D59-EB10-F2CC-66671174BAA7}"/>
-          </ac:spMkLst>
-        </pc:spChg>
-        <pc:spChg chg="mod">
-          <ac:chgData name="M T" userId="7f6c2d3ff5585f85" providerId="LiveId" clId="{EC767E0F-3D28-0F42-8B6C-43F553734B82}" dt="2023-10-04T18:52:54.862" v="116"/>
-          <ac:spMkLst>
-            <pc:docMk/>
-            <pc:sldMk cId="203779619" sldId="297"/>
-            <ac:spMk id="28" creationId="{6943729F-ED5A-B2CE-9178-932B78B8298A}"/>
-          </ac:spMkLst>
-        </pc:spChg>
-        <pc:spChg chg="del mod">
-          <ac:chgData name="M T" userId="7f6c2d3ff5585f85" providerId="LiveId" clId="{EC767E0F-3D28-0F42-8B6C-43F553734B82}" dt="2023-10-04T18:52:54.324" v="115" actId="478"/>
-          <ac:spMkLst>
-            <pc:docMk/>
-            <pc:sldMk cId="203779619" sldId="297"/>
-            <ac:spMk id="29" creationId="{265E560A-5878-F6A4-D133-56FE5AC42BB5}"/>
-          </ac:spMkLst>
-        </pc:spChg>
-        <pc:spChg chg="mod">
-          <ac:chgData name="M T" userId="7f6c2d3ff5585f85" providerId="LiveId" clId="{EC767E0F-3D28-0F42-8B6C-43F553734B82}" dt="2023-10-04T18:52:54.862" v="116"/>
-          <ac:spMkLst>
-            <pc:docMk/>
-            <pc:sldMk cId="203779619" sldId="297"/>
-            <ac:spMk id="30" creationId="{EFB86162-B636-B861-4ED0-C88EB74D2CE6}"/>
-          </ac:spMkLst>
-        </pc:spChg>
-        <pc:spChg chg="mod">
-          <ac:chgData name="M T" userId="7f6c2d3ff5585f85" providerId="LiveId" clId="{EC767E0F-3D28-0F42-8B6C-43F553734B82}" dt="2023-10-04T19:00:14.270" v="247" actId="20577"/>
-          <ac:spMkLst>
-            <pc:docMk/>
-            <pc:sldMk cId="203779619" sldId="297"/>
-            <ac:spMk id="48" creationId="{E4CCABAB-F10A-642D-34EC-706C8A69764F}"/>
-          </ac:spMkLst>
-        </pc:spChg>
-        <pc:spChg chg="del">
-          <ac:chgData name="M T" userId="7f6c2d3ff5585f85" providerId="LiveId" clId="{EC767E0F-3D28-0F42-8B6C-43F553734B82}" dt="2023-10-04T18:56:04.928" v="177" actId="478"/>
-          <ac:spMkLst>
-            <pc:docMk/>
-            <pc:sldMk cId="203779619" sldId="297"/>
-            <ac:spMk id="53" creationId="{5BE43F74-9C87-66AE-9F3E-0B77D17F00DC}"/>
-          </ac:spMkLst>
-        </pc:spChg>
-        <pc:spChg chg="del">
-          <ac:chgData name="M T" userId="7f6c2d3ff5585f85" providerId="LiveId" clId="{EC767E0F-3D28-0F42-8B6C-43F553734B82}" dt="2023-10-04T18:55:21.372" v="166" actId="478"/>
-          <ac:spMkLst>
-            <pc:docMk/>
-            <pc:sldMk cId="203779619" sldId="297"/>
-            <ac:spMk id="60" creationId="{A8B32FA7-9DD5-84FD-B013-2AC801BA3D78}"/>
-          </ac:spMkLst>
-        </pc:spChg>
-        <pc:spChg chg="del">
-          <ac:chgData name="M T" userId="7f6c2d3ff5585f85" providerId="LiveId" clId="{EC767E0F-3D28-0F42-8B6C-43F553734B82}" dt="2023-10-04T18:52:54.324" v="115" actId="478"/>
-          <ac:spMkLst>
-            <pc:docMk/>
-            <pc:sldMk cId="203779619" sldId="297"/>
-            <ac:spMk id="1043" creationId="{74FF25D1-9C7F-1C6F-B359-8B986150EDAA}"/>
-          </ac:spMkLst>
-        </pc:spChg>
-        <pc:spChg chg="del mod">
-          <ac:chgData name="M T" userId="7f6c2d3ff5585f85" providerId="LiveId" clId="{EC767E0F-3D28-0F42-8B6C-43F553734B82}" dt="2023-10-04T18:55:20.525" v="165" actId="478"/>
-          <ac:spMkLst>
-            <pc:docMk/>
-            <pc:sldMk cId="203779619" sldId="297"/>
-            <ac:spMk id="1045" creationId="{5CA130BB-4BBB-5DA4-96B0-88C5D390A212}"/>
-          </ac:spMkLst>
-        </pc:spChg>
-        <pc:grpChg chg="del">
-          <ac:chgData name="M T" userId="7f6c2d3ff5585f85" providerId="LiveId" clId="{EC767E0F-3D28-0F42-8B6C-43F553734B82}" dt="2023-10-04T18:52:54.324" v="115" actId="478"/>
-          <ac:grpSpMkLst>
-            <pc:docMk/>
-            <pc:sldMk cId="203779619" sldId="297"/>
-            <ac:grpSpMk id="2" creationId="{CBDBC168-5E83-5A26-1807-D17A43DDA94D}"/>
-          </ac:grpSpMkLst>
-        </pc:grpChg>
-        <pc:grpChg chg="add mod">
-          <ac:chgData name="M T" userId="7f6c2d3ff5585f85" providerId="LiveId" clId="{EC767E0F-3D28-0F42-8B6C-43F553734B82}" dt="2023-10-04T18:52:54.862" v="116"/>
-          <ac:grpSpMkLst>
-            <pc:docMk/>
-            <pc:sldMk cId="203779619" sldId="297"/>
-            <ac:grpSpMk id="11" creationId="{744F1910-5910-7A90-49C6-531CB5AFEF2A}"/>
-          </ac:grpSpMkLst>
-        </pc:grpChg>
-        <pc:grpChg chg="add mod">
-          <ac:chgData name="M T" userId="7f6c2d3ff5585f85" providerId="LiveId" clId="{EC767E0F-3D28-0F42-8B6C-43F553734B82}" dt="2023-10-04T18:52:54.862" v="116"/>
-          <ac:grpSpMkLst>
-            <pc:docMk/>
-            <pc:sldMk cId="203779619" sldId="297"/>
-            <ac:grpSpMk id="20" creationId="{15548E8D-DA46-F6DC-F8C4-FF4C919B20B5}"/>
-          </ac:grpSpMkLst>
-        </pc:grpChg>
-        <pc:grpChg chg="del">
-          <ac:chgData name="M T" userId="7f6c2d3ff5585f85" providerId="LiveId" clId="{EC767E0F-3D28-0F42-8B6C-43F553734B82}" dt="2023-10-04T18:52:54.324" v="115" actId="478"/>
-          <ac:grpSpMkLst>
-            <pc:docMk/>
-            <pc:sldMk cId="203779619" sldId="297"/>
-            <ac:grpSpMk id="1036" creationId="{74F3A740-AD9E-F587-C3FF-956880489C46}"/>
-          </ac:grpSpMkLst>
-        </pc:grpChg>
-        <pc:grpChg chg="del">
-          <ac:chgData name="M T" userId="7f6c2d3ff5585f85" providerId="LiveId" clId="{EC767E0F-3D28-0F42-8B6C-43F553734B82}" dt="2023-10-04T18:52:54.324" v="115" actId="478"/>
-          <ac:grpSpMkLst>
-            <pc:docMk/>
-            <pc:sldMk cId="203779619" sldId="297"/>
-            <ac:grpSpMk id="1053" creationId="{68418050-7D1D-3CEF-10BB-7D6E6CCEBE0F}"/>
-          </ac:grpSpMkLst>
-        </pc:grpChg>
-        <pc:picChg chg="del">
-          <ac:chgData name="M T" userId="7f6c2d3ff5585f85" providerId="LiveId" clId="{EC767E0F-3D28-0F42-8B6C-43F553734B82}" dt="2023-10-04T18:52:54.324" v="115" actId="478"/>
-          <ac:picMkLst>
-            <pc:docMk/>
-            <pc:sldMk cId="203779619" sldId="297"/>
-            <ac:picMk id="27" creationId="{9E441735-64FC-E2D3-778C-4784AF24B298}"/>
-          </ac:picMkLst>
-        </pc:picChg>
-        <pc:cxnChg chg="del">
-          <ac:chgData name="M T" userId="7f6c2d3ff5585f85" providerId="LiveId" clId="{EC767E0F-3D28-0F42-8B6C-43F553734B82}" dt="2023-10-04T18:55:49.199" v="169" actId="478"/>
-          <ac:cxnSpMkLst>
-            <pc:docMk/>
-            <pc:sldMk cId="203779619" sldId="297"/>
-            <ac:cxnSpMk id="1044" creationId="{C89FD349-03DF-7969-4E20-94C89D32B59F}"/>
-          </ac:cxnSpMkLst>
-        </pc:cxnChg>
-      </pc:sldChg>
-      <pc:sldChg chg="new del">
-        <pc:chgData name="M T" userId="7f6c2d3ff5585f85" providerId="LiveId" clId="{EC767E0F-3D28-0F42-8B6C-43F553734B82}" dt="2023-10-04T18:59:05.651" v="197" actId="2696"/>
-        <pc:sldMkLst>
-          <pc:docMk/>
-          <pc:sldMk cId="2947604888" sldId="298"/>
-        </pc:sldMkLst>
-      </pc:sldChg>
-      <pc:sldChg chg="new del">
-        <pc:chgData name="M T" userId="7f6c2d3ff5585f85" providerId="LiveId" clId="{EC767E0F-3D28-0F42-8B6C-43F553734B82}" dt="2023-10-04T18:58:37.728" v="194" actId="2696"/>
-        <pc:sldMkLst>
-          <pc:docMk/>
-          <pc:sldMk cId="3333396431" sldId="298"/>
-        </pc:sldMkLst>
-      </pc:sldChg>
-      <pc:sldChg chg="new del">
-        <pc:chgData name="M T" userId="7f6c2d3ff5585f85" providerId="LiveId" clId="{EC767E0F-3D28-0F42-8B6C-43F553734B82}" dt="2023-10-04T18:54:17.644" v="157" actId="2696"/>
-        <pc:sldMkLst>
-          <pc:docMk/>
-          <pc:sldMk cId="3404093076" sldId="298"/>
-        </pc:sldMkLst>
-      </pc:sldChg>
-      <pc:sldMasterChg chg="addSp delSp modSp mod setBg modSldLayout">
-        <pc:chgData name="M T" userId="7f6c2d3ff5585f85" providerId="LiveId" clId="{EC767E0F-3D28-0F42-8B6C-43F553734B82}" dt="2023-10-04T18:59:40.404" v="198" actId="478"/>
-        <pc:sldMasterMkLst>
-          <pc:docMk/>
-          <pc:sldMasterMk cId="3025537983" sldId="2147483648"/>
-        </pc:sldMasterMkLst>
-        <pc:spChg chg="mod">
-          <ac:chgData name="M T" userId="7f6c2d3ff5585f85" providerId="LiveId" clId="{EC767E0F-3D28-0F42-8B6C-43F553734B82}" dt="2023-10-04T18:57:00.317" v="188" actId="14100"/>
-          <ac:spMkLst>
-            <pc:docMk/>
-            <pc:sldMasterMk cId="3025537983" sldId="2147483648"/>
-            <ac:spMk id="2" creationId="{E1E26476-4B52-8E75-7F4F-4895B8C5D5E2}"/>
-          </ac:spMkLst>
-        </pc:spChg>
-        <pc:spChg chg="mod">
-          <ac:chgData name="M T" userId="7f6c2d3ff5585f85" providerId="LiveId" clId="{EC767E0F-3D28-0F42-8B6C-43F553734B82}" dt="2023-10-04T18:57:43.038" v="193" actId="207"/>
-          <ac:spMkLst>
-            <pc:docMk/>
-            <pc:sldMasterMk cId="3025537983" sldId="2147483648"/>
-            <ac:spMk id="3" creationId="{E6006F6C-5E13-259C-8F43-C175A46F9F72}"/>
-          </ac:spMkLst>
-        </pc:spChg>
-        <pc:spChg chg="add del mod">
-          <ac:chgData name="M T" userId="7f6c2d3ff5585f85" providerId="LiveId" clId="{EC767E0F-3D28-0F42-8B6C-43F553734B82}" dt="2023-10-04T18:56:53.590" v="187" actId="478"/>
-          <ac:spMkLst>
-            <pc:docMk/>
-            <pc:sldMasterMk cId="3025537983" sldId="2147483648"/>
-            <ac:spMk id="7" creationId="{23975A51-B033-50A7-6D80-B8D0CEA60E31}"/>
-          </ac:spMkLst>
-        </pc:spChg>
-        <pc:spChg chg="add del mod">
-          <ac:chgData name="M T" userId="7f6c2d3ff5585f85" providerId="LiveId" clId="{EC767E0F-3D28-0F42-8B6C-43F553734B82}" dt="2023-10-04T18:57:30.990" v="190" actId="478"/>
-          <ac:spMkLst>
-            <pc:docMk/>
-            <pc:sldMasterMk cId="3025537983" sldId="2147483648"/>
-            <ac:spMk id="8" creationId="{9DE637B6-D7D4-66E3-FCF9-9BBDC27B2026}"/>
-          </ac:spMkLst>
-        </pc:spChg>
-        <pc:spChg chg="add del mod">
-          <ac:chgData name="M T" userId="7f6c2d3ff5585f85" providerId="LiveId" clId="{EC767E0F-3D28-0F42-8B6C-43F553734B82}" dt="2023-10-04T18:59:40.404" v="198" actId="478"/>
-          <ac:spMkLst>
-            <pc:docMk/>
-            <pc:sldMasterMk cId="3025537983" sldId="2147483648"/>
-            <ac:spMk id="9" creationId="{FCE82878-1761-F47C-C069-72B7530F558B}"/>
-          </ac:spMkLst>
-        </pc:spChg>
-        <pc:spChg chg="add del mod">
-          <ac:chgData name="M T" userId="7f6c2d3ff5585f85" providerId="LiveId" clId="{EC767E0F-3D28-0F42-8B6C-43F553734B82}" dt="2023-10-04T18:59:40.404" v="198" actId="478"/>
-          <ac:spMkLst>
-            <pc:docMk/>
-            <pc:sldMasterMk cId="3025537983" sldId="2147483648"/>
-            <ac:spMk id="10" creationId="{89FF25EB-317D-5D04-AA3D-B1EE9ACCA13D}"/>
-          </ac:spMkLst>
-        </pc:spChg>
-        <pc:spChg chg="mod">
-          <ac:chgData name="M T" userId="7f6c2d3ff5585f85" providerId="LiveId" clId="{EC767E0F-3D28-0F42-8B6C-43F553734B82}" dt="2023-10-04T18:58:56.016" v="195"/>
-          <ac:spMkLst>
-            <pc:docMk/>
-            <pc:sldMasterMk cId="3025537983" sldId="2147483648"/>
-            <ac:spMk id="12" creationId="{B8028C35-D64D-3506-23D9-D0115B8B45AA}"/>
-          </ac:spMkLst>
-        </pc:spChg>
-        <pc:spChg chg="mod">
-          <ac:chgData name="M T" userId="7f6c2d3ff5585f85" providerId="LiveId" clId="{EC767E0F-3D28-0F42-8B6C-43F553734B82}" dt="2023-10-04T18:58:56.016" v="195"/>
-          <ac:spMkLst>
-            <pc:docMk/>
-            <pc:sldMasterMk cId="3025537983" sldId="2147483648"/>
-            <ac:spMk id="13" creationId="{CE82A04B-F0D0-D458-159C-6DB099D8E0DF}"/>
-          </ac:spMkLst>
-        </pc:spChg>
-        <pc:spChg chg="mod">
-          <ac:chgData name="M T" userId="7f6c2d3ff5585f85" providerId="LiveId" clId="{EC767E0F-3D28-0F42-8B6C-43F553734B82}" dt="2023-10-04T18:58:56.016" v="195"/>
-          <ac:spMkLst>
-            <pc:docMk/>
-            <pc:sldMasterMk cId="3025537983" sldId="2147483648"/>
-            <ac:spMk id="14" creationId="{908D6EBB-3051-4290-2B67-D423C47E6645}"/>
-          </ac:spMkLst>
-        </pc:spChg>
-        <pc:spChg chg="mod">
-          <ac:chgData name="M T" userId="7f6c2d3ff5585f85" providerId="LiveId" clId="{EC767E0F-3D28-0F42-8B6C-43F553734B82}" dt="2023-10-04T18:58:56.016" v="195"/>
-          <ac:spMkLst>
-            <pc:docMk/>
-            <pc:sldMasterMk cId="3025537983" sldId="2147483648"/>
-            <ac:spMk id="15" creationId="{FE2C926B-2629-A824-9AD5-1D10DB2135E9}"/>
-          </ac:spMkLst>
-        </pc:spChg>
-        <pc:spChg chg="mod">
-          <ac:chgData name="M T" userId="7f6c2d3ff5585f85" providerId="LiveId" clId="{EC767E0F-3D28-0F42-8B6C-43F553734B82}" dt="2023-10-04T18:58:56.016" v="195"/>
-          <ac:spMkLst>
-            <pc:docMk/>
-            <pc:sldMasterMk cId="3025537983" sldId="2147483648"/>
-            <ac:spMk id="16" creationId="{AE10FB69-ABB3-96CC-C10F-507160552488}"/>
-          </ac:spMkLst>
-        </pc:spChg>
-        <pc:spChg chg="mod">
-          <ac:chgData name="M T" userId="7f6c2d3ff5585f85" providerId="LiveId" clId="{EC767E0F-3D28-0F42-8B6C-43F553734B82}" dt="2023-10-04T18:58:56.016" v="195"/>
-          <ac:spMkLst>
-            <pc:docMk/>
-            <pc:sldMasterMk cId="3025537983" sldId="2147483648"/>
-            <ac:spMk id="17" creationId="{B5FCEB74-30A3-10C3-1E23-0A123B9D2111}"/>
-          </ac:spMkLst>
-        </pc:spChg>
-        <pc:spChg chg="mod">
-          <ac:chgData name="M T" userId="7f6c2d3ff5585f85" providerId="LiveId" clId="{EC767E0F-3D28-0F42-8B6C-43F553734B82}" dt="2023-10-04T18:58:56.016" v="195"/>
-          <ac:spMkLst>
-            <pc:docMk/>
-            <pc:sldMasterMk cId="3025537983" sldId="2147483648"/>
-            <ac:spMk id="19" creationId="{131337E0-88AB-03EB-BD25-1AD54CBC55CB}"/>
-          </ac:spMkLst>
-        </pc:spChg>
-        <pc:spChg chg="mod">
-          <ac:chgData name="M T" userId="7f6c2d3ff5585f85" providerId="LiveId" clId="{EC767E0F-3D28-0F42-8B6C-43F553734B82}" dt="2023-10-04T18:58:56.016" v="195"/>
-          <ac:spMkLst>
-            <pc:docMk/>
-            <pc:sldMasterMk cId="3025537983" sldId="2147483648"/>
-            <ac:spMk id="20" creationId="{7AE229F5-33E1-687A-FBCF-58A13005F42A}"/>
-          </ac:spMkLst>
-        </pc:spChg>
-        <pc:spChg chg="mod">
-          <ac:chgData name="M T" userId="7f6c2d3ff5585f85" providerId="LiveId" clId="{EC767E0F-3D28-0F42-8B6C-43F553734B82}" dt="2023-10-04T18:58:56.016" v="195"/>
-          <ac:spMkLst>
-            <pc:docMk/>
-            <pc:sldMasterMk cId="3025537983" sldId="2147483648"/>
-            <ac:spMk id="21" creationId="{1B4A4309-D005-99A5-CE22-3A19791B8C66}"/>
-          </ac:spMkLst>
-        </pc:spChg>
-        <pc:spChg chg="mod">
-          <ac:chgData name="M T" userId="7f6c2d3ff5585f85" providerId="LiveId" clId="{EC767E0F-3D28-0F42-8B6C-43F553734B82}" dt="2023-10-04T18:58:56.016" v="195"/>
-          <ac:spMkLst>
-            <pc:docMk/>
-            <pc:sldMasterMk cId="3025537983" sldId="2147483648"/>
-            <ac:spMk id="22" creationId="{5AE7DCD5-DEDE-884E-067E-8DC49BFC3761}"/>
-          </ac:spMkLst>
-        </pc:spChg>
-        <pc:spChg chg="mod">
-          <ac:chgData name="M T" userId="7f6c2d3ff5585f85" providerId="LiveId" clId="{EC767E0F-3D28-0F42-8B6C-43F553734B82}" dt="2023-10-04T18:58:56.016" v="195"/>
-          <ac:spMkLst>
-            <pc:docMk/>
-            <pc:sldMasterMk cId="3025537983" sldId="2147483648"/>
-            <ac:spMk id="23" creationId="{06C7111A-38AC-DB08-B233-23855F14591E}"/>
-          </ac:spMkLst>
-        </pc:spChg>
-        <pc:spChg chg="mod">
-          <ac:chgData name="M T" userId="7f6c2d3ff5585f85" providerId="LiveId" clId="{EC767E0F-3D28-0F42-8B6C-43F553734B82}" dt="2023-10-04T18:58:56.016" v="195"/>
-          <ac:spMkLst>
-            <pc:docMk/>
-            <pc:sldMasterMk cId="3025537983" sldId="2147483648"/>
-            <ac:spMk id="24" creationId="{BE8798A8-4C61-C7E7-3647-2427B0A0E98B}"/>
-          </ac:spMkLst>
-        </pc:spChg>
-        <pc:grpChg chg="add del mod">
-          <ac:chgData name="M T" userId="7f6c2d3ff5585f85" providerId="LiveId" clId="{EC767E0F-3D28-0F42-8B6C-43F553734B82}" dt="2023-10-04T18:59:40.404" v="198" actId="478"/>
-          <ac:grpSpMkLst>
-            <pc:docMk/>
-            <pc:sldMasterMk cId="3025537983" sldId="2147483648"/>
-            <ac:grpSpMk id="11" creationId="{8666C2E9-66C8-F888-F22D-853E825753A4}"/>
-          </ac:grpSpMkLst>
-        </pc:grpChg>
-        <pc:grpChg chg="add del mod">
-          <ac:chgData name="M T" userId="7f6c2d3ff5585f85" providerId="LiveId" clId="{EC767E0F-3D28-0F42-8B6C-43F553734B82}" dt="2023-10-04T18:59:40.404" v="198" actId="478"/>
-          <ac:grpSpMkLst>
-            <pc:docMk/>
-            <pc:sldMasterMk cId="3025537983" sldId="2147483648"/>
-            <ac:grpSpMk id="18" creationId="{3E5F111C-381F-CA30-BEB0-8F2AC491C50A}"/>
-          </ac:grpSpMkLst>
-        </pc:grpChg>
-        <pc:sldLayoutChg chg="addSp modSp mod">
-          <pc:chgData name="M T" userId="7f6c2d3ff5585f85" providerId="LiveId" clId="{EC767E0F-3D28-0F42-8B6C-43F553734B82}" dt="2023-10-04T18:55:37.384" v="167"/>
-          <pc:sldLayoutMkLst>
-            <pc:docMk/>
-            <pc:sldMasterMk cId="3025537983" sldId="2147483648"/>
-            <pc:sldLayoutMk cId="582370395" sldId="2147483654"/>
-          </pc:sldLayoutMkLst>
-          <pc:spChg chg="add mod">
-            <ac:chgData name="M T" userId="7f6c2d3ff5585f85" providerId="LiveId" clId="{EC767E0F-3D28-0F42-8B6C-43F553734B82}" dt="2023-10-04T18:54:08.462" v="155"/>
-            <ac:spMkLst>
-              <pc:docMk/>
-              <pc:sldMasterMk cId="3025537983" sldId="2147483648"/>
-              <pc:sldLayoutMk cId="582370395" sldId="2147483654"/>
-              <ac:spMk id="6" creationId="{3DD9C08A-51C9-4F81-941C-BDD64F945A5F}"/>
-            </ac:spMkLst>
-          </pc:spChg>
-          <pc:spChg chg="add mod">
-            <ac:chgData name="M T" userId="7f6c2d3ff5585f85" providerId="LiveId" clId="{EC767E0F-3D28-0F42-8B6C-43F553734B82}" dt="2023-10-04T18:55:07.207" v="162"/>
-            <ac:spMkLst>
-              <pc:docMk/>
-              <pc:sldMasterMk cId="3025537983" sldId="2147483648"/>
-              <pc:sldLayoutMk cId="582370395" sldId="2147483654"/>
-              <ac:spMk id="7" creationId="{62849E12-BF32-3E39-79EA-3481F7C5DEAC}"/>
-            </ac:spMkLst>
-          </pc:spChg>
-          <pc:cxnChg chg="add mod">
-            <ac:chgData name="M T" userId="7f6c2d3ff5585f85" providerId="LiveId" clId="{EC767E0F-3D28-0F42-8B6C-43F553734B82}" dt="2023-10-04T18:55:37.384" v="167"/>
-            <ac:cxnSpMkLst>
-              <pc:docMk/>
-              <pc:sldMasterMk cId="3025537983" sldId="2147483648"/>
-              <pc:sldLayoutMk cId="582370395" sldId="2147483654"/>
-              <ac:cxnSpMk id="8" creationId="{9AE18515-FE94-41B6-0C62-C5D6544DE34A}"/>
-            </ac:cxnSpMkLst>
-          </pc:cxnChg>
-        </pc:sldLayoutChg>
-      </pc:sldMasterChg>
-    </pc:docChg>
-  </pc:docChgLst>
-  <pc:docChgLst>
-    <pc:chgData name="M T" userId="7f6c2d3ff5585f85" providerId="LiveId" clId="{C4B4BFD5-BB5C-C246-9D6D-C3D2AE27B8DB}"/>
-    <pc:docChg chg="undo custSel addSld delSld modSld sldOrd delMainMaster modMainMaster">
-      <pc:chgData name="M T" userId="7f6c2d3ff5585f85" providerId="LiveId" clId="{C4B4BFD5-BB5C-C246-9D6D-C3D2AE27B8DB}" dt="2023-09-26T13:18:53.349" v="1235" actId="478"/>
-      <pc:docMkLst>
-        <pc:docMk/>
-      </pc:docMkLst>
-      <pc:sldChg chg="addSp delSp modSp mod modNotesTx">
-        <pc:chgData name="M T" userId="7f6c2d3ff5585f85" providerId="LiveId" clId="{C4B4BFD5-BB5C-C246-9D6D-C3D2AE27B8DB}" dt="2023-09-26T13:08:29.243" v="814" actId="20577"/>
-        <pc:sldMkLst>
-          <pc:docMk/>
-          <pc:sldMk cId="3376455654" sldId="256"/>
-        </pc:sldMkLst>
-        <pc:spChg chg="mod">
-          <ac:chgData name="M T" userId="7f6c2d3ff5585f85" providerId="LiveId" clId="{C4B4BFD5-BB5C-C246-9D6D-C3D2AE27B8DB}" dt="2023-09-26T13:08:29.243" v="814" actId="20577"/>
-          <ac:spMkLst>
-            <pc:docMk/>
-            <pc:sldMk cId="3376455654" sldId="256"/>
-            <ac:spMk id="7" creationId="{B407C51B-EE8A-7E19-337C-1EF8144E663C}"/>
-          </ac:spMkLst>
-        </pc:spChg>
-        <pc:grpChg chg="del">
-          <ac:chgData name="M T" userId="7f6c2d3ff5585f85" providerId="LiveId" clId="{C4B4BFD5-BB5C-C246-9D6D-C3D2AE27B8DB}" dt="2023-09-26T11:39:46.428" v="0" actId="478"/>
-          <ac:grpSpMkLst>
-            <pc:docMk/>
-            <pc:sldMk cId="3376455654" sldId="256"/>
-            <ac:grpSpMk id="21" creationId="{E23E13C9-45EA-904D-5ED5-82AF65C4D91E}"/>
-          </ac:grpSpMkLst>
-        </pc:grpChg>
-        <pc:cxnChg chg="add del mod">
-          <ac:chgData name="M T" userId="7f6c2d3ff5585f85" providerId="LiveId" clId="{C4B4BFD5-BB5C-C246-9D6D-C3D2AE27B8DB}" dt="2023-09-26T11:39:56.085" v="3" actId="14100"/>
-          <ac:cxnSpMkLst>
-            <pc:docMk/>
-            <pc:sldMk cId="3376455654" sldId="256"/>
-            <ac:cxnSpMk id="35" creationId="{1D8B5AFE-A597-F58E-79A2-5352CBA651D2}"/>
-          </ac:cxnSpMkLst>
-        </pc:cxnChg>
-      </pc:sldChg>
-      <pc:sldChg chg="addSp delSp modSp mod modNotesTx">
-        <pc:chgData name="M T" userId="7f6c2d3ff5585f85" providerId="LiveId" clId="{C4B4BFD5-BB5C-C246-9D6D-C3D2AE27B8DB}" dt="2023-09-26T13:09:35.823" v="855" actId="20577"/>
-        <pc:sldMkLst>
-          <pc:docMk/>
-          <pc:sldMk cId="1899087313" sldId="257"/>
-        </pc:sldMkLst>
-        <pc:spChg chg="del">
-          <ac:chgData name="M T" userId="7f6c2d3ff5585f85" providerId="LiveId" clId="{C4B4BFD5-BB5C-C246-9D6D-C3D2AE27B8DB}" dt="2023-09-26T13:06:05.503" v="758" actId="478"/>
-          <ac:spMkLst>
-            <pc:docMk/>
-            <pc:sldMk cId="1899087313" sldId="257"/>
-            <ac:spMk id="3" creationId="{EB49F864-FA2A-B398-5A4B-65617545E187}"/>
-          </ac:spMkLst>
-        </pc:spChg>
-        <pc:spChg chg="del">
-          <ac:chgData name="M T" userId="7f6c2d3ff5585f85" providerId="LiveId" clId="{C4B4BFD5-BB5C-C246-9D6D-C3D2AE27B8DB}" dt="2023-09-26T11:51:07.792" v="180" actId="478"/>
-          <ac:spMkLst>
-            <pc:docMk/>
-            <pc:sldMk cId="1899087313" sldId="257"/>
-            <ac:spMk id="20" creationId="{ABC3BD41-718C-AB2D-2DD8-FAB68B0EDD99}"/>
-          </ac:spMkLst>
-        </pc:spChg>
-        <pc:spChg chg="mod">
-          <ac:chgData name="M T" userId="7f6c2d3ff5585f85" providerId="LiveId" clId="{C4B4BFD5-BB5C-C246-9D6D-C3D2AE27B8DB}" dt="2023-09-26T13:06:20.081" v="770" actId="20577"/>
-          <ac:spMkLst>
-            <pc:docMk/>
-            <pc:sldMk cId="1899087313" sldId="257"/>
-            <ac:spMk id="22" creationId="{29CCABAF-CABD-0DCA-146A-8DF8AA94EF98}"/>
-          </ac:spMkLst>
-        </pc:spChg>
-        <pc:spChg chg="del">
-          <ac:chgData name="M T" userId="7f6c2d3ff5585f85" providerId="LiveId" clId="{C4B4BFD5-BB5C-C246-9D6D-C3D2AE27B8DB}" dt="2023-09-26T13:06:05.503" v="758" actId="478"/>
-          <ac:spMkLst>
-            <pc:docMk/>
-            <pc:sldMk cId="1899087313" sldId="257"/>
-            <ac:spMk id="23" creationId="{75360DE8-31EE-FAA3-E777-47004567BD15}"/>
-          </ac:spMkLst>
-        </pc:spChg>
-        <pc:spChg chg="add del mod">
-          <ac:chgData name="M T" userId="7f6c2d3ff5585f85" providerId="LiveId" clId="{C4B4BFD5-BB5C-C246-9D6D-C3D2AE27B8DB}" dt="2023-09-26T11:51:16.956" v="183"/>
-          <ac:spMkLst>
-            <pc:docMk/>
-            <pc:sldMk cId="1899087313" sldId="257"/>
-            <ac:spMk id="24" creationId="{E897B0E1-F5B0-1AE2-8F5B-3650AE7FC126}"/>
-          </ac:spMkLst>
-        </pc:spChg>
-        <pc:spChg chg="add del mod">
-          <ac:chgData name="M T" userId="7f6c2d3ff5585f85" providerId="LiveId" clId="{C4B4BFD5-BB5C-C246-9D6D-C3D2AE27B8DB}" dt="2023-09-26T13:04:43.686" v="723"/>
-          <ac:spMkLst>
-            <pc:docMk/>
-            <pc:sldMk cId="1899087313" sldId="257"/>
-            <ac:spMk id="26" creationId="{F33FC88B-2892-A74C-273E-C67EF2738783}"/>
-          </ac:spMkLst>
-        </pc:spChg>
-        <pc:spChg chg="del">
-          <ac:chgData name="M T" userId="7f6c2d3ff5585f85" providerId="LiveId" clId="{C4B4BFD5-BB5C-C246-9D6D-C3D2AE27B8DB}" dt="2023-09-26T13:06:05.503" v="758" actId="478"/>
-          <ac:spMkLst>
-            <pc:docMk/>
-            <pc:sldMk cId="1899087313" sldId="257"/>
-            <ac:spMk id="28" creationId="{C87CD81E-E586-441B-5E91-A4F6467F9ED1}"/>
-          </ac:spMkLst>
-        </pc:spChg>
-        <pc:spChg chg="del">
-          <ac:chgData name="M T" userId="7f6c2d3ff5585f85" providerId="LiveId" clId="{C4B4BFD5-BB5C-C246-9D6D-C3D2AE27B8DB}" dt="2023-09-26T13:06:05.503" v="758" actId="478"/>
-          <ac:spMkLst>
-            <pc:docMk/>
-            <pc:sldMk cId="1899087313" sldId="257"/>
-            <ac:spMk id="29" creationId="{265E560A-5878-F6A4-D133-56FE5AC42BB5}"/>
-          </ac:spMkLst>
-        </pc:spChg>
-        <pc:spChg chg="del">
-          <ac:chgData name="M T" userId="7f6c2d3ff5585f85" providerId="LiveId" clId="{C4B4BFD5-BB5C-C246-9D6D-C3D2AE27B8DB}" dt="2023-09-26T13:06:05.503" v="758" actId="478"/>
-          <ac:spMkLst>
-            <pc:docMk/>
-            <pc:sldMk cId="1899087313" sldId="257"/>
-            <ac:spMk id="32" creationId="{645A61D0-A27C-4E86-3267-C3B0918F40E6}"/>
-          </ac:spMkLst>
-        </pc:spChg>
-        <pc:spChg chg="mod">
-          <ac:chgData name="M T" userId="7f6c2d3ff5585f85" providerId="LiveId" clId="{C4B4BFD5-BB5C-C246-9D6D-C3D2AE27B8DB}" dt="2023-09-26T11:41:37.111" v="46" actId="21"/>
-          <ac:spMkLst>
-            <pc:docMk/>
-            <pc:sldMk cId="1899087313" sldId="257"/>
-            <ac:spMk id="45" creationId="{B6429CB9-9544-2C8E-5FE0-1DF020713FDA}"/>
-          </ac:spMkLst>
-        </pc:spChg>
-        <pc:spChg chg="mod">
-          <ac:chgData name="M T" userId="7f6c2d3ff5585f85" providerId="LiveId" clId="{C4B4BFD5-BB5C-C246-9D6D-C3D2AE27B8DB}" dt="2023-09-26T11:41:46.850" v="48" actId="14100"/>
-          <ac:spMkLst>
-            <pc:docMk/>
-            <pc:sldMk cId="1899087313" sldId="257"/>
-            <ac:spMk id="48" creationId="{E4CCABAB-F10A-642D-34EC-706C8A69764F}"/>
-          </ac:spMkLst>
-        </pc:spChg>
-        <pc:spChg chg="mod">
-          <ac:chgData name="M T" userId="7f6c2d3ff5585f85" providerId="LiveId" clId="{C4B4BFD5-BB5C-C246-9D6D-C3D2AE27B8DB}" dt="2023-09-26T11:47:50.158" v="137" actId="403"/>
-          <ac:spMkLst>
-            <pc:docMk/>
-            <pc:sldMk cId="1899087313" sldId="257"/>
-            <ac:spMk id="49" creationId="{5E0FB491-20EC-BEAD-3DB9-CA8ADAFB476F}"/>
-          </ac:spMkLst>
-        </pc:spChg>
-        <pc:spChg chg="del">
-          <ac:chgData name="M T" userId="7f6c2d3ff5585f85" providerId="LiveId" clId="{C4B4BFD5-BB5C-C246-9D6D-C3D2AE27B8DB}" dt="2023-09-26T11:42:10.451" v="65" actId="478"/>
-          <ac:spMkLst>
-            <pc:docMk/>
-            <pc:sldMk cId="1899087313" sldId="257"/>
-            <ac:spMk id="51" creationId="{04A8EB87-AA5F-5CEE-22BC-7F87E93F76F5}"/>
-          </ac:spMkLst>
-        </pc:spChg>
-        <pc:spChg chg="del mod">
-          <ac:chgData name="M T" userId="7f6c2d3ff5585f85" providerId="LiveId" clId="{C4B4BFD5-BB5C-C246-9D6D-C3D2AE27B8DB}" dt="2023-09-26T13:04:48.725" v="726" actId="478"/>
-          <ac:spMkLst>
-            <pc:docMk/>
-            <pc:sldMk cId="1899087313" sldId="257"/>
-            <ac:spMk id="53" creationId="{5BE43F74-9C87-66AE-9F3E-0B77D17F00DC}"/>
-          </ac:spMkLst>
-        </pc:spChg>
-        <pc:spChg chg="del">
-          <ac:chgData name="M T" userId="7f6c2d3ff5585f85" providerId="LiveId" clId="{C4B4BFD5-BB5C-C246-9D6D-C3D2AE27B8DB}" dt="2023-09-26T11:42:10.451" v="65" actId="478"/>
-          <ac:spMkLst>
-            <pc:docMk/>
-            <pc:sldMk cId="1899087313" sldId="257"/>
-            <ac:spMk id="54" creationId="{9207EBB2-61F5-E0DA-BE3D-2CDCF2FACD60}"/>
-          </ac:spMkLst>
-        </pc:spChg>
-        <pc:spChg chg="del">
-          <ac:chgData name="M T" userId="7f6c2d3ff5585f85" providerId="LiveId" clId="{C4B4BFD5-BB5C-C246-9D6D-C3D2AE27B8DB}" dt="2023-09-26T13:06:05.503" v="758" actId="478"/>
-          <ac:spMkLst>
-            <pc:docMk/>
-            <pc:sldMk cId="1899087313" sldId="257"/>
-            <ac:spMk id="1032" creationId="{3AD0C471-6548-0BFD-CA07-294965E4E7C2}"/>
-          </ac:spMkLst>
-        </pc:spChg>
-        <pc:spChg chg="del">
-          <ac:chgData name="M T" userId="7f6c2d3ff5585f85" providerId="LiveId" clId="{C4B4BFD5-BB5C-C246-9D6D-C3D2AE27B8DB}" dt="2023-09-26T13:06:05.503" v="758" actId="478"/>
-          <ac:spMkLst>
-            <pc:docMk/>
-            <pc:sldMk cId="1899087313" sldId="257"/>
-            <ac:spMk id="1043" creationId="{74FF25D1-9C7F-1C6F-B359-8B986150EDAA}"/>
-          </ac:spMkLst>
-        </pc:spChg>
-        <pc:spChg chg="add mod">
-          <ac:chgData name="M T" userId="7f6c2d3ff5585f85" providerId="LiveId" clId="{C4B4BFD5-BB5C-C246-9D6D-C3D2AE27B8DB}" dt="2023-09-26T13:06:08.264" v="759"/>
-          <ac:spMkLst>
-            <pc:docMk/>
-            <pc:sldMk cId="1899087313" sldId="257"/>
-            <ac:spMk id="1060" creationId="{E79FBC84-692E-5902-8E65-59309540E601}"/>
-          </ac:spMkLst>
-        </pc:spChg>
-        <pc:spChg chg="add mod">
-          <ac:chgData name="M T" userId="7f6c2d3ff5585f85" providerId="LiveId" clId="{C4B4BFD5-BB5C-C246-9D6D-C3D2AE27B8DB}" dt="2023-09-26T13:09:35.823" v="855" actId="20577"/>
-          <ac:spMkLst>
-            <pc:docMk/>
-            <pc:sldMk cId="1899087313" sldId="257"/>
-            <ac:spMk id="1061" creationId="{FB157C54-5FAB-9497-4AAD-02406BD8C454}"/>
-          </ac:spMkLst>
-        </pc:spChg>
-        <pc:spChg chg="mod">
-          <ac:chgData name="M T" userId="7f6c2d3ff5585f85" providerId="LiveId" clId="{C4B4BFD5-BB5C-C246-9D6D-C3D2AE27B8DB}" dt="2023-09-26T13:06:08.264" v="759"/>
-          <ac:spMkLst>
-            <pc:docMk/>
-            <pc:sldMk cId="1899087313" sldId="257"/>
-            <ac:spMk id="1063" creationId="{0E612B9D-938E-40AF-4EA4-90E85B959485}"/>
-          </ac:spMkLst>
-        </pc:spChg>
-        <pc:spChg chg="mod">
-          <ac:chgData name="M T" userId="7f6c2d3ff5585f85" providerId="LiveId" clId="{C4B4BFD5-BB5C-C246-9D6D-C3D2AE27B8DB}" dt="2023-09-26T13:06:08.264" v="759"/>
-          <ac:spMkLst>
-            <pc:docMk/>
-            <pc:sldMk cId="1899087313" sldId="257"/>
-            <ac:spMk id="1064" creationId="{539892E9-9CFA-1DE7-C183-5A497766EA2A}"/>
-          </ac:spMkLst>
-        </pc:spChg>
-        <pc:spChg chg="mod">
-          <ac:chgData name="M T" userId="7f6c2d3ff5585f85" providerId="LiveId" clId="{C4B4BFD5-BB5C-C246-9D6D-C3D2AE27B8DB}" dt="2023-09-26T13:06:08.264" v="759"/>
-          <ac:spMkLst>
-            <pc:docMk/>
-            <pc:sldMk cId="1899087313" sldId="257"/>
-            <ac:spMk id="1065" creationId="{DC72476A-A23A-0C94-6636-AD05AE651525}"/>
-          </ac:spMkLst>
-        </pc:spChg>
-        <pc:spChg chg="mod">
-          <ac:chgData name="M T" userId="7f6c2d3ff5585f85" providerId="LiveId" clId="{C4B4BFD5-BB5C-C246-9D6D-C3D2AE27B8DB}" dt="2023-09-26T13:06:08.264" v="759"/>
-          <ac:spMkLst>
-            <pc:docMk/>
-            <pc:sldMk cId="1899087313" sldId="257"/>
-            <ac:spMk id="1066" creationId="{AEFAB797-B08B-9319-9FB6-266415CA3A01}"/>
-          </ac:spMkLst>
-        </pc:spChg>
-        <pc:spChg chg="mod">
-          <ac:chgData name="M T" userId="7f6c2d3ff5585f85" providerId="LiveId" clId="{C4B4BFD5-BB5C-C246-9D6D-C3D2AE27B8DB}" dt="2023-09-26T13:06:08.264" v="759"/>
-          <ac:spMkLst>
-            <pc:docMk/>
-            <pc:sldMk cId="1899087313" sldId="257"/>
-            <ac:spMk id="1067" creationId="{96A43EE2-3B45-3D95-31FD-8503D2CF310F}"/>
-          </ac:spMkLst>
-        </pc:spChg>
-        <pc:spChg chg="mod">
-          <ac:chgData name="M T" userId="7f6c2d3ff5585f85" providerId="LiveId" clId="{C4B4BFD5-BB5C-C246-9D6D-C3D2AE27B8DB}" dt="2023-09-26T13:06:08.264" v="759"/>
-          <ac:spMkLst>
-            <pc:docMk/>
-            <pc:sldMk cId="1899087313" sldId="257"/>
-            <ac:spMk id="1068" creationId="{CF5FE0B4-4BF9-E41B-0CDA-403512D76E94}"/>
-          </ac:spMkLst>
-        </pc:spChg>
-        <pc:grpChg chg="del">
-          <ac:chgData name="M T" userId="7f6c2d3ff5585f85" providerId="LiveId" clId="{C4B4BFD5-BB5C-C246-9D6D-C3D2AE27B8DB}" dt="2023-09-26T13:06:05.503" v="758" actId="478"/>
-          <ac:grpSpMkLst>
-            <pc:docMk/>
-            <pc:sldMk cId="1899087313" sldId="257"/>
-            <ac:grpSpMk id="10" creationId="{DAA5F4C1-6854-6EFD-0287-47B9D96286A2}"/>
-          </ac:grpSpMkLst>
-        </pc:grpChg>
-        <pc:grpChg chg="del">
-          <ac:chgData name="M T" userId="7f6c2d3ff5585f85" providerId="LiveId" clId="{C4B4BFD5-BB5C-C246-9D6D-C3D2AE27B8DB}" dt="2023-09-26T13:06:05.503" v="758" actId="478"/>
-          <ac:grpSpMkLst>
-            <pc:docMk/>
-            <pc:sldMk cId="1899087313" sldId="257"/>
-            <ac:grpSpMk id="37" creationId="{FA19AFC9-8D32-6F44-AA35-BEE365976E37}"/>
-          </ac:grpSpMkLst>
-        </pc:grpChg>
-        <pc:grpChg chg="del">
-          <ac:chgData name="M T" userId="7f6c2d3ff5585f85" providerId="LiveId" clId="{C4B4BFD5-BB5C-C246-9D6D-C3D2AE27B8DB}" dt="2023-09-26T11:42:10.451" v="65" actId="478"/>
-          <ac:grpSpMkLst>
-            <pc:docMk/>
-            <pc:sldMk cId="1899087313" sldId="257"/>
-            <ac:grpSpMk id="61" creationId="{37C74FC5-B981-21BD-F758-3BC83E483226}"/>
-          </ac:grpSpMkLst>
-        </pc:grpChg>
-        <pc:grpChg chg="del">
-          <ac:chgData name="M T" userId="7f6c2d3ff5585f85" providerId="LiveId" clId="{C4B4BFD5-BB5C-C246-9D6D-C3D2AE27B8DB}" dt="2023-09-26T11:42:10.451" v="65" actId="478"/>
-          <ac:grpSpMkLst>
-            <pc:docMk/>
-            <pc:sldMk cId="1899087313" sldId="257"/>
-            <ac:grpSpMk id="1025" creationId="{2623E88C-031E-6A84-C964-AA78B1BD632D}"/>
-          </ac:grpSpMkLst>
-        </pc:grpChg>
-        <pc:grpChg chg="del">
-          <ac:chgData name="M T" userId="7f6c2d3ff5585f85" providerId="LiveId" clId="{C4B4BFD5-BB5C-C246-9D6D-C3D2AE27B8DB}" dt="2023-09-26T11:42:04.262" v="64" actId="478"/>
-          <ac:grpSpMkLst>
-            <pc:docMk/>
-            <pc:sldMk cId="1899087313" sldId="257"/>
-            <ac:grpSpMk id="1046" creationId="{8DE97CF0-A119-9B4B-FCE0-F344B5235EFB}"/>
-          </ac:grpSpMkLst>
-        </pc:grpChg>
-        <pc:grpChg chg="del">
-          <ac:chgData name="M T" userId="7f6c2d3ff5585f85" providerId="LiveId" clId="{C4B4BFD5-BB5C-C246-9D6D-C3D2AE27B8DB}" dt="2023-09-26T13:06:05.503" v="758" actId="478"/>
-          <ac:grpSpMkLst>
-            <pc:docMk/>
-            <pc:sldMk cId="1899087313" sldId="257"/>
-            <ac:grpSpMk id="1047" creationId="{8C468BC8-8E50-7814-3BAF-BBDF0078CB61}"/>
-          </ac:grpSpMkLst>
-        </pc:grpChg>
-        <pc:grpChg chg="del">
-          <ac:chgData name="M T" userId="7f6c2d3ff5585f85" providerId="LiveId" clId="{C4B4BFD5-BB5C-C246-9D6D-C3D2AE27B8DB}" dt="2023-09-26T13:06:05.503" v="758" actId="478"/>
-          <ac:grpSpMkLst>
-            <pc:docMk/>
-            <pc:sldMk cId="1899087313" sldId="257"/>
-            <ac:grpSpMk id="1053" creationId="{68418050-7D1D-3CEF-10BB-7D6E6CCEBE0F}"/>
-          </ac:grpSpMkLst>
-        </pc:grpChg>
-        <pc:grpChg chg="add mod">
-          <ac:chgData name="M T" userId="7f6c2d3ff5585f85" providerId="LiveId" clId="{C4B4BFD5-BB5C-C246-9D6D-C3D2AE27B8DB}" dt="2023-09-26T13:06:08.264" v="759"/>
-          <ac:grpSpMkLst>
-            <pc:docMk/>
-            <pc:sldMk cId="1899087313" sldId="257"/>
-            <ac:grpSpMk id="1062" creationId="{2F3F0640-0CD8-1569-645E-4AB80C015628}"/>
-          </ac:grpSpMkLst>
-        </pc:grpChg>
-        <pc:picChg chg="del">
-          <ac:chgData name="M T" userId="7f6c2d3ff5585f85" providerId="LiveId" clId="{C4B4BFD5-BB5C-C246-9D6D-C3D2AE27B8DB}" dt="2023-09-26T13:06:05.503" v="758" actId="478"/>
-          <ac:picMkLst>
-            <pc:docMk/>
-            <pc:sldMk cId="1899087313" sldId="257"/>
-            <ac:picMk id="25" creationId="{F42B7863-B6C2-81AF-4B61-32B4B53C2B76}"/>
-          </ac:picMkLst>
-        </pc:picChg>
-        <pc:picChg chg="del">
-          <ac:chgData name="M T" userId="7f6c2d3ff5585f85" providerId="LiveId" clId="{C4B4BFD5-BB5C-C246-9D6D-C3D2AE27B8DB}" dt="2023-09-26T13:06:05.503" v="758" actId="478"/>
-          <ac:picMkLst>
-            <pc:docMk/>
-            <pc:sldMk cId="1899087313" sldId="257"/>
-            <ac:picMk id="27" creationId="{9E441735-64FC-E2D3-778C-4784AF24B298}"/>
-          </ac:picMkLst>
-        </pc:picChg>
-        <pc:picChg chg="del">
-          <ac:chgData name="M T" userId="7f6c2d3ff5585f85" providerId="LiveId" clId="{C4B4BFD5-BB5C-C246-9D6D-C3D2AE27B8DB}" dt="2023-09-26T13:06:05.503" v="758" actId="478"/>
-          <ac:picMkLst>
-            <pc:docMk/>
-            <pc:sldMk cId="1899087313" sldId="257"/>
-            <ac:picMk id="34" creationId="{F9CB26A2-81BA-13AE-6037-6D6265AD148B}"/>
-          </ac:picMkLst>
-        </pc:picChg>
-        <pc:picChg chg="add mod">
-          <ac:chgData name="M T" userId="7f6c2d3ff5585f85" providerId="LiveId" clId="{C4B4BFD5-BB5C-C246-9D6D-C3D2AE27B8DB}" dt="2023-09-26T13:06:08.264" v="759"/>
-          <ac:picMkLst>
-            <pc:docMk/>
-            <pc:sldMk cId="1899087313" sldId="257"/>
-            <ac:picMk id="1069" creationId="{078A5E8A-85DF-B2D2-0B35-F0A2539388C0}"/>
-          </ac:picMkLst>
-        </pc:picChg>
-        <pc:cxnChg chg="del">
-          <ac:chgData name="M T" userId="7f6c2d3ff5585f85" providerId="LiveId" clId="{C4B4BFD5-BB5C-C246-9D6D-C3D2AE27B8DB}" dt="2023-09-26T13:06:05.503" v="758" actId="478"/>
-          <ac:cxnSpMkLst>
-            <pc:docMk/>
-            <pc:sldMk cId="1899087313" sldId="257"/>
-            <ac:cxnSpMk id="33" creationId="{FC000B6E-D9A7-1992-7074-0A9F4E5E0690}"/>
-          </ac:cxnSpMkLst>
-        </pc:cxnChg>
-        <pc:cxnChg chg="del">
-          <ac:chgData name="M T" userId="7f6c2d3ff5585f85" providerId="LiveId" clId="{C4B4BFD5-BB5C-C246-9D6D-C3D2AE27B8DB}" dt="2023-09-26T13:06:05.503" v="758" actId="478"/>
-          <ac:cxnSpMkLst>
-            <pc:docMk/>
-            <pc:sldMk cId="1899087313" sldId="257"/>
-            <ac:cxnSpMk id="35" creationId="{2ED7F392-BD7D-2FFD-EA64-3D637936049E}"/>
-          </ac:cxnSpMkLst>
-        </pc:cxnChg>
-        <pc:cxnChg chg="del">
-          <ac:chgData name="M T" userId="7f6c2d3ff5585f85" providerId="LiveId" clId="{C4B4BFD5-BB5C-C246-9D6D-C3D2AE27B8DB}" dt="2023-09-26T13:06:05.503" v="758" actId="478"/>
-          <ac:cxnSpMkLst>
-            <pc:docMk/>
-            <pc:sldMk cId="1899087313" sldId="257"/>
-            <ac:cxnSpMk id="36" creationId="{39757C1F-F606-4DE6-AC74-7DF0EF74F9BC}"/>
-          </ac:cxnSpMkLst>
-        </pc:cxnChg>
-        <pc:cxnChg chg="del">
-          <ac:chgData name="M T" userId="7f6c2d3ff5585f85" providerId="LiveId" clId="{C4B4BFD5-BB5C-C246-9D6D-C3D2AE27B8DB}" dt="2023-09-26T11:42:10.451" v="65" actId="478"/>
-          <ac:cxnSpMkLst>
-            <pc:docMk/>
-            <pc:sldMk cId="1899087313" sldId="257"/>
-            <ac:cxnSpMk id="1033" creationId="{5299E96C-F8A2-9423-A221-150AB8908F15}"/>
-          </ac:cxnSpMkLst>
-        </pc:cxnChg>
-        <pc:cxnChg chg="del">
-          <ac:chgData name="M T" userId="7f6c2d3ff5585f85" providerId="LiveId" clId="{C4B4BFD5-BB5C-C246-9D6D-C3D2AE27B8DB}" dt="2023-09-26T11:42:10.451" v="65" actId="478"/>
-          <ac:cxnSpMkLst>
-            <pc:docMk/>
-            <pc:sldMk cId="1899087313" sldId="257"/>
-            <ac:cxnSpMk id="1034" creationId="{9B9FF128-76D7-BA42-BB3D-17FB0CB18BF6}"/>
-          </ac:cxnSpMkLst>
-        </pc:cxnChg>
-      </pc:sldChg>
-      <pc:sldChg chg="del">
-        <pc:chgData name="M T" userId="7f6c2d3ff5585f85" providerId="LiveId" clId="{C4B4BFD5-BB5C-C246-9D6D-C3D2AE27B8DB}" dt="2023-09-26T13:01:36.299" v="645" actId="2696"/>
-        <pc:sldMkLst>
-          <pc:docMk/>
-          <pc:sldMk cId="1364350643" sldId="258"/>
-        </pc:sldMkLst>
-      </pc:sldChg>
-      <pc:sldChg chg="del">
-        <pc:chgData name="M T" userId="7f6c2d3ff5585f85" providerId="LiveId" clId="{C4B4BFD5-BB5C-C246-9D6D-C3D2AE27B8DB}" dt="2023-09-26T13:01:36.446" v="650" actId="2696"/>
-        <pc:sldMkLst>
-          <pc:docMk/>
-          <pc:sldMk cId="3738388929" sldId="259"/>
-        </pc:sldMkLst>
-      </pc:sldChg>
-      <pc:sldChg chg="del">
-        <pc:chgData name="M T" userId="7f6c2d3ff5585f85" providerId="LiveId" clId="{C4B4BFD5-BB5C-C246-9D6D-C3D2AE27B8DB}" dt="2023-09-26T13:01:36.355" v="648" actId="2696"/>
-        <pc:sldMkLst>
-          <pc:docMk/>
-          <pc:sldMk cId="4062347060" sldId="260"/>
-        </pc:sldMkLst>
-      </pc:sldChg>
-      <pc:sldChg chg="del">
-        <pc:chgData name="M T" userId="7f6c2d3ff5585f85" providerId="LiveId" clId="{C4B4BFD5-BB5C-C246-9D6D-C3D2AE27B8DB}" dt="2023-09-26T13:01:36.513" v="651" actId="2696"/>
-        <pc:sldMkLst>
-          <pc:docMk/>
-          <pc:sldMk cId="3786646660" sldId="261"/>
-        </pc:sldMkLst>
-      </pc:sldChg>
-      <pc:sldChg chg="del">
-        <pc:chgData name="M T" userId="7f6c2d3ff5585f85" providerId="LiveId" clId="{C4B4BFD5-BB5C-C246-9D6D-C3D2AE27B8DB}" dt="2023-09-26T13:01:36.318" v="646" actId="2696"/>
-        <pc:sldMkLst>
-          <pc:docMk/>
-          <pc:sldMk cId="2858656386" sldId="262"/>
-        </pc:sldMkLst>
-      </pc:sldChg>
-      <pc:sldChg chg="del">
-        <pc:chgData name="M T" userId="7f6c2d3ff5585f85" providerId="LiveId" clId="{C4B4BFD5-BB5C-C246-9D6D-C3D2AE27B8DB}" dt="2023-09-26T13:01:36.373" v="649" actId="2696"/>
-        <pc:sldMkLst>
-          <pc:docMk/>
-          <pc:sldMk cId="3964310814" sldId="263"/>
-        </pc:sldMkLst>
-      </pc:sldChg>
-      <pc:sldChg chg="del">
-        <pc:chgData name="M T" userId="7f6c2d3ff5585f85" providerId="LiveId" clId="{C4B4BFD5-BB5C-C246-9D6D-C3D2AE27B8DB}" dt="2023-09-26T13:01:36.337" v="647" actId="2696"/>
-        <pc:sldMkLst>
-          <pc:docMk/>
-          <pc:sldMk cId="2763769299" sldId="264"/>
-        </pc:sldMkLst>
-      </pc:sldChg>
-      <pc:sldChg chg="del">
-        <pc:chgData name="M T" userId="7f6c2d3ff5585f85" providerId="LiveId" clId="{C4B4BFD5-BB5C-C246-9D6D-C3D2AE27B8DB}" dt="2023-09-26T13:07:57.057" v="781" actId="2696"/>
-        <pc:sldMkLst>
-          <pc:docMk/>
-          <pc:sldMk cId="118694577" sldId="265"/>
-        </pc:sldMkLst>
-      </pc:sldChg>
-      <pc:sldChg chg="delSp modSp mod">
-        <pc:chgData name="M T" userId="7f6c2d3ff5585f85" providerId="LiveId" clId="{C4B4BFD5-BB5C-C246-9D6D-C3D2AE27B8DB}" dt="2023-09-26T13:18:28.798" v="1233" actId="478"/>
-        <pc:sldMkLst>
-          <pc:docMk/>
-          <pc:sldMk cId="3582850861" sldId="266"/>
-        </pc:sldMkLst>
-        <pc:spChg chg="del">
-          <ac:chgData name="M T" userId="7f6c2d3ff5585f85" providerId="LiveId" clId="{C4B4BFD5-BB5C-C246-9D6D-C3D2AE27B8DB}" dt="2023-09-26T13:18:27.186" v="1232" actId="478"/>
-          <ac:spMkLst>
-            <pc:docMk/>
-            <pc:sldMk cId="3582850861" sldId="266"/>
-            <ac:spMk id="5" creationId="{2F0ECA0E-5FD1-07E5-5901-3B14B5E17D66}"/>
-          </ac:spMkLst>
-        </pc:spChg>
-        <pc:spChg chg="del">
-          <ac:chgData name="M T" userId="7f6c2d3ff5585f85" providerId="LiveId" clId="{C4B4BFD5-BB5C-C246-9D6D-C3D2AE27B8DB}" dt="2023-09-26T13:18:23.749" v="1230" actId="478"/>
-          <ac:spMkLst>
-            <pc:docMk/>
-            <pc:sldMk cId="3582850861" sldId="266"/>
-            <ac:spMk id="21" creationId="{8342F0CF-7BB2-D284-8D2E-A78414AE605F}"/>
-          </ac:spMkLst>
-        </pc:spChg>
-        <pc:grpChg chg="del">
-          <ac:chgData name="M T" userId="7f6c2d3ff5585f85" providerId="LiveId" clId="{C4B4BFD5-BB5C-C246-9D6D-C3D2AE27B8DB}" dt="2023-09-26T13:18:25.156" v="1231" actId="478"/>
-          <ac:grpSpMkLst>
-            <pc:docMk/>
-            <pc:sldMk cId="3582850861" sldId="266"/>
-            <ac:grpSpMk id="15" creationId="{47FBF758-B5EC-6665-03D5-CD3F49C37620}"/>
-          </ac:grpSpMkLst>
-        </pc:grpChg>
-        <pc:cxnChg chg="del mod">
-          <ac:chgData name="M T" userId="7f6c2d3ff5585f85" providerId="LiveId" clId="{C4B4BFD5-BB5C-C246-9D6D-C3D2AE27B8DB}" dt="2023-09-26T13:18:28.798" v="1233" actId="478"/>
-          <ac:cxnSpMkLst>
-            <pc:docMk/>
-            <pc:sldMk cId="3582850861" sldId="266"/>
-            <ac:cxnSpMk id="4" creationId="{8BE53BD0-2A62-0FD6-74F3-9AC3F1DE7FAD}"/>
-          </ac:cxnSpMkLst>
-        </pc:cxnChg>
-      </pc:sldChg>
-      <pc:sldChg chg="del">
-        <pc:chgData name="M T" userId="7f6c2d3ff5585f85" providerId="LiveId" clId="{C4B4BFD5-BB5C-C246-9D6D-C3D2AE27B8DB}" dt="2023-09-26T11:42:15.960" v="67" actId="2696"/>
-        <pc:sldMkLst>
-          <pc:docMk/>
-          <pc:sldMk cId="1380648102" sldId="273"/>
-        </pc:sldMkLst>
-      </pc:sldChg>
-      <pc:sldChg chg="del">
-        <pc:chgData name="M T" userId="7f6c2d3ff5585f85" providerId="LiveId" clId="{C4B4BFD5-BB5C-C246-9D6D-C3D2AE27B8DB}" dt="2023-09-26T11:42:15.948" v="66" actId="2696"/>
-        <pc:sldMkLst>
-          <pc:docMk/>
-          <pc:sldMk cId="1671820129" sldId="274"/>
-        </pc:sldMkLst>
-      </pc:sldChg>
-      <pc:sldChg chg="del">
-        <pc:chgData name="M T" userId="7f6c2d3ff5585f85" providerId="LiveId" clId="{C4B4BFD5-BB5C-C246-9D6D-C3D2AE27B8DB}" dt="2023-09-26T11:42:15.979" v="68" actId="2696"/>
-        <pc:sldMkLst>
-          <pc:docMk/>
-          <pc:sldMk cId="3673212789" sldId="284"/>
-        </pc:sldMkLst>
-      </pc:sldChg>
-      <pc:sldChg chg="del">
-        <pc:chgData name="M T" userId="7f6c2d3ff5585f85" providerId="LiveId" clId="{C4B4BFD5-BB5C-C246-9D6D-C3D2AE27B8DB}" dt="2023-09-26T13:01:39.506" v="652" actId="2696"/>
-        <pc:sldMkLst>
-          <pc:docMk/>
-          <pc:sldMk cId="1956739095" sldId="294"/>
-        </pc:sldMkLst>
-      </pc:sldChg>
-      <pc:sldChg chg="addSp delSp modSp add mod setBg modNotesTx">
-        <pc:chgData name="M T" userId="7f6c2d3ff5585f85" providerId="LiveId" clId="{C4B4BFD5-BB5C-C246-9D6D-C3D2AE27B8DB}" dt="2023-09-26T13:10:18.123" v="899" actId="20577"/>
-        <pc:sldMkLst>
-          <pc:docMk/>
-          <pc:sldMk cId="1377395150" sldId="295"/>
-        </pc:sldMkLst>
-        <pc:spChg chg="mod">
-          <ac:chgData name="M T" userId="7f6c2d3ff5585f85" providerId="LiveId" clId="{C4B4BFD5-BB5C-C246-9D6D-C3D2AE27B8DB}" dt="2023-09-26T12:09:10.854" v="519" actId="1035"/>
-          <ac:spMkLst>
-            <pc:docMk/>
-            <pc:sldMk cId="1377395150" sldId="295"/>
-            <ac:spMk id="3" creationId="{EB49F864-FA2A-B398-5A4B-65617545E187}"/>
-          </ac:spMkLst>
-        </pc:spChg>
-        <pc:spChg chg="mod">
-          <ac:chgData name="M T" userId="7f6c2d3ff5585f85" providerId="LiveId" clId="{C4B4BFD5-BB5C-C246-9D6D-C3D2AE27B8DB}" dt="2023-09-26T11:49:30.118" v="165" actId="20577"/>
-          <ac:spMkLst>
-            <pc:docMk/>
-            <pc:sldMk cId="1377395150" sldId="295"/>
-            <ac:spMk id="18" creationId="{355AC3A1-175C-0DC3-DBAF-F626A9F3780A}"/>
-          </ac:spMkLst>
-        </pc:spChg>
-        <pc:spChg chg="mod">
-          <ac:chgData name="M T" userId="7f6c2d3ff5585f85" providerId="LiveId" clId="{C4B4BFD5-BB5C-C246-9D6D-C3D2AE27B8DB}" dt="2023-09-26T12:06:15.263" v="331" actId="1076"/>
-          <ac:spMkLst>
-            <pc:docMk/>
-            <pc:sldMk cId="1377395150" sldId="295"/>
-            <ac:spMk id="19" creationId="{E642CB68-7691-44D5-88F4-20E83F6DA0D7}"/>
-          </ac:spMkLst>
-        </pc:spChg>
-        <pc:spChg chg="del">
-          <ac:chgData name="M T" userId="7f6c2d3ff5585f85" providerId="LiveId" clId="{C4B4BFD5-BB5C-C246-9D6D-C3D2AE27B8DB}" dt="2023-09-26T11:51:00.974" v="179" actId="478"/>
-          <ac:spMkLst>
-            <pc:docMk/>
-            <pc:sldMk cId="1377395150" sldId="295"/>
-            <ac:spMk id="20" creationId="{ABC3BD41-718C-AB2D-2DD8-FAB68B0EDD99}"/>
-          </ac:spMkLst>
-        </pc:spChg>
-        <pc:spChg chg="mod">
-          <ac:chgData name="M T" userId="7f6c2d3ff5585f85" providerId="LiveId" clId="{C4B4BFD5-BB5C-C246-9D6D-C3D2AE27B8DB}" dt="2023-09-26T13:05:31.730" v="757" actId="20577"/>
-          <ac:spMkLst>
-            <pc:docMk/>
-            <pc:sldMk cId="1377395150" sldId="295"/>
-            <ac:spMk id="21" creationId="{ED46B618-2CF9-7941-4EA2-0BAE302EE4DF}"/>
-          </ac:spMkLst>
-        </pc:spChg>
-        <pc:spChg chg="mod">
-          <ac:chgData name="M T" userId="7f6c2d3ff5585f85" providerId="LiveId" clId="{C4B4BFD5-BB5C-C246-9D6D-C3D2AE27B8DB}" dt="2023-09-26T13:05:26.200" v="742" actId="20577"/>
-          <ac:spMkLst>
-            <pc:docMk/>
-            <pc:sldMk cId="1377395150" sldId="295"/>
-            <ac:spMk id="22" creationId="{29CCABAF-CABD-0DCA-146A-8DF8AA94EF98}"/>
-          </ac:spMkLst>
-        </pc:spChg>
-        <pc:spChg chg="mod">
-          <ac:chgData name="M T" userId="7f6c2d3ff5585f85" providerId="LiveId" clId="{C4B4BFD5-BB5C-C246-9D6D-C3D2AE27B8DB}" dt="2023-09-26T12:07:21.407" v="342" actId="20577"/>
-          <ac:spMkLst>
-            <pc:docMk/>
-            <pc:sldMk cId="1377395150" sldId="295"/>
-            <ac:spMk id="23" creationId="{75360DE8-31EE-FAA3-E777-47004567BD15}"/>
-          </ac:spMkLst>
-        </pc:spChg>
-        <pc:spChg chg="add del mod">
-          <ac:chgData name="M T" userId="7f6c2d3ff5585f85" providerId="LiveId" clId="{C4B4BFD5-BB5C-C246-9D6D-C3D2AE27B8DB}" dt="2023-09-26T13:05:09.748" v="731"/>
-          <ac:spMkLst>
-            <pc:docMk/>
-            <pc:sldMk cId="1377395150" sldId="295"/>
-            <ac:spMk id="24" creationId="{66B92D63-617F-6007-91F1-3BFC92C2DCBA}"/>
-          </ac:spMkLst>
-        </pc:spChg>
-        <pc:spChg chg="add mod">
-          <ac:chgData name="M T" userId="7f6c2d3ff5585f85" providerId="LiveId" clId="{C4B4BFD5-BB5C-C246-9D6D-C3D2AE27B8DB}" dt="2023-09-26T13:06:54.390" v="775" actId="1076"/>
-          <ac:spMkLst>
-            <pc:docMk/>
-            <pc:sldMk cId="1377395150" sldId="295"/>
-            <ac:spMk id="26" creationId="{BFE641C2-ED06-99AD-6B00-D4CB03ADB443}"/>
-          </ac:spMkLst>
-        </pc:spChg>
-        <pc:spChg chg="del">
-          <ac:chgData name="M T" userId="7f6c2d3ff5585f85" providerId="LiveId" clId="{C4B4BFD5-BB5C-C246-9D6D-C3D2AE27B8DB}" dt="2023-09-26T13:06:42.486" v="773" actId="478"/>
-          <ac:spMkLst>
-            <pc:docMk/>
-            <pc:sldMk cId="1377395150" sldId="295"/>
-            <ac:spMk id="28" creationId="{C87CD81E-E586-441B-5E91-A4F6467F9ED1}"/>
-          </ac:spMkLst>
-        </pc:spChg>
-        <pc:spChg chg="del">
-          <ac:chgData name="M T" userId="7f6c2d3ff5585f85" providerId="LiveId" clId="{C4B4BFD5-BB5C-C246-9D6D-C3D2AE27B8DB}" dt="2023-09-26T13:06:42.486" v="773" actId="478"/>
-          <ac:spMkLst>
-            <pc:docMk/>
-            <pc:sldMk cId="1377395150" sldId="295"/>
-            <ac:spMk id="29" creationId="{265E560A-5878-F6A4-D133-56FE5AC42BB5}"/>
-          </ac:spMkLst>
-        </pc:spChg>
-        <pc:spChg chg="del">
-          <ac:chgData name="M T" userId="7f6c2d3ff5585f85" providerId="LiveId" clId="{C4B4BFD5-BB5C-C246-9D6D-C3D2AE27B8DB}" dt="2023-09-26T12:07:32.352" v="343" actId="478"/>
-          <ac:spMkLst>
-            <pc:docMk/>
-            <pc:sldMk cId="1377395150" sldId="295"/>
-            <ac:spMk id="32" creationId="{645A61D0-A27C-4E86-3267-C3B0918F40E6}"/>
-          </ac:spMkLst>
-        </pc:spChg>
-        <pc:spChg chg="mod">
-          <ac:chgData name="M T" userId="7f6c2d3ff5585f85" providerId="LiveId" clId="{C4B4BFD5-BB5C-C246-9D6D-C3D2AE27B8DB}" dt="2023-09-26T11:49:08.283" v="144" actId="14100"/>
-          <ac:spMkLst>
-            <pc:docMk/>
-            <pc:sldMk cId="1377395150" sldId="295"/>
-            <ac:spMk id="42" creationId="{2D323B2B-1A46-4DE2-23B4-AE05B947C523}"/>
-          </ac:spMkLst>
-        </pc:spChg>
-        <pc:spChg chg="del">
-          <ac:chgData name="M T" userId="7f6c2d3ff5585f85" providerId="LiveId" clId="{C4B4BFD5-BB5C-C246-9D6D-C3D2AE27B8DB}" dt="2023-09-26T11:49:01.723" v="142" actId="478"/>
-          <ac:spMkLst>
-            <pc:docMk/>
-            <pc:sldMk cId="1377395150" sldId="295"/>
-            <ac:spMk id="44" creationId="{9B6C86C2-F620-98F4-A4E8-61A4CB9431C9}"/>
-          </ac:spMkLst>
-        </pc:spChg>
-        <pc:spChg chg="mod">
-          <ac:chgData name="M T" userId="7f6c2d3ff5585f85" providerId="LiveId" clId="{C4B4BFD5-BB5C-C246-9D6D-C3D2AE27B8DB}" dt="2023-09-26T13:03:20.441" v="719" actId="20577"/>
-          <ac:spMkLst>
-            <pc:docMk/>
-            <pc:sldMk cId="1377395150" sldId="295"/>
-            <ac:spMk id="48" creationId="{E4CCABAB-F10A-642D-34EC-706C8A69764F}"/>
-          </ac:spMkLst>
-        </pc:spChg>
-        <pc:spChg chg="del">
-          <ac:chgData name="M T" userId="7f6c2d3ff5585f85" providerId="LiveId" clId="{C4B4BFD5-BB5C-C246-9D6D-C3D2AE27B8DB}" dt="2023-09-26T11:49:39.656" v="166" actId="478"/>
-          <ac:spMkLst>
-            <pc:docMk/>
-            <pc:sldMk cId="1377395150" sldId="295"/>
-            <ac:spMk id="49" creationId="{5E0FB491-20EC-BEAD-3DB9-CA8ADAFB476F}"/>
-          </ac:spMkLst>
-        </pc:spChg>
-        <pc:spChg chg="del">
-          <ac:chgData name="M T" userId="7f6c2d3ff5585f85" providerId="LiveId" clId="{C4B4BFD5-BB5C-C246-9D6D-C3D2AE27B8DB}" dt="2023-09-26T13:04:53.440" v="727" actId="478"/>
-          <ac:spMkLst>
-            <pc:docMk/>
-            <pc:sldMk cId="1377395150" sldId="295"/>
-            <ac:spMk id="53" creationId="{5BE43F74-9C87-66AE-9F3E-0B77D17F00DC}"/>
-          </ac:spMkLst>
-        </pc:spChg>
-        <pc:spChg chg="mod">
-          <ac:chgData name="M T" userId="7f6c2d3ff5585f85" providerId="LiveId" clId="{C4B4BFD5-BB5C-C246-9D6D-C3D2AE27B8DB}" dt="2023-09-26T12:09:10.854" v="519" actId="1035"/>
-          <ac:spMkLst>
-            <pc:docMk/>
-            <pc:sldMk cId="1377395150" sldId="295"/>
-            <ac:spMk id="1032" creationId="{3AD0C471-6548-0BFD-CA07-294965E4E7C2}"/>
-          </ac:spMkLst>
-        </pc:spChg>
-        <pc:spChg chg="mod">
-          <ac:chgData name="M T" userId="7f6c2d3ff5585f85" providerId="LiveId" clId="{C4B4BFD5-BB5C-C246-9D6D-C3D2AE27B8DB}" dt="2023-09-26T13:09:31.343" v="854" actId="20577"/>
-          <ac:spMkLst>
-            <pc:docMk/>
-            <pc:sldMk cId="1377395150" sldId="295"/>
-            <ac:spMk id="1043" creationId="{74FF25D1-9C7F-1C6F-B359-8B986150EDAA}"/>
-          </ac:spMkLst>
-        </pc:spChg>
-        <pc:spChg chg="mod">
-          <ac:chgData name="M T" userId="7f6c2d3ff5585f85" providerId="LiveId" clId="{C4B4BFD5-BB5C-C246-9D6D-C3D2AE27B8DB}" dt="2023-09-26T13:10:18.123" v="899" actId="20577"/>
-          <ac:spMkLst>
-            <pc:docMk/>
-            <pc:sldMk cId="1377395150" sldId="295"/>
-            <ac:spMk id="1045" creationId="{5CA130BB-4BBB-5DA4-96B0-88C5D390A212}"/>
-          </ac:spMkLst>
-        </pc:spChg>
-        <pc:spChg chg="mod">
-          <ac:chgData name="M T" userId="7f6c2d3ff5585f85" providerId="LiveId" clId="{C4B4BFD5-BB5C-C246-9D6D-C3D2AE27B8DB}" dt="2023-09-26T12:09:10.854" v="519" actId="1035"/>
-          <ac:spMkLst>
-            <pc:docMk/>
-            <pc:sldMk cId="1377395150" sldId="295"/>
-            <ac:spMk id="1048" creationId="{AED95390-B28C-785A-C767-5242A176AF9E}"/>
-          </ac:spMkLst>
-        </pc:spChg>
-        <pc:spChg chg="mod">
-          <ac:chgData name="M T" userId="7f6c2d3ff5585f85" providerId="LiveId" clId="{C4B4BFD5-BB5C-C246-9D6D-C3D2AE27B8DB}" dt="2023-09-26T12:09:10.854" v="519" actId="1035"/>
-          <ac:spMkLst>
-            <pc:docMk/>
-            <pc:sldMk cId="1377395150" sldId="295"/>
-            <ac:spMk id="1049" creationId="{8AB72C4B-5001-D281-3BAF-94304296834C}"/>
-          </ac:spMkLst>
-        </pc:spChg>
-        <pc:spChg chg="mod">
-          <ac:chgData name="M T" userId="7f6c2d3ff5585f85" providerId="LiveId" clId="{C4B4BFD5-BB5C-C246-9D6D-C3D2AE27B8DB}" dt="2023-09-26T12:09:10.854" v="519" actId="1035"/>
-          <ac:spMkLst>
-            <pc:docMk/>
-            <pc:sldMk cId="1377395150" sldId="295"/>
-            <ac:spMk id="1050" creationId="{43021DA6-4BCF-D690-0476-9F7551FF06E7}"/>
-          </ac:spMkLst>
-        </pc:spChg>
-        <pc:spChg chg="mod">
-          <ac:chgData name="M T" userId="7f6c2d3ff5585f85" providerId="LiveId" clId="{C4B4BFD5-BB5C-C246-9D6D-C3D2AE27B8DB}" dt="2023-09-26T12:09:10.854" v="519" actId="1035"/>
-          <ac:spMkLst>
-            <pc:docMk/>
-            <pc:sldMk cId="1377395150" sldId="295"/>
-            <ac:spMk id="1051" creationId="{3838B541-D4E0-568F-2509-3E9629691123}"/>
-          </ac:spMkLst>
-        </pc:spChg>
-        <pc:spChg chg="mod">
-          <ac:chgData name="M T" userId="7f6c2d3ff5585f85" providerId="LiveId" clId="{C4B4BFD5-BB5C-C246-9D6D-C3D2AE27B8DB}" dt="2023-09-26T12:09:10.854" v="519" actId="1035"/>
-          <ac:spMkLst>
-            <pc:docMk/>
-            <pc:sldMk cId="1377395150" sldId="295"/>
-            <ac:spMk id="1052" creationId="{3EA1A5AD-FA24-36B5-7F79-EFF6733BAB8E}"/>
-          </ac:spMkLst>
-        </pc:spChg>
-        <pc:spChg chg="mod">
-          <ac:chgData name="M T" userId="7f6c2d3ff5585f85" providerId="LiveId" clId="{C4B4BFD5-BB5C-C246-9D6D-C3D2AE27B8DB}" dt="2023-09-26T13:06:33.869" v="771" actId="1076"/>
-          <ac:spMkLst>
-            <pc:docMk/>
-            <pc:sldMk cId="1377395150" sldId="295"/>
-            <ac:spMk id="1054" creationId="{7D48A757-82DF-88FB-211F-6BC979033EAA}"/>
-          </ac:spMkLst>
-        </pc:spChg>
-        <pc:spChg chg="mod">
-          <ac:chgData name="M T" userId="7f6c2d3ff5585f85" providerId="LiveId" clId="{C4B4BFD5-BB5C-C246-9D6D-C3D2AE27B8DB}" dt="2023-09-26T13:06:33.869" v="771" actId="1076"/>
-          <ac:spMkLst>
-            <pc:docMk/>
-            <pc:sldMk cId="1377395150" sldId="295"/>
-            <ac:spMk id="1055" creationId="{23B0E393-8B1A-CED4-43DD-8272BDAFD761}"/>
-          </ac:spMkLst>
-        </pc:spChg>
-        <pc:spChg chg="mod">
-          <ac:chgData name="M T" userId="7f6c2d3ff5585f85" providerId="LiveId" clId="{C4B4BFD5-BB5C-C246-9D6D-C3D2AE27B8DB}" dt="2023-09-26T13:06:33.869" v="771" actId="1076"/>
-          <ac:spMkLst>
-            <pc:docMk/>
-            <pc:sldMk cId="1377395150" sldId="295"/>
-            <ac:spMk id="1056" creationId="{5701FB16-F8EE-6283-4CD0-01363F2647D2}"/>
-          </ac:spMkLst>
-        </pc:spChg>
-        <pc:spChg chg="mod">
-          <ac:chgData name="M T" userId="7f6c2d3ff5585f85" providerId="LiveId" clId="{C4B4BFD5-BB5C-C246-9D6D-C3D2AE27B8DB}" dt="2023-09-26T13:06:33.869" v="771" actId="1076"/>
-          <ac:spMkLst>
-            <pc:docMk/>
-            <pc:sldMk cId="1377395150" sldId="295"/>
-            <ac:spMk id="1057" creationId="{AC453D95-C011-C689-99ED-5E6CE9385C7F}"/>
-          </ac:spMkLst>
-        </pc:spChg>
-        <pc:spChg chg="mod">
-          <ac:chgData name="M T" userId="7f6c2d3ff5585f85" providerId="LiveId" clId="{C4B4BFD5-BB5C-C246-9D6D-C3D2AE27B8DB}" dt="2023-09-26T13:06:33.869" v="771" actId="1076"/>
-          <ac:spMkLst>
-            <pc:docMk/>
-            <pc:sldMk cId="1377395150" sldId="295"/>
-            <ac:spMk id="1058" creationId="{21D04144-1BB1-AC42-5DA6-D1EC0A27EC16}"/>
-          </ac:spMkLst>
-        </pc:spChg>
-        <pc:spChg chg="mod">
-          <ac:chgData name="M T" userId="7f6c2d3ff5585f85" providerId="LiveId" clId="{C4B4BFD5-BB5C-C246-9D6D-C3D2AE27B8DB}" dt="2023-09-26T13:06:33.869" v="771" actId="1076"/>
-          <ac:spMkLst>
-            <pc:docMk/>
-            <pc:sldMk cId="1377395150" sldId="295"/>
-            <ac:spMk id="1059" creationId="{134AF8E5-D5F6-94EC-F5A4-2003F41066DE}"/>
-          </ac:spMkLst>
-        </pc:spChg>
-        <pc:grpChg chg="del">
-          <ac:chgData name="M T" userId="7f6c2d3ff5585f85" providerId="LiveId" clId="{C4B4BFD5-BB5C-C246-9D6D-C3D2AE27B8DB}" dt="2023-09-26T12:07:57.887" v="390" actId="478"/>
-          <ac:grpSpMkLst>
-            <pc:docMk/>
-            <pc:sldMk cId="1377395150" sldId="295"/>
-            <ac:grpSpMk id="37" creationId="{FA19AFC9-8D32-6F44-AA35-BEE365976E37}"/>
-          </ac:grpSpMkLst>
-        </pc:grpChg>
-        <pc:grpChg chg="mod">
-          <ac:chgData name="M T" userId="7f6c2d3ff5585f85" providerId="LiveId" clId="{C4B4BFD5-BB5C-C246-9D6D-C3D2AE27B8DB}" dt="2023-09-26T12:09:10.854" v="519" actId="1035"/>
-          <ac:grpSpMkLst>
-            <pc:docMk/>
-            <pc:sldMk cId="1377395150" sldId="295"/>
-            <ac:grpSpMk id="1047" creationId="{8C468BC8-8E50-7814-3BAF-BBDF0078CB61}"/>
-          </ac:grpSpMkLst>
-        </pc:grpChg>
-        <pc:grpChg chg="mod">
-          <ac:chgData name="M T" userId="7f6c2d3ff5585f85" providerId="LiveId" clId="{C4B4BFD5-BB5C-C246-9D6D-C3D2AE27B8DB}" dt="2023-09-26T13:06:33.869" v="771" actId="1076"/>
-          <ac:grpSpMkLst>
-            <pc:docMk/>
-            <pc:sldMk cId="1377395150" sldId="295"/>
-            <ac:grpSpMk id="1053" creationId="{68418050-7D1D-3CEF-10BB-7D6E6CCEBE0F}"/>
-          </ac:grpSpMkLst>
-        </pc:grpChg>
-        <pc:picChg chg="del">
-          <ac:chgData name="M T" userId="7f6c2d3ff5585f85" providerId="LiveId" clId="{C4B4BFD5-BB5C-C246-9D6D-C3D2AE27B8DB}" dt="2023-09-26T13:06:42.486" v="773" actId="478"/>
-          <ac:picMkLst>
-            <pc:docMk/>
-            <pc:sldMk cId="1377395150" sldId="295"/>
-            <ac:picMk id="25" creationId="{F42B7863-B6C2-81AF-4B61-32B4B53C2B76}"/>
-          </ac:picMkLst>
-        </pc:picChg>
-        <pc:picChg chg="del">
-          <ac:chgData name="M T" userId="7f6c2d3ff5585f85" providerId="LiveId" clId="{C4B4BFD5-BB5C-C246-9D6D-C3D2AE27B8DB}" dt="2023-09-26T13:06:42.486" v="773" actId="478"/>
-          <ac:picMkLst>
-            <pc:docMk/>
-            <pc:sldMk cId="1377395150" sldId="295"/>
-            <ac:picMk id="27" creationId="{9E441735-64FC-E2D3-778C-4784AF24B298}"/>
-          </ac:picMkLst>
-        </pc:picChg>
-        <pc:picChg chg="mod">
-          <ac:chgData name="M T" userId="7f6c2d3ff5585f85" providerId="LiveId" clId="{C4B4BFD5-BB5C-C246-9D6D-C3D2AE27B8DB}" dt="2023-09-26T12:09:10.854" v="519" actId="1035"/>
-          <ac:picMkLst>
-            <pc:docMk/>
-            <pc:sldMk cId="1377395150" sldId="295"/>
-            <ac:picMk id="34" creationId="{F9CB26A2-81BA-13AE-6037-6D6265AD148B}"/>
-          </ac:picMkLst>
-        </pc:picChg>
-        <pc:picChg chg="del">
-          <ac:chgData name="M T" userId="7f6c2d3ff5585f85" providerId="LiveId" clId="{C4B4BFD5-BB5C-C246-9D6D-C3D2AE27B8DB}" dt="2023-09-26T11:49:04.521" v="143" actId="478"/>
-          <ac:picMkLst>
-            <pc:docMk/>
-            <pc:sldMk cId="1377395150" sldId="295"/>
-            <ac:picMk id="43" creationId="{0F692F82-882C-EDCF-EEB3-22975332AE51}"/>
-          </ac:picMkLst>
-        </pc:picChg>
-        <pc:picChg chg="add mod">
-          <ac:chgData name="M T" userId="7f6c2d3ff5585f85" providerId="LiveId" clId="{C4B4BFD5-BB5C-C246-9D6D-C3D2AE27B8DB}" dt="2023-09-26T13:06:54.390" v="775" actId="1076"/>
-          <ac:picMkLst>
-            <pc:docMk/>
-            <pc:sldMk cId="1377395150" sldId="295"/>
-            <ac:picMk id="50" creationId="{5CF07DC6-152B-783F-EAD9-A77E9AAAA37A}"/>
-          </ac:picMkLst>
-        </pc:picChg>
-        <pc:cxnChg chg="mod">
-          <ac:chgData name="M T" userId="7f6c2d3ff5585f85" providerId="LiveId" clId="{C4B4BFD5-BB5C-C246-9D6D-C3D2AE27B8DB}" dt="2023-09-26T12:08:32.507" v="414" actId="1035"/>
-          <ac:cxnSpMkLst>
-            <pc:docMk/>
-            <pc:sldMk cId="1377395150" sldId="295"/>
-            <ac:cxnSpMk id="33" creationId="{FC000B6E-D9A7-1992-7074-0A9F4E5E0690}"/>
-          </ac:cxnSpMkLst>
-        </pc:cxnChg>
-        <pc:cxnChg chg="mod">
-          <ac:chgData name="M T" userId="7f6c2d3ff5585f85" providerId="LiveId" clId="{C4B4BFD5-BB5C-C246-9D6D-C3D2AE27B8DB}" dt="2023-09-26T12:09:20.780" v="532" actId="1036"/>
-          <ac:cxnSpMkLst>
-            <pc:docMk/>
-            <pc:sldMk cId="1377395150" sldId="295"/>
-            <ac:cxnSpMk id="35" creationId="{2ED7F392-BD7D-2FFD-EA64-3D637936049E}"/>
-          </ac:cxnSpMkLst>
-        </pc:cxnChg>
-        <pc:cxnChg chg="del">
-          <ac:chgData name="M T" userId="7f6c2d3ff5585f85" providerId="LiveId" clId="{C4B4BFD5-BB5C-C246-9D6D-C3D2AE27B8DB}" dt="2023-09-26T13:06:38.592" v="772" actId="478"/>
-          <ac:cxnSpMkLst>
-            <pc:docMk/>
-            <pc:sldMk cId="1377395150" sldId="295"/>
-            <ac:cxnSpMk id="36" creationId="{39757C1F-F606-4DE6-AC74-7DF0EF74F9BC}"/>
-          </ac:cxnSpMkLst>
-        </pc:cxnChg>
-      </pc:sldChg>
-      <pc:sldChg chg="add del setBg">
-        <pc:chgData name="M T" userId="7f6c2d3ff5585f85" providerId="LiveId" clId="{C4B4BFD5-BB5C-C246-9D6D-C3D2AE27B8DB}" dt="2023-09-26T12:10:25.368" v="536"/>
-        <pc:sldMkLst>
-          <pc:docMk/>
-          <pc:sldMk cId="384531609" sldId="296"/>
-        </pc:sldMkLst>
-      </pc:sldChg>
-      <pc:sldChg chg="add del setBg">
-        <pc:chgData name="M T" userId="7f6c2d3ff5585f85" providerId="LiveId" clId="{C4B4BFD5-BB5C-C246-9D6D-C3D2AE27B8DB}" dt="2023-09-26T11:48:33.354" v="140" actId="2696"/>
-        <pc:sldMkLst>
-          <pc:docMk/>
-          <pc:sldMk cId="2992661464" sldId="296"/>
-        </pc:sldMkLst>
-      </pc:sldChg>
-      <pc:sldChg chg="delSp modSp add mod ord setBg">
-        <pc:chgData name="M T" userId="7f6c2d3ff5585f85" providerId="LiveId" clId="{C4B4BFD5-BB5C-C246-9D6D-C3D2AE27B8DB}" dt="2023-09-26T13:11:00.678" v="904"/>
-        <pc:sldMkLst>
-          <pc:docMk/>
-          <pc:sldMk cId="4024329133" sldId="296"/>
-        </pc:sldMkLst>
-        <pc:spChg chg="del">
-          <ac:chgData name="M T" userId="7f6c2d3ff5585f85" providerId="LiveId" clId="{C4B4BFD5-BB5C-C246-9D6D-C3D2AE27B8DB}" dt="2023-09-26T13:01:49.047" v="653" actId="478"/>
-          <ac:spMkLst>
-            <pc:docMk/>
-            <pc:sldMk cId="4024329133" sldId="296"/>
-            <ac:spMk id="3" creationId="{EB49F864-FA2A-B398-5A4B-65617545E187}"/>
-          </ac:spMkLst>
-        </pc:spChg>
-        <pc:spChg chg="mod">
-          <ac:chgData name="M T" userId="7f6c2d3ff5585f85" providerId="LiveId" clId="{C4B4BFD5-BB5C-C246-9D6D-C3D2AE27B8DB}" dt="2023-09-26T13:08:08.737" v="798" actId="20577"/>
-          <ac:spMkLst>
-            <pc:docMk/>
-            <pc:sldMk cId="4024329133" sldId="296"/>
-            <ac:spMk id="18" creationId="{355AC3A1-175C-0DC3-DBAF-F626A9F3780A}"/>
-          </ac:spMkLst>
-        </pc:spChg>
-        <pc:spChg chg="mod">
-          <ac:chgData name="M T" userId="7f6c2d3ff5585f85" providerId="LiveId" clId="{C4B4BFD5-BB5C-C246-9D6D-C3D2AE27B8DB}" dt="2023-09-26T13:10:53.129" v="903" actId="1076"/>
-          <ac:spMkLst>
-            <pc:docMk/>
-            <pc:sldMk cId="4024329133" sldId="296"/>
-            <ac:spMk id="19" creationId="{E642CB68-7691-44D5-88F4-20E83F6DA0D7}"/>
-          </ac:spMkLst>
-        </pc:spChg>
-        <pc:spChg chg="mod">
-          <ac:chgData name="M T" userId="7f6c2d3ff5585f85" providerId="LiveId" clId="{C4B4BFD5-BB5C-C246-9D6D-C3D2AE27B8DB}" dt="2023-09-26T13:09:20.095" v="853" actId="1076"/>
-          <ac:spMkLst>
-            <pc:docMk/>
-            <pc:sldMk cId="4024329133" sldId="296"/>
-            <ac:spMk id="21" creationId="{ED46B618-2CF9-7941-4EA2-0BAE302EE4DF}"/>
-          </ac:spMkLst>
-        </pc:spChg>
-        <pc:spChg chg="del">
-          <ac:chgData name="M T" userId="7f6c2d3ff5585f85" providerId="LiveId" clId="{C4B4BFD5-BB5C-C246-9D6D-C3D2AE27B8DB}" dt="2023-09-26T13:01:49.047" v="653" actId="478"/>
-          <ac:spMkLst>
-            <pc:docMk/>
-            <pc:sldMk cId="4024329133" sldId="296"/>
-            <ac:spMk id="23" creationId="{75360DE8-31EE-FAA3-E777-47004567BD15}"/>
-          </ac:spMkLst>
-        </pc:spChg>
-        <pc:spChg chg="del">
-          <ac:chgData name="M T" userId="7f6c2d3ff5585f85" providerId="LiveId" clId="{C4B4BFD5-BB5C-C246-9D6D-C3D2AE27B8DB}" dt="2023-09-26T13:02:27.659" v="660" actId="478"/>
-          <ac:spMkLst>
-            <pc:docMk/>
-            <pc:sldMk cId="4024329133" sldId="296"/>
-            <ac:spMk id="28" creationId="{C87CD81E-E586-441B-5E91-A4F6467F9ED1}"/>
-          </ac:spMkLst>
-        </pc:spChg>
-        <pc:spChg chg="mod">
-          <ac:chgData name="M T" userId="7f6c2d3ff5585f85" providerId="LiveId" clId="{C4B4BFD5-BB5C-C246-9D6D-C3D2AE27B8DB}" dt="2023-09-26T13:02:57.212" v="696" actId="20577"/>
-          <ac:spMkLst>
-            <pc:docMk/>
-            <pc:sldMk cId="4024329133" sldId="296"/>
-            <ac:spMk id="29" creationId="{265E560A-5878-F6A4-D133-56FE5AC42BB5}"/>
-          </ac:spMkLst>
-        </pc:spChg>
-        <pc:spChg chg="mod">
-          <ac:chgData name="M T" userId="7f6c2d3ff5585f85" providerId="LiveId" clId="{C4B4BFD5-BB5C-C246-9D6D-C3D2AE27B8DB}" dt="2023-09-26T13:01:11.584" v="644" actId="207"/>
-          <ac:spMkLst>
-            <pc:docMk/>
-            <pc:sldMk cId="4024329133" sldId="296"/>
-            <ac:spMk id="48" creationId="{E4CCABAB-F10A-642D-34EC-706C8A69764F}"/>
-          </ac:spMkLst>
-        </pc:spChg>
-        <pc:spChg chg="del">
-          <ac:chgData name="M T" userId="7f6c2d3ff5585f85" providerId="LiveId" clId="{C4B4BFD5-BB5C-C246-9D6D-C3D2AE27B8DB}" dt="2023-09-26T13:08:43.493" v="815" actId="478"/>
-          <ac:spMkLst>
-            <pc:docMk/>
-            <pc:sldMk cId="4024329133" sldId="296"/>
-            <ac:spMk id="53" creationId="{5BE43F74-9C87-66AE-9F3E-0B77D17F00DC}"/>
-          </ac:spMkLst>
-        </pc:spChg>
-        <pc:spChg chg="del">
-          <ac:chgData name="M T" userId="7f6c2d3ff5585f85" providerId="LiveId" clId="{C4B4BFD5-BB5C-C246-9D6D-C3D2AE27B8DB}" dt="2023-09-26T13:01:49.047" v="653" actId="478"/>
-          <ac:spMkLst>
-            <pc:docMk/>
-            <pc:sldMk cId="4024329133" sldId="296"/>
-            <ac:spMk id="1032" creationId="{3AD0C471-6548-0BFD-CA07-294965E4E7C2}"/>
-          </ac:spMkLst>
-        </pc:spChg>
-        <pc:spChg chg="mod">
-          <ac:chgData name="M T" userId="7f6c2d3ff5585f85" providerId="LiveId" clId="{C4B4BFD5-BB5C-C246-9D6D-C3D2AE27B8DB}" dt="2023-09-26T13:09:01.719" v="826" actId="20577"/>
-          <ac:spMkLst>
-            <pc:docMk/>
-            <pc:sldMk cId="4024329133" sldId="296"/>
-            <ac:spMk id="1043" creationId="{74FF25D1-9C7F-1C6F-B359-8B986150EDAA}"/>
-          </ac:spMkLst>
-        </pc:spChg>
-        <pc:spChg chg="mod">
-          <ac:chgData name="M T" userId="7f6c2d3ff5585f85" providerId="LiveId" clId="{C4B4BFD5-BB5C-C246-9D6D-C3D2AE27B8DB}" dt="2023-09-26T13:10:22.631" v="901" actId="20577"/>
-          <ac:spMkLst>
-            <pc:docMk/>
-            <pc:sldMk cId="4024329133" sldId="296"/>
-            <ac:spMk id="1045" creationId="{5CA130BB-4BBB-5DA4-96B0-88C5D390A212}"/>
-          </ac:spMkLst>
-        </pc:spChg>
-        <pc:spChg chg="mod">
-          <ac:chgData name="M T" userId="7f6c2d3ff5585f85" providerId="LiveId" clId="{C4B4BFD5-BB5C-C246-9D6D-C3D2AE27B8DB}" dt="2023-09-26T13:02:13.522" v="656" actId="1076"/>
-          <ac:spMkLst>
-            <pc:docMk/>
-            <pc:sldMk cId="4024329133" sldId="296"/>
-            <ac:spMk id="1054" creationId="{7D48A757-82DF-88FB-211F-6BC979033EAA}"/>
-          </ac:spMkLst>
-        </pc:spChg>
-        <pc:spChg chg="mod">
-          <ac:chgData name="M T" userId="7f6c2d3ff5585f85" providerId="LiveId" clId="{C4B4BFD5-BB5C-C246-9D6D-C3D2AE27B8DB}" dt="2023-09-26T13:02:13.522" v="656" actId="1076"/>
-          <ac:spMkLst>
-            <pc:docMk/>
-            <pc:sldMk cId="4024329133" sldId="296"/>
-            <ac:spMk id="1055" creationId="{23B0E393-8B1A-CED4-43DD-8272BDAFD761}"/>
-          </ac:spMkLst>
-        </pc:spChg>
-        <pc:spChg chg="mod">
-          <ac:chgData name="M T" userId="7f6c2d3ff5585f85" providerId="LiveId" clId="{C4B4BFD5-BB5C-C246-9D6D-C3D2AE27B8DB}" dt="2023-09-26T13:02:13.522" v="656" actId="1076"/>
-          <ac:spMkLst>
-            <pc:docMk/>
-            <pc:sldMk cId="4024329133" sldId="296"/>
-            <ac:spMk id="1056" creationId="{5701FB16-F8EE-6283-4CD0-01363F2647D2}"/>
-          </ac:spMkLst>
-        </pc:spChg>
-        <pc:spChg chg="mod">
-          <ac:chgData name="M T" userId="7f6c2d3ff5585f85" providerId="LiveId" clId="{C4B4BFD5-BB5C-C246-9D6D-C3D2AE27B8DB}" dt="2023-09-26T13:02:13.522" v="656" actId="1076"/>
-          <ac:spMkLst>
-            <pc:docMk/>
-            <pc:sldMk cId="4024329133" sldId="296"/>
-            <ac:spMk id="1057" creationId="{AC453D95-C011-C689-99ED-5E6CE9385C7F}"/>
-          </ac:spMkLst>
-        </pc:spChg>
-        <pc:spChg chg="mod">
-          <ac:chgData name="M T" userId="7f6c2d3ff5585f85" providerId="LiveId" clId="{C4B4BFD5-BB5C-C246-9D6D-C3D2AE27B8DB}" dt="2023-09-26T13:02:13.522" v="656" actId="1076"/>
-          <ac:spMkLst>
-            <pc:docMk/>
-            <pc:sldMk cId="4024329133" sldId="296"/>
-            <ac:spMk id="1058" creationId="{21D04144-1BB1-AC42-5DA6-D1EC0A27EC16}"/>
-          </ac:spMkLst>
-        </pc:spChg>
-        <pc:spChg chg="mod">
-          <ac:chgData name="M T" userId="7f6c2d3ff5585f85" providerId="LiveId" clId="{C4B4BFD5-BB5C-C246-9D6D-C3D2AE27B8DB}" dt="2023-09-26T13:02:13.522" v="656" actId="1076"/>
-          <ac:spMkLst>
-            <pc:docMk/>
-            <pc:sldMk cId="4024329133" sldId="296"/>
-            <ac:spMk id="1059" creationId="{134AF8E5-D5F6-94EC-F5A4-2003F41066DE}"/>
-          </ac:spMkLst>
-        </pc:spChg>
-        <pc:grpChg chg="del">
-          <ac:chgData name="M T" userId="7f6c2d3ff5585f85" providerId="LiveId" clId="{C4B4BFD5-BB5C-C246-9D6D-C3D2AE27B8DB}" dt="2023-09-26T13:02:00.543" v="654" actId="478"/>
-          <ac:grpSpMkLst>
-            <pc:docMk/>
-            <pc:sldMk cId="4024329133" sldId="296"/>
-            <ac:grpSpMk id="10" creationId="{DAA5F4C1-6854-6EFD-0287-47B9D96286A2}"/>
-          </ac:grpSpMkLst>
-        </pc:grpChg>
-        <pc:grpChg chg="del">
-          <ac:chgData name="M T" userId="7f6c2d3ff5585f85" providerId="LiveId" clId="{C4B4BFD5-BB5C-C246-9D6D-C3D2AE27B8DB}" dt="2023-09-26T13:02:00.543" v="654" actId="478"/>
-          <ac:grpSpMkLst>
-            <pc:docMk/>
-            <pc:sldMk cId="4024329133" sldId="296"/>
-            <ac:grpSpMk id="1047" creationId="{8C468BC8-8E50-7814-3BAF-BBDF0078CB61}"/>
-          </ac:grpSpMkLst>
-        </pc:grpChg>
-        <pc:grpChg chg="mod">
-          <ac:chgData name="M T" userId="7f6c2d3ff5585f85" providerId="LiveId" clId="{C4B4BFD5-BB5C-C246-9D6D-C3D2AE27B8DB}" dt="2023-09-26T13:02:13.522" v="656" actId="1076"/>
-          <ac:grpSpMkLst>
-            <pc:docMk/>
-            <pc:sldMk cId="4024329133" sldId="296"/>
-            <ac:grpSpMk id="1053" creationId="{68418050-7D1D-3CEF-10BB-7D6E6CCEBE0F}"/>
-          </ac:grpSpMkLst>
-        </pc:grpChg>
-        <pc:picChg chg="del">
-          <ac:chgData name="M T" userId="7f6c2d3ff5585f85" providerId="LiveId" clId="{C4B4BFD5-BB5C-C246-9D6D-C3D2AE27B8DB}" dt="2023-09-26T13:02:27.659" v="660" actId="478"/>
-          <ac:picMkLst>
-            <pc:docMk/>
-            <pc:sldMk cId="4024329133" sldId="296"/>
-            <ac:picMk id="25" creationId="{F42B7863-B6C2-81AF-4B61-32B4B53C2B76}"/>
-          </ac:picMkLst>
-        </pc:picChg>
-        <pc:picChg chg="mod">
-          <ac:chgData name="M T" userId="7f6c2d3ff5585f85" providerId="LiveId" clId="{C4B4BFD5-BB5C-C246-9D6D-C3D2AE27B8DB}" dt="2023-09-26T13:02:35.902" v="663" actId="1076"/>
-          <ac:picMkLst>
-            <pc:docMk/>
-            <pc:sldMk cId="4024329133" sldId="296"/>
-            <ac:picMk id="27" creationId="{9E441735-64FC-E2D3-778C-4784AF24B298}"/>
-          </ac:picMkLst>
-        </pc:picChg>
-        <pc:picChg chg="del">
-          <ac:chgData name="M T" userId="7f6c2d3ff5585f85" providerId="LiveId" clId="{C4B4BFD5-BB5C-C246-9D6D-C3D2AE27B8DB}" dt="2023-09-26T13:02:00.543" v="654" actId="478"/>
-          <ac:picMkLst>
-            <pc:docMk/>
-            <pc:sldMk cId="4024329133" sldId="296"/>
-            <ac:picMk id="34" creationId="{F9CB26A2-81BA-13AE-6037-6D6265AD148B}"/>
-          </ac:picMkLst>
-        </pc:picChg>
-        <pc:cxnChg chg="del">
-          <ac:chgData name="M T" userId="7f6c2d3ff5585f85" providerId="LiveId" clId="{C4B4BFD5-BB5C-C246-9D6D-C3D2AE27B8DB}" dt="2023-09-26T13:02:04.031" v="655" actId="478"/>
-          <ac:cxnSpMkLst>
-            <pc:docMk/>
-            <pc:sldMk cId="4024329133" sldId="296"/>
-            <ac:cxnSpMk id="33" creationId="{FC000B6E-D9A7-1992-7074-0A9F4E5E0690}"/>
-          </ac:cxnSpMkLst>
-        </pc:cxnChg>
-        <pc:cxnChg chg="del mod">
-          <ac:chgData name="M T" userId="7f6c2d3ff5585f85" providerId="LiveId" clId="{C4B4BFD5-BB5C-C246-9D6D-C3D2AE27B8DB}" dt="2023-09-26T13:02:17.862" v="657" actId="478"/>
-          <ac:cxnSpMkLst>
-            <pc:docMk/>
-            <pc:sldMk cId="4024329133" sldId="296"/>
-            <ac:cxnSpMk id="35" creationId="{2ED7F392-BD7D-2FFD-EA64-3D637936049E}"/>
-          </ac:cxnSpMkLst>
-        </pc:cxnChg>
-        <pc:cxnChg chg="del mod">
-          <ac:chgData name="M T" userId="7f6c2d3ff5585f85" providerId="LiveId" clId="{C4B4BFD5-BB5C-C246-9D6D-C3D2AE27B8DB}" dt="2023-09-26T13:02:20.940" v="658" actId="478"/>
-          <ac:cxnSpMkLst>
-            <pc:docMk/>
-            <pc:sldMk cId="4024329133" sldId="296"/>
-            <ac:cxnSpMk id="36" creationId="{39757C1F-F606-4DE6-AC74-7DF0EF74F9BC}"/>
-          </ac:cxnSpMkLst>
-        </pc:cxnChg>
-      </pc:sldChg>
-      <pc:sldChg chg="modSp add mod setBg">
-        <pc:chgData name="M T" userId="7f6c2d3ff5585f85" providerId="LiveId" clId="{C4B4BFD5-BB5C-C246-9D6D-C3D2AE27B8DB}" dt="2023-09-26T13:18:13.832" v="1229" actId="20577"/>
-        <pc:sldMkLst>
-          <pc:docMk/>
-          <pc:sldMk cId="203779619" sldId="297"/>
-        </pc:sldMkLst>
-        <pc:spChg chg="mod">
-          <ac:chgData name="M T" userId="7f6c2d3ff5585f85" providerId="LiveId" clId="{C4B4BFD5-BB5C-C246-9D6D-C3D2AE27B8DB}" dt="2023-09-26T13:10:08.860" v="897" actId="20577"/>
-          <ac:spMkLst>
-            <pc:docMk/>
-            <pc:sldMk cId="203779619" sldId="297"/>
-            <ac:spMk id="21" creationId="{ED46B618-2CF9-7941-4EA2-0BAE302EE4DF}"/>
-          </ac:spMkLst>
-        </pc:spChg>
-        <pc:spChg chg="mod">
-          <ac:chgData name="M T" userId="7f6c2d3ff5585f85" providerId="LiveId" clId="{C4B4BFD5-BB5C-C246-9D6D-C3D2AE27B8DB}" dt="2023-09-26T13:09:52.479" v="866" actId="20577"/>
-          <ac:spMkLst>
-            <pc:docMk/>
-            <pc:sldMk cId="203779619" sldId="297"/>
-            <ac:spMk id="29" creationId="{265E560A-5878-F6A4-D133-56FE5AC42BB5}"/>
-          </ac:spMkLst>
-        </pc:spChg>
-        <pc:spChg chg="mod">
-          <ac:chgData name="M T" userId="7f6c2d3ff5585f85" providerId="LiveId" clId="{C4B4BFD5-BB5C-C246-9D6D-C3D2AE27B8DB}" dt="2023-09-26T13:18:13.832" v="1229" actId="20577"/>
-          <ac:spMkLst>
-            <pc:docMk/>
-            <pc:sldMk cId="203779619" sldId="297"/>
-            <ac:spMk id="48" creationId="{E4CCABAB-F10A-642D-34EC-706C8A69764F}"/>
-          </ac:spMkLst>
-        </pc:spChg>
-        <pc:spChg chg="mod">
-          <ac:chgData name="M T" userId="7f6c2d3ff5585f85" providerId="LiveId" clId="{C4B4BFD5-BB5C-C246-9D6D-C3D2AE27B8DB}" dt="2023-09-26T13:09:42.093" v="856" actId="20577"/>
-          <ac:spMkLst>
-            <pc:docMk/>
-            <pc:sldMk cId="203779619" sldId="297"/>
-            <ac:spMk id="1043" creationId="{74FF25D1-9C7F-1C6F-B359-8B986150EDAA}"/>
-          </ac:spMkLst>
-        </pc:spChg>
-      </pc:sldChg>
-      <pc:sldMasterChg chg="delSp modSp mod setBg">
-        <pc:chgData name="M T" userId="7f6c2d3ff5585f85" providerId="LiveId" clId="{C4B4BFD5-BB5C-C246-9D6D-C3D2AE27B8DB}" dt="2023-09-26T13:18:53.349" v="1235" actId="478"/>
-        <pc:sldMasterMkLst>
-          <pc:docMk/>
-          <pc:sldMasterMk cId="3025537983" sldId="2147483648"/>
-        </pc:sldMasterMkLst>
-        <pc:spChg chg="mod">
-          <ac:chgData name="M T" userId="7f6c2d3ff5585f85" providerId="LiveId" clId="{C4B4BFD5-BB5C-C246-9D6D-C3D2AE27B8DB}" dt="2023-09-26T13:07:39.895" v="779" actId="207"/>
-          <ac:spMkLst>
-            <pc:docMk/>
-            <pc:sldMasterMk cId="3025537983" sldId="2147483648"/>
-            <ac:spMk id="2" creationId="{E1E26476-4B52-8E75-7F4F-4895B8C5D5E2}"/>
-          </ac:spMkLst>
-        </pc:spChg>
-        <pc:spChg chg="mod">
-          <ac:chgData name="M T" userId="7f6c2d3ff5585f85" providerId="LiveId" clId="{C4B4BFD5-BB5C-C246-9D6D-C3D2AE27B8DB}" dt="2023-09-26T13:07:41.764" v="780" actId="207"/>
-          <ac:spMkLst>
-            <pc:docMk/>
-            <pc:sldMasterMk cId="3025537983" sldId="2147483648"/>
-            <ac:spMk id="3" creationId="{E6006F6C-5E13-259C-8F43-C175A46F9F72}"/>
-          </ac:spMkLst>
-        </pc:spChg>
-        <pc:picChg chg="del mod">
-          <ac:chgData name="M T" userId="7f6c2d3ff5585f85" providerId="LiveId" clId="{C4B4BFD5-BB5C-C246-9D6D-C3D2AE27B8DB}" dt="2023-09-26T13:18:53.349" v="1235" actId="478"/>
-          <ac:picMkLst>
-            <pc:docMk/>
-            <pc:sldMasterMk cId="3025537983" sldId="2147483648"/>
-            <ac:picMk id="7" creationId="{D0A11648-5179-F6E5-DB6F-C2BABFE04932}"/>
-          </ac:picMkLst>
-        </pc:picChg>
-      </pc:sldMasterChg>
-      <pc:sldMasterChg chg="del delSldLayout">
-        <pc:chgData name="M T" userId="7f6c2d3ff5585f85" providerId="LiveId" clId="{C4B4BFD5-BB5C-C246-9D6D-C3D2AE27B8DB}" dt="2023-09-26T11:42:15.996" v="71" actId="2696"/>
-        <pc:sldMasterMkLst>
-          <pc:docMk/>
-          <pc:sldMasterMk cId="3744021912" sldId="2147483660"/>
-        </pc:sldMasterMkLst>
-        <pc:sldLayoutChg chg="del">
-          <pc:chgData name="M T" userId="7f6c2d3ff5585f85" providerId="LiveId" clId="{C4B4BFD5-BB5C-C246-9D6D-C3D2AE27B8DB}" dt="2023-09-26T11:42:15.981" v="69" actId="2696"/>
-          <pc:sldLayoutMkLst>
-            <pc:docMk/>
-            <pc:sldMasterMk cId="3744021912" sldId="2147483660"/>
-            <pc:sldLayoutMk cId="3512041522" sldId="2147483661"/>
-          </pc:sldLayoutMkLst>
-        </pc:sldLayoutChg>
-        <pc:sldLayoutChg chg="del">
-          <pc:chgData name="M T" userId="7f6c2d3ff5585f85" providerId="LiveId" clId="{C4B4BFD5-BB5C-C246-9D6D-C3D2AE27B8DB}" dt="2023-09-26T11:42:15.992" v="70" actId="2696"/>
-          <pc:sldLayoutMkLst>
-            <pc:docMk/>
-            <pc:sldMasterMk cId="3744021912" sldId="2147483660"/>
-            <pc:sldLayoutMk cId="2434733507" sldId="2147483662"/>
-          </pc:sldLayoutMkLst>
-        </pc:sldLayoutChg>
-      </pc:sldMasterChg>
-    </pc:docChg>
-  </pc:docChgLst>
-</pc:chgInfo>
 </file>
 
 <file path=ppt/notesMasters/notesMaster1.xml><?xml version="1.0" encoding="utf-8"?>
@@ -2553,6 +721,258 @@
     <p:extLst>
       <p:ext uri="{BB962C8B-B14F-4D97-AF65-F5344CB8AC3E}">
         <p14:creationId xmlns:p14="http://schemas.microsoft.com/office/powerpoint/2010/main" val="2217581243"/>
+      </p:ext>
+    </p:extLst>
+  </p:cSld>
+  <p:clrMapOvr>
+    <a:masterClrMapping/>
+  </p:clrMapOvr>
+</p:notes>
+</file>
+
+<file path=ppt/notesSlides/notesSlide4.xml><?xml version="1.0" encoding="utf-8"?>
+<p:notes xmlns:a="http://schemas.openxmlformats.org/drawingml/2006/main" xmlns:r="http://schemas.openxmlformats.org/officeDocument/2006/relationships" xmlns:p="http://schemas.openxmlformats.org/presentationml/2006/main">
+  <p:cSld>
+    <p:spTree>
+      <p:nvGrpSpPr>
+        <p:cNvPr id="1" name=""/>
+        <p:cNvGrpSpPr/>
+        <p:nvPr/>
+      </p:nvGrpSpPr>
+      <p:grpSpPr>
+        <a:xfrm>
+          <a:off x="0" y="0"/>
+          <a:ext cx="0" cy="0"/>
+          <a:chOff x="0" y="0"/>
+          <a:chExt cx="0" cy="0"/>
+        </a:xfrm>
+      </p:grpSpPr>
+      <p:sp>
+        <p:nvSpPr>
+          <p:cNvPr id="2" name="Slide Image Placeholder 1"/>
+          <p:cNvSpPr>
+            <a:spLocks noGrp="1" noRot="1" noChangeAspect="1"/>
+          </p:cNvSpPr>
+          <p:nvPr>
+            <p:ph type="sldImg"/>
+          </p:nvPr>
+        </p:nvSpPr>
+        <p:spPr/>
+      </p:sp>
+      <p:sp>
+        <p:nvSpPr>
+          <p:cNvPr id="3" name="Notes Placeholder 2"/>
+          <p:cNvSpPr>
+            <a:spLocks noGrp="1"/>
+          </p:cNvSpPr>
+          <p:nvPr>
+            <p:ph type="body" idx="1"/>
+          </p:nvPr>
+        </p:nvSpPr>
+        <p:spPr/>
+        <p:txBody>
+          <a:bodyPr/>
+          <a:lstStyle/>
+          <a:p>
+            <a:endParaRPr lang="en-US" dirty="0"/>
+          </a:p>
+        </p:txBody>
+      </p:sp>
+      <p:sp>
+        <p:nvSpPr>
+          <p:cNvPr id="4" name="Slide Number Placeholder 3"/>
+          <p:cNvSpPr>
+            <a:spLocks noGrp="1"/>
+          </p:cNvSpPr>
+          <p:nvPr>
+            <p:ph type="sldNum" sz="quarter" idx="5"/>
+          </p:nvPr>
+        </p:nvSpPr>
+        <p:spPr/>
+        <p:txBody>
+          <a:bodyPr/>
+          <a:lstStyle/>
+          <a:p>
+            <a:fld id="{7CEDCF92-708B-42BD-8680-DB4A1F579832}" type="slidenum">
+              <a:rPr lang="en-US" smtClean="0"/>
+              <a:t>4</a:t>
+            </a:fld>
+            <a:endParaRPr lang="en-US"/>
+          </a:p>
+        </p:txBody>
+      </p:sp>
+    </p:spTree>
+    <p:extLst>
+      <p:ext uri="{BB962C8B-B14F-4D97-AF65-F5344CB8AC3E}">
+        <p14:creationId xmlns:p14="http://schemas.microsoft.com/office/powerpoint/2010/main" val="1655225791"/>
+      </p:ext>
+    </p:extLst>
+  </p:cSld>
+  <p:clrMapOvr>
+    <a:masterClrMapping/>
+  </p:clrMapOvr>
+</p:notes>
+</file>
+
+<file path=ppt/notesSlides/notesSlide5.xml><?xml version="1.0" encoding="utf-8"?>
+<p:notes xmlns:a="http://schemas.openxmlformats.org/drawingml/2006/main" xmlns:r="http://schemas.openxmlformats.org/officeDocument/2006/relationships" xmlns:p="http://schemas.openxmlformats.org/presentationml/2006/main">
+  <p:cSld>
+    <p:spTree>
+      <p:nvGrpSpPr>
+        <p:cNvPr id="1" name=""/>
+        <p:cNvGrpSpPr/>
+        <p:nvPr/>
+      </p:nvGrpSpPr>
+      <p:grpSpPr>
+        <a:xfrm>
+          <a:off x="0" y="0"/>
+          <a:ext cx="0" cy="0"/>
+          <a:chOff x="0" y="0"/>
+          <a:chExt cx="0" cy="0"/>
+        </a:xfrm>
+      </p:grpSpPr>
+      <p:sp>
+        <p:nvSpPr>
+          <p:cNvPr id="2" name="Slide Image Placeholder 1"/>
+          <p:cNvSpPr>
+            <a:spLocks noGrp="1" noRot="1" noChangeAspect="1"/>
+          </p:cNvSpPr>
+          <p:nvPr>
+            <p:ph type="sldImg"/>
+          </p:nvPr>
+        </p:nvSpPr>
+        <p:spPr/>
+      </p:sp>
+      <p:sp>
+        <p:nvSpPr>
+          <p:cNvPr id="3" name="Notes Placeholder 2"/>
+          <p:cNvSpPr>
+            <a:spLocks noGrp="1"/>
+          </p:cNvSpPr>
+          <p:nvPr>
+            <p:ph type="body" idx="1"/>
+          </p:nvPr>
+        </p:nvSpPr>
+        <p:spPr/>
+        <p:txBody>
+          <a:bodyPr/>
+          <a:lstStyle/>
+          <a:p>
+            <a:endParaRPr lang="en-US" dirty="0"/>
+          </a:p>
+        </p:txBody>
+      </p:sp>
+      <p:sp>
+        <p:nvSpPr>
+          <p:cNvPr id="4" name="Slide Number Placeholder 3"/>
+          <p:cNvSpPr>
+            <a:spLocks noGrp="1"/>
+          </p:cNvSpPr>
+          <p:nvPr>
+            <p:ph type="sldNum" sz="quarter" idx="5"/>
+          </p:nvPr>
+        </p:nvSpPr>
+        <p:spPr/>
+        <p:txBody>
+          <a:bodyPr/>
+          <a:lstStyle/>
+          <a:p>
+            <a:fld id="{7CEDCF92-708B-42BD-8680-DB4A1F579832}" type="slidenum">
+              <a:rPr lang="en-US" smtClean="0"/>
+              <a:t>5</a:t>
+            </a:fld>
+            <a:endParaRPr lang="en-US"/>
+          </a:p>
+        </p:txBody>
+      </p:sp>
+    </p:spTree>
+    <p:extLst>
+      <p:ext uri="{BB962C8B-B14F-4D97-AF65-F5344CB8AC3E}">
+        <p14:creationId xmlns:p14="http://schemas.microsoft.com/office/powerpoint/2010/main" val="689758974"/>
+      </p:ext>
+    </p:extLst>
+  </p:cSld>
+  <p:clrMapOvr>
+    <a:masterClrMapping/>
+  </p:clrMapOvr>
+</p:notes>
+</file>
+
+<file path=ppt/notesSlides/notesSlide6.xml><?xml version="1.0" encoding="utf-8"?>
+<p:notes xmlns:a="http://schemas.openxmlformats.org/drawingml/2006/main" xmlns:r="http://schemas.openxmlformats.org/officeDocument/2006/relationships" xmlns:p="http://schemas.openxmlformats.org/presentationml/2006/main">
+  <p:cSld>
+    <p:spTree>
+      <p:nvGrpSpPr>
+        <p:cNvPr id="1" name=""/>
+        <p:cNvGrpSpPr/>
+        <p:nvPr/>
+      </p:nvGrpSpPr>
+      <p:grpSpPr>
+        <a:xfrm>
+          <a:off x="0" y="0"/>
+          <a:ext cx="0" cy="0"/>
+          <a:chOff x="0" y="0"/>
+          <a:chExt cx="0" cy="0"/>
+        </a:xfrm>
+      </p:grpSpPr>
+      <p:sp>
+        <p:nvSpPr>
+          <p:cNvPr id="2" name="Slide Image Placeholder 1"/>
+          <p:cNvSpPr>
+            <a:spLocks noGrp="1" noRot="1" noChangeAspect="1"/>
+          </p:cNvSpPr>
+          <p:nvPr>
+            <p:ph type="sldImg"/>
+          </p:nvPr>
+        </p:nvSpPr>
+        <p:spPr/>
+      </p:sp>
+      <p:sp>
+        <p:nvSpPr>
+          <p:cNvPr id="3" name="Notes Placeholder 2"/>
+          <p:cNvSpPr>
+            <a:spLocks noGrp="1"/>
+          </p:cNvSpPr>
+          <p:nvPr>
+            <p:ph type="body" idx="1"/>
+          </p:nvPr>
+        </p:nvSpPr>
+        <p:spPr/>
+        <p:txBody>
+          <a:bodyPr/>
+          <a:lstStyle/>
+          <a:p>
+            <a:endParaRPr lang="en-US" dirty="0"/>
+          </a:p>
+        </p:txBody>
+      </p:sp>
+      <p:sp>
+        <p:nvSpPr>
+          <p:cNvPr id="4" name="Slide Number Placeholder 3"/>
+          <p:cNvSpPr>
+            <a:spLocks noGrp="1"/>
+          </p:cNvSpPr>
+          <p:nvPr>
+            <p:ph type="sldNum" sz="quarter" idx="5"/>
+          </p:nvPr>
+        </p:nvSpPr>
+        <p:spPr/>
+        <p:txBody>
+          <a:bodyPr/>
+          <a:lstStyle/>
+          <a:p>
+            <a:fld id="{7CEDCF92-708B-42BD-8680-DB4A1F579832}" type="slidenum">
+              <a:rPr lang="en-US" smtClean="0"/>
+              <a:t>6</a:t>
+            </a:fld>
+            <a:endParaRPr lang="en-US"/>
+          </a:p>
+        </p:txBody>
+      </p:sp>
+    </p:spTree>
+    <p:extLst>
+      <p:ext uri="{BB962C8B-B14F-4D97-AF65-F5344CB8AC3E}">
+        <p14:creationId xmlns:p14="http://schemas.microsoft.com/office/powerpoint/2010/main" val="2198979677"/>
       </p:ext>
     </p:extLst>
   </p:cSld>
@@ -9099,6 +7519,3949 @@
 </file>
 
 <file path=ppt/slides/slide4.xml><?xml version="1.0" encoding="utf-8"?>
+<p:sld xmlns:a="http://schemas.openxmlformats.org/drawingml/2006/main" xmlns:r="http://schemas.openxmlformats.org/officeDocument/2006/relationships" xmlns:p="http://schemas.openxmlformats.org/presentationml/2006/main">
+  <p:cSld>
+    <p:bg>
+      <p:bgPr>
+        <a:solidFill>
+          <a:srgbClr val="191414"/>
+        </a:solidFill>
+        <a:effectLst/>
+      </p:bgPr>
+    </p:bg>
+    <p:spTree>
+      <p:nvGrpSpPr>
+        <p:cNvPr id="1" name=""/>
+        <p:cNvGrpSpPr/>
+        <p:nvPr/>
+      </p:nvGrpSpPr>
+      <p:grpSpPr>
+        <a:xfrm>
+          <a:off x="0" y="0"/>
+          <a:ext cx="0" cy="0"/>
+          <a:chOff x="0" y="0"/>
+          <a:chExt cx="0" cy="0"/>
+        </a:xfrm>
+      </p:grpSpPr>
+      <p:sp>
+        <p:nvSpPr>
+          <p:cNvPr id="18" name="TextBox 17">
+            <a:extLst>
+              <a:ext uri="{FF2B5EF4-FFF2-40B4-BE49-F238E27FC236}">
+                <a16:creationId xmlns:a16="http://schemas.microsoft.com/office/drawing/2014/main" id="{355AC3A1-175C-0DC3-DBAF-F626A9F3780A}"/>
+              </a:ext>
+            </a:extLst>
+          </p:cNvPr>
+          <p:cNvSpPr txBox="1"/>
+          <p:nvPr/>
+        </p:nvSpPr>
+        <p:spPr>
+          <a:xfrm>
+            <a:off x="3474402" y="388280"/>
+            <a:ext cx="7841298" cy="769441"/>
+          </a:xfrm>
+          <a:prstGeom prst="rect">
+            <a:avLst/>
+          </a:prstGeom>
+          <a:noFill/>
+        </p:spPr>
+        <p:txBody>
+          <a:bodyPr wrap="square" rtlCol="0">
+            <a:spAutoFit/>
+          </a:bodyPr>
+          <a:lstStyle/>
+          <a:p>
+            <a:r>
+              <a:rPr lang="en-US" sz="4400" b="1" dirty="0">
+                <a:solidFill>
+                  <a:srgbClr val="1DB954"/>
+                </a:solidFill>
+                <a:latin typeface="Segoe UI" panose="020B0502040204020203" pitchFamily="34" charset="0"/>
+                <a:cs typeface="Segoe UI" panose="020B0502040204020203" pitchFamily="34" charset="0"/>
+              </a:rPr>
+              <a:t>Preprocessing</a:t>
+            </a:r>
+            <a:r>
+              <a:rPr lang="en-US" sz="4400" b="1" dirty="0">
+                <a:solidFill>
+                  <a:schemeClr val="bg1"/>
+                </a:solidFill>
+                <a:latin typeface="Segoe UI" panose="020B0502040204020203" pitchFamily="34" charset="0"/>
+                <a:cs typeface="Segoe UI" panose="020B0502040204020203" pitchFamily="34" charset="0"/>
+              </a:rPr>
+              <a:t> Steps</a:t>
+            </a:r>
+          </a:p>
+        </p:txBody>
+      </p:sp>
+      <p:sp>
+        <p:nvSpPr>
+          <p:cNvPr id="21" name="TextBox 20">
+            <a:extLst>
+              <a:ext uri="{FF2B5EF4-FFF2-40B4-BE49-F238E27FC236}">
+                <a16:creationId xmlns:a16="http://schemas.microsoft.com/office/drawing/2014/main" id="{ED46B618-2CF9-7941-4EA2-0BAE302EE4DF}"/>
+              </a:ext>
+            </a:extLst>
+          </p:cNvPr>
+          <p:cNvSpPr txBox="1"/>
+          <p:nvPr/>
+        </p:nvSpPr>
+        <p:spPr>
+          <a:xfrm>
+            <a:off x="383220" y="1308203"/>
+            <a:ext cx="2296800" cy="366917"/>
+          </a:xfrm>
+          <a:prstGeom prst="roundRect">
+            <a:avLst/>
+          </a:prstGeom>
+          <a:gradFill>
+            <a:gsLst>
+              <a:gs pos="0">
+                <a:schemeClr val="bg1">
+                  <a:lumMod val="50000"/>
+                  <a:alpha val="45000"/>
+                </a:schemeClr>
+              </a:gs>
+              <a:gs pos="100000">
+                <a:srgbClr val="191414">
+                  <a:alpha val="25000"/>
+                </a:srgbClr>
+              </a:gs>
+            </a:gsLst>
+            <a:lin ang="4200000" scaled="0"/>
+          </a:gradFill>
+        </p:spPr>
+        <p:txBody>
+          <a:bodyPr wrap="none" lIns="684000" rtlCol="0" anchor="ctr">
+            <a:noAutofit/>
+          </a:bodyPr>
+          <a:lstStyle/>
+          <a:p>
+            <a:r>
+              <a:rPr lang="en-US" sz="1400" b="1" dirty="0">
+                <a:solidFill>
+                  <a:schemeClr val="bg1"/>
+                </a:solidFill>
+                <a:latin typeface="Segoe UI" panose="020B0502040204020203" pitchFamily="34" charset="0"/>
+                <a:cs typeface="Segoe UI" panose="020B0502040204020203" pitchFamily="34" charset="0"/>
+              </a:rPr>
+              <a:t>Preprocessing Steps</a:t>
+            </a:r>
+          </a:p>
+        </p:txBody>
+      </p:sp>
+      <p:sp>
+        <p:nvSpPr>
+          <p:cNvPr id="22" name="TextBox 21">
+            <a:extLst>
+              <a:ext uri="{FF2B5EF4-FFF2-40B4-BE49-F238E27FC236}">
+                <a16:creationId xmlns:a16="http://schemas.microsoft.com/office/drawing/2014/main" id="{29CCABAF-CABD-0DCA-146A-8DF8AA94EF98}"/>
+              </a:ext>
+            </a:extLst>
+          </p:cNvPr>
+          <p:cNvSpPr txBox="1"/>
+          <p:nvPr/>
+        </p:nvSpPr>
+        <p:spPr>
+          <a:xfrm>
+            <a:off x="383220" y="1843963"/>
+            <a:ext cx="2296800" cy="366917"/>
+          </a:xfrm>
+          <a:prstGeom prst="roundRect">
+            <a:avLst/>
+          </a:prstGeom>
+          <a:noFill/>
+        </p:spPr>
+        <p:txBody>
+          <a:bodyPr wrap="none" lIns="684000" rtlCol="0" anchor="ctr">
+            <a:noAutofit/>
+          </a:bodyPr>
+          <a:lstStyle/>
+          <a:p>
+            <a:r>
+              <a:rPr lang="en-US" sz="1400" dirty="0">
+                <a:solidFill>
+                  <a:schemeClr val="bg1"/>
+                </a:solidFill>
+                <a:latin typeface="Segoe UI" panose="020B0502040204020203" pitchFamily="34" charset="0"/>
+                <a:cs typeface="Segoe UI" panose="020B0502040204020203" pitchFamily="34" charset="0"/>
+              </a:rPr>
+              <a:t>EDA</a:t>
+            </a:r>
+          </a:p>
+        </p:txBody>
+      </p:sp>
+      <p:sp>
+        <p:nvSpPr>
+          <p:cNvPr id="42" name="Rectangle: Rounded Corners 41">
+            <a:extLst>
+              <a:ext uri="{FF2B5EF4-FFF2-40B4-BE49-F238E27FC236}">
+                <a16:creationId xmlns:a16="http://schemas.microsoft.com/office/drawing/2014/main" id="{2D323B2B-1A46-4DE2-23B4-AE05B947C523}"/>
+              </a:ext>
+            </a:extLst>
+          </p:cNvPr>
+          <p:cNvSpPr/>
+          <p:nvPr/>
+        </p:nvSpPr>
+        <p:spPr>
+          <a:xfrm>
+            <a:off x="3428683" y="1367642"/>
+            <a:ext cx="8382635" cy="4756908"/>
+          </a:xfrm>
+          <a:prstGeom prst="roundRect">
+            <a:avLst>
+              <a:gd name="adj" fmla="val 7408"/>
+            </a:avLst>
+          </a:prstGeom>
+          <a:solidFill>
+            <a:srgbClr val="0A0A0B"/>
+          </a:solidFill>
+          <a:ln>
+            <a:noFill/>
+          </a:ln>
+        </p:spPr>
+        <p:style>
+          <a:lnRef idx="2">
+            <a:schemeClr val="accent1">
+              <a:shade val="50000"/>
+            </a:schemeClr>
+          </a:lnRef>
+          <a:fillRef idx="1">
+            <a:schemeClr val="accent1"/>
+          </a:fillRef>
+          <a:effectRef idx="0">
+            <a:schemeClr val="accent1"/>
+          </a:effectRef>
+          <a:fontRef idx="minor">
+            <a:schemeClr val="lt1"/>
+          </a:fontRef>
+        </p:style>
+        <p:txBody>
+          <a:bodyPr rtlCol="0" anchor="ctr"/>
+          <a:lstStyle/>
+          <a:p>
+            <a:pPr algn="ctr"/>
+            <a:endParaRPr lang="en-US">
+              <a:latin typeface="Segoe UI" panose="020B0502040204020203" pitchFamily="34" charset="0"/>
+              <a:cs typeface="Segoe UI" panose="020B0502040204020203" pitchFamily="34" charset="0"/>
+            </a:endParaRPr>
+          </a:p>
+        </p:txBody>
+      </p:sp>
+      <p:sp>
+        <p:nvSpPr>
+          <p:cNvPr id="45" name="TextBox 44">
+            <a:extLst>
+              <a:ext uri="{FF2B5EF4-FFF2-40B4-BE49-F238E27FC236}">
+                <a16:creationId xmlns:a16="http://schemas.microsoft.com/office/drawing/2014/main" id="{B6429CB9-9544-2C8E-5FE0-1DF020713FDA}"/>
+              </a:ext>
+            </a:extLst>
+          </p:cNvPr>
+          <p:cNvSpPr txBox="1"/>
+          <p:nvPr/>
+        </p:nvSpPr>
+        <p:spPr>
+          <a:xfrm>
+            <a:off x="3678542" y="1492875"/>
+            <a:ext cx="3960000" cy="366917"/>
+          </a:xfrm>
+          <a:prstGeom prst="rect">
+            <a:avLst/>
+          </a:prstGeom>
+          <a:noFill/>
+        </p:spPr>
+        <p:txBody>
+          <a:bodyPr wrap="none" lIns="0" rIns="0" rtlCol="0" anchor="ctr">
+            <a:noAutofit/>
+          </a:bodyPr>
+          <a:lstStyle/>
+          <a:p>
+            <a:endParaRPr lang="en-US" sz="1400" dirty="0">
+              <a:solidFill>
+                <a:schemeClr val="bg1"/>
+              </a:solidFill>
+              <a:latin typeface="Segoe UI" panose="020B0502040204020203" pitchFamily="34" charset="0"/>
+              <a:cs typeface="Segoe UI" panose="020B0502040204020203" pitchFamily="34" charset="0"/>
+            </a:endParaRPr>
+          </a:p>
+        </p:txBody>
+      </p:sp>
+      <p:sp>
+        <p:nvSpPr>
+          <p:cNvPr id="48" name="TextBox 47">
+            <a:extLst>
+              <a:ext uri="{FF2B5EF4-FFF2-40B4-BE49-F238E27FC236}">
+                <a16:creationId xmlns:a16="http://schemas.microsoft.com/office/drawing/2014/main" id="{E4CCABAB-F10A-642D-34EC-706C8A69764F}"/>
+              </a:ext>
+            </a:extLst>
+          </p:cNvPr>
+          <p:cNvSpPr txBox="1"/>
+          <p:nvPr/>
+        </p:nvSpPr>
+        <p:spPr>
+          <a:xfrm>
+            <a:off x="3690898" y="1569060"/>
+            <a:ext cx="7929163" cy="4431689"/>
+          </a:xfrm>
+          <a:prstGeom prst="rect">
+            <a:avLst/>
+          </a:prstGeom>
+          <a:noFill/>
+        </p:spPr>
+        <p:txBody>
+          <a:bodyPr wrap="square" lIns="0" rIns="0" rtlCol="0" anchor="t" anchorCtr="0">
+            <a:noAutofit/>
+          </a:bodyPr>
+          <a:lstStyle/>
+          <a:p>
+            <a:pPr algn="l"/>
+            <a:r>
+              <a:rPr lang="de-AT" sz="2800" dirty="0">
+                <a:solidFill>
+                  <a:schemeClr val="bg1"/>
+                </a:solidFill>
+                <a:latin typeface="Söhne"/>
+              </a:rPr>
+              <a:t>Lyrics</a:t>
+            </a:r>
+            <a:r>
+              <a:rPr lang="de-AT" sz="2800" b="0" i="0" u="none" strike="noStrike" dirty="0">
+                <a:solidFill>
+                  <a:schemeClr val="bg1"/>
+                </a:solidFill>
+                <a:effectLst/>
+                <a:latin typeface="Söhne"/>
+              </a:rPr>
+              <a:t>:</a:t>
+            </a:r>
+          </a:p>
+          <a:p>
+            <a:pPr marL="971550" lvl="1" indent="-514350">
+              <a:buFont typeface="+mj-lt"/>
+              <a:buAutoNum type="arabicPeriod"/>
+            </a:pPr>
+            <a:r>
+              <a:rPr lang="de-AT" sz="2800" dirty="0" err="1">
+                <a:solidFill>
+                  <a:schemeClr val="bg1"/>
+                </a:solidFill>
+                <a:latin typeface="Söhne"/>
+              </a:rPr>
+              <a:t>Replace</a:t>
+            </a:r>
+            <a:r>
+              <a:rPr lang="de-AT" sz="2800" dirty="0">
+                <a:solidFill>
+                  <a:schemeClr val="bg1"/>
+                </a:solidFill>
+                <a:latin typeface="Söhne"/>
+              </a:rPr>
+              <a:t>  ‚\</a:t>
+            </a:r>
+            <a:r>
+              <a:rPr lang="de-AT" sz="2800" dirty="0" err="1">
+                <a:solidFill>
+                  <a:schemeClr val="bg1"/>
+                </a:solidFill>
+                <a:latin typeface="Söhne"/>
+              </a:rPr>
+              <a:t>r</a:t>
+            </a:r>
+            <a:r>
+              <a:rPr lang="de-AT" sz="2800" dirty="0">
+                <a:solidFill>
+                  <a:schemeClr val="bg1"/>
+                </a:solidFill>
+                <a:latin typeface="Söhne"/>
+              </a:rPr>
+              <a:t>\</a:t>
+            </a:r>
+            <a:r>
+              <a:rPr lang="de-AT" sz="2800" dirty="0" err="1">
+                <a:solidFill>
+                  <a:schemeClr val="bg1"/>
+                </a:solidFill>
+                <a:latin typeface="Söhne"/>
+              </a:rPr>
+              <a:t>n</a:t>
+            </a:r>
+            <a:r>
+              <a:rPr lang="de-AT" sz="2800" dirty="0">
+                <a:solidFill>
+                  <a:schemeClr val="bg1"/>
+                </a:solidFill>
+                <a:latin typeface="Söhne"/>
+              </a:rPr>
+              <a:t>‘ </a:t>
+            </a:r>
+            <a:r>
+              <a:rPr lang="de-AT" sz="2800" dirty="0" err="1">
+                <a:solidFill>
+                  <a:schemeClr val="bg1"/>
+                </a:solidFill>
+                <a:latin typeface="Söhne"/>
+              </a:rPr>
+              <a:t>with</a:t>
+            </a:r>
+            <a:r>
+              <a:rPr lang="de-AT" sz="2800" dirty="0">
+                <a:solidFill>
+                  <a:schemeClr val="bg1"/>
+                </a:solidFill>
+                <a:latin typeface="Söhne"/>
+              </a:rPr>
+              <a:t> </a:t>
+            </a:r>
+            <a:r>
+              <a:rPr lang="de-AT" sz="2800" dirty="0" err="1">
+                <a:solidFill>
+                  <a:schemeClr val="bg1"/>
+                </a:solidFill>
+                <a:latin typeface="Söhne"/>
+              </a:rPr>
+              <a:t>space</a:t>
+            </a:r>
+            <a:endParaRPr lang="de-AT" sz="2800" dirty="0">
+              <a:solidFill>
+                <a:schemeClr val="bg1"/>
+              </a:solidFill>
+              <a:latin typeface="Söhne"/>
+            </a:endParaRPr>
+          </a:p>
+          <a:p>
+            <a:pPr marL="971550" lvl="1" indent="-514350">
+              <a:buFont typeface="+mj-lt"/>
+              <a:buAutoNum type="arabicPeriod"/>
+            </a:pPr>
+            <a:r>
+              <a:rPr lang="de-AT" sz="2800" dirty="0" err="1">
+                <a:solidFill>
+                  <a:schemeClr val="bg1"/>
+                </a:solidFill>
+                <a:latin typeface="Söhne"/>
+              </a:rPr>
+              <a:t>Detect</a:t>
+            </a:r>
+            <a:r>
+              <a:rPr lang="de-AT" sz="2800" dirty="0">
+                <a:solidFill>
+                  <a:schemeClr val="bg1"/>
+                </a:solidFill>
+                <a:latin typeface="Söhne"/>
+              </a:rPr>
+              <a:t> </a:t>
+            </a:r>
+            <a:r>
+              <a:rPr lang="de-AT" sz="2800" dirty="0" err="1">
+                <a:solidFill>
+                  <a:schemeClr val="bg1"/>
+                </a:solidFill>
+                <a:latin typeface="Söhne"/>
+              </a:rPr>
+              <a:t>language</a:t>
+            </a:r>
+            <a:endParaRPr lang="de-AT" sz="2800" dirty="0">
+              <a:solidFill>
+                <a:schemeClr val="bg1"/>
+              </a:solidFill>
+              <a:latin typeface="Söhne"/>
+            </a:endParaRPr>
+          </a:p>
+          <a:p>
+            <a:pPr marL="971550" lvl="1" indent="-514350">
+              <a:buFont typeface="+mj-lt"/>
+              <a:buAutoNum type="arabicPeriod"/>
+            </a:pPr>
+            <a:r>
+              <a:rPr lang="de-AT" sz="2800" dirty="0" err="1">
+                <a:solidFill>
+                  <a:schemeClr val="bg1"/>
+                </a:solidFill>
+                <a:latin typeface="Söhne"/>
+              </a:rPr>
+              <a:t>Translate</a:t>
+            </a:r>
+            <a:r>
+              <a:rPr lang="de-AT" sz="2800" dirty="0">
+                <a:solidFill>
+                  <a:schemeClr val="bg1"/>
+                </a:solidFill>
+                <a:latin typeface="Söhne"/>
+              </a:rPr>
+              <a:t> </a:t>
+            </a:r>
+            <a:r>
+              <a:rPr lang="de-AT" sz="2800" dirty="0" err="1">
+                <a:solidFill>
+                  <a:schemeClr val="bg1"/>
+                </a:solidFill>
+                <a:latin typeface="Söhne"/>
+              </a:rPr>
+              <a:t>lyrics</a:t>
+            </a:r>
+            <a:r>
+              <a:rPr lang="de-AT" sz="2800" dirty="0">
+                <a:solidFill>
+                  <a:schemeClr val="bg1"/>
+                </a:solidFill>
+                <a:latin typeface="Söhne"/>
+              </a:rPr>
+              <a:t> </a:t>
+            </a:r>
+            <a:r>
+              <a:rPr lang="de-AT" sz="2800" dirty="0" err="1">
+                <a:solidFill>
+                  <a:schemeClr val="bg1"/>
+                </a:solidFill>
+                <a:latin typeface="Söhne"/>
+              </a:rPr>
+              <a:t>into</a:t>
+            </a:r>
+            <a:r>
+              <a:rPr lang="de-AT" sz="2800" dirty="0">
+                <a:solidFill>
+                  <a:schemeClr val="bg1"/>
+                </a:solidFill>
+                <a:latin typeface="Söhne"/>
+              </a:rPr>
+              <a:t> </a:t>
+            </a:r>
+            <a:r>
+              <a:rPr lang="de-AT" sz="2800" dirty="0" err="1">
+                <a:solidFill>
+                  <a:schemeClr val="bg1"/>
+                </a:solidFill>
+                <a:latin typeface="Söhne"/>
+              </a:rPr>
+              <a:t>english</a:t>
+            </a:r>
+            <a:r>
+              <a:rPr lang="de-AT" sz="2800" dirty="0">
+                <a:solidFill>
+                  <a:schemeClr val="bg1"/>
+                </a:solidFill>
+                <a:latin typeface="Söhne"/>
+              </a:rPr>
+              <a:t> (</a:t>
+            </a:r>
+            <a:r>
+              <a:rPr lang="de-AT" sz="2800" dirty="0" err="1">
+                <a:solidFill>
+                  <a:schemeClr val="bg1"/>
+                </a:solidFill>
+                <a:latin typeface="Söhne"/>
+              </a:rPr>
+              <a:t>failed</a:t>
+            </a:r>
+            <a:r>
+              <a:rPr lang="de-AT" sz="2800" dirty="0">
+                <a:solidFill>
+                  <a:schemeClr val="bg1"/>
+                </a:solidFill>
+                <a:latin typeface="Söhne"/>
+              </a:rPr>
+              <a:t> so </a:t>
+            </a:r>
+            <a:r>
+              <a:rPr lang="de-AT" sz="2800" dirty="0" err="1">
+                <a:solidFill>
+                  <a:schemeClr val="bg1"/>
+                </a:solidFill>
+                <a:latin typeface="Söhne"/>
+              </a:rPr>
+              <a:t>far</a:t>
+            </a:r>
+            <a:r>
+              <a:rPr lang="de-AT" sz="2800" dirty="0">
+                <a:solidFill>
+                  <a:schemeClr val="bg1"/>
+                </a:solidFill>
+                <a:latin typeface="Söhne"/>
+              </a:rPr>
+              <a:t> – </a:t>
+            </a:r>
+            <a:r>
+              <a:rPr lang="de-AT" sz="2800" dirty="0" err="1">
+                <a:solidFill>
+                  <a:schemeClr val="bg1"/>
+                </a:solidFill>
+                <a:latin typeface="Söhne"/>
+              </a:rPr>
+              <a:t>filter</a:t>
+            </a:r>
+            <a:r>
+              <a:rPr lang="de-AT" sz="2800" dirty="0">
+                <a:solidFill>
+                  <a:schemeClr val="bg1"/>
+                </a:solidFill>
+                <a:latin typeface="Söhne"/>
+              </a:rPr>
+              <a:t> </a:t>
+            </a:r>
+            <a:r>
+              <a:rPr lang="de-AT" sz="2800" dirty="0" err="1">
+                <a:solidFill>
+                  <a:schemeClr val="bg1"/>
+                </a:solidFill>
+                <a:latin typeface="Söhne"/>
+              </a:rPr>
+              <a:t>english</a:t>
+            </a:r>
+            <a:r>
+              <a:rPr lang="de-AT" sz="2800" dirty="0">
+                <a:solidFill>
+                  <a:schemeClr val="bg1"/>
+                </a:solidFill>
+                <a:latin typeface="Söhne"/>
+              </a:rPr>
+              <a:t> </a:t>
+            </a:r>
+            <a:r>
+              <a:rPr lang="de-AT" sz="2800" dirty="0" err="1">
+                <a:solidFill>
+                  <a:schemeClr val="bg1"/>
+                </a:solidFill>
+                <a:latin typeface="Söhne"/>
+              </a:rPr>
+              <a:t>songs</a:t>
+            </a:r>
+            <a:r>
+              <a:rPr lang="de-AT" sz="2800" dirty="0">
+                <a:solidFill>
+                  <a:schemeClr val="bg1"/>
+                </a:solidFill>
+                <a:latin typeface="Söhne"/>
+              </a:rPr>
+              <a:t>)</a:t>
+            </a:r>
+          </a:p>
+          <a:p>
+            <a:pPr marL="971550" lvl="1" indent="-514350">
+              <a:buFont typeface="+mj-lt"/>
+              <a:buAutoNum type="arabicPeriod"/>
+            </a:pPr>
+            <a:r>
+              <a:rPr lang="de-AT" sz="2800" dirty="0" err="1">
+                <a:solidFill>
+                  <a:schemeClr val="bg1"/>
+                </a:solidFill>
+                <a:latin typeface="Söhne"/>
+              </a:rPr>
+              <a:t>Lowercasing</a:t>
+            </a:r>
+            <a:endParaRPr lang="de-AT" sz="2800" dirty="0">
+              <a:solidFill>
+                <a:schemeClr val="bg1"/>
+              </a:solidFill>
+              <a:latin typeface="Söhne"/>
+            </a:endParaRPr>
+          </a:p>
+          <a:p>
+            <a:pPr marL="971550" lvl="1" indent="-514350">
+              <a:buFont typeface="+mj-lt"/>
+              <a:buAutoNum type="arabicPeriod"/>
+            </a:pPr>
+            <a:r>
+              <a:rPr lang="de-AT" sz="2800" dirty="0" err="1">
+                <a:solidFill>
+                  <a:schemeClr val="bg1"/>
+                </a:solidFill>
+                <a:latin typeface="Söhne"/>
+              </a:rPr>
+              <a:t>Tokenization</a:t>
+            </a:r>
+            <a:endParaRPr lang="de-AT" sz="2800" dirty="0">
+              <a:solidFill>
+                <a:schemeClr val="bg1"/>
+              </a:solidFill>
+              <a:latin typeface="Söhne"/>
+            </a:endParaRPr>
+          </a:p>
+          <a:p>
+            <a:pPr marL="971550" lvl="1" indent="-514350">
+              <a:buFont typeface="+mj-lt"/>
+              <a:buAutoNum type="arabicPeriod"/>
+            </a:pPr>
+            <a:r>
+              <a:rPr lang="de-AT" sz="2800" dirty="0" err="1">
+                <a:solidFill>
+                  <a:schemeClr val="bg1"/>
+                </a:solidFill>
+                <a:latin typeface="Söhne"/>
+              </a:rPr>
+              <a:t>Removing</a:t>
+            </a:r>
+            <a:r>
+              <a:rPr lang="de-AT" sz="2800" dirty="0">
+                <a:solidFill>
+                  <a:schemeClr val="bg1"/>
+                </a:solidFill>
+                <a:latin typeface="Söhne"/>
+              </a:rPr>
+              <a:t> </a:t>
+            </a:r>
+            <a:r>
+              <a:rPr lang="de-AT" sz="2800" dirty="0" err="1">
+                <a:solidFill>
+                  <a:schemeClr val="bg1"/>
+                </a:solidFill>
+                <a:latin typeface="Söhne"/>
+              </a:rPr>
+              <a:t>Stopwords</a:t>
+            </a:r>
+            <a:endParaRPr lang="de-AT" sz="2800" dirty="0">
+              <a:solidFill>
+                <a:schemeClr val="bg1"/>
+              </a:solidFill>
+              <a:latin typeface="Söhne"/>
+            </a:endParaRPr>
+          </a:p>
+          <a:p>
+            <a:pPr marL="971550" lvl="1" indent="-514350">
+              <a:buFont typeface="+mj-lt"/>
+              <a:buAutoNum type="arabicPeriod"/>
+            </a:pPr>
+            <a:endParaRPr lang="de-AT" sz="2800" dirty="0">
+              <a:solidFill>
+                <a:schemeClr val="bg1"/>
+              </a:solidFill>
+              <a:latin typeface="Söhne"/>
+            </a:endParaRPr>
+          </a:p>
+          <a:p>
+            <a:pPr marL="971550" lvl="1" indent="-514350">
+              <a:buFont typeface="+mj-lt"/>
+              <a:buAutoNum type="arabicPeriod"/>
+            </a:pPr>
+            <a:endParaRPr lang="de-AT" sz="2800" b="0" i="0" u="none" strike="noStrike" dirty="0">
+              <a:solidFill>
+                <a:schemeClr val="bg1"/>
+              </a:solidFill>
+              <a:effectLst/>
+              <a:latin typeface="Söhne"/>
+            </a:endParaRPr>
+          </a:p>
+        </p:txBody>
+      </p:sp>
+      <p:grpSp>
+        <p:nvGrpSpPr>
+          <p:cNvPr id="1036" name="Group 1035">
+            <a:extLst>
+              <a:ext uri="{FF2B5EF4-FFF2-40B4-BE49-F238E27FC236}">
+                <a16:creationId xmlns:a16="http://schemas.microsoft.com/office/drawing/2014/main" id="{74F3A740-AD9E-F587-C3FF-956880489C46}"/>
+              </a:ext>
+            </a:extLst>
+          </p:cNvPr>
+          <p:cNvGrpSpPr/>
+          <p:nvPr/>
+        </p:nvGrpSpPr>
+        <p:grpSpPr>
+          <a:xfrm>
+            <a:off x="591710" y="1393732"/>
+            <a:ext cx="258819" cy="225423"/>
+            <a:chOff x="7005638" y="3648076"/>
+            <a:chExt cx="344488" cy="300038"/>
+          </a:xfrm>
+        </p:grpSpPr>
+        <p:sp>
+          <p:nvSpPr>
+            <p:cNvPr id="1037" name="Freeform 90">
+              <a:extLst>
+                <a:ext uri="{FF2B5EF4-FFF2-40B4-BE49-F238E27FC236}">
+                  <a16:creationId xmlns:a16="http://schemas.microsoft.com/office/drawing/2014/main" id="{78C37A5C-C91B-9044-27D6-8F391B845742}"/>
+                </a:ext>
+              </a:extLst>
+            </p:cNvPr>
+            <p:cNvSpPr>
+              <a:spLocks/>
+            </p:cNvSpPr>
+            <p:nvPr/>
+          </p:nvSpPr>
+          <p:spPr bwMode="auto">
+            <a:xfrm>
+              <a:off x="7005638" y="3648076"/>
+              <a:ext cx="344488" cy="269875"/>
+            </a:xfrm>
+            <a:custGeom>
+              <a:avLst/>
+              <a:gdLst>
+                <a:gd name="T0" fmla="*/ 92 w 92"/>
+                <a:gd name="T1" fmla="*/ 66 h 72"/>
+                <a:gd name="T2" fmla="*/ 86 w 92"/>
+                <a:gd name="T3" fmla="*/ 72 h 72"/>
+                <a:gd name="T4" fmla="*/ 6 w 92"/>
+                <a:gd name="T5" fmla="*/ 72 h 72"/>
+                <a:gd name="T6" fmla="*/ 0 w 92"/>
+                <a:gd name="T7" fmla="*/ 66 h 72"/>
+                <a:gd name="T8" fmla="*/ 0 w 92"/>
+                <a:gd name="T9" fmla="*/ 6 h 72"/>
+                <a:gd name="T10" fmla="*/ 6 w 92"/>
+                <a:gd name="T11" fmla="*/ 0 h 72"/>
+                <a:gd name="T12" fmla="*/ 86 w 92"/>
+                <a:gd name="T13" fmla="*/ 0 h 72"/>
+                <a:gd name="T14" fmla="*/ 92 w 92"/>
+                <a:gd name="T15" fmla="*/ 6 h 72"/>
+                <a:gd name="T16" fmla="*/ 92 w 92"/>
+                <a:gd name="T17" fmla="*/ 66 h 72"/>
+              </a:gdLst>
+              <a:ahLst/>
+              <a:cxnLst>
+                <a:cxn ang="0">
+                  <a:pos x="T0" y="T1"/>
+                </a:cxn>
+                <a:cxn ang="0">
+                  <a:pos x="T2" y="T3"/>
+                </a:cxn>
+                <a:cxn ang="0">
+                  <a:pos x="T4" y="T5"/>
+                </a:cxn>
+                <a:cxn ang="0">
+                  <a:pos x="T6" y="T7"/>
+                </a:cxn>
+                <a:cxn ang="0">
+                  <a:pos x="T8" y="T9"/>
+                </a:cxn>
+                <a:cxn ang="0">
+                  <a:pos x="T10" y="T11"/>
+                </a:cxn>
+                <a:cxn ang="0">
+                  <a:pos x="T12" y="T13"/>
+                </a:cxn>
+                <a:cxn ang="0">
+                  <a:pos x="T14" y="T15"/>
+                </a:cxn>
+                <a:cxn ang="0">
+                  <a:pos x="T16" y="T17"/>
+                </a:cxn>
+              </a:cxnLst>
+              <a:rect l="0" t="0" r="r" b="b"/>
+              <a:pathLst>
+                <a:path w="92" h="72">
+                  <a:moveTo>
+                    <a:pt x="92" y="66"/>
+                  </a:moveTo>
+                  <a:cubicBezTo>
+                    <a:pt x="92" y="69"/>
+                    <a:pt x="89" y="72"/>
+                    <a:pt x="86" y="72"/>
+                  </a:cubicBezTo>
+                  <a:cubicBezTo>
+                    <a:pt x="6" y="72"/>
+                    <a:pt x="6" y="72"/>
+                    <a:pt x="6" y="72"/>
+                  </a:cubicBezTo>
+                  <a:cubicBezTo>
+                    <a:pt x="3" y="72"/>
+                    <a:pt x="0" y="69"/>
+                    <a:pt x="0" y="66"/>
+                  </a:cubicBezTo>
+                  <a:cubicBezTo>
+                    <a:pt x="0" y="6"/>
+                    <a:pt x="0" y="6"/>
+                    <a:pt x="0" y="6"/>
+                  </a:cubicBezTo>
+                  <a:cubicBezTo>
+                    <a:pt x="0" y="3"/>
+                    <a:pt x="3" y="0"/>
+                    <a:pt x="6" y="0"/>
+                  </a:cubicBezTo>
+                  <a:cubicBezTo>
+                    <a:pt x="86" y="0"/>
+                    <a:pt x="86" y="0"/>
+                    <a:pt x="86" y="0"/>
+                  </a:cubicBezTo>
+                  <a:cubicBezTo>
+                    <a:pt x="89" y="0"/>
+                    <a:pt x="92" y="3"/>
+                    <a:pt x="92" y="6"/>
+                  </a:cubicBezTo>
+                  <a:lnTo>
+                    <a:pt x="92" y="66"/>
+                  </a:lnTo>
+                  <a:close/>
+                </a:path>
+              </a:pathLst>
+            </a:custGeom>
+            <a:noFill/>
+            <a:ln w="9525" cap="rnd">
+              <a:solidFill>
+                <a:schemeClr val="bg1"/>
+              </a:solidFill>
+              <a:prstDash val="solid"/>
+              <a:round/>
+              <a:headEnd/>
+              <a:tailEnd/>
+            </a:ln>
+            <a:extLst>
+              <a:ext uri="{909E8E84-426E-40DD-AFC4-6F175D3DCCD1}">
+                <a14:hiddenFill xmlns:a14="http://schemas.microsoft.com/office/drawing/2010/main">
+                  <a:solidFill>
+                    <a:srgbClr val="FFFFFF"/>
+                  </a:solidFill>
+                </a14:hiddenFill>
+              </a:ext>
+            </a:extLst>
+          </p:spPr>
+          <p:txBody>
+            <a:bodyPr vert="horz" wrap="square" lIns="91440" tIns="45720" rIns="91440" bIns="45720" numCol="1" anchor="t" anchorCtr="0" compatLnSpc="1">
+              <a:prstTxWarp prst="textNoShape">
+                <a:avLst/>
+              </a:prstTxWarp>
+            </a:bodyPr>
+            <a:lstStyle/>
+            <a:p>
+              <a:endParaRPr lang="id-ID"/>
+            </a:p>
+          </p:txBody>
+        </p:sp>
+        <p:sp>
+          <p:nvSpPr>
+            <p:cNvPr id="1038" name="Line 91">
+              <a:extLst>
+                <a:ext uri="{FF2B5EF4-FFF2-40B4-BE49-F238E27FC236}">
+                  <a16:creationId xmlns:a16="http://schemas.microsoft.com/office/drawing/2014/main" id="{D85A1BE9-60DB-F019-DD69-44D7B439019C}"/>
+                </a:ext>
+              </a:extLst>
+            </p:cNvPr>
+            <p:cNvSpPr>
+              <a:spLocks noChangeShapeType="1"/>
+            </p:cNvSpPr>
+            <p:nvPr/>
+          </p:nvSpPr>
+          <p:spPr bwMode="auto">
+            <a:xfrm>
+              <a:off x="7072313" y="3948113"/>
+              <a:ext cx="211138" cy="0"/>
+            </a:xfrm>
+            <a:prstGeom prst="line">
+              <a:avLst/>
+            </a:prstGeom>
+            <a:noFill/>
+            <a:ln w="9525" cap="rnd">
+              <a:solidFill>
+                <a:schemeClr val="bg1"/>
+              </a:solidFill>
+              <a:prstDash val="solid"/>
+              <a:round/>
+              <a:headEnd/>
+              <a:tailEnd/>
+            </a:ln>
+            <a:extLst>
+              <a:ext uri="{909E8E84-426E-40DD-AFC4-6F175D3DCCD1}">
+                <a14:hiddenFill xmlns:a14="http://schemas.microsoft.com/office/drawing/2010/main">
+                  <a:noFill/>
+                </a14:hiddenFill>
+              </a:ext>
+            </a:extLst>
+          </p:spPr>
+          <p:txBody>
+            <a:bodyPr vert="horz" wrap="square" lIns="91440" tIns="45720" rIns="91440" bIns="45720" numCol="1" anchor="t" anchorCtr="0" compatLnSpc="1">
+              <a:prstTxWarp prst="textNoShape">
+                <a:avLst/>
+              </a:prstTxWarp>
+            </a:bodyPr>
+            <a:lstStyle/>
+            <a:p>
+              <a:endParaRPr lang="id-ID"/>
+            </a:p>
+          </p:txBody>
+        </p:sp>
+        <p:sp>
+          <p:nvSpPr>
+            <p:cNvPr id="1039" name="Line 92">
+              <a:extLst>
+                <a:ext uri="{FF2B5EF4-FFF2-40B4-BE49-F238E27FC236}">
+                  <a16:creationId xmlns:a16="http://schemas.microsoft.com/office/drawing/2014/main" id="{E958D838-16E4-F50B-23BF-CD6D45A75785}"/>
+                </a:ext>
+              </a:extLst>
+            </p:cNvPr>
+            <p:cNvSpPr>
+              <a:spLocks noChangeShapeType="1"/>
+            </p:cNvSpPr>
+            <p:nvPr/>
+          </p:nvSpPr>
+          <p:spPr bwMode="auto">
+            <a:xfrm>
+              <a:off x="7178676" y="3917951"/>
+              <a:ext cx="0" cy="30163"/>
+            </a:xfrm>
+            <a:prstGeom prst="line">
+              <a:avLst/>
+            </a:prstGeom>
+            <a:noFill/>
+            <a:ln w="9525" cap="rnd">
+              <a:solidFill>
+                <a:schemeClr val="bg1"/>
+              </a:solidFill>
+              <a:prstDash val="solid"/>
+              <a:round/>
+              <a:headEnd/>
+              <a:tailEnd/>
+            </a:ln>
+            <a:extLst>
+              <a:ext uri="{909E8E84-426E-40DD-AFC4-6F175D3DCCD1}">
+                <a14:hiddenFill xmlns:a14="http://schemas.microsoft.com/office/drawing/2010/main">
+                  <a:noFill/>
+                </a14:hiddenFill>
+              </a:ext>
+            </a:extLst>
+          </p:spPr>
+          <p:txBody>
+            <a:bodyPr vert="horz" wrap="square" lIns="91440" tIns="45720" rIns="91440" bIns="45720" numCol="1" anchor="t" anchorCtr="0" compatLnSpc="1">
+              <a:prstTxWarp prst="textNoShape">
+                <a:avLst/>
+              </a:prstTxWarp>
+            </a:bodyPr>
+            <a:lstStyle/>
+            <a:p>
+              <a:endParaRPr lang="id-ID"/>
+            </a:p>
+          </p:txBody>
+        </p:sp>
+        <p:sp>
+          <p:nvSpPr>
+            <p:cNvPr id="1040" name="Oval 93">
+              <a:extLst>
+                <a:ext uri="{FF2B5EF4-FFF2-40B4-BE49-F238E27FC236}">
+                  <a16:creationId xmlns:a16="http://schemas.microsoft.com/office/drawing/2014/main" id="{6959AF5A-8014-EB78-8EEA-A82DD80D00FA}"/>
+                </a:ext>
+              </a:extLst>
+            </p:cNvPr>
+            <p:cNvSpPr>
+              <a:spLocks noChangeArrowheads="1"/>
+            </p:cNvSpPr>
+            <p:nvPr/>
+          </p:nvSpPr>
+          <p:spPr bwMode="auto">
+            <a:xfrm>
+              <a:off x="7170738" y="3881438"/>
+              <a:ext cx="14288" cy="14288"/>
+            </a:xfrm>
+            <a:prstGeom prst="ellipse">
+              <a:avLst/>
+            </a:prstGeom>
+            <a:noFill/>
+            <a:ln w="9525" cap="flat">
+              <a:solidFill>
+                <a:schemeClr val="bg1"/>
+              </a:solidFill>
+              <a:prstDash val="solid"/>
+              <a:round/>
+              <a:headEnd/>
+              <a:tailEnd/>
+            </a:ln>
+            <a:extLst>
+              <a:ext uri="{909E8E84-426E-40DD-AFC4-6F175D3DCCD1}">
+                <a14:hiddenFill xmlns:a14="http://schemas.microsoft.com/office/drawing/2010/main">
+                  <a:solidFill>
+                    <a:srgbClr val="FFFFFF"/>
+                  </a:solidFill>
+                </a14:hiddenFill>
+              </a:ext>
+            </a:extLst>
+          </p:spPr>
+          <p:txBody>
+            <a:bodyPr vert="horz" wrap="square" lIns="91440" tIns="45720" rIns="91440" bIns="45720" numCol="1" anchor="t" anchorCtr="0" compatLnSpc="1">
+              <a:prstTxWarp prst="textNoShape">
+                <a:avLst/>
+              </a:prstTxWarp>
+            </a:bodyPr>
+            <a:lstStyle/>
+            <a:p>
+              <a:endParaRPr lang="id-ID"/>
+            </a:p>
+          </p:txBody>
+        </p:sp>
+        <p:sp>
+          <p:nvSpPr>
+            <p:cNvPr id="1041" name="Line 94">
+              <a:extLst>
+                <a:ext uri="{FF2B5EF4-FFF2-40B4-BE49-F238E27FC236}">
+                  <a16:creationId xmlns:a16="http://schemas.microsoft.com/office/drawing/2014/main" id="{A5EAEB2C-1728-5B92-187E-D54C3F2551DD}"/>
+                </a:ext>
+              </a:extLst>
+            </p:cNvPr>
+            <p:cNvSpPr>
+              <a:spLocks noChangeShapeType="1"/>
+            </p:cNvSpPr>
+            <p:nvPr/>
+          </p:nvSpPr>
+          <p:spPr bwMode="auto">
+            <a:xfrm>
+              <a:off x="7005638" y="3857626"/>
+              <a:ext cx="344488" cy="0"/>
+            </a:xfrm>
+            <a:prstGeom prst="line">
+              <a:avLst/>
+            </a:prstGeom>
+            <a:noFill/>
+            <a:ln w="9525" cap="flat">
+              <a:solidFill>
+                <a:schemeClr val="bg1"/>
+              </a:solidFill>
+              <a:prstDash val="solid"/>
+              <a:round/>
+              <a:headEnd/>
+              <a:tailEnd/>
+            </a:ln>
+            <a:extLst>
+              <a:ext uri="{909E8E84-426E-40DD-AFC4-6F175D3DCCD1}">
+                <a14:hiddenFill xmlns:a14="http://schemas.microsoft.com/office/drawing/2010/main">
+                  <a:noFill/>
+                </a14:hiddenFill>
+              </a:ext>
+            </a:extLst>
+          </p:spPr>
+          <p:txBody>
+            <a:bodyPr vert="horz" wrap="square" lIns="91440" tIns="45720" rIns="91440" bIns="45720" numCol="1" anchor="t" anchorCtr="0" compatLnSpc="1">
+              <a:prstTxWarp prst="textNoShape">
+                <a:avLst/>
+              </a:prstTxWarp>
+            </a:bodyPr>
+            <a:lstStyle/>
+            <a:p>
+              <a:endParaRPr lang="id-ID"/>
+            </a:p>
+          </p:txBody>
+        </p:sp>
+        <p:sp>
+          <p:nvSpPr>
+            <p:cNvPr id="1042" name="Freeform 95">
+              <a:extLst>
+                <a:ext uri="{FF2B5EF4-FFF2-40B4-BE49-F238E27FC236}">
+                  <a16:creationId xmlns:a16="http://schemas.microsoft.com/office/drawing/2014/main" id="{7E997864-CC9D-D8DD-EE44-D04B09CB787A}"/>
+                </a:ext>
+              </a:extLst>
+            </p:cNvPr>
+            <p:cNvSpPr>
+              <a:spLocks/>
+            </p:cNvSpPr>
+            <p:nvPr/>
+          </p:nvSpPr>
+          <p:spPr bwMode="auto">
+            <a:xfrm>
+              <a:off x="7140576" y="3703638"/>
+              <a:ext cx="82550" cy="101600"/>
+            </a:xfrm>
+            <a:custGeom>
+              <a:avLst/>
+              <a:gdLst>
+                <a:gd name="T0" fmla="*/ 0 w 52"/>
+                <a:gd name="T1" fmla="*/ 0 h 64"/>
+                <a:gd name="T2" fmla="*/ 0 w 52"/>
+                <a:gd name="T3" fmla="*/ 64 h 64"/>
+                <a:gd name="T4" fmla="*/ 52 w 52"/>
+                <a:gd name="T5" fmla="*/ 33 h 64"/>
+                <a:gd name="T6" fmla="*/ 0 w 52"/>
+                <a:gd name="T7" fmla="*/ 0 h 64"/>
+              </a:gdLst>
+              <a:ahLst/>
+              <a:cxnLst>
+                <a:cxn ang="0">
+                  <a:pos x="T0" y="T1"/>
+                </a:cxn>
+                <a:cxn ang="0">
+                  <a:pos x="T2" y="T3"/>
+                </a:cxn>
+                <a:cxn ang="0">
+                  <a:pos x="T4" y="T5"/>
+                </a:cxn>
+                <a:cxn ang="0">
+                  <a:pos x="T6" y="T7"/>
+                </a:cxn>
+              </a:cxnLst>
+              <a:rect l="0" t="0" r="r" b="b"/>
+              <a:pathLst>
+                <a:path w="52" h="64">
+                  <a:moveTo>
+                    <a:pt x="0" y="0"/>
+                  </a:moveTo>
+                  <a:lnTo>
+                    <a:pt x="0" y="64"/>
+                  </a:lnTo>
+                  <a:lnTo>
+                    <a:pt x="52" y="33"/>
+                  </a:lnTo>
+                  <a:lnTo>
+                    <a:pt x="0" y="0"/>
+                  </a:lnTo>
+                  <a:close/>
+                </a:path>
+              </a:pathLst>
+            </a:custGeom>
+            <a:noFill/>
+            <a:ln w="9525" cap="flat">
+              <a:solidFill>
+                <a:schemeClr val="bg1"/>
+              </a:solidFill>
+              <a:prstDash val="solid"/>
+              <a:round/>
+              <a:headEnd/>
+              <a:tailEnd/>
+            </a:ln>
+            <a:extLst>
+              <a:ext uri="{909E8E84-426E-40DD-AFC4-6F175D3DCCD1}">
+                <a14:hiddenFill xmlns:a14="http://schemas.microsoft.com/office/drawing/2010/main">
+                  <a:solidFill>
+                    <a:srgbClr val="FFFFFF"/>
+                  </a:solidFill>
+                </a14:hiddenFill>
+              </a:ext>
+            </a:extLst>
+          </p:spPr>
+          <p:txBody>
+            <a:bodyPr vert="horz" wrap="square" lIns="91440" tIns="45720" rIns="91440" bIns="45720" numCol="1" anchor="t" anchorCtr="0" compatLnSpc="1">
+              <a:prstTxWarp prst="textNoShape">
+                <a:avLst/>
+              </a:prstTxWarp>
+            </a:bodyPr>
+            <a:lstStyle/>
+            <a:p>
+              <a:endParaRPr lang="id-ID"/>
+            </a:p>
+          </p:txBody>
+        </p:sp>
+      </p:grpSp>
+      <p:grpSp>
+        <p:nvGrpSpPr>
+          <p:cNvPr id="2" name="Group 1">
+            <a:extLst>
+              <a:ext uri="{FF2B5EF4-FFF2-40B4-BE49-F238E27FC236}">
+                <a16:creationId xmlns:a16="http://schemas.microsoft.com/office/drawing/2014/main" id="{CBDBC168-5E83-5A26-1807-D17A43DDA94D}"/>
+              </a:ext>
+            </a:extLst>
+          </p:cNvPr>
+          <p:cNvGrpSpPr>
+            <a:grpSpLocks noChangeAspect="1"/>
+          </p:cNvGrpSpPr>
+          <p:nvPr/>
+        </p:nvGrpSpPr>
+        <p:grpSpPr>
+          <a:xfrm>
+            <a:off x="602808" y="1919421"/>
+            <a:ext cx="236623" cy="216000"/>
+            <a:chOff x="3398838" y="5076826"/>
+            <a:chExt cx="346075" cy="315913"/>
+          </a:xfrm>
+        </p:grpSpPr>
+        <p:sp>
+          <p:nvSpPr>
+            <p:cNvPr id="4" name="Rectangle 80">
+              <a:extLst>
+                <a:ext uri="{FF2B5EF4-FFF2-40B4-BE49-F238E27FC236}">
+                  <a16:creationId xmlns:a16="http://schemas.microsoft.com/office/drawing/2014/main" id="{3F517093-719C-FCD0-64BC-E827197D9EEC}"/>
+                </a:ext>
+              </a:extLst>
+            </p:cNvPr>
+            <p:cNvSpPr>
+              <a:spLocks noChangeArrowheads="1"/>
+            </p:cNvSpPr>
+            <p:nvPr/>
+          </p:nvSpPr>
+          <p:spPr bwMode="auto">
+            <a:xfrm>
+              <a:off x="3519488" y="5076826"/>
+              <a:ext cx="225425" cy="74613"/>
+            </a:xfrm>
+            <a:prstGeom prst="rect">
+              <a:avLst/>
+            </a:prstGeom>
+            <a:noFill/>
+            <a:ln w="12700" cap="rnd">
+              <a:solidFill>
+                <a:schemeClr val="bg1"/>
+              </a:solidFill>
+              <a:prstDash val="solid"/>
+              <a:round/>
+              <a:headEnd/>
+              <a:tailEnd/>
+            </a:ln>
+            <a:extLst>
+              <a:ext uri="{909E8E84-426E-40DD-AFC4-6F175D3DCCD1}">
+                <a14:hiddenFill xmlns:a14="http://schemas.microsoft.com/office/drawing/2010/main">
+                  <a:solidFill>
+                    <a:srgbClr val="FFFFFF"/>
+                  </a:solidFill>
+                </a14:hiddenFill>
+              </a:ext>
+            </a:extLst>
+          </p:spPr>
+          <p:txBody>
+            <a:bodyPr vert="horz" wrap="square" lIns="91440" tIns="45720" rIns="91440" bIns="45720" numCol="1" anchor="t" anchorCtr="0" compatLnSpc="1">
+              <a:prstTxWarp prst="textNoShape">
+                <a:avLst/>
+              </a:prstTxWarp>
+            </a:bodyPr>
+            <a:lstStyle/>
+            <a:p>
+              <a:endParaRPr lang="id-ID"/>
+            </a:p>
+          </p:txBody>
+        </p:sp>
+        <p:sp>
+          <p:nvSpPr>
+            <p:cNvPr id="5" name="Rectangle 81">
+              <a:extLst>
+                <a:ext uri="{FF2B5EF4-FFF2-40B4-BE49-F238E27FC236}">
+                  <a16:creationId xmlns:a16="http://schemas.microsoft.com/office/drawing/2014/main" id="{F23C2109-496B-3C7B-5FE8-EDC05FBE882C}"/>
+                </a:ext>
+              </a:extLst>
+            </p:cNvPr>
+            <p:cNvSpPr>
+              <a:spLocks noChangeArrowheads="1"/>
+            </p:cNvSpPr>
+            <p:nvPr/>
+          </p:nvSpPr>
+          <p:spPr bwMode="auto">
+            <a:xfrm>
+              <a:off x="3519488" y="5197476"/>
+              <a:ext cx="225425" cy="74613"/>
+            </a:xfrm>
+            <a:prstGeom prst="rect">
+              <a:avLst/>
+            </a:prstGeom>
+            <a:noFill/>
+            <a:ln w="12700" cap="rnd">
+              <a:solidFill>
+                <a:schemeClr val="bg1"/>
+              </a:solidFill>
+              <a:prstDash val="solid"/>
+              <a:round/>
+              <a:headEnd/>
+              <a:tailEnd/>
+            </a:ln>
+            <a:extLst>
+              <a:ext uri="{909E8E84-426E-40DD-AFC4-6F175D3DCCD1}">
+                <a14:hiddenFill xmlns:a14="http://schemas.microsoft.com/office/drawing/2010/main">
+                  <a:solidFill>
+                    <a:srgbClr val="FFFFFF"/>
+                  </a:solidFill>
+                </a14:hiddenFill>
+              </a:ext>
+            </a:extLst>
+          </p:spPr>
+          <p:txBody>
+            <a:bodyPr vert="horz" wrap="square" lIns="91440" tIns="45720" rIns="91440" bIns="45720" numCol="1" anchor="t" anchorCtr="0" compatLnSpc="1">
+              <a:prstTxWarp prst="textNoShape">
+                <a:avLst/>
+              </a:prstTxWarp>
+            </a:bodyPr>
+            <a:lstStyle/>
+            <a:p>
+              <a:endParaRPr lang="id-ID"/>
+            </a:p>
+          </p:txBody>
+        </p:sp>
+        <p:sp>
+          <p:nvSpPr>
+            <p:cNvPr id="6" name="Rectangle 82">
+              <a:extLst>
+                <a:ext uri="{FF2B5EF4-FFF2-40B4-BE49-F238E27FC236}">
+                  <a16:creationId xmlns:a16="http://schemas.microsoft.com/office/drawing/2014/main" id="{700C700D-F062-129E-AA5C-1B5835903468}"/>
+                </a:ext>
+              </a:extLst>
+            </p:cNvPr>
+            <p:cNvSpPr>
+              <a:spLocks noChangeArrowheads="1"/>
+            </p:cNvSpPr>
+            <p:nvPr/>
+          </p:nvSpPr>
+          <p:spPr bwMode="auto">
+            <a:xfrm>
+              <a:off x="3519488" y="5316539"/>
+              <a:ext cx="225425" cy="76200"/>
+            </a:xfrm>
+            <a:prstGeom prst="rect">
+              <a:avLst/>
+            </a:prstGeom>
+            <a:noFill/>
+            <a:ln w="12700" cap="rnd">
+              <a:solidFill>
+                <a:schemeClr val="bg1"/>
+              </a:solidFill>
+              <a:prstDash val="solid"/>
+              <a:round/>
+              <a:headEnd/>
+              <a:tailEnd/>
+            </a:ln>
+            <a:extLst>
+              <a:ext uri="{909E8E84-426E-40DD-AFC4-6F175D3DCCD1}">
+                <a14:hiddenFill xmlns:a14="http://schemas.microsoft.com/office/drawing/2010/main">
+                  <a:solidFill>
+                    <a:srgbClr val="FFFFFF"/>
+                  </a:solidFill>
+                </a14:hiddenFill>
+              </a:ext>
+            </a:extLst>
+          </p:spPr>
+          <p:txBody>
+            <a:bodyPr vert="horz" wrap="square" lIns="91440" tIns="45720" rIns="91440" bIns="45720" numCol="1" anchor="t" anchorCtr="0" compatLnSpc="1">
+              <a:prstTxWarp prst="textNoShape">
+                <a:avLst/>
+              </a:prstTxWarp>
+            </a:bodyPr>
+            <a:lstStyle/>
+            <a:p>
+              <a:endParaRPr lang="id-ID"/>
+            </a:p>
+          </p:txBody>
+        </p:sp>
+        <p:sp>
+          <p:nvSpPr>
+            <p:cNvPr id="7" name="Rectangle 83">
+              <a:extLst>
+                <a:ext uri="{FF2B5EF4-FFF2-40B4-BE49-F238E27FC236}">
+                  <a16:creationId xmlns:a16="http://schemas.microsoft.com/office/drawing/2014/main" id="{138246D0-38CB-78DF-4534-BDF97510D6BB}"/>
+                </a:ext>
+              </a:extLst>
+            </p:cNvPr>
+            <p:cNvSpPr>
+              <a:spLocks noChangeArrowheads="1"/>
+            </p:cNvSpPr>
+            <p:nvPr/>
+          </p:nvSpPr>
+          <p:spPr bwMode="auto">
+            <a:xfrm>
+              <a:off x="3398838" y="5076826"/>
+              <a:ext cx="74613" cy="74613"/>
+            </a:xfrm>
+            <a:prstGeom prst="rect">
+              <a:avLst/>
+            </a:prstGeom>
+            <a:noFill/>
+            <a:ln w="12700" cap="rnd">
+              <a:solidFill>
+                <a:schemeClr val="bg1"/>
+              </a:solidFill>
+              <a:prstDash val="solid"/>
+              <a:round/>
+              <a:headEnd/>
+              <a:tailEnd/>
+            </a:ln>
+            <a:extLst>
+              <a:ext uri="{909E8E84-426E-40DD-AFC4-6F175D3DCCD1}">
+                <a14:hiddenFill xmlns:a14="http://schemas.microsoft.com/office/drawing/2010/main">
+                  <a:solidFill>
+                    <a:srgbClr val="FFFFFF"/>
+                  </a:solidFill>
+                </a14:hiddenFill>
+              </a:ext>
+            </a:extLst>
+          </p:spPr>
+          <p:txBody>
+            <a:bodyPr vert="horz" wrap="square" lIns="91440" tIns="45720" rIns="91440" bIns="45720" numCol="1" anchor="t" anchorCtr="0" compatLnSpc="1">
+              <a:prstTxWarp prst="textNoShape">
+                <a:avLst/>
+              </a:prstTxWarp>
+            </a:bodyPr>
+            <a:lstStyle/>
+            <a:p>
+              <a:endParaRPr lang="id-ID"/>
+            </a:p>
+          </p:txBody>
+        </p:sp>
+        <p:sp>
+          <p:nvSpPr>
+            <p:cNvPr id="8" name="Rectangle 84">
+              <a:extLst>
+                <a:ext uri="{FF2B5EF4-FFF2-40B4-BE49-F238E27FC236}">
+                  <a16:creationId xmlns:a16="http://schemas.microsoft.com/office/drawing/2014/main" id="{B85A494E-E948-3963-AB4A-3D367E28AE1F}"/>
+                </a:ext>
+              </a:extLst>
+            </p:cNvPr>
+            <p:cNvSpPr>
+              <a:spLocks noChangeArrowheads="1"/>
+            </p:cNvSpPr>
+            <p:nvPr/>
+          </p:nvSpPr>
+          <p:spPr bwMode="auto">
+            <a:xfrm>
+              <a:off x="3398838" y="5197476"/>
+              <a:ext cx="74613" cy="74613"/>
+            </a:xfrm>
+            <a:prstGeom prst="rect">
+              <a:avLst/>
+            </a:prstGeom>
+            <a:noFill/>
+            <a:ln w="12700" cap="rnd">
+              <a:solidFill>
+                <a:schemeClr val="bg1"/>
+              </a:solidFill>
+              <a:prstDash val="solid"/>
+              <a:round/>
+              <a:headEnd/>
+              <a:tailEnd/>
+            </a:ln>
+            <a:extLst>
+              <a:ext uri="{909E8E84-426E-40DD-AFC4-6F175D3DCCD1}">
+                <a14:hiddenFill xmlns:a14="http://schemas.microsoft.com/office/drawing/2010/main">
+                  <a:solidFill>
+                    <a:srgbClr val="FFFFFF"/>
+                  </a:solidFill>
+                </a14:hiddenFill>
+              </a:ext>
+            </a:extLst>
+          </p:spPr>
+          <p:txBody>
+            <a:bodyPr vert="horz" wrap="square" lIns="91440" tIns="45720" rIns="91440" bIns="45720" numCol="1" anchor="t" anchorCtr="0" compatLnSpc="1">
+              <a:prstTxWarp prst="textNoShape">
+                <a:avLst/>
+              </a:prstTxWarp>
+            </a:bodyPr>
+            <a:lstStyle/>
+            <a:p>
+              <a:endParaRPr lang="id-ID"/>
+            </a:p>
+          </p:txBody>
+        </p:sp>
+        <p:sp>
+          <p:nvSpPr>
+            <p:cNvPr id="9" name="Rectangle 85">
+              <a:extLst>
+                <a:ext uri="{FF2B5EF4-FFF2-40B4-BE49-F238E27FC236}">
+                  <a16:creationId xmlns:a16="http://schemas.microsoft.com/office/drawing/2014/main" id="{C5E7F8FF-6801-F903-4275-FB0B3ADE89FF}"/>
+                </a:ext>
+              </a:extLst>
+            </p:cNvPr>
+            <p:cNvSpPr>
+              <a:spLocks noChangeArrowheads="1"/>
+            </p:cNvSpPr>
+            <p:nvPr/>
+          </p:nvSpPr>
+          <p:spPr bwMode="auto">
+            <a:xfrm>
+              <a:off x="3398838" y="5316539"/>
+              <a:ext cx="74613" cy="76200"/>
+            </a:xfrm>
+            <a:prstGeom prst="rect">
+              <a:avLst/>
+            </a:prstGeom>
+            <a:noFill/>
+            <a:ln w="12700" cap="rnd">
+              <a:solidFill>
+                <a:schemeClr val="bg1"/>
+              </a:solidFill>
+              <a:prstDash val="solid"/>
+              <a:round/>
+              <a:headEnd/>
+              <a:tailEnd/>
+            </a:ln>
+            <a:extLst>
+              <a:ext uri="{909E8E84-426E-40DD-AFC4-6F175D3DCCD1}">
+                <a14:hiddenFill xmlns:a14="http://schemas.microsoft.com/office/drawing/2010/main">
+                  <a:solidFill>
+                    <a:srgbClr val="FFFFFF"/>
+                  </a:solidFill>
+                </a14:hiddenFill>
+              </a:ext>
+            </a:extLst>
+          </p:spPr>
+          <p:txBody>
+            <a:bodyPr vert="horz" wrap="square" lIns="91440" tIns="45720" rIns="91440" bIns="45720" numCol="1" anchor="t" anchorCtr="0" compatLnSpc="1">
+              <a:prstTxWarp prst="textNoShape">
+                <a:avLst/>
+              </a:prstTxWarp>
+            </a:bodyPr>
+            <a:lstStyle/>
+            <a:p>
+              <a:endParaRPr lang="id-ID"/>
+            </a:p>
+          </p:txBody>
+        </p:sp>
+      </p:grpSp>
+    </p:spTree>
+    <p:extLst>
+      <p:ext uri="{BB962C8B-B14F-4D97-AF65-F5344CB8AC3E}">
+        <p14:creationId xmlns:p14="http://schemas.microsoft.com/office/powerpoint/2010/main" val="848634955"/>
+      </p:ext>
+    </p:extLst>
+  </p:cSld>
+  <p:clrMapOvr>
+    <a:masterClrMapping/>
+  </p:clrMapOvr>
+</p:sld>
+</file>
+
+<file path=ppt/slides/slide5.xml><?xml version="1.0" encoding="utf-8"?>
+<p:sld xmlns:a="http://schemas.openxmlformats.org/drawingml/2006/main" xmlns:r="http://schemas.openxmlformats.org/officeDocument/2006/relationships" xmlns:p="http://schemas.openxmlformats.org/presentationml/2006/main">
+  <p:cSld>
+    <p:bg>
+      <p:bgPr>
+        <a:solidFill>
+          <a:srgbClr val="191414"/>
+        </a:solidFill>
+        <a:effectLst/>
+      </p:bgPr>
+    </p:bg>
+    <p:spTree>
+      <p:nvGrpSpPr>
+        <p:cNvPr id="1" name=""/>
+        <p:cNvGrpSpPr/>
+        <p:nvPr/>
+      </p:nvGrpSpPr>
+      <p:grpSpPr>
+        <a:xfrm>
+          <a:off x="0" y="0"/>
+          <a:ext cx="0" cy="0"/>
+          <a:chOff x="0" y="0"/>
+          <a:chExt cx="0" cy="0"/>
+        </a:xfrm>
+      </p:grpSpPr>
+      <p:sp>
+        <p:nvSpPr>
+          <p:cNvPr id="18" name="TextBox 17">
+            <a:extLst>
+              <a:ext uri="{FF2B5EF4-FFF2-40B4-BE49-F238E27FC236}">
+                <a16:creationId xmlns:a16="http://schemas.microsoft.com/office/drawing/2014/main" id="{355AC3A1-175C-0DC3-DBAF-F626A9F3780A}"/>
+              </a:ext>
+            </a:extLst>
+          </p:cNvPr>
+          <p:cNvSpPr txBox="1"/>
+          <p:nvPr/>
+        </p:nvSpPr>
+        <p:spPr>
+          <a:xfrm>
+            <a:off x="3474402" y="388280"/>
+            <a:ext cx="7841298" cy="769441"/>
+          </a:xfrm>
+          <a:prstGeom prst="rect">
+            <a:avLst/>
+          </a:prstGeom>
+          <a:noFill/>
+        </p:spPr>
+        <p:txBody>
+          <a:bodyPr wrap="square" rtlCol="0">
+            <a:spAutoFit/>
+          </a:bodyPr>
+          <a:lstStyle/>
+          <a:p>
+            <a:r>
+              <a:rPr lang="en-US" sz="4400" b="1" dirty="0">
+                <a:solidFill>
+                  <a:srgbClr val="1DB954"/>
+                </a:solidFill>
+                <a:latin typeface="Segoe UI" panose="020B0502040204020203" pitchFamily="34" charset="0"/>
+                <a:cs typeface="Segoe UI" panose="020B0502040204020203" pitchFamily="34" charset="0"/>
+              </a:rPr>
+              <a:t>EDA</a:t>
+            </a:r>
+            <a:endParaRPr lang="en-US" sz="4400" b="1" dirty="0">
+              <a:solidFill>
+                <a:schemeClr val="bg1"/>
+              </a:solidFill>
+              <a:latin typeface="Segoe UI" panose="020B0502040204020203" pitchFamily="34" charset="0"/>
+              <a:cs typeface="Segoe UI" panose="020B0502040204020203" pitchFamily="34" charset="0"/>
+            </a:endParaRPr>
+          </a:p>
+        </p:txBody>
+      </p:sp>
+      <p:sp>
+        <p:nvSpPr>
+          <p:cNvPr id="42" name="Rectangle: Rounded Corners 41">
+            <a:extLst>
+              <a:ext uri="{FF2B5EF4-FFF2-40B4-BE49-F238E27FC236}">
+                <a16:creationId xmlns:a16="http://schemas.microsoft.com/office/drawing/2014/main" id="{2D323B2B-1A46-4DE2-23B4-AE05B947C523}"/>
+              </a:ext>
+            </a:extLst>
+          </p:cNvPr>
+          <p:cNvSpPr/>
+          <p:nvPr/>
+        </p:nvSpPr>
+        <p:spPr>
+          <a:xfrm>
+            <a:off x="3428683" y="1367642"/>
+            <a:ext cx="8382635" cy="4756908"/>
+          </a:xfrm>
+          <a:prstGeom prst="roundRect">
+            <a:avLst>
+              <a:gd name="adj" fmla="val 7408"/>
+            </a:avLst>
+          </a:prstGeom>
+          <a:solidFill>
+            <a:srgbClr val="0A0A0B"/>
+          </a:solidFill>
+          <a:ln>
+            <a:noFill/>
+          </a:ln>
+        </p:spPr>
+        <p:style>
+          <a:lnRef idx="2">
+            <a:schemeClr val="accent1">
+              <a:shade val="50000"/>
+            </a:schemeClr>
+          </a:lnRef>
+          <a:fillRef idx="1">
+            <a:schemeClr val="accent1"/>
+          </a:fillRef>
+          <a:effectRef idx="0">
+            <a:schemeClr val="accent1"/>
+          </a:effectRef>
+          <a:fontRef idx="minor">
+            <a:schemeClr val="lt1"/>
+          </a:fontRef>
+        </p:style>
+        <p:txBody>
+          <a:bodyPr rtlCol="0" anchor="ctr"/>
+          <a:lstStyle/>
+          <a:p>
+            <a:pPr algn="ctr"/>
+            <a:endParaRPr lang="en-US">
+              <a:latin typeface="Segoe UI" panose="020B0502040204020203" pitchFamily="34" charset="0"/>
+              <a:cs typeface="Segoe UI" panose="020B0502040204020203" pitchFamily="34" charset="0"/>
+            </a:endParaRPr>
+          </a:p>
+        </p:txBody>
+      </p:sp>
+      <p:sp>
+        <p:nvSpPr>
+          <p:cNvPr id="45" name="TextBox 44">
+            <a:extLst>
+              <a:ext uri="{FF2B5EF4-FFF2-40B4-BE49-F238E27FC236}">
+                <a16:creationId xmlns:a16="http://schemas.microsoft.com/office/drawing/2014/main" id="{B6429CB9-9544-2C8E-5FE0-1DF020713FDA}"/>
+              </a:ext>
+            </a:extLst>
+          </p:cNvPr>
+          <p:cNvSpPr txBox="1"/>
+          <p:nvPr/>
+        </p:nvSpPr>
+        <p:spPr>
+          <a:xfrm>
+            <a:off x="3678542" y="1492875"/>
+            <a:ext cx="3960000" cy="366917"/>
+          </a:xfrm>
+          <a:prstGeom prst="rect">
+            <a:avLst/>
+          </a:prstGeom>
+          <a:noFill/>
+        </p:spPr>
+        <p:txBody>
+          <a:bodyPr wrap="none" lIns="0" rIns="0" rtlCol="0" anchor="ctr">
+            <a:noAutofit/>
+          </a:bodyPr>
+          <a:lstStyle/>
+          <a:p>
+            <a:endParaRPr lang="en-US" sz="1400" dirty="0">
+              <a:solidFill>
+                <a:schemeClr val="bg1"/>
+              </a:solidFill>
+              <a:latin typeface="Segoe UI" panose="020B0502040204020203" pitchFamily="34" charset="0"/>
+              <a:cs typeface="Segoe UI" panose="020B0502040204020203" pitchFamily="34" charset="0"/>
+            </a:endParaRPr>
+          </a:p>
+        </p:txBody>
+      </p:sp>
+      <p:sp>
+        <p:nvSpPr>
+          <p:cNvPr id="48" name="TextBox 47">
+            <a:extLst>
+              <a:ext uri="{FF2B5EF4-FFF2-40B4-BE49-F238E27FC236}">
+                <a16:creationId xmlns:a16="http://schemas.microsoft.com/office/drawing/2014/main" id="{E4CCABAB-F10A-642D-34EC-706C8A69764F}"/>
+              </a:ext>
+            </a:extLst>
+          </p:cNvPr>
+          <p:cNvSpPr txBox="1"/>
+          <p:nvPr/>
+        </p:nvSpPr>
+        <p:spPr>
+          <a:xfrm>
+            <a:off x="3666184" y="1569060"/>
+            <a:ext cx="7929163" cy="4431689"/>
+          </a:xfrm>
+          <a:prstGeom prst="rect">
+            <a:avLst/>
+          </a:prstGeom>
+          <a:noFill/>
+        </p:spPr>
+        <p:txBody>
+          <a:bodyPr wrap="square" lIns="0" rIns="0" rtlCol="0" anchor="t" anchorCtr="0">
+            <a:noAutofit/>
+          </a:bodyPr>
+          <a:lstStyle/>
+          <a:p>
+            <a:pPr algn="l"/>
+            <a:r>
+              <a:rPr lang="de-AT" sz="2800" dirty="0" err="1">
+                <a:solidFill>
+                  <a:schemeClr val="bg1"/>
+                </a:solidFill>
+                <a:latin typeface="Söhne"/>
+              </a:rPr>
+              <a:t>Statistics</a:t>
+            </a:r>
+            <a:r>
+              <a:rPr lang="de-AT" sz="2800" dirty="0">
+                <a:solidFill>
+                  <a:schemeClr val="bg1"/>
+                </a:solidFill>
+                <a:latin typeface="Söhne"/>
+              </a:rPr>
+              <a:t> </a:t>
+            </a:r>
+            <a:r>
+              <a:rPr lang="de-AT" sz="2800" dirty="0" err="1">
+                <a:solidFill>
+                  <a:schemeClr val="bg1"/>
+                </a:solidFill>
+                <a:latin typeface="Söhne"/>
+              </a:rPr>
+              <a:t>for</a:t>
+            </a:r>
+            <a:r>
+              <a:rPr lang="de-AT" sz="2800" dirty="0">
+                <a:solidFill>
+                  <a:schemeClr val="bg1"/>
+                </a:solidFill>
+                <a:latin typeface="Söhne"/>
+              </a:rPr>
+              <a:t> </a:t>
+            </a:r>
+            <a:r>
+              <a:rPr lang="de-AT" sz="2800" dirty="0" err="1">
+                <a:solidFill>
+                  <a:schemeClr val="bg1"/>
+                </a:solidFill>
+                <a:latin typeface="Söhne"/>
+              </a:rPr>
+              <a:t>lyrics</a:t>
+            </a:r>
+            <a:r>
+              <a:rPr lang="de-AT" sz="2800" dirty="0">
+                <a:solidFill>
+                  <a:schemeClr val="bg1"/>
+                </a:solidFill>
+                <a:latin typeface="Söhne"/>
+              </a:rPr>
+              <a:t>:</a:t>
+            </a:r>
+          </a:p>
+          <a:p>
+            <a:pPr marL="457200" indent="-457200" algn="l">
+              <a:buFont typeface="Arial" panose="020B0604020202020204" pitchFamily="34" charset="0"/>
+              <a:buChar char="•"/>
+            </a:pPr>
+            <a:r>
+              <a:rPr lang="de-AT" sz="2800" dirty="0">
+                <a:solidFill>
+                  <a:schemeClr val="bg1"/>
+                </a:solidFill>
+                <a:latin typeface="Söhne"/>
+              </a:rPr>
+              <a:t>40.816 </a:t>
+            </a:r>
+            <a:r>
+              <a:rPr lang="de-AT" sz="2800" dirty="0" err="1">
+                <a:solidFill>
+                  <a:schemeClr val="bg1"/>
+                </a:solidFill>
+                <a:latin typeface="Söhne"/>
+              </a:rPr>
+              <a:t>unique</a:t>
+            </a:r>
+            <a:r>
+              <a:rPr lang="de-AT" sz="2800" dirty="0">
+                <a:solidFill>
+                  <a:schemeClr val="bg1"/>
+                </a:solidFill>
+                <a:latin typeface="Söhne"/>
+              </a:rPr>
+              <a:t> </a:t>
+            </a:r>
+            <a:r>
+              <a:rPr lang="de-AT" sz="2800" dirty="0" err="1">
+                <a:solidFill>
+                  <a:schemeClr val="bg1"/>
+                </a:solidFill>
+                <a:latin typeface="Söhne"/>
+              </a:rPr>
+              <a:t>lyrics</a:t>
+            </a:r>
+            <a:endParaRPr lang="de-AT" sz="2800" b="0" i="0" u="none" strike="noStrike" dirty="0">
+              <a:solidFill>
+                <a:schemeClr val="bg1"/>
+              </a:solidFill>
+              <a:effectLst/>
+              <a:latin typeface="Söhne"/>
+            </a:endParaRPr>
+          </a:p>
+          <a:p>
+            <a:pPr marL="457200" indent="-457200" algn="l">
+              <a:buFont typeface="Arial" panose="020B0604020202020204" pitchFamily="34" charset="0"/>
+              <a:buChar char="•"/>
+            </a:pPr>
+            <a:r>
+              <a:rPr lang="de-AT" sz="2800" b="0" i="0" u="none" strike="noStrike" dirty="0">
+                <a:solidFill>
+                  <a:schemeClr val="bg1"/>
+                </a:solidFill>
+                <a:effectLst/>
+                <a:latin typeface="Söhne"/>
+              </a:rPr>
+              <a:t>Different </a:t>
+            </a:r>
+            <a:r>
+              <a:rPr lang="de-AT" sz="2800" b="0" i="0" u="none" strike="noStrike" dirty="0" err="1">
+                <a:solidFill>
+                  <a:schemeClr val="bg1"/>
+                </a:solidFill>
+                <a:effectLst/>
+                <a:latin typeface="Söhne"/>
+              </a:rPr>
+              <a:t>languages</a:t>
+            </a:r>
+            <a:endParaRPr lang="de-AT" sz="2800" b="0" i="0" u="none" strike="noStrike" dirty="0">
+              <a:solidFill>
+                <a:schemeClr val="bg1"/>
+              </a:solidFill>
+              <a:effectLst/>
+              <a:latin typeface="Söhne"/>
+            </a:endParaRPr>
+          </a:p>
+        </p:txBody>
+      </p:sp>
+      <p:sp>
+        <p:nvSpPr>
+          <p:cNvPr id="3" name="TextBox 20">
+            <a:extLst>
+              <a:ext uri="{FF2B5EF4-FFF2-40B4-BE49-F238E27FC236}">
+                <a16:creationId xmlns:a16="http://schemas.microsoft.com/office/drawing/2014/main" id="{120F99AC-1455-3A16-6F33-5B71AA5C26C8}"/>
+              </a:ext>
+            </a:extLst>
+          </p:cNvPr>
+          <p:cNvSpPr txBox="1"/>
+          <p:nvPr/>
+        </p:nvSpPr>
+        <p:spPr>
+          <a:xfrm>
+            <a:off x="380682" y="1843961"/>
+            <a:ext cx="2296800" cy="366917"/>
+          </a:xfrm>
+          <a:prstGeom prst="roundRect">
+            <a:avLst/>
+          </a:prstGeom>
+          <a:gradFill>
+            <a:gsLst>
+              <a:gs pos="0">
+                <a:schemeClr val="bg1">
+                  <a:lumMod val="50000"/>
+                  <a:alpha val="45000"/>
+                </a:schemeClr>
+              </a:gs>
+              <a:gs pos="100000">
+                <a:srgbClr val="191414">
+                  <a:alpha val="25000"/>
+                </a:srgbClr>
+              </a:gs>
+            </a:gsLst>
+            <a:lin ang="4200000" scaled="0"/>
+          </a:gradFill>
+        </p:spPr>
+        <p:txBody>
+          <a:bodyPr wrap="none" lIns="684000" rtlCol="0" anchor="ctr">
+            <a:noAutofit/>
+          </a:bodyPr>
+          <a:lstStyle/>
+          <a:p>
+            <a:r>
+              <a:rPr lang="en-US" sz="1400" b="1" dirty="0">
+                <a:solidFill>
+                  <a:schemeClr val="bg1"/>
+                </a:solidFill>
+                <a:latin typeface="Segoe UI" panose="020B0502040204020203" pitchFamily="34" charset="0"/>
+                <a:cs typeface="Segoe UI" panose="020B0502040204020203" pitchFamily="34" charset="0"/>
+              </a:rPr>
+              <a:t>EDA</a:t>
+            </a:r>
+          </a:p>
+        </p:txBody>
+      </p:sp>
+      <p:sp>
+        <p:nvSpPr>
+          <p:cNvPr id="10" name="TextBox 21">
+            <a:extLst>
+              <a:ext uri="{FF2B5EF4-FFF2-40B4-BE49-F238E27FC236}">
+                <a16:creationId xmlns:a16="http://schemas.microsoft.com/office/drawing/2014/main" id="{228298A3-AA79-9AAE-DC10-145B5C02E7BD}"/>
+              </a:ext>
+            </a:extLst>
+          </p:cNvPr>
+          <p:cNvSpPr txBox="1"/>
+          <p:nvPr/>
+        </p:nvSpPr>
+        <p:spPr>
+          <a:xfrm>
+            <a:off x="383220" y="1296806"/>
+            <a:ext cx="2296800" cy="366917"/>
+          </a:xfrm>
+          <a:prstGeom prst="roundRect">
+            <a:avLst/>
+          </a:prstGeom>
+          <a:noFill/>
+        </p:spPr>
+        <p:txBody>
+          <a:bodyPr wrap="none" lIns="684000" rtlCol="0" anchor="ctr">
+            <a:noAutofit/>
+          </a:bodyPr>
+          <a:lstStyle/>
+          <a:p>
+            <a:r>
+              <a:rPr lang="en-US" sz="1400" dirty="0">
+                <a:solidFill>
+                  <a:schemeClr val="bg1"/>
+                </a:solidFill>
+                <a:latin typeface="Segoe UI" panose="020B0502040204020203" pitchFamily="34" charset="0"/>
+                <a:cs typeface="Segoe UI" panose="020B0502040204020203" pitchFamily="34" charset="0"/>
+              </a:rPr>
+              <a:t>Preprocessing Steps</a:t>
+            </a:r>
+          </a:p>
+        </p:txBody>
+      </p:sp>
+      <p:grpSp>
+        <p:nvGrpSpPr>
+          <p:cNvPr id="11" name="Group 1035">
+            <a:extLst>
+              <a:ext uri="{FF2B5EF4-FFF2-40B4-BE49-F238E27FC236}">
+                <a16:creationId xmlns:a16="http://schemas.microsoft.com/office/drawing/2014/main" id="{744F1910-5910-7A90-49C6-531CB5AFEF2A}"/>
+              </a:ext>
+            </a:extLst>
+          </p:cNvPr>
+          <p:cNvGrpSpPr/>
+          <p:nvPr/>
+        </p:nvGrpSpPr>
+        <p:grpSpPr>
+          <a:xfrm>
+            <a:off x="591710" y="1393732"/>
+            <a:ext cx="258819" cy="225423"/>
+            <a:chOff x="7005638" y="3648076"/>
+            <a:chExt cx="344488" cy="300038"/>
+          </a:xfrm>
+        </p:grpSpPr>
+        <p:sp>
+          <p:nvSpPr>
+            <p:cNvPr id="12" name="Freeform 90">
+              <a:extLst>
+                <a:ext uri="{FF2B5EF4-FFF2-40B4-BE49-F238E27FC236}">
+                  <a16:creationId xmlns:a16="http://schemas.microsoft.com/office/drawing/2014/main" id="{328E40C6-FD5C-DD40-06A4-F1942B4A4FAB}"/>
+                </a:ext>
+              </a:extLst>
+            </p:cNvPr>
+            <p:cNvSpPr>
+              <a:spLocks/>
+            </p:cNvSpPr>
+            <p:nvPr/>
+          </p:nvSpPr>
+          <p:spPr bwMode="auto">
+            <a:xfrm>
+              <a:off x="7005638" y="3648076"/>
+              <a:ext cx="344488" cy="269875"/>
+            </a:xfrm>
+            <a:custGeom>
+              <a:avLst/>
+              <a:gdLst>
+                <a:gd name="T0" fmla="*/ 92 w 92"/>
+                <a:gd name="T1" fmla="*/ 66 h 72"/>
+                <a:gd name="T2" fmla="*/ 86 w 92"/>
+                <a:gd name="T3" fmla="*/ 72 h 72"/>
+                <a:gd name="T4" fmla="*/ 6 w 92"/>
+                <a:gd name="T5" fmla="*/ 72 h 72"/>
+                <a:gd name="T6" fmla="*/ 0 w 92"/>
+                <a:gd name="T7" fmla="*/ 66 h 72"/>
+                <a:gd name="T8" fmla="*/ 0 w 92"/>
+                <a:gd name="T9" fmla="*/ 6 h 72"/>
+                <a:gd name="T10" fmla="*/ 6 w 92"/>
+                <a:gd name="T11" fmla="*/ 0 h 72"/>
+                <a:gd name="T12" fmla="*/ 86 w 92"/>
+                <a:gd name="T13" fmla="*/ 0 h 72"/>
+                <a:gd name="T14" fmla="*/ 92 w 92"/>
+                <a:gd name="T15" fmla="*/ 6 h 72"/>
+                <a:gd name="T16" fmla="*/ 92 w 92"/>
+                <a:gd name="T17" fmla="*/ 66 h 72"/>
+              </a:gdLst>
+              <a:ahLst/>
+              <a:cxnLst>
+                <a:cxn ang="0">
+                  <a:pos x="T0" y="T1"/>
+                </a:cxn>
+                <a:cxn ang="0">
+                  <a:pos x="T2" y="T3"/>
+                </a:cxn>
+                <a:cxn ang="0">
+                  <a:pos x="T4" y="T5"/>
+                </a:cxn>
+                <a:cxn ang="0">
+                  <a:pos x="T6" y="T7"/>
+                </a:cxn>
+                <a:cxn ang="0">
+                  <a:pos x="T8" y="T9"/>
+                </a:cxn>
+                <a:cxn ang="0">
+                  <a:pos x="T10" y="T11"/>
+                </a:cxn>
+                <a:cxn ang="0">
+                  <a:pos x="T12" y="T13"/>
+                </a:cxn>
+                <a:cxn ang="0">
+                  <a:pos x="T14" y="T15"/>
+                </a:cxn>
+                <a:cxn ang="0">
+                  <a:pos x="T16" y="T17"/>
+                </a:cxn>
+              </a:cxnLst>
+              <a:rect l="0" t="0" r="r" b="b"/>
+              <a:pathLst>
+                <a:path w="92" h="72">
+                  <a:moveTo>
+                    <a:pt x="92" y="66"/>
+                  </a:moveTo>
+                  <a:cubicBezTo>
+                    <a:pt x="92" y="69"/>
+                    <a:pt x="89" y="72"/>
+                    <a:pt x="86" y="72"/>
+                  </a:cubicBezTo>
+                  <a:cubicBezTo>
+                    <a:pt x="6" y="72"/>
+                    <a:pt x="6" y="72"/>
+                    <a:pt x="6" y="72"/>
+                  </a:cubicBezTo>
+                  <a:cubicBezTo>
+                    <a:pt x="3" y="72"/>
+                    <a:pt x="0" y="69"/>
+                    <a:pt x="0" y="66"/>
+                  </a:cubicBezTo>
+                  <a:cubicBezTo>
+                    <a:pt x="0" y="6"/>
+                    <a:pt x="0" y="6"/>
+                    <a:pt x="0" y="6"/>
+                  </a:cubicBezTo>
+                  <a:cubicBezTo>
+                    <a:pt x="0" y="3"/>
+                    <a:pt x="3" y="0"/>
+                    <a:pt x="6" y="0"/>
+                  </a:cubicBezTo>
+                  <a:cubicBezTo>
+                    <a:pt x="86" y="0"/>
+                    <a:pt x="86" y="0"/>
+                    <a:pt x="86" y="0"/>
+                  </a:cubicBezTo>
+                  <a:cubicBezTo>
+                    <a:pt x="89" y="0"/>
+                    <a:pt x="92" y="3"/>
+                    <a:pt x="92" y="6"/>
+                  </a:cubicBezTo>
+                  <a:lnTo>
+                    <a:pt x="92" y="66"/>
+                  </a:lnTo>
+                  <a:close/>
+                </a:path>
+              </a:pathLst>
+            </a:custGeom>
+            <a:noFill/>
+            <a:ln w="9525" cap="rnd">
+              <a:solidFill>
+                <a:schemeClr val="bg1"/>
+              </a:solidFill>
+              <a:prstDash val="solid"/>
+              <a:round/>
+              <a:headEnd/>
+              <a:tailEnd/>
+            </a:ln>
+            <a:extLst>
+              <a:ext uri="{909E8E84-426E-40DD-AFC4-6F175D3DCCD1}">
+                <a14:hiddenFill xmlns:a14="http://schemas.microsoft.com/office/drawing/2010/main">
+                  <a:solidFill>
+                    <a:srgbClr val="FFFFFF"/>
+                  </a:solidFill>
+                </a14:hiddenFill>
+              </a:ext>
+            </a:extLst>
+          </p:spPr>
+          <p:txBody>
+            <a:bodyPr vert="horz" wrap="square" lIns="91440" tIns="45720" rIns="91440" bIns="45720" numCol="1" anchor="t" anchorCtr="0" compatLnSpc="1">
+              <a:prstTxWarp prst="textNoShape">
+                <a:avLst/>
+              </a:prstTxWarp>
+            </a:bodyPr>
+            <a:lstStyle/>
+            <a:p>
+              <a:endParaRPr lang="id-ID"/>
+            </a:p>
+          </p:txBody>
+        </p:sp>
+        <p:sp>
+          <p:nvSpPr>
+            <p:cNvPr id="13" name="Line 91">
+              <a:extLst>
+                <a:ext uri="{FF2B5EF4-FFF2-40B4-BE49-F238E27FC236}">
+                  <a16:creationId xmlns:a16="http://schemas.microsoft.com/office/drawing/2014/main" id="{B1DE3B6B-DA0B-27DC-5332-5CDF012300E9}"/>
+                </a:ext>
+              </a:extLst>
+            </p:cNvPr>
+            <p:cNvSpPr>
+              <a:spLocks noChangeShapeType="1"/>
+            </p:cNvSpPr>
+            <p:nvPr/>
+          </p:nvSpPr>
+          <p:spPr bwMode="auto">
+            <a:xfrm>
+              <a:off x="7072313" y="3948113"/>
+              <a:ext cx="211138" cy="0"/>
+            </a:xfrm>
+            <a:prstGeom prst="line">
+              <a:avLst/>
+            </a:prstGeom>
+            <a:noFill/>
+            <a:ln w="9525" cap="rnd">
+              <a:solidFill>
+                <a:schemeClr val="bg1"/>
+              </a:solidFill>
+              <a:prstDash val="solid"/>
+              <a:round/>
+              <a:headEnd/>
+              <a:tailEnd/>
+            </a:ln>
+            <a:extLst>
+              <a:ext uri="{909E8E84-426E-40DD-AFC4-6F175D3DCCD1}">
+                <a14:hiddenFill xmlns:a14="http://schemas.microsoft.com/office/drawing/2010/main">
+                  <a:noFill/>
+                </a14:hiddenFill>
+              </a:ext>
+            </a:extLst>
+          </p:spPr>
+          <p:txBody>
+            <a:bodyPr vert="horz" wrap="square" lIns="91440" tIns="45720" rIns="91440" bIns="45720" numCol="1" anchor="t" anchorCtr="0" compatLnSpc="1">
+              <a:prstTxWarp prst="textNoShape">
+                <a:avLst/>
+              </a:prstTxWarp>
+            </a:bodyPr>
+            <a:lstStyle/>
+            <a:p>
+              <a:endParaRPr lang="id-ID"/>
+            </a:p>
+          </p:txBody>
+        </p:sp>
+        <p:sp>
+          <p:nvSpPr>
+            <p:cNvPr id="14" name="Line 92">
+              <a:extLst>
+                <a:ext uri="{FF2B5EF4-FFF2-40B4-BE49-F238E27FC236}">
+                  <a16:creationId xmlns:a16="http://schemas.microsoft.com/office/drawing/2014/main" id="{90862457-02BA-CF3C-8850-3627E428FB05}"/>
+                </a:ext>
+              </a:extLst>
+            </p:cNvPr>
+            <p:cNvSpPr>
+              <a:spLocks noChangeShapeType="1"/>
+            </p:cNvSpPr>
+            <p:nvPr/>
+          </p:nvSpPr>
+          <p:spPr bwMode="auto">
+            <a:xfrm>
+              <a:off x="7178676" y="3917951"/>
+              <a:ext cx="0" cy="30163"/>
+            </a:xfrm>
+            <a:prstGeom prst="line">
+              <a:avLst/>
+            </a:prstGeom>
+            <a:noFill/>
+            <a:ln w="9525" cap="rnd">
+              <a:solidFill>
+                <a:schemeClr val="bg1"/>
+              </a:solidFill>
+              <a:prstDash val="solid"/>
+              <a:round/>
+              <a:headEnd/>
+              <a:tailEnd/>
+            </a:ln>
+            <a:extLst>
+              <a:ext uri="{909E8E84-426E-40DD-AFC4-6F175D3DCCD1}">
+                <a14:hiddenFill xmlns:a14="http://schemas.microsoft.com/office/drawing/2010/main">
+                  <a:noFill/>
+                </a14:hiddenFill>
+              </a:ext>
+            </a:extLst>
+          </p:spPr>
+          <p:txBody>
+            <a:bodyPr vert="horz" wrap="square" lIns="91440" tIns="45720" rIns="91440" bIns="45720" numCol="1" anchor="t" anchorCtr="0" compatLnSpc="1">
+              <a:prstTxWarp prst="textNoShape">
+                <a:avLst/>
+              </a:prstTxWarp>
+            </a:bodyPr>
+            <a:lstStyle/>
+            <a:p>
+              <a:endParaRPr lang="id-ID"/>
+            </a:p>
+          </p:txBody>
+        </p:sp>
+        <p:sp>
+          <p:nvSpPr>
+            <p:cNvPr id="15" name="Oval 93">
+              <a:extLst>
+                <a:ext uri="{FF2B5EF4-FFF2-40B4-BE49-F238E27FC236}">
+                  <a16:creationId xmlns:a16="http://schemas.microsoft.com/office/drawing/2014/main" id="{0B1FEE66-A87A-58D9-AF49-7432543A30F0}"/>
+                </a:ext>
+              </a:extLst>
+            </p:cNvPr>
+            <p:cNvSpPr>
+              <a:spLocks noChangeArrowheads="1"/>
+            </p:cNvSpPr>
+            <p:nvPr/>
+          </p:nvSpPr>
+          <p:spPr bwMode="auto">
+            <a:xfrm>
+              <a:off x="7170738" y="3881438"/>
+              <a:ext cx="14288" cy="14288"/>
+            </a:xfrm>
+            <a:prstGeom prst="ellipse">
+              <a:avLst/>
+            </a:prstGeom>
+            <a:noFill/>
+            <a:ln w="9525" cap="flat">
+              <a:solidFill>
+                <a:schemeClr val="bg1"/>
+              </a:solidFill>
+              <a:prstDash val="solid"/>
+              <a:round/>
+              <a:headEnd/>
+              <a:tailEnd/>
+            </a:ln>
+            <a:extLst>
+              <a:ext uri="{909E8E84-426E-40DD-AFC4-6F175D3DCCD1}">
+                <a14:hiddenFill xmlns:a14="http://schemas.microsoft.com/office/drawing/2010/main">
+                  <a:solidFill>
+                    <a:srgbClr val="FFFFFF"/>
+                  </a:solidFill>
+                </a14:hiddenFill>
+              </a:ext>
+            </a:extLst>
+          </p:spPr>
+          <p:txBody>
+            <a:bodyPr vert="horz" wrap="square" lIns="91440" tIns="45720" rIns="91440" bIns="45720" numCol="1" anchor="t" anchorCtr="0" compatLnSpc="1">
+              <a:prstTxWarp prst="textNoShape">
+                <a:avLst/>
+              </a:prstTxWarp>
+            </a:bodyPr>
+            <a:lstStyle/>
+            <a:p>
+              <a:endParaRPr lang="id-ID"/>
+            </a:p>
+          </p:txBody>
+        </p:sp>
+        <p:sp>
+          <p:nvSpPr>
+            <p:cNvPr id="16" name="Line 94">
+              <a:extLst>
+                <a:ext uri="{FF2B5EF4-FFF2-40B4-BE49-F238E27FC236}">
+                  <a16:creationId xmlns:a16="http://schemas.microsoft.com/office/drawing/2014/main" id="{9CAAF5E4-B610-CFC0-67B8-307CAB29B9E7}"/>
+                </a:ext>
+              </a:extLst>
+            </p:cNvPr>
+            <p:cNvSpPr>
+              <a:spLocks noChangeShapeType="1"/>
+            </p:cNvSpPr>
+            <p:nvPr/>
+          </p:nvSpPr>
+          <p:spPr bwMode="auto">
+            <a:xfrm>
+              <a:off x="7005638" y="3857626"/>
+              <a:ext cx="344488" cy="0"/>
+            </a:xfrm>
+            <a:prstGeom prst="line">
+              <a:avLst/>
+            </a:prstGeom>
+            <a:noFill/>
+            <a:ln w="9525" cap="flat">
+              <a:solidFill>
+                <a:schemeClr val="bg1"/>
+              </a:solidFill>
+              <a:prstDash val="solid"/>
+              <a:round/>
+              <a:headEnd/>
+              <a:tailEnd/>
+            </a:ln>
+            <a:extLst>
+              <a:ext uri="{909E8E84-426E-40DD-AFC4-6F175D3DCCD1}">
+                <a14:hiddenFill xmlns:a14="http://schemas.microsoft.com/office/drawing/2010/main">
+                  <a:noFill/>
+                </a14:hiddenFill>
+              </a:ext>
+            </a:extLst>
+          </p:spPr>
+          <p:txBody>
+            <a:bodyPr vert="horz" wrap="square" lIns="91440" tIns="45720" rIns="91440" bIns="45720" numCol="1" anchor="t" anchorCtr="0" compatLnSpc="1">
+              <a:prstTxWarp prst="textNoShape">
+                <a:avLst/>
+              </a:prstTxWarp>
+            </a:bodyPr>
+            <a:lstStyle/>
+            <a:p>
+              <a:endParaRPr lang="id-ID"/>
+            </a:p>
+          </p:txBody>
+        </p:sp>
+        <p:sp>
+          <p:nvSpPr>
+            <p:cNvPr id="17" name="Freeform 95">
+              <a:extLst>
+                <a:ext uri="{FF2B5EF4-FFF2-40B4-BE49-F238E27FC236}">
+                  <a16:creationId xmlns:a16="http://schemas.microsoft.com/office/drawing/2014/main" id="{9C1470DC-A351-F187-760E-46AB14A5ACD2}"/>
+                </a:ext>
+              </a:extLst>
+            </p:cNvPr>
+            <p:cNvSpPr>
+              <a:spLocks/>
+            </p:cNvSpPr>
+            <p:nvPr/>
+          </p:nvSpPr>
+          <p:spPr bwMode="auto">
+            <a:xfrm>
+              <a:off x="7140576" y="3703638"/>
+              <a:ext cx="82550" cy="101600"/>
+            </a:xfrm>
+            <a:custGeom>
+              <a:avLst/>
+              <a:gdLst>
+                <a:gd name="T0" fmla="*/ 0 w 52"/>
+                <a:gd name="T1" fmla="*/ 0 h 64"/>
+                <a:gd name="T2" fmla="*/ 0 w 52"/>
+                <a:gd name="T3" fmla="*/ 64 h 64"/>
+                <a:gd name="T4" fmla="*/ 52 w 52"/>
+                <a:gd name="T5" fmla="*/ 33 h 64"/>
+                <a:gd name="T6" fmla="*/ 0 w 52"/>
+                <a:gd name="T7" fmla="*/ 0 h 64"/>
+              </a:gdLst>
+              <a:ahLst/>
+              <a:cxnLst>
+                <a:cxn ang="0">
+                  <a:pos x="T0" y="T1"/>
+                </a:cxn>
+                <a:cxn ang="0">
+                  <a:pos x="T2" y="T3"/>
+                </a:cxn>
+                <a:cxn ang="0">
+                  <a:pos x="T4" y="T5"/>
+                </a:cxn>
+                <a:cxn ang="0">
+                  <a:pos x="T6" y="T7"/>
+                </a:cxn>
+              </a:cxnLst>
+              <a:rect l="0" t="0" r="r" b="b"/>
+              <a:pathLst>
+                <a:path w="52" h="64">
+                  <a:moveTo>
+                    <a:pt x="0" y="0"/>
+                  </a:moveTo>
+                  <a:lnTo>
+                    <a:pt x="0" y="64"/>
+                  </a:lnTo>
+                  <a:lnTo>
+                    <a:pt x="52" y="33"/>
+                  </a:lnTo>
+                  <a:lnTo>
+                    <a:pt x="0" y="0"/>
+                  </a:lnTo>
+                  <a:close/>
+                </a:path>
+              </a:pathLst>
+            </a:custGeom>
+            <a:noFill/>
+            <a:ln w="9525" cap="flat">
+              <a:solidFill>
+                <a:schemeClr val="bg1"/>
+              </a:solidFill>
+              <a:prstDash val="solid"/>
+              <a:round/>
+              <a:headEnd/>
+              <a:tailEnd/>
+            </a:ln>
+            <a:extLst>
+              <a:ext uri="{909E8E84-426E-40DD-AFC4-6F175D3DCCD1}">
+                <a14:hiddenFill xmlns:a14="http://schemas.microsoft.com/office/drawing/2010/main">
+                  <a:solidFill>
+                    <a:srgbClr val="FFFFFF"/>
+                  </a:solidFill>
+                </a14:hiddenFill>
+              </a:ext>
+            </a:extLst>
+          </p:spPr>
+          <p:txBody>
+            <a:bodyPr vert="horz" wrap="square" lIns="91440" tIns="45720" rIns="91440" bIns="45720" numCol="1" anchor="t" anchorCtr="0" compatLnSpc="1">
+              <a:prstTxWarp prst="textNoShape">
+                <a:avLst/>
+              </a:prstTxWarp>
+            </a:bodyPr>
+            <a:lstStyle/>
+            <a:p>
+              <a:endParaRPr lang="id-ID"/>
+            </a:p>
+          </p:txBody>
+        </p:sp>
+      </p:grpSp>
+      <p:grpSp>
+        <p:nvGrpSpPr>
+          <p:cNvPr id="20" name="Group 1">
+            <a:extLst>
+              <a:ext uri="{FF2B5EF4-FFF2-40B4-BE49-F238E27FC236}">
+                <a16:creationId xmlns:a16="http://schemas.microsoft.com/office/drawing/2014/main" id="{15548E8D-DA46-F6DC-F8C4-FF4C919B20B5}"/>
+              </a:ext>
+            </a:extLst>
+          </p:cNvPr>
+          <p:cNvGrpSpPr>
+            <a:grpSpLocks noChangeAspect="1"/>
+          </p:cNvGrpSpPr>
+          <p:nvPr/>
+        </p:nvGrpSpPr>
+        <p:grpSpPr>
+          <a:xfrm>
+            <a:off x="602808" y="1919421"/>
+            <a:ext cx="236623" cy="216000"/>
+            <a:chOff x="3398838" y="5076826"/>
+            <a:chExt cx="346075" cy="315913"/>
+          </a:xfrm>
+        </p:grpSpPr>
+        <p:sp>
+          <p:nvSpPr>
+            <p:cNvPr id="23" name="Rectangle 80">
+              <a:extLst>
+                <a:ext uri="{FF2B5EF4-FFF2-40B4-BE49-F238E27FC236}">
+                  <a16:creationId xmlns:a16="http://schemas.microsoft.com/office/drawing/2014/main" id="{377714EA-9945-8C7C-6101-CB26744BEB9D}"/>
+                </a:ext>
+              </a:extLst>
+            </p:cNvPr>
+            <p:cNvSpPr>
+              <a:spLocks noChangeArrowheads="1"/>
+            </p:cNvSpPr>
+            <p:nvPr/>
+          </p:nvSpPr>
+          <p:spPr bwMode="auto">
+            <a:xfrm>
+              <a:off x="3519488" y="5076826"/>
+              <a:ext cx="225425" cy="74613"/>
+            </a:xfrm>
+            <a:prstGeom prst="rect">
+              <a:avLst/>
+            </a:prstGeom>
+            <a:noFill/>
+            <a:ln w="12700" cap="rnd">
+              <a:solidFill>
+                <a:schemeClr val="bg1"/>
+              </a:solidFill>
+              <a:prstDash val="solid"/>
+              <a:round/>
+              <a:headEnd/>
+              <a:tailEnd/>
+            </a:ln>
+            <a:extLst>
+              <a:ext uri="{909E8E84-426E-40DD-AFC4-6F175D3DCCD1}">
+                <a14:hiddenFill xmlns:a14="http://schemas.microsoft.com/office/drawing/2010/main">
+                  <a:solidFill>
+                    <a:srgbClr val="FFFFFF"/>
+                  </a:solidFill>
+                </a14:hiddenFill>
+              </a:ext>
+            </a:extLst>
+          </p:spPr>
+          <p:txBody>
+            <a:bodyPr vert="horz" wrap="square" lIns="91440" tIns="45720" rIns="91440" bIns="45720" numCol="1" anchor="t" anchorCtr="0" compatLnSpc="1">
+              <a:prstTxWarp prst="textNoShape">
+                <a:avLst/>
+              </a:prstTxWarp>
+            </a:bodyPr>
+            <a:lstStyle/>
+            <a:p>
+              <a:endParaRPr lang="id-ID"/>
+            </a:p>
+          </p:txBody>
+        </p:sp>
+        <p:sp>
+          <p:nvSpPr>
+            <p:cNvPr id="24" name="Rectangle 81">
+              <a:extLst>
+                <a:ext uri="{FF2B5EF4-FFF2-40B4-BE49-F238E27FC236}">
+                  <a16:creationId xmlns:a16="http://schemas.microsoft.com/office/drawing/2014/main" id="{999D1A82-0B57-13FE-0694-D479B060535E}"/>
+                </a:ext>
+              </a:extLst>
+            </p:cNvPr>
+            <p:cNvSpPr>
+              <a:spLocks noChangeArrowheads="1"/>
+            </p:cNvSpPr>
+            <p:nvPr/>
+          </p:nvSpPr>
+          <p:spPr bwMode="auto">
+            <a:xfrm>
+              <a:off x="3519488" y="5197476"/>
+              <a:ext cx="225425" cy="74613"/>
+            </a:xfrm>
+            <a:prstGeom prst="rect">
+              <a:avLst/>
+            </a:prstGeom>
+            <a:noFill/>
+            <a:ln w="12700" cap="rnd">
+              <a:solidFill>
+                <a:schemeClr val="bg1"/>
+              </a:solidFill>
+              <a:prstDash val="solid"/>
+              <a:round/>
+              <a:headEnd/>
+              <a:tailEnd/>
+            </a:ln>
+            <a:extLst>
+              <a:ext uri="{909E8E84-426E-40DD-AFC4-6F175D3DCCD1}">
+                <a14:hiddenFill xmlns:a14="http://schemas.microsoft.com/office/drawing/2010/main">
+                  <a:solidFill>
+                    <a:srgbClr val="FFFFFF"/>
+                  </a:solidFill>
+                </a14:hiddenFill>
+              </a:ext>
+            </a:extLst>
+          </p:spPr>
+          <p:txBody>
+            <a:bodyPr vert="horz" wrap="square" lIns="91440" tIns="45720" rIns="91440" bIns="45720" numCol="1" anchor="t" anchorCtr="0" compatLnSpc="1">
+              <a:prstTxWarp prst="textNoShape">
+                <a:avLst/>
+              </a:prstTxWarp>
+            </a:bodyPr>
+            <a:lstStyle/>
+            <a:p>
+              <a:endParaRPr lang="id-ID"/>
+            </a:p>
+          </p:txBody>
+        </p:sp>
+        <p:sp>
+          <p:nvSpPr>
+            <p:cNvPr id="25" name="Rectangle 82">
+              <a:extLst>
+                <a:ext uri="{FF2B5EF4-FFF2-40B4-BE49-F238E27FC236}">
+                  <a16:creationId xmlns:a16="http://schemas.microsoft.com/office/drawing/2014/main" id="{AF3AA778-A66C-CD25-2479-162712D0EB20}"/>
+                </a:ext>
+              </a:extLst>
+            </p:cNvPr>
+            <p:cNvSpPr>
+              <a:spLocks noChangeArrowheads="1"/>
+            </p:cNvSpPr>
+            <p:nvPr/>
+          </p:nvSpPr>
+          <p:spPr bwMode="auto">
+            <a:xfrm>
+              <a:off x="3519488" y="5316539"/>
+              <a:ext cx="225425" cy="76200"/>
+            </a:xfrm>
+            <a:prstGeom prst="rect">
+              <a:avLst/>
+            </a:prstGeom>
+            <a:noFill/>
+            <a:ln w="12700" cap="rnd">
+              <a:solidFill>
+                <a:schemeClr val="bg1"/>
+              </a:solidFill>
+              <a:prstDash val="solid"/>
+              <a:round/>
+              <a:headEnd/>
+              <a:tailEnd/>
+            </a:ln>
+            <a:extLst>
+              <a:ext uri="{909E8E84-426E-40DD-AFC4-6F175D3DCCD1}">
+                <a14:hiddenFill xmlns:a14="http://schemas.microsoft.com/office/drawing/2010/main">
+                  <a:solidFill>
+                    <a:srgbClr val="FFFFFF"/>
+                  </a:solidFill>
+                </a14:hiddenFill>
+              </a:ext>
+            </a:extLst>
+          </p:spPr>
+          <p:txBody>
+            <a:bodyPr vert="horz" wrap="square" lIns="91440" tIns="45720" rIns="91440" bIns="45720" numCol="1" anchor="t" anchorCtr="0" compatLnSpc="1">
+              <a:prstTxWarp prst="textNoShape">
+                <a:avLst/>
+              </a:prstTxWarp>
+            </a:bodyPr>
+            <a:lstStyle/>
+            <a:p>
+              <a:endParaRPr lang="id-ID"/>
+            </a:p>
+          </p:txBody>
+        </p:sp>
+        <p:sp>
+          <p:nvSpPr>
+            <p:cNvPr id="26" name="Rectangle 83">
+              <a:extLst>
+                <a:ext uri="{FF2B5EF4-FFF2-40B4-BE49-F238E27FC236}">
+                  <a16:creationId xmlns:a16="http://schemas.microsoft.com/office/drawing/2014/main" id="{48106F25-3D59-EB10-F2CC-66671174BAA7}"/>
+                </a:ext>
+              </a:extLst>
+            </p:cNvPr>
+            <p:cNvSpPr>
+              <a:spLocks noChangeArrowheads="1"/>
+            </p:cNvSpPr>
+            <p:nvPr/>
+          </p:nvSpPr>
+          <p:spPr bwMode="auto">
+            <a:xfrm>
+              <a:off x="3398838" y="5076826"/>
+              <a:ext cx="74613" cy="74613"/>
+            </a:xfrm>
+            <a:prstGeom prst="rect">
+              <a:avLst/>
+            </a:prstGeom>
+            <a:noFill/>
+            <a:ln w="12700" cap="rnd">
+              <a:solidFill>
+                <a:schemeClr val="bg1"/>
+              </a:solidFill>
+              <a:prstDash val="solid"/>
+              <a:round/>
+              <a:headEnd/>
+              <a:tailEnd/>
+            </a:ln>
+            <a:extLst>
+              <a:ext uri="{909E8E84-426E-40DD-AFC4-6F175D3DCCD1}">
+                <a14:hiddenFill xmlns:a14="http://schemas.microsoft.com/office/drawing/2010/main">
+                  <a:solidFill>
+                    <a:srgbClr val="FFFFFF"/>
+                  </a:solidFill>
+                </a14:hiddenFill>
+              </a:ext>
+            </a:extLst>
+          </p:spPr>
+          <p:txBody>
+            <a:bodyPr vert="horz" wrap="square" lIns="91440" tIns="45720" rIns="91440" bIns="45720" numCol="1" anchor="t" anchorCtr="0" compatLnSpc="1">
+              <a:prstTxWarp prst="textNoShape">
+                <a:avLst/>
+              </a:prstTxWarp>
+            </a:bodyPr>
+            <a:lstStyle/>
+            <a:p>
+              <a:endParaRPr lang="id-ID"/>
+            </a:p>
+          </p:txBody>
+        </p:sp>
+        <p:sp>
+          <p:nvSpPr>
+            <p:cNvPr id="28" name="Rectangle 84">
+              <a:extLst>
+                <a:ext uri="{FF2B5EF4-FFF2-40B4-BE49-F238E27FC236}">
+                  <a16:creationId xmlns:a16="http://schemas.microsoft.com/office/drawing/2014/main" id="{6943729F-ED5A-B2CE-9178-932B78B8298A}"/>
+                </a:ext>
+              </a:extLst>
+            </p:cNvPr>
+            <p:cNvSpPr>
+              <a:spLocks noChangeArrowheads="1"/>
+            </p:cNvSpPr>
+            <p:nvPr/>
+          </p:nvSpPr>
+          <p:spPr bwMode="auto">
+            <a:xfrm>
+              <a:off x="3398838" y="5197476"/>
+              <a:ext cx="74613" cy="74613"/>
+            </a:xfrm>
+            <a:prstGeom prst="rect">
+              <a:avLst/>
+            </a:prstGeom>
+            <a:noFill/>
+            <a:ln w="12700" cap="rnd">
+              <a:solidFill>
+                <a:schemeClr val="bg1"/>
+              </a:solidFill>
+              <a:prstDash val="solid"/>
+              <a:round/>
+              <a:headEnd/>
+              <a:tailEnd/>
+            </a:ln>
+            <a:extLst>
+              <a:ext uri="{909E8E84-426E-40DD-AFC4-6F175D3DCCD1}">
+                <a14:hiddenFill xmlns:a14="http://schemas.microsoft.com/office/drawing/2010/main">
+                  <a:solidFill>
+                    <a:srgbClr val="FFFFFF"/>
+                  </a:solidFill>
+                </a14:hiddenFill>
+              </a:ext>
+            </a:extLst>
+          </p:spPr>
+          <p:txBody>
+            <a:bodyPr vert="horz" wrap="square" lIns="91440" tIns="45720" rIns="91440" bIns="45720" numCol="1" anchor="t" anchorCtr="0" compatLnSpc="1">
+              <a:prstTxWarp prst="textNoShape">
+                <a:avLst/>
+              </a:prstTxWarp>
+            </a:bodyPr>
+            <a:lstStyle/>
+            <a:p>
+              <a:endParaRPr lang="id-ID"/>
+            </a:p>
+          </p:txBody>
+        </p:sp>
+        <p:sp>
+          <p:nvSpPr>
+            <p:cNvPr id="30" name="Rectangle 85">
+              <a:extLst>
+                <a:ext uri="{FF2B5EF4-FFF2-40B4-BE49-F238E27FC236}">
+                  <a16:creationId xmlns:a16="http://schemas.microsoft.com/office/drawing/2014/main" id="{EFB86162-B636-B861-4ED0-C88EB74D2CE6}"/>
+                </a:ext>
+              </a:extLst>
+            </p:cNvPr>
+            <p:cNvSpPr>
+              <a:spLocks noChangeArrowheads="1"/>
+            </p:cNvSpPr>
+            <p:nvPr/>
+          </p:nvSpPr>
+          <p:spPr bwMode="auto">
+            <a:xfrm>
+              <a:off x="3398838" y="5316539"/>
+              <a:ext cx="74613" cy="76200"/>
+            </a:xfrm>
+            <a:prstGeom prst="rect">
+              <a:avLst/>
+            </a:prstGeom>
+            <a:noFill/>
+            <a:ln w="12700" cap="rnd">
+              <a:solidFill>
+                <a:schemeClr val="bg1"/>
+              </a:solidFill>
+              <a:prstDash val="solid"/>
+              <a:round/>
+              <a:headEnd/>
+              <a:tailEnd/>
+            </a:ln>
+            <a:extLst>
+              <a:ext uri="{909E8E84-426E-40DD-AFC4-6F175D3DCCD1}">
+                <a14:hiddenFill xmlns:a14="http://schemas.microsoft.com/office/drawing/2010/main">
+                  <a:solidFill>
+                    <a:srgbClr val="FFFFFF"/>
+                  </a:solidFill>
+                </a14:hiddenFill>
+              </a:ext>
+            </a:extLst>
+          </p:spPr>
+          <p:txBody>
+            <a:bodyPr vert="horz" wrap="square" lIns="91440" tIns="45720" rIns="91440" bIns="45720" numCol="1" anchor="t" anchorCtr="0" compatLnSpc="1">
+              <a:prstTxWarp prst="textNoShape">
+                <a:avLst/>
+              </a:prstTxWarp>
+            </a:bodyPr>
+            <a:lstStyle/>
+            <a:p>
+              <a:endParaRPr lang="id-ID"/>
+            </a:p>
+          </p:txBody>
+        </p:sp>
+      </p:grpSp>
+      <p:pic>
+        <p:nvPicPr>
+          <p:cNvPr id="2" name="Grafik 1">
+            <a:extLst>
+              <a:ext uri="{FF2B5EF4-FFF2-40B4-BE49-F238E27FC236}">
+                <a16:creationId xmlns:a16="http://schemas.microsoft.com/office/drawing/2014/main" id="{3E8219EA-2CAC-4B0B-27E4-4985CC7BE36F}"/>
+              </a:ext>
+            </a:extLst>
+          </p:cNvPr>
+          <p:cNvPicPr>
+            <a:picLocks noChangeAspect="1"/>
+          </p:cNvPicPr>
+          <p:nvPr/>
+        </p:nvPicPr>
+        <p:blipFill>
+          <a:blip r:embed="rId3"/>
+          <a:stretch>
+            <a:fillRect/>
+          </a:stretch>
+        </p:blipFill>
+        <p:spPr>
+          <a:xfrm>
+            <a:off x="4094205" y="2925811"/>
+            <a:ext cx="1143000" cy="2247900"/>
+          </a:xfrm>
+          <a:prstGeom prst="rect">
+            <a:avLst/>
+          </a:prstGeom>
+        </p:spPr>
+      </p:pic>
+    </p:spTree>
+    <p:extLst>
+      <p:ext uri="{BB962C8B-B14F-4D97-AF65-F5344CB8AC3E}">
+        <p14:creationId xmlns:p14="http://schemas.microsoft.com/office/powerpoint/2010/main" val="136629416"/>
+      </p:ext>
+    </p:extLst>
+  </p:cSld>
+  <p:clrMapOvr>
+    <a:masterClrMapping/>
+  </p:clrMapOvr>
+</p:sld>
+</file>
+
+<file path=ppt/slides/slide6.xml><?xml version="1.0" encoding="utf-8"?>
+<p:sld xmlns:a="http://schemas.openxmlformats.org/drawingml/2006/main" xmlns:r="http://schemas.openxmlformats.org/officeDocument/2006/relationships" xmlns:p="http://schemas.openxmlformats.org/presentationml/2006/main">
+  <p:cSld>
+    <p:bg>
+      <p:bgPr>
+        <a:solidFill>
+          <a:srgbClr val="191414"/>
+        </a:solidFill>
+        <a:effectLst/>
+      </p:bgPr>
+    </p:bg>
+    <p:spTree>
+      <p:nvGrpSpPr>
+        <p:cNvPr id="1" name=""/>
+        <p:cNvGrpSpPr/>
+        <p:nvPr/>
+      </p:nvGrpSpPr>
+      <p:grpSpPr>
+        <a:xfrm>
+          <a:off x="0" y="0"/>
+          <a:ext cx="0" cy="0"/>
+          <a:chOff x="0" y="0"/>
+          <a:chExt cx="0" cy="0"/>
+        </a:xfrm>
+      </p:grpSpPr>
+      <p:sp>
+        <p:nvSpPr>
+          <p:cNvPr id="18" name="TextBox 17">
+            <a:extLst>
+              <a:ext uri="{FF2B5EF4-FFF2-40B4-BE49-F238E27FC236}">
+                <a16:creationId xmlns:a16="http://schemas.microsoft.com/office/drawing/2014/main" id="{355AC3A1-175C-0DC3-DBAF-F626A9F3780A}"/>
+              </a:ext>
+            </a:extLst>
+          </p:cNvPr>
+          <p:cNvSpPr txBox="1"/>
+          <p:nvPr/>
+        </p:nvSpPr>
+        <p:spPr>
+          <a:xfrm>
+            <a:off x="3474402" y="388280"/>
+            <a:ext cx="7841298" cy="769441"/>
+          </a:xfrm>
+          <a:prstGeom prst="rect">
+            <a:avLst/>
+          </a:prstGeom>
+          <a:noFill/>
+        </p:spPr>
+        <p:txBody>
+          <a:bodyPr wrap="square" rtlCol="0">
+            <a:spAutoFit/>
+          </a:bodyPr>
+          <a:lstStyle/>
+          <a:p>
+            <a:r>
+              <a:rPr lang="en-US" sz="4400" b="1" dirty="0">
+                <a:solidFill>
+                  <a:srgbClr val="1DB954"/>
+                </a:solidFill>
+                <a:latin typeface="Segoe UI" panose="020B0502040204020203" pitchFamily="34" charset="0"/>
+                <a:cs typeface="Segoe UI" panose="020B0502040204020203" pitchFamily="34" charset="0"/>
+              </a:rPr>
+              <a:t>EDA</a:t>
+            </a:r>
+            <a:endParaRPr lang="en-US" sz="4400" b="1" dirty="0">
+              <a:solidFill>
+                <a:schemeClr val="bg1"/>
+              </a:solidFill>
+              <a:latin typeface="Segoe UI" panose="020B0502040204020203" pitchFamily="34" charset="0"/>
+              <a:cs typeface="Segoe UI" panose="020B0502040204020203" pitchFamily="34" charset="0"/>
+            </a:endParaRPr>
+          </a:p>
+        </p:txBody>
+      </p:sp>
+      <p:sp>
+        <p:nvSpPr>
+          <p:cNvPr id="45" name="TextBox 44">
+            <a:extLst>
+              <a:ext uri="{FF2B5EF4-FFF2-40B4-BE49-F238E27FC236}">
+                <a16:creationId xmlns:a16="http://schemas.microsoft.com/office/drawing/2014/main" id="{B6429CB9-9544-2C8E-5FE0-1DF020713FDA}"/>
+              </a:ext>
+            </a:extLst>
+          </p:cNvPr>
+          <p:cNvSpPr txBox="1"/>
+          <p:nvPr/>
+        </p:nvSpPr>
+        <p:spPr>
+          <a:xfrm>
+            <a:off x="3678542" y="1492875"/>
+            <a:ext cx="3960000" cy="366917"/>
+          </a:xfrm>
+          <a:prstGeom prst="rect">
+            <a:avLst/>
+          </a:prstGeom>
+          <a:noFill/>
+        </p:spPr>
+        <p:txBody>
+          <a:bodyPr wrap="none" lIns="0" rIns="0" rtlCol="0" anchor="ctr">
+            <a:noAutofit/>
+          </a:bodyPr>
+          <a:lstStyle/>
+          <a:p>
+            <a:endParaRPr lang="en-US" sz="1400" dirty="0">
+              <a:solidFill>
+                <a:schemeClr val="bg1"/>
+              </a:solidFill>
+              <a:latin typeface="Segoe UI" panose="020B0502040204020203" pitchFamily="34" charset="0"/>
+              <a:cs typeface="Segoe UI" panose="020B0502040204020203" pitchFamily="34" charset="0"/>
+            </a:endParaRPr>
+          </a:p>
+        </p:txBody>
+      </p:sp>
+      <p:sp>
+        <p:nvSpPr>
+          <p:cNvPr id="3" name="TextBox 20">
+            <a:extLst>
+              <a:ext uri="{FF2B5EF4-FFF2-40B4-BE49-F238E27FC236}">
+                <a16:creationId xmlns:a16="http://schemas.microsoft.com/office/drawing/2014/main" id="{120F99AC-1455-3A16-6F33-5B71AA5C26C8}"/>
+              </a:ext>
+            </a:extLst>
+          </p:cNvPr>
+          <p:cNvSpPr txBox="1"/>
+          <p:nvPr/>
+        </p:nvSpPr>
+        <p:spPr>
+          <a:xfrm>
+            <a:off x="380682" y="1843961"/>
+            <a:ext cx="2296800" cy="366917"/>
+          </a:xfrm>
+          <a:prstGeom prst="roundRect">
+            <a:avLst/>
+          </a:prstGeom>
+          <a:gradFill>
+            <a:gsLst>
+              <a:gs pos="0">
+                <a:schemeClr val="bg1">
+                  <a:lumMod val="50000"/>
+                  <a:alpha val="45000"/>
+                </a:schemeClr>
+              </a:gs>
+              <a:gs pos="100000">
+                <a:srgbClr val="191414">
+                  <a:alpha val="25000"/>
+                </a:srgbClr>
+              </a:gs>
+            </a:gsLst>
+            <a:lin ang="4200000" scaled="0"/>
+          </a:gradFill>
+        </p:spPr>
+        <p:txBody>
+          <a:bodyPr wrap="none" lIns="684000" rtlCol="0" anchor="ctr">
+            <a:noAutofit/>
+          </a:bodyPr>
+          <a:lstStyle/>
+          <a:p>
+            <a:r>
+              <a:rPr lang="en-US" sz="1400" b="1" dirty="0">
+                <a:solidFill>
+                  <a:schemeClr val="bg1"/>
+                </a:solidFill>
+                <a:latin typeface="Segoe UI" panose="020B0502040204020203" pitchFamily="34" charset="0"/>
+                <a:cs typeface="Segoe UI" panose="020B0502040204020203" pitchFamily="34" charset="0"/>
+              </a:rPr>
+              <a:t>EDA</a:t>
+            </a:r>
+          </a:p>
+        </p:txBody>
+      </p:sp>
+      <p:sp>
+        <p:nvSpPr>
+          <p:cNvPr id="10" name="TextBox 21">
+            <a:extLst>
+              <a:ext uri="{FF2B5EF4-FFF2-40B4-BE49-F238E27FC236}">
+                <a16:creationId xmlns:a16="http://schemas.microsoft.com/office/drawing/2014/main" id="{228298A3-AA79-9AAE-DC10-145B5C02E7BD}"/>
+              </a:ext>
+            </a:extLst>
+          </p:cNvPr>
+          <p:cNvSpPr txBox="1"/>
+          <p:nvPr/>
+        </p:nvSpPr>
+        <p:spPr>
+          <a:xfrm>
+            <a:off x="383220" y="1296806"/>
+            <a:ext cx="2296800" cy="366917"/>
+          </a:xfrm>
+          <a:prstGeom prst="roundRect">
+            <a:avLst/>
+          </a:prstGeom>
+          <a:noFill/>
+        </p:spPr>
+        <p:txBody>
+          <a:bodyPr wrap="none" lIns="684000" rtlCol="0" anchor="ctr">
+            <a:noAutofit/>
+          </a:bodyPr>
+          <a:lstStyle/>
+          <a:p>
+            <a:r>
+              <a:rPr lang="en-US" sz="1400" dirty="0">
+                <a:solidFill>
+                  <a:schemeClr val="bg1"/>
+                </a:solidFill>
+                <a:latin typeface="Segoe UI" panose="020B0502040204020203" pitchFamily="34" charset="0"/>
+                <a:cs typeface="Segoe UI" panose="020B0502040204020203" pitchFamily="34" charset="0"/>
+              </a:rPr>
+              <a:t>Preprocessing Steps</a:t>
+            </a:r>
+          </a:p>
+        </p:txBody>
+      </p:sp>
+      <p:grpSp>
+        <p:nvGrpSpPr>
+          <p:cNvPr id="11" name="Group 1035">
+            <a:extLst>
+              <a:ext uri="{FF2B5EF4-FFF2-40B4-BE49-F238E27FC236}">
+                <a16:creationId xmlns:a16="http://schemas.microsoft.com/office/drawing/2014/main" id="{744F1910-5910-7A90-49C6-531CB5AFEF2A}"/>
+              </a:ext>
+            </a:extLst>
+          </p:cNvPr>
+          <p:cNvGrpSpPr/>
+          <p:nvPr/>
+        </p:nvGrpSpPr>
+        <p:grpSpPr>
+          <a:xfrm>
+            <a:off x="591710" y="1393732"/>
+            <a:ext cx="258819" cy="225423"/>
+            <a:chOff x="7005638" y="3648076"/>
+            <a:chExt cx="344488" cy="300038"/>
+          </a:xfrm>
+        </p:grpSpPr>
+        <p:sp>
+          <p:nvSpPr>
+            <p:cNvPr id="12" name="Freeform 90">
+              <a:extLst>
+                <a:ext uri="{FF2B5EF4-FFF2-40B4-BE49-F238E27FC236}">
+                  <a16:creationId xmlns:a16="http://schemas.microsoft.com/office/drawing/2014/main" id="{328E40C6-FD5C-DD40-06A4-F1942B4A4FAB}"/>
+                </a:ext>
+              </a:extLst>
+            </p:cNvPr>
+            <p:cNvSpPr>
+              <a:spLocks/>
+            </p:cNvSpPr>
+            <p:nvPr/>
+          </p:nvSpPr>
+          <p:spPr bwMode="auto">
+            <a:xfrm>
+              <a:off x="7005638" y="3648076"/>
+              <a:ext cx="344488" cy="269875"/>
+            </a:xfrm>
+            <a:custGeom>
+              <a:avLst/>
+              <a:gdLst>
+                <a:gd name="T0" fmla="*/ 92 w 92"/>
+                <a:gd name="T1" fmla="*/ 66 h 72"/>
+                <a:gd name="T2" fmla="*/ 86 w 92"/>
+                <a:gd name="T3" fmla="*/ 72 h 72"/>
+                <a:gd name="T4" fmla="*/ 6 w 92"/>
+                <a:gd name="T5" fmla="*/ 72 h 72"/>
+                <a:gd name="T6" fmla="*/ 0 w 92"/>
+                <a:gd name="T7" fmla="*/ 66 h 72"/>
+                <a:gd name="T8" fmla="*/ 0 w 92"/>
+                <a:gd name="T9" fmla="*/ 6 h 72"/>
+                <a:gd name="T10" fmla="*/ 6 w 92"/>
+                <a:gd name="T11" fmla="*/ 0 h 72"/>
+                <a:gd name="T12" fmla="*/ 86 w 92"/>
+                <a:gd name="T13" fmla="*/ 0 h 72"/>
+                <a:gd name="T14" fmla="*/ 92 w 92"/>
+                <a:gd name="T15" fmla="*/ 6 h 72"/>
+                <a:gd name="T16" fmla="*/ 92 w 92"/>
+                <a:gd name="T17" fmla="*/ 66 h 72"/>
+              </a:gdLst>
+              <a:ahLst/>
+              <a:cxnLst>
+                <a:cxn ang="0">
+                  <a:pos x="T0" y="T1"/>
+                </a:cxn>
+                <a:cxn ang="0">
+                  <a:pos x="T2" y="T3"/>
+                </a:cxn>
+                <a:cxn ang="0">
+                  <a:pos x="T4" y="T5"/>
+                </a:cxn>
+                <a:cxn ang="0">
+                  <a:pos x="T6" y="T7"/>
+                </a:cxn>
+                <a:cxn ang="0">
+                  <a:pos x="T8" y="T9"/>
+                </a:cxn>
+                <a:cxn ang="0">
+                  <a:pos x="T10" y="T11"/>
+                </a:cxn>
+                <a:cxn ang="0">
+                  <a:pos x="T12" y="T13"/>
+                </a:cxn>
+                <a:cxn ang="0">
+                  <a:pos x="T14" y="T15"/>
+                </a:cxn>
+                <a:cxn ang="0">
+                  <a:pos x="T16" y="T17"/>
+                </a:cxn>
+              </a:cxnLst>
+              <a:rect l="0" t="0" r="r" b="b"/>
+              <a:pathLst>
+                <a:path w="92" h="72">
+                  <a:moveTo>
+                    <a:pt x="92" y="66"/>
+                  </a:moveTo>
+                  <a:cubicBezTo>
+                    <a:pt x="92" y="69"/>
+                    <a:pt x="89" y="72"/>
+                    <a:pt x="86" y="72"/>
+                  </a:cubicBezTo>
+                  <a:cubicBezTo>
+                    <a:pt x="6" y="72"/>
+                    <a:pt x="6" y="72"/>
+                    <a:pt x="6" y="72"/>
+                  </a:cubicBezTo>
+                  <a:cubicBezTo>
+                    <a:pt x="3" y="72"/>
+                    <a:pt x="0" y="69"/>
+                    <a:pt x="0" y="66"/>
+                  </a:cubicBezTo>
+                  <a:cubicBezTo>
+                    <a:pt x="0" y="6"/>
+                    <a:pt x="0" y="6"/>
+                    <a:pt x="0" y="6"/>
+                  </a:cubicBezTo>
+                  <a:cubicBezTo>
+                    <a:pt x="0" y="3"/>
+                    <a:pt x="3" y="0"/>
+                    <a:pt x="6" y="0"/>
+                  </a:cubicBezTo>
+                  <a:cubicBezTo>
+                    <a:pt x="86" y="0"/>
+                    <a:pt x="86" y="0"/>
+                    <a:pt x="86" y="0"/>
+                  </a:cubicBezTo>
+                  <a:cubicBezTo>
+                    <a:pt x="89" y="0"/>
+                    <a:pt x="92" y="3"/>
+                    <a:pt x="92" y="6"/>
+                  </a:cubicBezTo>
+                  <a:lnTo>
+                    <a:pt x="92" y="66"/>
+                  </a:lnTo>
+                  <a:close/>
+                </a:path>
+              </a:pathLst>
+            </a:custGeom>
+            <a:noFill/>
+            <a:ln w="9525" cap="rnd">
+              <a:solidFill>
+                <a:schemeClr val="bg1"/>
+              </a:solidFill>
+              <a:prstDash val="solid"/>
+              <a:round/>
+              <a:headEnd/>
+              <a:tailEnd/>
+            </a:ln>
+            <a:extLst>
+              <a:ext uri="{909E8E84-426E-40DD-AFC4-6F175D3DCCD1}">
+                <a14:hiddenFill xmlns:a14="http://schemas.microsoft.com/office/drawing/2010/main">
+                  <a:solidFill>
+                    <a:srgbClr val="FFFFFF"/>
+                  </a:solidFill>
+                </a14:hiddenFill>
+              </a:ext>
+            </a:extLst>
+          </p:spPr>
+          <p:txBody>
+            <a:bodyPr vert="horz" wrap="square" lIns="91440" tIns="45720" rIns="91440" bIns="45720" numCol="1" anchor="t" anchorCtr="0" compatLnSpc="1">
+              <a:prstTxWarp prst="textNoShape">
+                <a:avLst/>
+              </a:prstTxWarp>
+            </a:bodyPr>
+            <a:lstStyle/>
+            <a:p>
+              <a:endParaRPr lang="id-ID"/>
+            </a:p>
+          </p:txBody>
+        </p:sp>
+        <p:sp>
+          <p:nvSpPr>
+            <p:cNvPr id="13" name="Line 91">
+              <a:extLst>
+                <a:ext uri="{FF2B5EF4-FFF2-40B4-BE49-F238E27FC236}">
+                  <a16:creationId xmlns:a16="http://schemas.microsoft.com/office/drawing/2014/main" id="{B1DE3B6B-DA0B-27DC-5332-5CDF012300E9}"/>
+                </a:ext>
+              </a:extLst>
+            </p:cNvPr>
+            <p:cNvSpPr>
+              <a:spLocks noChangeShapeType="1"/>
+            </p:cNvSpPr>
+            <p:nvPr/>
+          </p:nvSpPr>
+          <p:spPr bwMode="auto">
+            <a:xfrm>
+              <a:off x="7072313" y="3948113"/>
+              <a:ext cx="211138" cy="0"/>
+            </a:xfrm>
+            <a:prstGeom prst="line">
+              <a:avLst/>
+            </a:prstGeom>
+            <a:noFill/>
+            <a:ln w="9525" cap="rnd">
+              <a:solidFill>
+                <a:schemeClr val="bg1"/>
+              </a:solidFill>
+              <a:prstDash val="solid"/>
+              <a:round/>
+              <a:headEnd/>
+              <a:tailEnd/>
+            </a:ln>
+            <a:extLst>
+              <a:ext uri="{909E8E84-426E-40DD-AFC4-6F175D3DCCD1}">
+                <a14:hiddenFill xmlns:a14="http://schemas.microsoft.com/office/drawing/2010/main">
+                  <a:noFill/>
+                </a14:hiddenFill>
+              </a:ext>
+            </a:extLst>
+          </p:spPr>
+          <p:txBody>
+            <a:bodyPr vert="horz" wrap="square" lIns="91440" tIns="45720" rIns="91440" bIns="45720" numCol="1" anchor="t" anchorCtr="0" compatLnSpc="1">
+              <a:prstTxWarp prst="textNoShape">
+                <a:avLst/>
+              </a:prstTxWarp>
+            </a:bodyPr>
+            <a:lstStyle/>
+            <a:p>
+              <a:endParaRPr lang="id-ID"/>
+            </a:p>
+          </p:txBody>
+        </p:sp>
+        <p:sp>
+          <p:nvSpPr>
+            <p:cNvPr id="14" name="Line 92">
+              <a:extLst>
+                <a:ext uri="{FF2B5EF4-FFF2-40B4-BE49-F238E27FC236}">
+                  <a16:creationId xmlns:a16="http://schemas.microsoft.com/office/drawing/2014/main" id="{90862457-02BA-CF3C-8850-3627E428FB05}"/>
+                </a:ext>
+              </a:extLst>
+            </p:cNvPr>
+            <p:cNvSpPr>
+              <a:spLocks noChangeShapeType="1"/>
+            </p:cNvSpPr>
+            <p:nvPr/>
+          </p:nvSpPr>
+          <p:spPr bwMode="auto">
+            <a:xfrm>
+              <a:off x="7178676" y="3917951"/>
+              <a:ext cx="0" cy="30163"/>
+            </a:xfrm>
+            <a:prstGeom prst="line">
+              <a:avLst/>
+            </a:prstGeom>
+            <a:noFill/>
+            <a:ln w="9525" cap="rnd">
+              <a:solidFill>
+                <a:schemeClr val="bg1"/>
+              </a:solidFill>
+              <a:prstDash val="solid"/>
+              <a:round/>
+              <a:headEnd/>
+              <a:tailEnd/>
+            </a:ln>
+            <a:extLst>
+              <a:ext uri="{909E8E84-426E-40DD-AFC4-6F175D3DCCD1}">
+                <a14:hiddenFill xmlns:a14="http://schemas.microsoft.com/office/drawing/2010/main">
+                  <a:noFill/>
+                </a14:hiddenFill>
+              </a:ext>
+            </a:extLst>
+          </p:spPr>
+          <p:txBody>
+            <a:bodyPr vert="horz" wrap="square" lIns="91440" tIns="45720" rIns="91440" bIns="45720" numCol="1" anchor="t" anchorCtr="0" compatLnSpc="1">
+              <a:prstTxWarp prst="textNoShape">
+                <a:avLst/>
+              </a:prstTxWarp>
+            </a:bodyPr>
+            <a:lstStyle/>
+            <a:p>
+              <a:endParaRPr lang="id-ID"/>
+            </a:p>
+          </p:txBody>
+        </p:sp>
+        <p:sp>
+          <p:nvSpPr>
+            <p:cNvPr id="15" name="Oval 93">
+              <a:extLst>
+                <a:ext uri="{FF2B5EF4-FFF2-40B4-BE49-F238E27FC236}">
+                  <a16:creationId xmlns:a16="http://schemas.microsoft.com/office/drawing/2014/main" id="{0B1FEE66-A87A-58D9-AF49-7432543A30F0}"/>
+                </a:ext>
+              </a:extLst>
+            </p:cNvPr>
+            <p:cNvSpPr>
+              <a:spLocks noChangeArrowheads="1"/>
+            </p:cNvSpPr>
+            <p:nvPr/>
+          </p:nvSpPr>
+          <p:spPr bwMode="auto">
+            <a:xfrm>
+              <a:off x="7170738" y="3881438"/>
+              <a:ext cx="14288" cy="14288"/>
+            </a:xfrm>
+            <a:prstGeom prst="ellipse">
+              <a:avLst/>
+            </a:prstGeom>
+            <a:noFill/>
+            <a:ln w="9525" cap="flat">
+              <a:solidFill>
+                <a:schemeClr val="bg1"/>
+              </a:solidFill>
+              <a:prstDash val="solid"/>
+              <a:round/>
+              <a:headEnd/>
+              <a:tailEnd/>
+            </a:ln>
+            <a:extLst>
+              <a:ext uri="{909E8E84-426E-40DD-AFC4-6F175D3DCCD1}">
+                <a14:hiddenFill xmlns:a14="http://schemas.microsoft.com/office/drawing/2010/main">
+                  <a:solidFill>
+                    <a:srgbClr val="FFFFFF"/>
+                  </a:solidFill>
+                </a14:hiddenFill>
+              </a:ext>
+            </a:extLst>
+          </p:spPr>
+          <p:txBody>
+            <a:bodyPr vert="horz" wrap="square" lIns="91440" tIns="45720" rIns="91440" bIns="45720" numCol="1" anchor="t" anchorCtr="0" compatLnSpc="1">
+              <a:prstTxWarp prst="textNoShape">
+                <a:avLst/>
+              </a:prstTxWarp>
+            </a:bodyPr>
+            <a:lstStyle/>
+            <a:p>
+              <a:endParaRPr lang="id-ID"/>
+            </a:p>
+          </p:txBody>
+        </p:sp>
+        <p:sp>
+          <p:nvSpPr>
+            <p:cNvPr id="16" name="Line 94">
+              <a:extLst>
+                <a:ext uri="{FF2B5EF4-FFF2-40B4-BE49-F238E27FC236}">
+                  <a16:creationId xmlns:a16="http://schemas.microsoft.com/office/drawing/2014/main" id="{9CAAF5E4-B610-CFC0-67B8-307CAB29B9E7}"/>
+                </a:ext>
+              </a:extLst>
+            </p:cNvPr>
+            <p:cNvSpPr>
+              <a:spLocks noChangeShapeType="1"/>
+            </p:cNvSpPr>
+            <p:nvPr/>
+          </p:nvSpPr>
+          <p:spPr bwMode="auto">
+            <a:xfrm>
+              <a:off x="7005638" y="3857626"/>
+              <a:ext cx="344488" cy="0"/>
+            </a:xfrm>
+            <a:prstGeom prst="line">
+              <a:avLst/>
+            </a:prstGeom>
+            <a:noFill/>
+            <a:ln w="9525" cap="flat">
+              <a:solidFill>
+                <a:schemeClr val="bg1"/>
+              </a:solidFill>
+              <a:prstDash val="solid"/>
+              <a:round/>
+              <a:headEnd/>
+              <a:tailEnd/>
+            </a:ln>
+            <a:extLst>
+              <a:ext uri="{909E8E84-426E-40DD-AFC4-6F175D3DCCD1}">
+                <a14:hiddenFill xmlns:a14="http://schemas.microsoft.com/office/drawing/2010/main">
+                  <a:noFill/>
+                </a14:hiddenFill>
+              </a:ext>
+            </a:extLst>
+          </p:spPr>
+          <p:txBody>
+            <a:bodyPr vert="horz" wrap="square" lIns="91440" tIns="45720" rIns="91440" bIns="45720" numCol="1" anchor="t" anchorCtr="0" compatLnSpc="1">
+              <a:prstTxWarp prst="textNoShape">
+                <a:avLst/>
+              </a:prstTxWarp>
+            </a:bodyPr>
+            <a:lstStyle/>
+            <a:p>
+              <a:endParaRPr lang="id-ID"/>
+            </a:p>
+          </p:txBody>
+        </p:sp>
+        <p:sp>
+          <p:nvSpPr>
+            <p:cNvPr id="17" name="Freeform 95">
+              <a:extLst>
+                <a:ext uri="{FF2B5EF4-FFF2-40B4-BE49-F238E27FC236}">
+                  <a16:creationId xmlns:a16="http://schemas.microsoft.com/office/drawing/2014/main" id="{9C1470DC-A351-F187-760E-46AB14A5ACD2}"/>
+                </a:ext>
+              </a:extLst>
+            </p:cNvPr>
+            <p:cNvSpPr>
+              <a:spLocks/>
+            </p:cNvSpPr>
+            <p:nvPr/>
+          </p:nvSpPr>
+          <p:spPr bwMode="auto">
+            <a:xfrm>
+              <a:off x="7140576" y="3703638"/>
+              <a:ext cx="82550" cy="101600"/>
+            </a:xfrm>
+            <a:custGeom>
+              <a:avLst/>
+              <a:gdLst>
+                <a:gd name="T0" fmla="*/ 0 w 52"/>
+                <a:gd name="T1" fmla="*/ 0 h 64"/>
+                <a:gd name="T2" fmla="*/ 0 w 52"/>
+                <a:gd name="T3" fmla="*/ 64 h 64"/>
+                <a:gd name="T4" fmla="*/ 52 w 52"/>
+                <a:gd name="T5" fmla="*/ 33 h 64"/>
+                <a:gd name="T6" fmla="*/ 0 w 52"/>
+                <a:gd name="T7" fmla="*/ 0 h 64"/>
+              </a:gdLst>
+              <a:ahLst/>
+              <a:cxnLst>
+                <a:cxn ang="0">
+                  <a:pos x="T0" y="T1"/>
+                </a:cxn>
+                <a:cxn ang="0">
+                  <a:pos x="T2" y="T3"/>
+                </a:cxn>
+                <a:cxn ang="0">
+                  <a:pos x="T4" y="T5"/>
+                </a:cxn>
+                <a:cxn ang="0">
+                  <a:pos x="T6" y="T7"/>
+                </a:cxn>
+              </a:cxnLst>
+              <a:rect l="0" t="0" r="r" b="b"/>
+              <a:pathLst>
+                <a:path w="52" h="64">
+                  <a:moveTo>
+                    <a:pt x="0" y="0"/>
+                  </a:moveTo>
+                  <a:lnTo>
+                    <a:pt x="0" y="64"/>
+                  </a:lnTo>
+                  <a:lnTo>
+                    <a:pt x="52" y="33"/>
+                  </a:lnTo>
+                  <a:lnTo>
+                    <a:pt x="0" y="0"/>
+                  </a:lnTo>
+                  <a:close/>
+                </a:path>
+              </a:pathLst>
+            </a:custGeom>
+            <a:noFill/>
+            <a:ln w="9525" cap="flat">
+              <a:solidFill>
+                <a:schemeClr val="bg1"/>
+              </a:solidFill>
+              <a:prstDash val="solid"/>
+              <a:round/>
+              <a:headEnd/>
+              <a:tailEnd/>
+            </a:ln>
+            <a:extLst>
+              <a:ext uri="{909E8E84-426E-40DD-AFC4-6F175D3DCCD1}">
+                <a14:hiddenFill xmlns:a14="http://schemas.microsoft.com/office/drawing/2010/main">
+                  <a:solidFill>
+                    <a:srgbClr val="FFFFFF"/>
+                  </a:solidFill>
+                </a14:hiddenFill>
+              </a:ext>
+            </a:extLst>
+          </p:spPr>
+          <p:txBody>
+            <a:bodyPr vert="horz" wrap="square" lIns="91440" tIns="45720" rIns="91440" bIns="45720" numCol="1" anchor="t" anchorCtr="0" compatLnSpc="1">
+              <a:prstTxWarp prst="textNoShape">
+                <a:avLst/>
+              </a:prstTxWarp>
+            </a:bodyPr>
+            <a:lstStyle/>
+            <a:p>
+              <a:endParaRPr lang="id-ID"/>
+            </a:p>
+          </p:txBody>
+        </p:sp>
+      </p:grpSp>
+      <p:grpSp>
+        <p:nvGrpSpPr>
+          <p:cNvPr id="20" name="Group 1">
+            <a:extLst>
+              <a:ext uri="{FF2B5EF4-FFF2-40B4-BE49-F238E27FC236}">
+                <a16:creationId xmlns:a16="http://schemas.microsoft.com/office/drawing/2014/main" id="{15548E8D-DA46-F6DC-F8C4-FF4C919B20B5}"/>
+              </a:ext>
+            </a:extLst>
+          </p:cNvPr>
+          <p:cNvGrpSpPr>
+            <a:grpSpLocks noChangeAspect="1"/>
+          </p:cNvGrpSpPr>
+          <p:nvPr/>
+        </p:nvGrpSpPr>
+        <p:grpSpPr>
+          <a:xfrm>
+            <a:off x="602808" y="1919421"/>
+            <a:ext cx="236623" cy="216000"/>
+            <a:chOff x="3398838" y="5076826"/>
+            <a:chExt cx="346075" cy="315913"/>
+          </a:xfrm>
+        </p:grpSpPr>
+        <p:sp>
+          <p:nvSpPr>
+            <p:cNvPr id="23" name="Rectangle 80">
+              <a:extLst>
+                <a:ext uri="{FF2B5EF4-FFF2-40B4-BE49-F238E27FC236}">
+                  <a16:creationId xmlns:a16="http://schemas.microsoft.com/office/drawing/2014/main" id="{377714EA-9945-8C7C-6101-CB26744BEB9D}"/>
+                </a:ext>
+              </a:extLst>
+            </p:cNvPr>
+            <p:cNvSpPr>
+              <a:spLocks noChangeArrowheads="1"/>
+            </p:cNvSpPr>
+            <p:nvPr/>
+          </p:nvSpPr>
+          <p:spPr bwMode="auto">
+            <a:xfrm>
+              <a:off x="3519488" y="5076826"/>
+              <a:ext cx="225425" cy="74613"/>
+            </a:xfrm>
+            <a:prstGeom prst="rect">
+              <a:avLst/>
+            </a:prstGeom>
+            <a:noFill/>
+            <a:ln w="12700" cap="rnd">
+              <a:solidFill>
+                <a:schemeClr val="bg1"/>
+              </a:solidFill>
+              <a:prstDash val="solid"/>
+              <a:round/>
+              <a:headEnd/>
+              <a:tailEnd/>
+            </a:ln>
+            <a:extLst>
+              <a:ext uri="{909E8E84-426E-40DD-AFC4-6F175D3DCCD1}">
+                <a14:hiddenFill xmlns:a14="http://schemas.microsoft.com/office/drawing/2010/main">
+                  <a:solidFill>
+                    <a:srgbClr val="FFFFFF"/>
+                  </a:solidFill>
+                </a14:hiddenFill>
+              </a:ext>
+            </a:extLst>
+          </p:spPr>
+          <p:txBody>
+            <a:bodyPr vert="horz" wrap="square" lIns="91440" tIns="45720" rIns="91440" bIns="45720" numCol="1" anchor="t" anchorCtr="0" compatLnSpc="1">
+              <a:prstTxWarp prst="textNoShape">
+                <a:avLst/>
+              </a:prstTxWarp>
+            </a:bodyPr>
+            <a:lstStyle/>
+            <a:p>
+              <a:endParaRPr lang="id-ID"/>
+            </a:p>
+          </p:txBody>
+        </p:sp>
+        <p:sp>
+          <p:nvSpPr>
+            <p:cNvPr id="24" name="Rectangle 81">
+              <a:extLst>
+                <a:ext uri="{FF2B5EF4-FFF2-40B4-BE49-F238E27FC236}">
+                  <a16:creationId xmlns:a16="http://schemas.microsoft.com/office/drawing/2014/main" id="{999D1A82-0B57-13FE-0694-D479B060535E}"/>
+                </a:ext>
+              </a:extLst>
+            </p:cNvPr>
+            <p:cNvSpPr>
+              <a:spLocks noChangeArrowheads="1"/>
+            </p:cNvSpPr>
+            <p:nvPr/>
+          </p:nvSpPr>
+          <p:spPr bwMode="auto">
+            <a:xfrm>
+              <a:off x="3519488" y="5197476"/>
+              <a:ext cx="225425" cy="74613"/>
+            </a:xfrm>
+            <a:prstGeom prst="rect">
+              <a:avLst/>
+            </a:prstGeom>
+            <a:noFill/>
+            <a:ln w="12700" cap="rnd">
+              <a:solidFill>
+                <a:schemeClr val="bg1"/>
+              </a:solidFill>
+              <a:prstDash val="solid"/>
+              <a:round/>
+              <a:headEnd/>
+              <a:tailEnd/>
+            </a:ln>
+            <a:extLst>
+              <a:ext uri="{909E8E84-426E-40DD-AFC4-6F175D3DCCD1}">
+                <a14:hiddenFill xmlns:a14="http://schemas.microsoft.com/office/drawing/2010/main">
+                  <a:solidFill>
+                    <a:srgbClr val="FFFFFF"/>
+                  </a:solidFill>
+                </a14:hiddenFill>
+              </a:ext>
+            </a:extLst>
+          </p:spPr>
+          <p:txBody>
+            <a:bodyPr vert="horz" wrap="square" lIns="91440" tIns="45720" rIns="91440" bIns="45720" numCol="1" anchor="t" anchorCtr="0" compatLnSpc="1">
+              <a:prstTxWarp prst="textNoShape">
+                <a:avLst/>
+              </a:prstTxWarp>
+            </a:bodyPr>
+            <a:lstStyle/>
+            <a:p>
+              <a:endParaRPr lang="id-ID"/>
+            </a:p>
+          </p:txBody>
+        </p:sp>
+        <p:sp>
+          <p:nvSpPr>
+            <p:cNvPr id="25" name="Rectangle 82">
+              <a:extLst>
+                <a:ext uri="{FF2B5EF4-FFF2-40B4-BE49-F238E27FC236}">
+                  <a16:creationId xmlns:a16="http://schemas.microsoft.com/office/drawing/2014/main" id="{AF3AA778-A66C-CD25-2479-162712D0EB20}"/>
+                </a:ext>
+              </a:extLst>
+            </p:cNvPr>
+            <p:cNvSpPr>
+              <a:spLocks noChangeArrowheads="1"/>
+            </p:cNvSpPr>
+            <p:nvPr/>
+          </p:nvSpPr>
+          <p:spPr bwMode="auto">
+            <a:xfrm>
+              <a:off x="3519488" y="5316539"/>
+              <a:ext cx="225425" cy="76200"/>
+            </a:xfrm>
+            <a:prstGeom prst="rect">
+              <a:avLst/>
+            </a:prstGeom>
+            <a:noFill/>
+            <a:ln w="12700" cap="rnd">
+              <a:solidFill>
+                <a:schemeClr val="bg1"/>
+              </a:solidFill>
+              <a:prstDash val="solid"/>
+              <a:round/>
+              <a:headEnd/>
+              <a:tailEnd/>
+            </a:ln>
+            <a:extLst>
+              <a:ext uri="{909E8E84-426E-40DD-AFC4-6F175D3DCCD1}">
+                <a14:hiddenFill xmlns:a14="http://schemas.microsoft.com/office/drawing/2010/main">
+                  <a:solidFill>
+                    <a:srgbClr val="FFFFFF"/>
+                  </a:solidFill>
+                </a14:hiddenFill>
+              </a:ext>
+            </a:extLst>
+          </p:spPr>
+          <p:txBody>
+            <a:bodyPr vert="horz" wrap="square" lIns="91440" tIns="45720" rIns="91440" bIns="45720" numCol="1" anchor="t" anchorCtr="0" compatLnSpc="1">
+              <a:prstTxWarp prst="textNoShape">
+                <a:avLst/>
+              </a:prstTxWarp>
+            </a:bodyPr>
+            <a:lstStyle/>
+            <a:p>
+              <a:endParaRPr lang="id-ID"/>
+            </a:p>
+          </p:txBody>
+        </p:sp>
+        <p:sp>
+          <p:nvSpPr>
+            <p:cNvPr id="26" name="Rectangle 83">
+              <a:extLst>
+                <a:ext uri="{FF2B5EF4-FFF2-40B4-BE49-F238E27FC236}">
+                  <a16:creationId xmlns:a16="http://schemas.microsoft.com/office/drawing/2014/main" id="{48106F25-3D59-EB10-F2CC-66671174BAA7}"/>
+                </a:ext>
+              </a:extLst>
+            </p:cNvPr>
+            <p:cNvSpPr>
+              <a:spLocks noChangeArrowheads="1"/>
+            </p:cNvSpPr>
+            <p:nvPr/>
+          </p:nvSpPr>
+          <p:spPr bwMode="auto">
+            <a:xfrm>
+              <a:off x="3398838" y="5076826"/>
+              <a:ext cx="74613" cy="74613"/>
+            </a:xfrm>
+            <a:prstGeom prst="rect">
+              <a:avLst/>
+            </a:prstGeom>
+            <a:noFill/>
+            <a:ln w="12700" cap="rnd">
+              <a:solidFill>
+                <a:schemeClr val="bg1"/>
+              </a:solidFill>
+              <a:prstDash val="solid"/>
+              <a:round/>
+              <a:headEnd/>
+              <a:tailEnd/>
+            </a:ln>
+            <a:extLst>
+              <a:ext uri="{909E8E84-426E-40DD-AFC4-6F175D3DCCD1}">
+                <a14:hiddenFill xmlns:a14="http://schemas.microsoft.com/office/drawing/2010/main">
+                  <a:solidFill>
+                    <a:srgbClr val="FFFFFF"/>
+                  </a:solidFill>
+                </a14:hiddenFill>
+              </a:ext>
+            </a:extLst>
+          </p:spPr>
+          <p:txBody>
+            <a:bodyPr vert="horz" wrap="square" lIns="91440" tIns="45720" rIns="91440" bIns="45720" numCol="1" anchor="t" anchorCtr="0" compatLnSpc="1">
+              <a:prstTxWarp prst="textNoShape">
+                <a:avLst/>
+              </a:prstTxWarp>
+            </a:bodyPr>
+            <a:lstStyle/>
+            <a:p>
+              <a:endParaRPr lang="id-ID"/>
+            </a:p>
+          </p:txBody>
+        </p:sp>
+        <p:sp>
+          <p:nvSpPr>
+            <p:cNvPr id="28" name="Rectangle 84">
+              <a:extLst>
+                <a:ext uri="{FF2B5EF4-FFF2-40B4-BE49-F238E27FC236}">
+                  <a16:creationId xmlns:a16="http://schemas.microsoft.com/office/drawing/2014/main" id="{6943729F-ED5A-B2CE-9178-932B78B8298A}"/>
+                </a:ext>
+              </a:extLst>
+            </p:cNvPr>
+            <p:cNvSpPr>
+              <a:spLocks noChangeArrowheads="1"/>
+            </p:cNvSpPr>
+            <p:nvPr/>
+          </p:nvSpPr>
+          <p:spPr bwMode="auto">
+            <a:xfrm>
+              <a:off x="3398838" y="5197476"/>
+              <a:ext cx="74613" cy="74613"/>
+            </a:xfrm>
+            <a:prstGeom prst="rect">
+              <a:avLst/>
+            </a:prstGeom>
+            <a:noFill/>
+            <a:ln w="12700" cap="rnd">
+              <a:solidFill>
+                <a:schemeClr val="bg1"/>
+              </a:solidFill>
+              <a:prstDash val="solid"/>
+              <a:round/>
+              <a:headEnd/>
+              <a:tailEnd/>
+            </a:ln>
+            <a:extLst>
+              <a:ext uri="{909E8E84-426E-40DD-AFC4-6F175D3DCCD1}">
+                <a14:hiddenFill xmlns:a14="http://schemas.microsoft.com/office/drawing/2010/main">
+                  <a:solidFill>
+                    <a:srgbClr val="FFFFFF"/>
+                  </a:solidFill>
+                </a14:hiddenFill>
+              </a:ext>
+            </a:extLst>
+          </p:spPr>
+          <p:txBody>
+            <a:bodyPr vert="horz" wrap="square" lIns="91440" tIns="45720" rIns="91440" bIns="45720" numCol="1" anchor="t" anchorCtr="0" compatLnSpc="1">
+              <a:prstTxWarp prst="textNoShape">
+                <a:avLst/>
+              </a:prstTxWarp>
+            </a:bodyPr>
+            <a:lstStyle/>
+            <a:p>
+              <a:endParaRPr lang="id-ID"/>
+            </a:p>
+          </p:txBody>
+        </p:sp>
+        <p:sp>
+          <p:nvSpPr>
+            <p:cNvPr id="30" name="Rectangle 85">
+              <a:extLst>
+                <a:ext uri="{FF2B5EF4-FFF2-40B4-BE49-F238E27FC236}">
+                  <a16:creationId xmlns:a16="http://schemas.microsoft.com/office/drawing/2014/main" id="{EFB86162-B636-B861-4ED0-C88EB74D2CE6}"/>
+                </a:ext>
+              </a:extLst>
+            </p:cNvPr>
+            <p:cNvSpPr>
+              <a:spLocks noChangeArrowheads="1"/>
+            </p:cNvSpPr>
+            <p:nvPr/>
+          </p:nvSpPr>
+          <p:spPr bwMode="auto">
+            <a:xfrm>
+              <a:off x="3398838" y="5316539"/>
+              <a:ext cx="74613" cy="76200"/>
+            </a:xfrm>
+            <a:prstGeom prst="rect">
+              <a:avLst/>
+            </a:prstGeom>
+            <a:noFill/>
+            <a:ln w="12700" cap="rnd">
+              <a:solidFill>
+                <a:schemeClr val="bg1"/>
+              </a:solidFill>
+              <a:prstDash val="solid"/>
+              <a:round/>
+              <a:headEnd/>
+              <a:tailEnd/>
+            </a:ln>
+            <a:extLst>
+              <a:ext uri="{909E8E84-426E-40DD-AFC4-6F175D3DCCD1}">
+                <a14:hiddenFill xmlns:a14="http://schemas.microsoft.com/office/drawing/2010/main">
+                  <a:solidFill>
+                    <a:srgbClr val="FFFFFF"/>
+                  </a:solidFill>
+                </a14:hiddenFill>
+              </a:ext>
+            </a:extLst>
+          </p:spPr>
+          <p:txBody>
+            <a:bodyPr vert="horz" wrap="square" lIns="91440" tIns="45720" rIns="91440" bIns="45720" numCol="1" anchor="t" anchorCtr="0" compatLnSpc="1">
+              <a:prstTxWarp prst="textNoShape">
+                <a:avLst/>
+              </a:prstTxWarp>
+            </a:bodyPr>
+            <a:lstStyle/>
+            <a:p>
+              <a:endParaRPr lang="id-ID"/>
+            </a:p>
+          </p:txBody>
+        </p:sp>
+      </p:grpSp>
+      <p:pic>
+        <p:nvPicPr>
+          <p:cNvPr id="4" name="Grafik 3">
+            <a:extLst>
+              <a:ext uri="{FF2B5EF4-FFF2-40B4-BE49-F238E27FC236}">
+                <a16:creationId xmlns:a16="http://schemas.microsoft.com/office/drawing/2014/main" id="{E3DE8C02-123E-B00B-695B-810CAE17C9D3}"/>
+              </a:ext>
+            </a:extLst>
+          </p:cNvPr>
+          <p:cNvPicPr>
+            <a:picLocks noChangeAspect="1"/>
+          </p:cNvPicPr>
+          <p:nvPr/>
+        </p:nvPicPr>
+        <p:blipFill>
+          <a:blip r:embed="rId3"/>
+          <a:stretch>
+            <a:fillRect/>
+          </a:stretch>
+        </p:blipFill>
+        <p:spPr>
+          <a:xfrm>
+            <a:off x="3474402" y="1285934"/>
+            <a:ext cx="7772400" cy="5001767"/>
+          </a:xfrm>
+          <a:prstGeom prst="rect">
+            <a:avLst/>
+          </a:prstGeom>
+        </p:spPr>
+      </p:pic>
+    </p:spTree>
+    <p:extLst>
+      <p:ext uri="{BB962C8B-B14F-4D97-AF65-F5344CB8AC3E}">
+        <p14:creationId xmlns:p14="http://schemas.microsoft.com/office/powerpoint/2010/main" val="3763819030"/>
+      </p:ext>
+    </p:extLst>
+  </p:cSld>
+  <p:clrMapOvr>
+    <a:masterClrMapping/>
+  </p:clrMapOvr>
+</p:sld>
+</file>
+
+<file path=ppt/slides/slide7.xml><?xml version="1.0" encoding="utf-8"?>
 <p:sld xmlns:a="http://schemas.openxmlformats.org/drawingml/2006/main" xmlns:r="http://schemas.openxmlformats.org/officeDocument/2006/relationships" xmlns:p="http://schemas.openxmlformats.org/presentationml/2006/main">
   <p:cSld>
     <p:spTree>

--- a/Presentations/Spotify NLP status 20231005.pptx
+++ b/Presentations/Spotify NLP status 20231005.pptx
@@ -5,16 +5,19 @@
     <p:sldMasterId id="2147483648" r:id="rId1"/>
   </p:sldMasterIdLst>
   <p:notesMasterIdLst>
-    <p:notesMasterId r:id="rId9"/>
+    <p:notesMasterId r:id="rId12"/>
   </p:notesMasterIdLst>
   <p:sldIdLst>
     <p:sldId id="256" r:id="rId2"/>
-    <p:sldId id="296" r:id="rId3"/>
-    <p:sldId id="297" r:id="rId4"/>
-    <p:sldId id="299" r:id="rId5"/>
-    <p:sldId id="298" r:id="rId6"/>
-    <p:sldId id="300" r:id="rId7"/>
-    <p:sldId id="266" r:id="rId8"/>
+    <p:sldId id="301" r:id="rId3"/>
+    <p:sldId id="299" r:id="rId4"/>
+    <p:sldId id="302" r:id="rId5"/>
+    <p:sldId id="303" r:id="rId6"/>
+    <p:sldId id="304" r:id="rId7"/>
+    <p:sldId id="305" r:id="rId8"/>
+    <p:sldId id="298" r:id="rId9"/>
+    <p:sldId id="300" r:id="rId10"/>
+    <p:sldId id="266" r:id="rId11"/>
   </p:sldIdLst>
   <p:sldSz cx="12192000" cy="6858000"/>
   <p:notesSz cx="6858000" cy="9144000"/>
@@ -720,7 +723,7 @@
     </p:spTree>
     <p:extLst>
       <p:ext uri="{BB962C8B-B14F-4D97-AF65-F5344CB8AC3E}">
-        <p14:creationId xmlns:p14="http://schemas.microsoft.com/office/powerpoint/2010/main" val="2217581243"/>
+        <p14:creationId xmlns:p14="http://schemas.microsoft.com/office/powerpoint/2010/main" val="1655225791"/>
       </p:ext>
     </p:extLst>
   </p:cSld>
@@ -804,7 +807,7 @@
     </p:spTree>
     <p:extLst>
       <p:ext uri="{BB962C8B-B14F-4D97-AF65-F5344CB8AC3E}">
-        <p14:creationId xmlns:p14="http://schemas.microsoft.com/office/powerpoint/2010/main" val="1655225791"/>
+        <p14:creationId xmlns:p14="http://schemas.microsoft.com/office/powerpoint/2010/main" val="2217581243"/>
       </p:ext>
     </p:extLst>
   </p:cSld>
@@ -888,7 +891,7 @@
     </p:spTree>
     <p:extLst>
       <p:ext uri="{BB962C8B-B14F-4D97-AF65-F5344CB8AC3E}">
-        <p14:creationId xmlns:p14="http://schemas.microsoft.com/office/powerpoint/2010/main" val="689758974"/>
+        <p14:creationId xmlns:p14="http://schemas.microsoft.com/office/powerpoint/2010/main" val="2341035629"/>
       </p:ext>
     </p:extLst>
   </p:cSld>
@@ -964,6 +967,258 @@
             <a:fld id="{7CEDCF92-708B-42BD-8680-DB4A1F579832}" type="slidenum">
               <a:rPr lang="en-US" smtClean="0"/>
               <a:t>6</a:t>
+            </a:fld>
+            <a:endParaRPr lang="en-US"/>
+          </a:p>
+        </p:txBody>
+      </p:sp>
+    </p:spTree>
+    <p:extLst>
+      <p:ext uri="{BB962C8B-B14F-4D97-AF65-F5344CB8AC3E}">
+        <p14:creationId xmlns:p14="http://schemas.microsoft.com/office/powerpoint/2010/main" val="2653157693"/>
+      </p:ext>
+    </p:extLst>
+  </p:cSld>
+  <p:clrMapOvr>
+    <a:masterClrMapping/>
+  </p:clrMapOvr>
+</p:notes>
+</file>
+
+<file path=ppt/notesSlides/notesSlide7.xml><?xml version="1.0" encoding="utf-8"?>
+<p:notes xmlns:a="http://schemas.openxmlformats.org/drawingml/2006/main" xmlns:r="http://schemas.openxmlformats.org/officeDocument/2006/relationships" xmlns:p="http://schemas.openxmlformats.org/presentationml/2006/main">
+  <p:cSld>
+    <p:spTree>
+      <p:nvGrpSpPr>
+        <p:cNvPr id="1" name=""/>
+        <p:cNvGrpSpPr/>
+        <p:nvPr/>
+      </p:nvGrpSpPr>
+      <p:grpSpPr>
+        <a:xfrm>
+          <a:off x="0" y="0"/>
+          <a:ext cx="0" cy="0"/>
+          <a:chOff x="0" y="0"/>
+          <a:chExt cx="0" cy="0"/>
+        </a:xfrm>
+      </p:grpSpPr>
+      <p:sp>
+        <p:nvSpPr>
+          <p:cNvPr id="2" name="Slide Image Placeholder 1"/>
+          <p:cNvSpPr>
+            <a:spLocks noGrp="1" noRot="1" noChangeAspect="1"/>
+          </p:cNvSpPr>
+          <p:nvPr>
+            <p:ph type="sldImg"/>
+          </p:nvPr>
+        </p:nvSpPr>
+        <p:spPr/>
+      </p:sp>
+      <p:sp>
+        <p:nvSpPr>
+          <p:cNvPr id="3" name="Notes Placeholder 2"/>
+          <p:cNvSpPr>
+            <a:spLocks noGrp="1"/>
+          </p:cNvSpPr>
+          <p:nvPr>
+            <p:ph type="body" idx="1"/>
+          </p:nvPr>
+        </p:nvSpPr>
+        <p:spPr/>
+        <p:txBody>
+          <a:bodyPr/>
+          <a:lstStyle/>
+          <a:p>
+            <a:endParaRPr lang="en-US" dirty="0"/>
+          </a:p>
+        </p:txBody>
+      </p:sp>
+      <p:sp>
+        <p:nvSpPr>
+          <p:cNvPr id="4" name="Slide Number Placeholder 3"/>
+          <p:cNvSpPr>
+            <a:spLocks noGrp="1"/>
+          </p:cNvSpPr>
+          <p:nvPr>
+            <p:ph type="sldNum" sz="quarter" idx="5"/>
+          </p:nvPr>
+        </p:nvSpPr>
+        <p:spPr/>
+        <p:txBody>
+          <a:bodyPr/>
+          <a:lstStyle/>
+          <a:p>
+            <a:fld id="{7CEDCF92-708B-42BD-8680-DB4A1F579832}" type="slidenum">
+              <a:rPr lang="en-US" smtClean="0"/>
+              <a:t>7</a:t>
+            </a:fld>
+            <a:endParaRPr lang="en-US"/>
+          </a:p>
+        </p:txBody>
+      </p:sp>
+    </p:spTree>
+    <p:extLst>
+      <p:ext uri="{BB962C8B-B14F-4D97-AF65-F5344CB8AC3E}">
+        <p14:creationId xmlns:p14="http://schemas.microsoft.com/office/powerpoint/2010/main" val="3758975559"/>
+      </p:ext>
+    </p:extLst>
+  </p:cSld>
+  <p:clrMapOvr>
+    <a:masterClrMapping/>
+  </p:clrMapOvr>
+</p:notes>
+</file>
+
+<file path=ppt/notesSlides/notesSlide8.xml><?xml version="1.0" encoding="utf-8"?>
+<p:notes xmlns:a="http://schemas.openxmlformats.org/drawingml/2006/main" xmlns:r="http://schemas.openxmlformats.org/officeDocument/2006/relationships" xmlns:p="http://schemas.openxmlformats.org/presentationml/2006/main">
+  <p:cSld>
+    <p:spTree>
+      <p:nvGrpSpPr>
+        <p:cNvPr id="1" name=""/>
+        <p:cNvGrpSpPr/>
+        <p:nvPr/>
+      </p:nvGrpSpPr>
+      <p:grpSpPr>
+        <a:xfrm>
+          <a:off x="0" y="0"/>
+          <a:ext cx="0" cy="0"/>
+          <a:chOff x="0" y="0"/>
+          <a:chExt cx="0" cy="0"/>
+        </a:xfrm>
+      </p:grpSpPr>
+      <p:sp>
+        <p:nvSpPr>
+          <p:cNvPr id="2" name="Slide Image Placeholder 1"/>
+          <p:cNvSpPr>
+            <a:spLocks noGrp="1" noRot="1" noChangeAspect="1"/>
+          </p:cNvSpPr>
+          <p:nvPr>
+            <p:ph type="sldImg"/>
+          </p:nvPr>
+        </p:nvSpPr>
+        <p:spPr/>
+      </p:sp>
+      <p:sp>
+        <p:nvSpPr>
+          <p:cNvPr id="3" name="Notes Placeholder 2"/>
+          <p:cNvSpPr>
+            <a:spLocks noGrp="1"/>
+          </p:cNvSpPr>
+          <p:nvPr>
+            <p:ph type="body" idx="1"/>
+          </p:nvPr>
+        </p:nvSpPr>
+        <p:spPr/>
+        <p:txBody>
+          <a:bodyPr/>
+          <a:lstStyle/>
+          <a:p>
+            <a:endParaRPr lang="en-US" dirty="0"/>
+          </a:p>
+        </p:txBody>
+      </p:sp>
+      <p:sp>
+        <p:nvSpPr>
+          <p:cNvPr id="4" name="Slide Number Placeholder 3"/>
+          <p:cNvSpPr>
+            <a:spLocks noGrp="1"/>
+          </p:cNvSpPr>
+          <p:nvPr>
+            <p:ph type="sldNum" sz="quarter" idx="5"/>
+          </p:nvPr>
+        </p:nvSpPr>
+        <p:spPr/>
+        <p:txBody>
+          <a:bodyPr/>
+          <a:lstStyle/>
+          <a:p>
+            <a:fld id="{7CEDCF92-708B-42BD-8680-DB4A1F579832}" type="slidenum">
+              <a:rPr lang="en-US" smtClean="0"/>
+              <a:t>8</a:t>
+            </a:fld>
+            <a:endParaRPr lang="en-US"/>
+          </a:p>
+        </p:txBody>
+      </p:sp>
+    </p:spTree>
+    <p:extLst>
+      <p:ext uri="{BB962C8B-B14F-4D97-AF65-F5344CB8AC3E}">
+        <p14:creationId xmlns:p14="http://schemas.microsoft.com/office/powerpoint/2010/main" val="689758974"/>
+      </p:ext>
+    </p:extLst>
+  </p:cSld>
+  <p:clrMapOvr>
+    <a:masterClrMapping/>
+  </p:clrMapOvr>
+</p:notes>
+</file>
+
+<file path=ppt/notesSlides/notesSlide9.xml><?xml version="1.0" encoding="utf-8"?>
+<p:notes xmlns:a="http://schemas.openxmlformats.org/drawingml/2006/main" xmlns:r="http://schemas.openxmlformats.org/officeDocument/2006/relationships" xmlns:p="http://schemas.openxmlformats.org/presentationml/2006/main">
+  <p:cSld>
+    <p:spTree>
+      <p:nvGrpSpPr>
+        <p:cNvPr id="1" name=""/>
+        <p:cNvGrpSpPr/>
+        <p:nvPr/>
+      </p:nvGrpSpPr>
+      <p:grpSpPr>
+        <a:xfrm>
+          <a:off x="0" y="0"/>
+          <a:ext cx="0" cy="0"/>
+          <a:chOff x="0" y="0"/>
+          <a:chExt cx="0" cy="0"/>
+        </a:xfrm>
+      </p:grpSpPr>
+      <p:sp>
+        <p:nvSpPr>
+          <p:cNvPr id="2" name="Slide Image Placeholder 1"/>
+          <p:cNvSpPr>
+            <a:spLocks noGrp="1" noRot="1" noChangeAspect="1"/>
+          </p:cNvSpPr>
+          <p:nvPr>
+            <p:ph type="sldImg"/>
+          </p:nvPr>
+        </p:nvSpPr>
+        <p:spPr/>
+      </p:sp>
+      <p:sp>
+        <p:nvSpPr>
+          <p:cNvPr id="3" name="Notes Placeholder 2"/>
+          <p:cNvSpPr>
+            <a:spLocks noGrp="1"/>
+          </p:cNvSpPr>
+          <p:nvPr>
+            <p:ph type="body" idx="1"/>
+          </p:nvPr>
+        </p:nvSpPr>
+        <p:spPr/>
+        <p:txBody>
+          <a:bodyPr/>
+          <a:lstStyle/>
+          <a:p>
+            <a:endParaRPr lang="en-US" dirty="0"/>
+          </a:p>
+        </p:txBody>
+      </p:sp>
+      <p:sp>
+        <p:nvSpPr>
+          <p:cNvPr id="4" name="Slide Number Placeholder 3"/>
+          <p:cNvSpPr>
+            <a:spLocks noGrp="1"/>
+          </p:cNvSpPr>
+          <p:nvPr>
+            <p:ph type="sldNum" sz="quarter" idx="5"/>
+          </p:nvPr>
+        </p:nvSpPr>
+        <p:spPr/>
+        <p:txBody>
+          <a:bodyPr/>
+          <a:lstStyle/>
+          <a:p>
+            <a:fld id="{7CEDCF92-708B-42BD-8680-DB4A1F579832}" type="slidenum">
+              <a:rPr lang="en-US" smtClean="0"/>
+              <a:t>9</a:t>
             </a:fld>
             <a:endParaRPr lang="en-US"/>
           </a:p>
@@ -5174,17 +5429,378 @@
 </p:sld>
 </file>
 
+<file path=ppt/slides/slide10.xml><?xml version="1.0" encoding="utf-8"?>
+<p:sld xmlns:a="http://schemas.openxmlformats.org/drawingml/2006/main" xmlns:r="http://schemas.openxmlformats.org/officeDocument/2006/relationships" xmlns:p="http://schemas.openxmlformats.org/presentationml/2006/main">
+  <p:cSld>
+    <p:spTree>
+      <p:nvGrpSpPr>
+        <p:cNvPr id="1" name=""/>
+        <p:cNvGrpSpPr/>
+        <p:nvPr/>
+      </p:nvGrpSpPr>
+      <p:grpSpPr>
+        <a:xfrm>
+          <a:off x="0" y="0"/>
+          <a:ext cx="0" cy="0"/>
+          <a:chOff x="0" y="0"/>
+          <a:chExt cx="0" cy="0"/>
+        </a:xfrm>
+      </p:grpSpPr>
+      <p:sp>
+        <p:nvSpPr>
+          <p:cNvPr id="19" name="Rectangle 18">
+            <a:extLst>
+              <a:ext uri="{FF2B5EF4-FFF2-40B4-BE49-F238E27FC236}">
+                <a16:creationId xmlns:a16="http://schemas.microsoft.com/office/drawing/2014/main" id="{5152D3C6-E0B3-24D4-D954-35A4DEFE5E10}"/>
+              </a:ext>
+            </a:extLst>
+          </p:cNvPr>
+          <p:cNvSpPr/>
+          <p:nvPr/>
+        </p:nvSpPr>
+        <p:spPr>
+          <a:xfrm>
+            <a:off x="0" y="0"/>
+            <a:ext cx="12192000" cy="6858000"/>
+          </a:xfrm>
+          <a:prstGeom prst="rect">
+            <a:avLst/>
+          </a:prstGeom>
+          <a:solidFill>
+            <a:srgbClr val="191414"/>
+          </a:solidFill>
+          <a:ln>
+            <a:noFill/>
+          </a:ln>
+          <a:effectLst/>
+        </p:spPr>
+        <p:style>
+          <a:lnRef idx="2">
+            <a:schemeClr val="accent1">
+              <a:shade val="50000"/>
+            </a:schemeClr>
+          </a:lnRef>
+          <a:fillRef idx="1">
+            <a:schemeClr val="accent1"/>
+          </a:fillRef>
+          <a:effectRef idx="0">
+            <a:schemeClr val="accent1"/>
+          </a:effectRef>
+          <a:fontRef idx="minor">
+            <a:schemeClr val="lt1"/>
+          </a:fontRef>
+        </p:style>
+        <p:txBody>
+          <a:bodyPr rtlCol="0" anchor="ctr"/>
+          <a:lstStyle/>
+          <a:p>
+            <a:pPr algn="ctr"/>
+            <a:endParaRPr lang="en-US">
+              <a:latin typeface="Segoe UI" panose="020B0502040204020203" pitchFamily="34" charset="0"/>
+              <a:cs typeface="Segoe UI" panose="020B0502040204020203" pitchFamily="34" charset="0"/>
+            </a:endParaRPr>
+          </a:p>
+        </p:txBody>
+      </p:sp>
+      <p:sp>
+        <p:nvSpPr>
+          <p:cNvPr id="18" name="Rectangle 17">
+            <a:extLst>
+              <a:ext uri="{FF2B5EF4-FFF2-40B4-BE49-F238E27FC236}">
+                <a16:creationId xmlns:a16="http://schemas.microsoft.com/office/drawing/2014/main" id="{83243572-ADB0-9786-69BF-FA143B8ADEB0}"/>
+              </a:ext>
+            </a:extLst>
+          </p:cNvPr>
+          <p:cNvSpPr/>
+          <p:nvPr/>
+        </p:nvSpPr>
+        <p:spPr>
+          <a:xfrm>
+            <a:off x="1" y="-1"/>
+            <a:ext cx="12191997" cy="2971801"/>
+          </a:xfrm>
+          <a:prstGeom prst="rect">
+            <a:avLst/>
+          </a:prstGeom>
+          <a:solidFill>
+            <a:srgbClr val="1DB954"/>
+          </a:solidFill>
+          <a:ln>
+            <a:noFill/>
+          </a:ln>
+          <a:effectLst>
+            <a:outerShdw blurRad="50800" dist="38100" algn="l" rotWithShape="0">
+              <a:prstClr val="black">
+                <a:alpha val="15000"/>
+              </a:prstClr>
+            </a:outerShdw>
+          </a:effectLst>
+        </p:spPr>
+        <p:style>
+          <a:lnRef idx="2">
+            <a:schemeClr val="accent1">
+              <a:shade val="50000"/>
+            </a:schemeClr>
+          </a:lnRef>
+          <a:fillRef idx="1">
+            <a:schemeClr val="accent1"/>
+          </a:fillRef>
+          <a:effectRef idx="0">
+            <a:schemeClr val="accent1"/>
+          </a:effectRef>
+          <a:fontRef idx="minor">
+            <a:schemeClr val="lt1"/>
+          </a:fontRef>
+        </p:style>
+        <p:txBody>
+          <a:bodyPr rtlCol="0" anchor="ctr"/>
+          <a:lstStyle/>
+          <a:p>
+            <a:pPr algn="ctr"/>
+            <a:endParaRPr lang="en-US">
+              <a:latin typeface="Segoe UI" panose="020B0502040204020203" pitchFamily="34" charset="0"/>
+              <a:cs typeface="Segoe UI" panose="020B0502040204020203" pitchFamily="34" charset="0"/>
+            </a:endParaRPr>
+          </a:p>
+        </p:txBody>
+      </p:sp>
+      <p:sp>
+        <p:nvSpPr>
+          <p:cNvPr id="6" name="TextBox 5">
+            <a:extLst>
+              <a:ext uri="{FF2B5EF4-FFF2-40B4-BE49-F238E27FC236}">
+                <a16:creationId xmlns:a16="http://schemas.microsoft.com/office/drawing/2014/main" id="{6BAC70E0-C964-CFF8-5D48-2F71033773EF}"/>
+              </a:ext>
+            </a:extLst>
+          </p:cNvPr>
+          <p:cNvSpPr txBox="1"/>
+          <p:nvPr/>
+        </p:nvSpPr>
+        <p:spPr>
+          <a:xfrm>
+            <a:off x="1488293" y="1143451"/>
+            <a:ext cx="6676221" cy="1446550"/>
+          </a:xfrm>
+          <a:prstGeom prst="rect">
+            <a:avLst/>
+          </a:prstGeom>
+          <a:noFill/>
+        </p:spPr>
+        <p:txBody>
+          <a:bodyPr wrap="square" rtlCol="0">
+            <a:spAutoFit/>
+          </a:bodyPr>
+          <a:lstStyle/>
+          <a:p>
+            <a:pPr>
+              <a:spcAft>
+                <a:spcPts val="300"/>
+              </a:spcAft>
+            </a:pPr>
+            <a:r>
+              <a:rPr lang="en-US" sz="8800" b="1" dirty="0">
+                <a:solidFill>
+                  <a:schemeClr val="bg1"/>
+                </a:solidFill>
+              </a:rPr>
+              <a:t>Thank You</a:t>
+            </a:r>
+            <a:endParaRPr lang="en-US" sz="7200" b="1" dirty="0">
+              <a:solidFill>
+                <a:schemeClr val="bg1"/>
+              </a:solidFill>
+            </a:endParaRPr>
+          </a:p>
+        </p:txBody>
+      </p:sp>
+      <p:sp>
+        <p:nvSpPr>
+          <p:cNvPr id="14" name="Block Arc 13">
+            <a:extLst>
+              <a:ext uri="{FF2B5EF4-FFF2-40B4-BE49-F238E27FC236}">
+                <a16:creationId xmlns:a16="http://schemas.microsoft.com/office/drawing/2014/main" id="{5452E435-748F-5185-5618-B204E7B29A98}"/>
+              </a:ext>
+            </a:extLst>
+          </p:cNvPr>
+          <p:cNvSpPr/>
+          <p:nvPr/>
+        </p:nvSpPr>
+        <p:spPr>
+          <a:xfrm rot="16200000" flipV="1">
+            <a:off x="-877483" y="34011"/>
+            <a:ext cx="1715529" cy="1715529"/>
+          </a:xfrm>
+          <a:prstGeom prst="blockArc">
+            <a:avLst>
+              <a:gd name="adj1" fmla="val 10800000"/>
+              <a:gd name="adj2" fmla="val 21551066"/>
+              <a:gd name="adj3" fmla="val 17623"/>
+            </a:avLst>
+          </a:prstGeom>
+          <a:solidFill>
+            <a:schemeClr val="bg1"/>
+          </a:solidFill>
+          <a:ln>
+            <a:noFill/>
+          </a:ln>
+        </p:spPr>
+        <p:style>
+          <a:lnRef idx="2">
+            <a:schemeClr val="accent1">
+              <a:shade val="50000"/>
+            </a:schemeClr>
+          </a:lnRef>
+          <a:fillRef idx="1">
+            <a:schemeClr val="accent1"/>
+          </a:fillRef>
+          <a:effectRef idx="0">
+            <a:schemeClr val="accent1"/>
+          </a:effectRef>
+          <a:fontRef idx="minor">
+            <a:schemeClr val="lt1"/>
+          </a:fontRef>
+        </p:style>
+        <p:txBody>
+          <a:bodyPr rtlCol="0" anchor="ctr"/>
+          <a:lstStyle/>
+          <a:p>
+            <a:pPr algn="ctr"/>
+            <a:endParaRPr lang="en-US">
+              <a:solidFill>
+                <a:schemeClr val="tx1"/>
+              </a:solidFill>
+            </a:endParaRPr>
+          </a:p>
+        </p:txBody>
+      </p:sp>
+      <p:grpSp>
+        <p:nvGrpSpPr>
+          <p:cNvPr id="35" name="Group 34">
+            <a:extLst>
+              <a:ext uri="{FF2B5EF4-FFF2-40B4-BE49-F238E27FC236}">
+                <a16:creationId xmlns:a16="http://schemas.microsoft.com/office/drawing/2014/main" id="{87CB4288-926A-9419-FD7F-F5D70D14A643}"/>
+              </a:ext>
+            </a:extLst>
+          </p:cNvPr>
+          <p:cNvGrpSpPr/>
+          <p:nvPr/>
+        </p:nvGrpSpPr>
+        <p:grpSpPr>
+          <a:xfrm>
+            <a:off x="9845350" y="2424120"/>
+            <a:ext cx="1054791" cy="1095360"/>
+            <a:chOff x="14634168" y="97431"/>
+            <a:chExt cx="1054791" cy="1095360"/>
+          </a:xfrm>
+        </p:grpSpPr>
+        <p:sp>
+          <p:nvSpPr>
+            <p:cNvPr id="12" name="Oval 11">
+              <a:extLst>
+                <a:ext uri="{FF2B5EF4-FFF2-40B4-BE49-F238E27FC236}">
+                  <a16:creationId xmlns:a16="http://schemas.microsoft.com/office/drawing/2014/main" id="{77748650-DF58-B9A5-B16F-BA92C1D473AD}"/>
+                </a:ext>
+              </a:extLst>
+            </p:cNvPr>
+            <p:cNvSpPr/>
+            <p:nvPr/>
+          </p:nvSpPr>
+          <p:spPr>
+            <a:xfrm rot="1725106">
+              <a:off x="14634168" y="97431"/>
+              <a:ext cx="1054791" cy="1095360"/>
+            </a:xfrm>
+            <a:prstGeom prst="ellipse">
+              <a:avLst/>
+            </a:prstGeom>
+            <a:solidFill>
+              <a:schemeClr val="bg1"/>
+            </a:solidFill>
+            <a:ln>
+              <a:noFill/>
+            </a:ln>
+          </p:spPr>
+          <p:style>
+            <a:lnRef idx="2">
+              <a:schemeClr val="accent1">
+                <a:shade val="50000"/>
+              </a:schemeClr>
+            </a:lnRef>
+            <a:fillRef idx="1">
+              <a:schemeClr val="accent1"/>
+            </a:fillRef>
+            <a:effectRef idx="0">
+              <a:schemeClr val="accent1"/>
+            </a:effectRef>
+            <a:fontRef idx="minor">
+              <a:schemeClr val="lt1"/>
+            </a:fontRef>
+          </p:style>
+          <p:txBody>
+            <a:bodyPr rtlCol="0" anchor="ctr"/>
+            <a:lstStyle/>
+            <a:p>
+              <a:pPr algn="ctr"/>
+              <a:endParaRPr lang="en-US"/>
+            </a:p>
+          </p:txBody>
+        </p:sp>
+        <p:pic>
+          <p:nvPicPr>
+            <p:cNvPr id="26" name="Graphic 25" descr="Record outline">
+              <a:extLst>
+                <a:ext uri="{FF2B5EF4-FFF2-40B4-BE49-F238E27FC236}">
+                  <a16:creationId xmlns:a16="http://schemas.microsoft.com/office/drawing/2014/main" id="{C59B9B5A-7784-75EC-F1EC-142DAE0F2991}"/>
+                </a:ext>
+              </a:extLst>
+            </p:cNvPr>
+            <p:cNvPicPr>
+              <a:picLocks noChangeAspect="1"/>
+            </p:cNvPicPr>
+            <p:nvPr/>
+          </p:nvPicPr>
+          <p:blipFill>
+            <a:blip r:embed="rId2">
+              <a:extLst>
+                <a:ext uri="{28A0092B-C50C-407E-A947-70E740481C1C}">
+                  <a14:useLocalDpi xmlns:a14="http://schemas.microsoft.com/office/drawing/2010/main" val="0"/>
+                </a:ext>
+                <a:ext uri="{96DAC541-7B7A-43D3-8B79-37D633B846F1}">
+                  <asvg:svgBlip xmlns:asvg="http://schemas.microsoft.com/office/drawing/2016/SVG/main" r:embed="rId3"/>
+                </a:ext>
+              </a:extLst>
+            </a:blip>
+            <a:stretch>
+              <a:fillRect/>
+            </a:stretch>
+          </p:blipFill>
+          <p:spPr>
+            <a:xfrm>
+              <a:off x="14743263" y="226811"/>
+              <a:ext cx="836601" cy="836601"/>
+            </a:xfrm>
+            <a:prstGeom prst="rect">
+              <a:avLst/>
+            </a:prstGeom>
+          </p:spPr>
+        </p:pic>
+      </p:grpSp>
+    </p:spTree>
+    <p:extLst>
+      <p:ext uri="{BB962C8B-B14F-4D97-AF65-F5344CB8AC3E}">
+        <p14:creationId xmlns:p14="http://schemas.microsoft.com/office/powerpoint/2010/main" val="3582850861"/>
+      </p:ext>
+    </p:extLst>
+  </p:cSld>
+  <p:clrMapOvr>
+    <a:masterClrMapping/>
+  </p:clrMapOvr>
+</p:sld>
+</file>
+
 <file path=ppt/slides/slide2.xml><?xml version="1.0" encoding="utf-8"?>
 <p:sld xmlns:a="http://schemas.openxmlformats.org/drawingml/2006/main" xmlns:r="http://schemas.openxmlformats.org/officeDocument/2006/relationships" xmlns:p="http://schemas.openxmlformats.org/presentationml/2006/main">
   <p:cSld>
-    <p:bg>
-      <p:bgPr>
-        <a:solidFill>
-          <a:srgbClr val="191414"/>
-        </a:solidFill>
-        <a:effectLst/>
-      </p:bgPr>
-    </p:bg>
     <p:spTree>
       <p:nvGrpSpPr>
         <p:cNvPr id="1" name=""/>
@@ -5484,6 +6100,202 @@
               </a:rPr>
               <a:t>Genres:</a:t>
             </a:r>
+            <a:endParaRPr lang="de-AT" sz="2800" dirty="0">
+              <a:solidFill>
+                <a:schemeClr val="bg1"/>
+              </a:solidFill>
+              <a:latin typeface="Söhne"/>
+            </a:endParaRPr>
+          </a:p>
+          <a:p>
+            <a:pPr marL="914400" lvl="1" indent="-457200">
+              <a:buFont typeface="Arial" panose="020B0604020202020204" pitchFamily="34" charset="0"/>
+              <a:buChar char="•"/>
+            </a:pPr>
+            <a:r>
+              <a:rPr lang="de-AT" sz="2800" dirty="0" err="1">
+                <a:solidFill>
+                  <a:schemeClr val="bg1"/>
+                </a:solidFill>
+                <a:latin typeface="Söhne"/>
+              </a:rPr>
+              <a:t>convertion</a:t>
+            </a:r>
+            <a:r>
+              <a:rPr lang="de-AT" sz="2800" dirty="0">
+                <a:solidFill>
+                  <a:schemeClr val="bg1"/>
+                </a:solidFill>
+                <a:latin typeface="Söhne"/>
+              </a:rPr>
+              <a:t> </a:t>
+            </a:r>
+            <a:r>
+              <a:rPr lang="de-AT" sz="2800" dirty="0" err="1">
+                <a:solidFill>
+                  <a:schemeClr val="bg1"/>
+                </a:solidFill>
+                <a:latin typeface="Söhne"/>
+              </a:rPr>
+              <a:t>into</a:t>
+            </a:r>
+            <a:r>
+              <a:rPr lang="de-AT" sz="2800" dirty="0">
+                <a:solidFill>
+                  <a:schemeClr val="bg1"/>
+                </a:solidFill>
+                <a:latin typeface="Söhne"/>
+              </a:rPr>
+              <a:t> </a:t>
+            </a:r>
+            <a:r>
+              <a:rPr lang="de-AT" sz="2800" dirty="0" err="1">
+                <a:solidFill>
+                  <a:schemeClr val="bg1"/>
+                </a:solidFill>
+                <a:latin typeface="Söhne"/>
+              </a:rPr>
+              <a:t>list</a:t>
+            </a:r>
+            <a:endParaRPr lang="de-AT" sz="2800" dirty="0">
+              <a:solidFill>
+                <a:schemeClr val="bg1"/>
+              </a:solidFill>
+              <a:latin typeface="Söhne"/>
+            </a:endParaRPr>
+          </a:p>
+          <a:p>
+            <a:pPr marL="914400" lvl="1" indent="-457200">
+              <a:buFont typeface="Arial" panose="020B0604020202020204" pitchFamily="34" charset="0"/>
+              <a:buChar char="•"/>
+            </a:pPr>
+            <a:r>
+              <a:rPr lang="de-AT" sz="2800" dirty="0" err="1">
+                <a:solidFill>
+                  <a:schemeClr val="bg1"/>
+                </a:solidFill>
+                <a:latin typeface="Söhne"/>
+              </a:rPr>
+              <a:t>lowercase</a:t>
+            </a:r>
+            <a:endParaRPr lang="de-AT" sz="2800" dirty="0">
+              <a:solidFill>
+                <a:schemeClr val="bg1"/>
+              </a:solidFill>
+              <a:latin typeface="Söhne"/>
+            </a:endParaRPr>
+          </a:p>
+          <a:p>
+            <a:pPr marL="914400" lvl="1" indent="-457200">
+              <a:buFont typeface="Arial" panose="020B0604020202020204" pitchFamily="34" charset="0"/>
+              <a:buChar char="•"/>
+            </a:pPr>
+            <a:r>
+              <a:rPr lang="de-AT" sz="2800" dirty="0" err="1">
+                <a:solidFill>
+                  <a:schemeClr val="bg1"/>
+                </a:solidFill>
+                <a:latin typeface="Söhne"/>
+              </a:rPr>
+              <a:t>remove</a:t>
+            </a:r>
+            <a:r>
+              <a:rPr lang="de-AT" sz="2800" dirty="0">
+                <a:solidFill>
+                  <a:schemeClr val="bg1"/>
+                </a:solidFill>
+                <a:latin typeface="Söhne"/>
+              </a:rPr>
+              <a:t> </a:t>
+            </a:r>
+            <a:r>
+              <a:rPr lang="de-AT" sz="2800" dirty="0" err="1">
+                <a:solidFill>
+                  <a:schemeClr val="bg1"/>
+                </a:solidFill>
+                <a:latin typeface="Söhne"/>
+              </a:rPr>
+              <a:t>characters</a:t>
+            </a:r>
+            <a:endParaRPr lang="de-AT" sz="2800" dirty="0">
+              <a:solidFill>
+                <a:schemeClr val="bg1"/>
+              </a:solidFill>
+              <a:latin typeface="Söhne"/>
+            </a:endParaRPr>
+          </a:p>
+          <a:p>
+            <a:pPr marL="914400" lvl="1" indent="-457200">
+              <a:buFont typeface="Arial" panose="020B0604020202020204" pitchFamily="34" charset="0"/>
+              <a:buChar char="•"/>
+            </a:pPr>
+            <a:r>
+              <a:rPr lang="de-AT" sz="2800" dirty="0" err="1">
+                <a:solidFill>
+                  <a:schemeClr val="bg1"/>
+                </a:solidFill>
+                <a:latin typeface="Söhne"/>
+              </a:rPr>
+              <a:t>Tokenization</a:t>
+            </a:r>
+            <a:endParaRPr lang="de-AT" sz="2800" dirty="0">
+              <a:solidFill>
+                <a:schemeClr val="bg1"/>
+              </a:solidFill>
+              <a:latin typeface="Söhne"/>
+            </a:endParaRPr>
+          </a:p>
+          <a:p>
+            <a:pPr marL="914400" lvl="1" indent="-457200">
+              <a:buFont typeface="Arial" panose="020B0604020202020204" pitchFamily="34" charset="0"/>
+              <a:buChar char="•"/>
+            </a:pPr>
+            <a:r>
+              <a:rPr lang="de-AT" sz="2800" dirty="0" err="1">
+                <a:solidFill>
+                  <a:schemeClr val="bg1"/>
+                </a:solidFill>
+                <a:latin typeface="Söhne"/>
+              </a:rPr>
+              <a:t>No</a:t>
+            </a:r>
+            <a:r>
+              <a:rPr lang="de-AT" sz="2800" dirty="0">
+                <a:solidFill>
+                  <a:schemeClr val="bg1"/>
+                </a:solidFill>
+                <a:latin typeface="Söhne"/>
+              </a:rPr>
+              <a:t> „classic“ </a:t>
+            </a:r>
+            <a:r>
+              <a:rPr lang="de-AT" sz="2800" dirty="0" err="1">
+                <a:solidFill>
+                  <a:schemeClr val="bg1"/>
+                </a:solidFill>
+                <a:latin typeface="Söhne"/>
+              </a:rPr>
+              <a:t>stoppwords</a:t>
+            </a:r>
+            <a:endParaRPr lang="de-AT" sz="2800" dirty="0">
+              <a:solidFill>
+                <a:schemeClr val="bg1"/>
+              </a:solidFill>
+              <a:latin typeface="Söhne"/>
+            </a:endParaRPr>
+          </a:p>
+          <a:p>
+            <a:pPr marL="914400" lvl="1" indent="-457200">
+              <a:buFont typeface="Arial" panose="020B0604020202020204" pitchFamily="34" charset="0"/>
+              <a:buChar char="•"/>
+            </a:pPr>
+            <a:endParaRPr lang="de-AT" sz="2800" b="0" dirty="0">
+              <a:solidFill>
+                <a:srgbClr val="CCCCCC"/>
+              </a:solidFill>
+              <a:effectLst/>
+              <a:latin typeface="Menlo" panose="020B0609030804020204" pitchFamily="49" charset="0"/>
+            </a:endParaRPr>
           </a:p>
           <a:p>
             <a:pPr marL="914400" lvl="1" indent="-457200">
@@ -6329,7 +7141,7 @@
     </p:spTree>
     <p:extLst>
       <p:ext uri="{BB962C8B-B14F-4D97-AF65-F5344CB8AC3E}">
-        <p14:creationId xmlns:p14="http://schemas.microsoft.com/office/powerpoint/2010/main" val="4024329133"/>
+        <p14:creationId xmlns:p14="http://schemas.microsoft.com/office/powerpoint/2010/main" val="174380101"/>
       </p:ext>
     </p:extLst>
   </p:cSld>
@@ -6400,15 +7212,115 @@
                 <a:latin typeface="Segoe UI" panose="020B0502040204020203" pitchFamily="34" charset="0"/>
                 <a:cs typeface="Segoe UI" panose="020B0502040204020203" pitchFamily="34" charset="0"/>
               </a:rPr>
+              <a:t>Preprocessing</a:t>
+            </a:r>
+            <a:r>
+              <a:rPr lang="en-US" sz="4400" b="1" dirty="0">
+                <a:solidFill>
+                  <a:schemeClr val="bg1"/>
+                </a:solidFill>
+                <a:latin typeface="Segoe UI" panose="020B0502040204020203" pitchFamily="34" charset="0"/>
+                <a:cs typeface="Segoe UI" panose="020B0502040204020203" pitchFamily="34" charset="0"/>
+              </a:rPr>
+              <a:t> Steps</a:t>
+            </a:r>
+          </a:p>
+        </p:txBody>
+      </p:sp>
+      <p:sp>
+        <p:nvSpPr>
+          <p:cNvPr id="21" name="TextBox 20">
+            <a:extLst>
+              <a:ext uri="{FF2B5EF4-FFF2-40B4-BE49-F238E27FC236}">
+                <a16:creationId xmlns:a16="http://schemas.microsoft.com/office/drawing/2014/main" id="{ED46B618-2CF9-7941-4EA2-0BAE302EE4DF}"/>
+              </a:ext>
+            </a:extLst>
+          </p:cNvPr>
+          <p:cNvSpPr txBox="1"/>
+          <p:nvPr/>
+        </p:nvSpPr>
+        <p:spPr>
+          <a:xfrm>
+            <a:off x="383220" y="1308203"/>
+            <a:ext cx="2296800" cy="366917"/>
+          </a:xfrm>
+          <a:prstGeom prst="roundRect">
+            <a:avLst/>
+          </a:prstGeom>
+          <a:gradFill>
+            <a:gsLst>
+              <a:gs pos="0">
+                <a:schemeClr val="bg1">
+                  <a:lumMod val="50000"/>
+                  <a:alpha val="45000"/>
+                </a:schemeClr>
+              </a:gs>
+              <a:gs pos="100000">
+                <a:srgbClr val="191414">
+                  <a:alpha val="25000"/>
+                </a:srgbClr>
+              </a:gs>
+            </a:gsLst>
+            <a:lin ang="4200000" scaled="0"/>
+          </a:gradFill>
+        </p:spPr>
+        <p:txBody>
+          <a:bodyPr wrap="none" lIns="684000" rtlCol="0" anchor="ctr">
+            <a:noAutofit/>
+          </a:bodyPr>
+          <a:lstStyle/>
+          <a:p>
+            <a:r>
+              <a:rPr lang="en-US" sz="1400" b="1" dirty="0">
+                <a:solidFill>
+                  <a:schemeClr val="bg1"/>
+                </a:solidFill>
+                <a:latin typeface="Segoe UI" panose="020B0502040204020203" pitchFamily="34" charset="0"/>
+                <a:cs typeface="Segoe UI" panose="020B0502040204020203" pitchFamily="34" charset="0"/>
+              </a:rPr>
+              <a:t>Preprocessing Steps</a:t>
+            </a:r>
+          </a:p>
+        </p:txBody>
+      </p:sp>
+      <p:sp>
+        <p:nvSpPr>
+          <p:cNvPr id="22" name="TextBox 21">
+            <a:extLst>
+              <a:ext uri="{FF2B5EF4-FFF2-40B4-BE49-F238E27FC236}">
+                <a16:creationId xmlns:a16="http://schemas.microsoft.com/office/drawing/2014/main" id="{29CCABAF-CABD-0DCA-146A-8DF8AA94EF98}"/>
+              </a:ext>
+            </a:extLst>
+          </p:cNvPr>
+          <p:cNvSpPr txBox="1"/>
+          <p:nvPr/>
+        </p:nvSpPr>
+        <p:spPr>
+          <a:xfrm>
+            <a:off x="383220" y="1843963"/>
+            <a:ext cx="2296800" cy="366917"/>
+          </a:xfrm>
+          <a:prstGeom prst="roundRect">
+            <a:avLst/>
+          </a:prstGeom>
+          <a:noFill/>
+        </p:spPr>
+        <p:txBody>
+          <a:bodyPr wrap="none" lIns="684000" rtlCol="0" anchor="ctr">
+            <a:noAutofit/>
+          </a:bodyPr>
+          <a:lstStyle/>
+          <a:p>
+            <a:r>
+              <a:rPr lang="en-US" sz="1400" dirty="0">
+                <a:solidFill>
+                  <a:schemeClr val="bg1"/>
+                </a:solidFill>
+                <a:latin typeface="Segoe UI" panose="020B0502040204020203" pitchFamily="34" charset="0"/>
+                <a:cs typeface="Segoe UI" panose="020B0502040204020203" pitchFamily="34" charset="0"/>
+              </a:rPr>
               <a:t>EDA</a:t>
             </a:r>
-            <a:endParaRPr lang="en-US" sz="4400" b="1" dirty="0">
-              <a:solidFill>
-                <a:schemeClr val="bg1"/>
-              </a:solidFill>
-              <a:latin typeface="Segoe UI" panose="020B0502040204020203" pitchFamily="34" charset="0"/>
-              <a:cs typeface="Segoe UI" panose="020B0502040204020203" pitchFamily="34" charset="0"/>
-            </a:endParaRPr>
           </a:p>
         </p:txBody>
       </p:sp>
@@ -6521,6 +7433,1462 @@
         </p:nvSpPr>
         <p:spPr>
           <a:xfrm>
+            <a:off x="3690898" y="1569060"/>
+            <a:ext cx="7929163" cy="4431689"/>
+          </a:xfrm>
+          <a:prstGeom prst="rect">
+            <a:avLst/>
+          </a:prstGeom>
+          <a:noFill/>
+        </p:spPr>
+        <p:txBody>
+          <a:bodyPr wrap="square" lIns="0" rIns="0" rtlCol="0" anchor="t" anchorCtr="0">
+            <a:noAutofit/>
+          </a:bodyPr>
+          <a:lstStyle/>
+          <a:p>
+            <a:pPr algn="l"/>
+            <a:r>
+              <a:rPr lang="de-AT" sz="2800" dirty="0">
+                <a:solidFill>
+                  <a:schemeClr val="bg1"/>
+                </a:solidFill>
+                <a:latin typeface="Söhne"/>
+              </a:rPr>
+              <a:t>Lyrics</a:t>
+            </a:r>
+            <a:r>
+              <a:rPr lang="de-AT" sz="2800" b="0" i="0" u="none" strike="noStrike" dirty="0">
+                <a:solidFill>
+                  <a:schemeClr val="bg1"/>
+                </a:solidFill>
+                <a:effectLst/>
+                <a:latin typeface="Söhne"/>
+              </a:rPr>
+              <a:t>:</a:t>
+            </a:r>
+          </a:p>
+          <a:p>
+            <a:pPr marL="971550" lvl="1" indent="-514350">
+              <a:buFont typeface="+mj-lt"/>
+              <a:buAutoNum type="arabicPeriod"/>
+            </a:pPr>
+            <a:r>
+              <a:rPr lang="de-AT" sz="2800" dirty="0" err="1">
+                <a:solidFill>
+                  <a:schemeClr val="bg1"/>
+                </a:solidFill>
+                <a:latin typeface="Söhne"/>
+              </a:rPr>
+              <a:t>Replace</a:t>
+            </a:r>
+            <a:r>
+              <a:rPr lang="de-AT" sz="2800" dirty="0">
+                <a:solidFill>
+                  <a:schemeClr val="bg1"/>
+                </a:solidFill>
+                <a:latin typeface="Söhne"/>
+              </a:rPr>
+              <a:t>  ‚\</a:t>
+            </a:r>
+            <a:r>
+              <a:rPr lang="de-AT" sz="2800" dirty="0" err="1">
+                <a:solidFill>
+                  <a:schemeClr val="bg1"/>
+                </a:solidFill>
+                <a:latin typeface="Söhne"/>
+              </a:rPr>
+              <a:t>r</a:t>
+            </a:r>
+            <a:r>
+              <a:rPr lang="de-AT" sz="2800" dirty="0">
+                <a:solidFill>
+                  <a:schemeClr val="bg1"/>
+                </a:solidFill>
+                <a:latin typeface="Söhne"/>
+              </a:rPr>
+              <a:t>\</a:t>
+            </a:r>
+            <a:r>
+              <a:rPr lang="de-AT" sz="2800" dirty="0" err="1">
+                <a:solidFill>
+                  <a:schemeClr val="bg1"/>
+                </a:solidFill>
+                <a:latin typeface="Söhne"/>
+              </a:rPr>
+              <a:t>n</a:t>
+            </a:r>
+            <a:r>
+              <a:rPr lang="de-AT" sz="2800" dirty="0">
+                <a:solidFill>
+                  <a:schemeClr val="bg1"/>
+                </a:solidFill>
+                <a:latin typeface="Söhne"/>
+              </a:rPr>
+              <a:t>‘ </a:t>
+            </a:r>
+            <a:r>
+              <a:rPr lang="de-AT" sz="2800" dirty="0" err="1">
+                <a:solidFill>
+                  <a:schemeClr val="bg1"/>
+                </a:solidFill>
+                <a:latin typeface="Söhne"/>
+              </a:rPr>
+              <a:t>with</a:t>
+            </a:r>
+            <a:r>
+              <a:rPr lang="de-AT" sz="2800" dirty="0">
+                <a:solidFill>
+                  <a:schemeClr val="bg1"/>
+                </a:solidFill>
+                <a:latin typeface="Söhne"/>
+              </a:rPr>
+              <a:t> </a:t>
+            </a:r>
+            <a:r>
+              <a:rPr lang="de-AT" sz="2800" dirty="0" err="1">
+                <a:solidFill>
+                  <a:schemeClr val="bg1"/>
+                </a:solidFill>
+                <a:latin typeface="Söhne"/>
+              </a:rPr>
+              <a:t>space</a:t>
+            </a:r>
+            <a:endParaRPr lang="de-AT" sz="2800" dirty="0">
+              <a:solidFill>
+                <a:schemeClr val="bg1"/>
+              </a:solidFill>
+              <a:latin typeface="Söhne"/>
+            </a:endParaRPr>
+          </a:p>
+          <a:p>
+            <a:pPr marL="971550" lvl="1" indent="-514350">
+              <a:buFont typeface="+mj-lt"/>
+              <a:buAutoNum type="arabicPeriod"/>
+            </a:pPr>
+            <a:r>
+              <a:rPr lang="de-AT" sz="2800" dirty="0" err="1">
+                <a:solidFill>
+                  <a:schemeClr val="bg1"/>
+                </a:solidFill>
+                <a:latin typeface="Söhne"/>
+              </a:rPr>
+              <a:t>Detect</a:t>
+            </a:r>
+            <a:r>
+              <a:rPr lang="de-AT" sz="2800" dirty="0">
+                <a:solidFill>
+                  <a:schemeClr val="bg1"/>
+                </a:solidFill>
+                <a:latin typeface="Söhne"/>
+              </a:rPr>
+              <a:t> </a:t>
+            </a:r>
+            <a:r>
+              <a:rPr lang="de-AT" sz="2800" dirty="0" err="1">
+                <a:solidFill>
+                  <a:schemeClr val="bg1"/>
+                </a:solidFill>
+                <a:latin typeface="Söhne"/>
+              </a:rPr>
+              <a:t>language</a:t>
+            </a:r>
+            <a:endParaRPr lang="de-AT" sz="2800" dirty="0">
+              <a:solidFill>
+                <a:schemeClr val="bg1"/>
+              </a:solidFill>
+              <a:latin typeface="Söhne"/>
+            </a:endParaRPr>
+          </a:p>
+          <a:p>
+            <a:pPr marL="971550" lvl="1" indent="-514350">
+              <a:buFont typeface="+mj-lt"/>
+              <a:buAutoNum type="arabicPeriod"/>
+            </a:pPr>
+            <a:r>
+              <a:rPr lang="de-AT" sz="2800" dirty="0" err="1">
+                <a:solidFill>
+                  <a:schemeClr val="bg1"/>
+                </a:solidFill>
+                <a:latin typeface="Söhne"/>
+              </a:rPr>
+              <a:t>Translate</a:t>
+            </a:r>
+            <a:r>
+              <a:rPr lang="de-AT" sz="2800" dirty="0">
+                <a:solidFill>
+                  <a:schemeClr val="bg1"/>
+                </a:solidFill>
+                <a:latin typeface="Söhne"/>
+              </a:rPr>
+              <a:t> </a:t>
+            </a:r>
+            <a:r>
+              <a:rPr lang="de-AT" sz="2800" dirty="0" err="1">
+                <a:solidFill>
+                  <a:schemeClr val="bg1"/>
+                </a:solidFill>
+                <a:latin typeface="Söhne"/>
+              </a:rPr>
+              <a:t>lyrics</a:t>
+            </a:r>
+            <a:r>
+              <a:rPr lang="de-AT" sz="2800" dirty="0">
+                <a:solidFill>
+                  <a:schemeClr val="bg1"/>
+                </a:solidFill>
+                <a:latin typeface="Söhne"/>
+              </a:rPr>
+              <a:t> </a:t>
+            </a:r>
+            <a:r>
+              <a:rPr lang="de-AT" sz="2800" dirty="0" err="1">
+                <a:solidFill>
+                  <a:schemeClr val="bg1"/>
+                </a:solidFill>
+                <a:latin typeface="Söhne"/>
+              </a:rPr>
+              <a:t>into</a:t>
+            </a:r>
+            <a:r>
+              <a:rPr lang="de-AT" sz="2800" dirty="0">
+                <a:solidFill>
+                  <a:schemeClr val="bg1"/>
+                </a:solidFill>
+                <a:latin typeface="Söhne"/>
+              </a:rPr>
+              <a:t> </a:t>
+            </a:r>
+            <a:r>
+              <a:rPr lang="de-AT" sz="2800" dirty="0" err="1">
+                <a:solidFill>
+                  <a:schemeClr val="bg1"/>
+                </a:solidFill>
+                <a:latin typeface="Söhne"/>
+              </a:rPr>
+              <a:t>english</a:t>
+            </a:r>
+            <a:r>
+              <a:rPr lang="de-AT" sz="2800" dirty="0">
+                <a:solidFill>
+                  <a:schemeClr val="bg1"/>
+                </a:solidFill>
+                <a:latin typeface="Söhne"/>
+              </a:rPr>
+              <a:t> (</a:t>
+            </a:r>
+            <a:r>
+              <a:rPr lang="de-AT" sz="2800" dirty="0" err="1">
+                <a:solidFill>
+                  <a:schemeClr val="bg1"/>
+                </a:solidFill>
+                <a:latin typeface="Söhne"/>
+              </a:rPr>
+              <a:t>failed</a:t>
+            </a:r>
+            <a:r>
+              <a:rPr lang="de-AT" sz="2800" dirty="0">
+                <a:solidFill>
+                  <a:schemeClr val="bg1"/>
+                </a:solidFill>
+                <a:latin typeface="Söhne"/>
+              </a:rPr>
+              <a:t> so </a:t>
+            </a:r>
+            <a:r>
+              <a:rPr lang="de-AT" sz="2800" dirty="0" err="1">
+                <a:solidFill>
+                  <a:schemeClr val="bg1"/>
+                </a:solidFill>
+                <a:latin typeface="Söhne"/>
+              </a:rPr>
+              <a:t>far</a:t>
+            </a:r>
+            <a:r>
+              <a:rPr lang="de-AT" sz="2800" dirty="0">
+                <a:solidFill>
+                  <a:schemeClr val="bg1"/>
+                </a:solidFill>
+                <a:latin typeface="Söhne"/>
+              </a:rPr>
+              <a:t> – </a:t>
+            </a:r>
+            <a:r>
+              <a:rPr lang="de-AT" sz="2800" dirty="0" err="1">
+                <a:solidFill>
+                  <a:schemeClr val="bg1"/>
+                </a:solidFill>
+                <a:latin typeface="Söhne"/>
+              </a:rPr>
+              <a:t>filter</a:t>
+            </a:r>
+            <a:r>
+              <a:rPr lang="de-AT" sz="2800" dirty="0">
+                <a:solidFill>
+                  <a:schemeClr val="bg1"/>
+                </a:solidFill>
+                <a:latin typeface="Söhne"/>
+              </a:rPr>
+              <a:t> </a:t>
+            </a:r>
+            <a:r>
+              <a:rPr lang="de-AT" sz="2800" dirty="0" err="1">
+                <a:solidFill>
+                  <a:schemeClr val="bg1"/>
+                </a:solidFill>
+                <a:latin typeface="Söhne"/>
+              </a:rPr>
+              <a:t>english</a:t>
+            </a:r>
+            <a:r>
+              <a:rPr lang="de-AT" sz="2800" dirty="0">
+                <a:solidFill>
+                  <a:schemeClr val="bg1"/>
+                </a:solidFill>
+                <a:latin typeface="Söhne"/>
+              </a:rPr>
+              <a:t> </a:t>
+            </a:r>
+            <a:r>
+              <a:rPr lang="de-AT" sz="2800" dirty="0" err="1">
+                <a:solidFill>
+                  <a:schemeClr val="bg1"/>
+                </a:solidFill>
+                <a:latin typeface="Söhne"/>
+              </a:rPr>
+              <a:t>songs</a:t>
+            </a:r>
+            <a:r>
+              <a:rPr lang="de-AT" sz="2800" dirty="0">
+                <a:solidFill>
+                  <a:schemeClr val="bg1"/>
+                </a:solidFill>
+                <a:latin typeface="Söhne"/>
+              </a:rPr>
+              <a:t>)</a:t>
+            </a:r>
+          </a:p>
+          <a:p>
+            <a:pPr marL="971550" lvl="1" indent="-514350">
+              <a:buFont typeface="+mj-lt"/>
+              <a:buAutoNum type="arabicPeriod"/>
+            </a:pPr>
+            <a:r>
+              <a:rPr lang="de-AT" sz="2800" dirty="0" err="1">
+                <a:solidFill>
+                  <a:schemeClr val="bg1"/>
+                </a:solidFill>
+                <a:latin typeface="Söhne"/>
+              </a:rPr>
+              <a:t>Lowercasing</a:t>
+            </a:r>
+            <a:endParaRPr lang="de-AT" sz="2800" dirty="0">
+              <a:solidFill>
+                <a:schemeClr val="bg1"/>
+              </a:solidFill>
+              <a:latin typeface="Söhne"/>
+            </a:endParaRPr>
+          </a:p>
+          <a:p>
+            <a:pPr marL="971550" lvl="1" indent="-514350">
+              <a:buFont typeface="+mj-lt"/>
+              <a:buAutoNum type="arabicPeriod"/>
+            </a:pPr>
+            <a:r>
+              <a:rPr lang="de-AT" sz="2800" dirty="0" err="1">
+                <a:solidFill>
+                  <a:schemeClr val="bg1"/>
+                </a:solidFill>
+                <a:latin typeface="Söhne"/>
+              </a:rPr>
+              <a:t>Tokenization</a:t>
+            </a:r>
+            <a:endParaRPr lang="de-AT" sz="2800" dirty="0">
+              <a:solidFill>
+                <a:schemeClr val="bg1"/>
+              </a:solidFill>
+              <a:latin typeface="Söhne"/>
+            </a:endParaRPr>
+          </a:p>
+          <a:p>
+            <a:pPr marL="971550" lvl="1" indent="-514350">
+              <a:buFont typeface="+mj-lt"/>
+              <a:buAutoNum type="arabicPeriod"/>
+            </a:pPr>
+            <a:r>
+              <a:rPr lang="de-AT" sz="2800" dirty="0" err="1">
+                <a:solidFill>
+                  <a:schemeClr val="bg1"/>
+                </a:solidFill>
+                <a:latin typeface="Söhne"/>
+              </a:rPr>
+              <a:t>Removing</a:t>
+            </a:r>
+            <a:r>
+              <a:rPr lang="de-AT" sz="2800" dirty="0">
+                <a:solidFill>
+                  <a:schemeClr val="bg1"/>
+                </a:solidFill>
+                <a:latin typeface="Söhne"/>
+              </a:rPr>
+              <a:t> </a:t>
+            </a:r>
+            <a:r>
+              <a:rPr lang="de-AT" sz="2800" dirty="0" err="1">
+                <a:solidFill>
+                  <a:schemeClr val="bg1"/>
+                </a:solidFill>
+                <a:latin typeface="Söhne"/>
+              </a:rPr>
+              <a:t>Stopwords</a:t>
+            </a:r>
+            <a:endParaRPr lang="de-AT" sz="2800" dirty="0">
+              <a:solidFill>
+                <a:schemeClr val="bg1"/>
+              </a:solidFill>
+              <a:latin typeface="Söhne"/>
+            </a:endParaRPr>
+          </a:p>
+          <a:p>
+            <a:pPr marL="971550" lvl="1" indent="-514350">
+              <a:buFont typeface="+mj-lt"/>
+              <a:buAutoNum type="arabicPeriod"/>
+            </a:pPr>
+            <a:endParaRPr lang="de-AT" sz="2800" dirty="0">
+              <a:solidFill>
+                <a:schemeClr val="bg1"/>
+              </a:solidFill>
+              <a:latin typeface="Söhne"/>
+            </a:endParaRPr>
+          </a:p>
+          <a:p>
+            <a:pPr marL="971550" lvl="1" indent="-514350">
+              <a:buFont typeface="+mj-lt"/>
+              <a:buAutoNum type="arabicPeriod"/>
+            </a:pPr>
+            <a:endParaRPr lang="de-AT" sz="2800" b="0" i="0" u="none" strike="noStrike" dirty="0">
+              <a:solidFill>
+                <a:schemeClr val="bg1"/>
+              </a:solidFill>
+              <a:effectLst/>
+              <a:latin typeface="Söhne"/>
+            </a:endParaRPr>
+          </a:p>
+        </p:txBody>
+      </p:sp>
+      <p:grpSp>
+        <p:nvGrpSpPr>
+          <p:cNvPr id="1036" name="Group 1035">
+            <a:extLst>
+              <a:ext uri="{FF2B5EF4-FFF2-40B4-BE49-F238E27FC236}">
+                <a16:creationId xmlns:a16="http://schemas.microsoft.com/office/drawing/2014/main" id="{74F3A740-AD9E-F587-C3FF-956880489C46}"/>
+              </a:ext>
+            </a:extLst>
+          </p:cNvPr>
+          <p:cNvGrpSpPr/>
+          <p:nvPr/>
+        </p:nvGrpSpPr>
+        <p:grpSpPr>
+          <a:xfrm>
+            <a:off x="591710" y="1393732"/>
+            <a:ext cx="258819" cy="225423"/>
+            <a:chOff x="7005638" y="3648076"/>
+            <a:chExt cx="344488" cy="300038"/>
+          </a:xfrm>
+        </p:grpSpPr>
+        <p:sp>
+          <p:nvSpPr>
+            <p:cNvPr id="1037" name="Freeform 90">
+              <a:extLst>
+                <a:ext uri="{FF2B5EF4-FFF2-40B4-BE49-F238E27FC236}">
+                  <a16:creationId xmlns:a16="http://schemas.microsoft.com/office/drawing/2014/main" id="{78C37A5C-C91B-9044-27D6-8F391B845742}"/>
+                </a:ext>
+              </a:extLst>
+            </p:cNvPr>
+            <p:cNvSpPr>
+              <a:spLocks/>
+            </p:cNvSpPr>
+            <p:nvPr/>
+          </p:nvSpPr>
+          <p:spPr bwMode="auto">
+            <a:xfrm>
+              <a:off x="7005638" y="3648076"/>
+              <a:ext cx="344488" cy="269875"/>
+            </a:xfrm>
+            <a:custGeom>
+              <a:avLst/>
+              <a:gdLst>
+                <a:gd name="T0" fmla="*/ 92 w 92"/>
+                <a:gd name="T1" fmla="*/ 66 h 72"/>
+                <a:gd name="T2" fmla="*/ 86 w 92"/>
+                <a:gd name="T3" fmla="*/ 72 h 72"/>
+                <a:gd name="T4" fmla="*/ 6 w 92"/>
+                <a:gd name="T5" fmla="*/ 72 h 72"/>
+                <a:gd name="T6" fmla="*/ 0 w 92"/>
+                <a:gd name="T7" fmla="*/ 66 h 72"/>
+                <a:gd name="T8" fmla="*/ 0 w 92"/>
+                <a:gd name="T9" fmla="*/ 6 h 72"/>
+                <a:gd name="T10" fmla="*/ 6 w 92"/>
+                <a:gd name="T11" fmla="*/ 0 h 72"/>
+                <a:gd name="T12" fmla="*/ 86 w 92"/>
+                <a:gd name="T13" fmla="*/ 0 h 72"/>
+                <a:gd name="T14" fmla="*/ 92 w 92"/>
+                <a:gd name="T15" fmla="*/ 6 h 72"/>
+                <a:gd name="T16" fmla="*/ 92 w 92"/>
+                <a:gd name="T17" fmla="*/ 66 h 72"/>
+              </a:gdLst>
+              <a:ahLst/>
+              <a:cxnLst>
+                <a:cxn ang="0">
+                  <a:pos x="T0" y="T1"/>
+                </a:cxn>
+                <a:cxn ang="0">
+                  <a:pos x="T2" y="T3"/>
+                </a:cxn>
+                <a:cxn ang="0">
+                  <a:pos x="T4" y="T5"/>
+                </a:cxn>
+                <a:cxn ang="0">
+                  <a:pos x="T6" y="T7"/>
+                </a:cxn>
+                <a:cxn ang="0">
+                  <a:pos x="T8" y="T9"/>
+                </a:cxn>
+                <a:cxn ang="0">
+                  <a:pos x="T10" y="T11"/>
+                </a:cxn>
+                <a:cxn ang="0">
+                  <a:pos x="T12" y="T13"/>
+                </a:cxn>
+                <a:cxn ang="0">
+                  <a:pos x="T14" y="T15"/>
+                </a:cxn>
+                <a:cxn ang="0">
+                  <a:pos x="T16" y="T17"/>
+                </a:cxn>
+              </a:cxnLst>
+              <a:rect l="0" t="0" r="r" b="b"/>
+              <a:pathLst>
+                <a:path w="92" h="72">
+                  <a:moveTo>
+                    <a:pt x="92" y="66"/>
+                  </a:moveTo>
+                  <a:cubicBezTo>
+                    <a:pt x="92" y="69"/>
+                    <a:pt x="89" y="72"/>
+                    <a:pt x="86" y="72"/>
+                  </a:cubicBezTo>
+                  <a:cubicBezTo>
+                    <a:pt x="6" y="72"/>
+                    <a:pt x="6" y="72"/>
+                    <a:pt x="6" y="72"/>
+                  </a:cubicBezTo>
+                  <a:cubicBezTo>
+                    <a:pt x="3" y="72"/>
+                    <a:pt x="0" y="69"/>
+                    <a:pt x="0" y="66"/>
+                  </a:cubicBezTo>
+                  <a:cubicBezTo>
+                    <a:pt x="0" y="6"/>
+                    <a:pt x="0" y="6"/>
+                    <a:pt x="0" y="6"/>
+                  </a:cubicBezTo>
+                  <a:cubicBezTo>
+                    <a:pt x="0" y="3"/>
+                    <a:pt x="3" y="0"/>
+                    <a:pt x="6" y="0"/>
+                  </a:cubicBezTo>
+                  <a:cubicBezTo>
+                    <a:pt x="86" y="0"/>
+                    <a:pt x="86" y="0"/>
+                    <a:pt x="86" y="0"/>
+                  </a:cubicBezTo>
+                  <a:cubicBezTo>
+                    <a:pt x="89" y="0"/>
+                    <a:pt x="92" y="3"/>
+                    <a:pt x="92" y="6"/>
+                  </a:cubicBezTo>
+                  <a:lnTo>
+                    <a:pt x="92" y="66"/>
+                  </a:lnTo>
+                  <a:close/>
+                </a:path>
+              </a:pathLst>
+            </a:custGeom>
+            <a:noFill/>
+            <a:ln w="9525" cap="rnd">
+              <a:solidFill>
+                <a:schemeClr val="bg1"/>
+              </a:solidFill>
+              <a:prstDash val="solid"/>
+              <a:round/>
+              <a:headEnd/>
+              <a:tailEnd/>
+            </a:ln>
+            <a:extLst>
+              <a:ext uri="{909E8E84-426E-40DD-AFC4-6F175D3DCCD1}">
+                <a14:hiddenFill xmlns:a14="http://schemas.microsoft.com/office/drawing/2010/main">
+                  <a:solidFill>
+                    <a:srgbClr val="FFFFFF"/>
+                  </a:solidFill>
+                </a14:hiddenFill>
+              </a:ext>
+            </a:extLst>
+          </p:spPr>
+          <p:txBody>
+            <a:bodyPr vert="horz" wrap="square" lIns="91440" tIns="45720" rIns="91440" bIns="45720" numCol="1" anchor="t" anchorCtr="0" compatLnSpc="1">
+              <a:prstTxWarp prst="textNoShape">
+                <a:avLst/>
+              </a:prstTxWarp>
+            </a:bodyPr>
+            <a:lstStyle/>
+            <a:p>
+              <a:endParaRPr lang="id-ID"/>
+            </a:p>
+          </p:txBody>
+        </p:sp>
+        <p:sp>
+          <p:nvSpPr>
+            <p:cNvPr id="1038" name="Line 91">
+              <a:extLst>
+                <a:ext uri="{FF2B5EF4-FFF2-40B4-BE49-F238E27FC236}">
+                  <a16:creationId xmlns:a16="http://schemas.microsoft.com/office/drawing/2014/main" id="{D85A1BE9-60DB-F019-DD69-44D7B439019C}"/>
+                </a:ext>
+              </a:extLst>
+            </p:cNvPr>
+            <p:cNvSpPr>
+              <a:spLocks noChangeShapeType="1"/>
+            </p:cNvSpPr>
+            <p:nvPr/>
+          </p:nvSpPr>
+          <p:spPr bwMode="auto">
+            <a:xfrm>
+              <a:off x="7072313" y="3948113"/>
+              <a:ext cx="211138" cy="0"/>
+            </a:xfrm>
+            <a:prstGeom prst="line">
+              <a:avLst/>
+            </a:prstGeom>
+            <a:noFill/>
+            <a:ln w="9525" cap="rnd">
+              <a:solidFill>
+                <a:schemeClr val="bg1"/>
+              </a:solidFill>
+              <a:prstDash val="solid"/>
+              <a:round/>
+              <a:headEnd/>
+              <a:tailEnd/>
+            </a:ln>
+            <a:extLst>
+              <a:ext uri="{909E8E84-426E-40DD-AFC4-6F175D3DCCD1}">
+                <a14:hiddenFill xmlns:a14="http://schemas.microsoft.com/office/drawing/2010/main">
+                  <a:noFill/>
+                </a14:hiddenFill>
+              </a:ext>
+            </a:extLst>
+          </p:spPr>
+          <p:txBody>
+            <a:bodyPr vert="horz" wrap="square" lIns="91440" tIns="45720" rIns="91440" bIns="45720" numCol="1" anchor="t" anchorCtr="0" compatLnSpc="1">
+              <a:prstTxWarp prst="textNoShape">
+                <a:avLst/>
+              </a:prstTxWarp>
+            </a:bodyPr>
+            <a:lstStyle/>
+            <a:p>
+              <a:endParaRPr lang="id-ID"/>
+            </a:p>
+          </p:txBody>
+        </p:sp>
+        <p:sp>
+          <p:nvSpPr>
+            <p:cNvPr id="1039" name="Line 92">
+              <a:extLst>
+                <a:ext uri="{FF2B5EF4-FFF2-40B4-BE49-F238E27FC236}">
+                  <a16:creationId xmlns:a16="http://schemas.microsoft.com/office/drawing/2014/main" id="{E958D838-16E4-F50B-23BF-CD6D45A75785}"/>
+                </a:ext>
+              </a:extLst>
+            </p:cNvPr>
+            <p:cNvSpPr>
+              <a:spLocks noChangeShapeType="1"/>
+            </p:cNvSpPr>
+            <p:nvPr/>
+          </p:nvSpPr>
+          <p:spPr bwMode="auto">
+            <a:xfrm>
+              <a:off x="7178676" y="3917951"/>
+              <a:ext cx="0" cy="30163"/>
+            </a:xfrm>
+            <a:prstGeom prst="line">
+              <a:avLst/>
+            </a:prstGeom>
+            <a:noFill/>
+            <a:ln w="9525" cap="rnd">
+              <a:solidFill>
+                <a:schemeClr val="bg1"/>
+              </a:solidFill>
+              <a:prstDash val="solid"/>
+              <a:round/>
+              <a:headEnd/>
+              <a:tailEnd/>
+            </a:ln>
+            <a:extLst>
+              <a:ext uri="{909E8E84-426E-40DD-AFC4-6F175D3DCCD1}">
+                <a14:hiddenFill xmlns:a14="http://schemas.microsoft.com/office/drawing/2010/main">
+                  <a:noFill/>
+                </a14:hiddenFill>
+              </a:ext>
+            </a:extLst>
+          </p:spPr>
+          <p:txBody>
+            <a:bodyPr vert="horz" wrap="square" lIns="91440" tIns="45720" rIns="91440" bIns="45720" numCol="1" anchor="t" anchorCtr="0" compatLnSpc="1">
+              <a:prstTxWarp prst="textNoShape">
+                <a:avLst/>
+              </a:prstTxWarp>
+            </a:bodyPr>
+            <a:lstStyle/>
+            <a:p>
+              <a:endParaRPr lang="id-ID"/>
+            </a:p>
+          </p:txBody>
+        </p:sp>
+        <p:sp>
+          <p:nvSpPr>
+            <p:cNvPr id="1040" name="Oval 93">
+              <a:extLst>
+                <a:ext uri="{FF2B5EF4-FFF2-40B4-BE49-F238E27FC236}">
+                  <a16:creationId xmlns:a16="http://schemas.microsoft.com/office/drawing/2014/main" id="{6959AF5A-8014-EB78-8EEA-A82DD80D00FA}"/>
+                </a:ext>
+              </a:extLst>
+            </p:cNvPr>
+            <p:cNvSpPr>
+              <a:spLocks noChangeArrowheads="1"/>
+            </p:cNvSpPr>
+            <p:nvPr/>
+          </p:nvSpPr>
+          <p:spPr bwMode="auto">
+            <a:xfrm>
+              <a:off x="7170738" y="3881438"/>
+              <a:ext cx="14288" cy="14288"/>
+            </a:xfrm>
+            <a:prstGeom prst="ellipse">
+              <a:avLst/>
+            </a:prstGeom>
+            <a:noFill/>
+            <a:ln w="9525" cap="flat">
+              <a:solidFill>
+                <a:schemeClr val="bg1"/>
+              </a:solidFill>
+              <a:prstDash val="solid"/>
+              <a:round/>
+              <a:headEnd/>
+              <a:tailEnd/>
+            </a:ln>
+            <a:extLst>
+              <a:ext uri="{909E8E84-426E-40DD-AFC4-6F175D3DCCD1}">
+                <a14:hiddenFill xmlns:a14="http://schemas.microsoft.com/office/drawing/2010/main">
+                  <a:solidFill>
+                    <a:srgbClr val="FFFFFF"/>
+                  </a:solidFill>
+                </a14:hiddenFill>
+              </a:ext>
+            </a:extLst>
+          </p:spPr>
+          <p:txBody>
+            <a:bodyPr vert="horz" wrap="square" lIns="91440" tIns="45720" rIns="91440" bIns="45720" numCol="1" anchor="t" anchorCtr="0" compatLnSpc="1">
+              <a:prstTxWarp prst="textNoShape">
+                <a:avLst/>
+              </a:prstTxWarp>
+            </a:bodyPr>
+            <a:lstStyle/>
+            <a:p>
+              <a:endParaRPr lang="id-ID"/>
+            </a:p>
+          </p:txBody>
+        </p:sp>
+        <p:sp>
+          <p:nvSpPr>
+            <p:cNvPr id="1041" name="Line 94">
+              <a:extLst>
+                <a:ext uri="{FF2B5EF4-FFF2-40B4-BE49-F238E27FC236}">
+                  <a16:creationId xmlns:a16="http://schemas.microsoft.com/office/drawing/2014/main" id="{A5EAEB2C-1728-5B92-187E-D54C3F2551DD}"/>
+                </a:ext>
+              </a:extLst>
+            </p:cNvPr>
+            <p:cNvSpPr>
+              <a:spLocks noChangeShapeType="1"/>
+            </p:cNvSpPr>
+            <p:nvPr/>
+          </p:nvSpPr>
+          <p:spPr bwMode="auto">
+            <a:xfrm>
+              <a:off x="7005638" y="3857626"/>
+              <a:ext cx="344488" cy="0"/>
+            </a:xfrm>
+            <a:prstGeom prst="line">
+              <a:avLst/>
+            </a:prstGeom>
+            <a:noFill/>
+            <a:ln w="9525" cap="flat">
+              <a:solidFill>
+                <a:schemeClr val="bg1"/>
+              </a:solidFill>
+              <a:prstDash val="solid"/>
+              <a:round/>
+              <a:headEnd/>
+              <a:tailEnd/>
+            </a:ln>
+            <a:extLst>
+              <a:ext uri="{909E8E84-426E-40DD-AFC4-6F175D3DCCD1}">
+                <a14:hiddenFill xmlns:a14="http://schemas.microsoft.com/office/drawing/2010/main">
+                  <a:noFill/>
+                </a14:hiddenFill>
+              </a:ext>
+            </a:extLst>
+          </p:spPr>
+          <p:txBody>
+            <a:bodyPr vert="horz" wrap="square" lIns="91440" tIns="45720" rIns="91440" bIns="45720" numCol="1" anchor="t" anchorCtr="0" compatLnSpc="1">
+              <a:prstTxWarp prst="textNoShape">
+                <a:avLst/>
+              </a:prstTxWarp>
+            </a:bodyPr>
+            <a:lstStyle/>
+            <a:p>
+              <a:endParaRPr lang="id-ID"/>
+            </a:p>
+          </p:txBody>
+        </p:sp>
+        <p:sp>
+          <p:nvSpPr>
+            <p:cNvPr id="1042" name="Freeform 95">
+              <a:extLst>
+                <a:ext uri="{FF2B5EF4-FFF2-40B4-BE49-F238E27FC236}">
+                  <a16:creationId xmlns:a16="http://schemas.microsoft.com/office/drawing/2014/main" id="{7E997864-CC9D-D8DD-EE44-D04B09CB787A}"/>
+                </a:ext>
+              </a:extLst>
+            </p:cNvPr>
+            <p:cNvSpPr>
+              <a:spLocks/>
+            </p:cNvSpPr>
+            <p:nvPr/>
+          </p:nvSpPr>
+          <p:spPr bwMode="auto">
+            <a:xfrm>
+              <a:off x="7140576" y="3703638"/>
+              <a:ext cx="82550" cy="101600"/>
+            </a:xfrm>
+            <a:custGeom>
+              <a:avLst/>
+              <a:gdLst>
+                <a:gd name="T0" fmla="*/ 0 w 52"/>
+                <a:gd name="T1" fmla="*/ 0 h 64"/>
+                <a:gd name="T2" fmla="*/ 0 w 52"/>
+                <a:gd name="T3" fmla="*/ 64 h 64"/>
+                <a:gd name="T4" fmla="*/ 52 w 52"/>
+                <a:gd name="T5" fmla="*/ 33 h 64"/>
+                <a:gd name="T6" fmla="*/ 0 w 52"/>
+                <a:gd name="T7" fmla="*/ 0 h 64"/>
+              </a:gdLst>
+              <a:ahLst/>
+              <a:cxnLst>
+                <a:cxn ang="0">
+                  <a:pos x="T0" y="T1"/>
+                </a:cxn>
+                <a:cxn ang="0">
+                  <a:pos x="T2" y="T3"/>
+                </a:cxn>
+                <a:cxn ang="0">
+                  <a:pos x="T4" y="T5"/>
+                </a:cxn>
+                <a:cxn ang="0">
+                  <a:pos x="T6" y="T7"/>
+                </a:cxn>
+              </a:cxnLst>
+              <a:rect l="0" t="0" r="r" b="b"/>
+              <a:pathLst>
+                <a:path w="52" h="64">
+                  <a:moveTo>
+                    <a:pt x="0" y="0"/>
+                  </a:moveTo>
+                  <a:lnTo>
+                    <a:pt x="0" y="64"/>
+                  </a:lnTo>
+                  <a:lnTo>
+                    <a:pt x="52" y="33"/>
+                  </a:lnTo>
+                  <a:lnTo>
+                    <a:pt x="0" y="0"/>
+                  </a:lnTo>
+                  <a:close/>
+                </a:path>
+              </a:pathLst>
+            </a:custGeom>
+            <a:noFill/>
+            <a:ln w="9525" cap="flat">
+              <a:solidFill>
+                <a:schemeClr val="bg1"/>
+              </a:solidFill>
+              <a:prstDash val="solid"/>
+              <a:round/>
+              <a:headEnd/>
+              <a:tailEnd/>
+            </a:ln>
+            <a:extLst>
+              <a:ext uri="{909E8E84-426E-40DD-AFC4-6F175D3DCCD1}">
+                <a14:hiddenFill xmlns:a14="http://schemas.microsoft.com/office/drawing/2010/main">
+                  <a:solidFill>
+                    <a:srgbClr val="FFFFFF"/>
+                  </a:solidFill>
+                </a14:hiddenFill>
+              </a:ext>
+            </a:extLst>
+          </p:spPr>
+          <p:txBody>
+            <a:bodyPr vert="horz" wrap="square" lIns="91440" tIns="45720" rIns="91440" bIns="45720" numCol="1" anchor="t" anchorCtr="0" compatLnSpc="1">
+              <a:prstTxWarp prst="textNoShape">
+                <a:avLst/>
+              </a:prstTxWarp>
+            </a:bodyPr>
+            <a:lstStyle/>
+            <a:p>
+              <a:endParaRPr lang="id-ID"/>
+            </a:p>
+          </p:txBody>
+        </p:sp>
+      </p:grpSp>
+      <p:grpSp>
+        <p:nvGrpSpPr>
+          <p:cNvPr id="2" name="Group 1">
+            <a:extLst>
+              <a:ext uri="{FF2B5EF4-FFF2-40B4-BE49-F238E27FC236}">
+                <a16:creationId xmlns:a16="http://schemas.microsoft.com/office/drawing/2014/main" id="{CBDBC168-5E83-5A26-1807-D17A43DDA94D}"/>
+              </a:ext>
+            </a:extLst>
+          </p:cNvPr>
+          <p:cNvGrpSpPr>
+            <a:grpSpLocks noChangeAspect="1"/>
+          </p:cNvGrpSpPr>
+          <p:nvPr/>
+        </p:nvGrpSpPr>
+        <p:grpSpPr>
+          <a:xfrm>
+            <a:off x="602808" y="1919421"/>
+            <a:ext cx="236623" cy="216000"/>
+            <a:chOff x="3398838" y="5076826"/>
+            <a:chExt cx="346075" cy="315913"/>
+          </a:xfrm>
+        </p:grpSpPr>
+        <p:sp>
+          <p:nvSpPr>
+            <p:cNvPr id="4" name="Rectangle 80">
+              <a:extLst>
+                <a:ext uri="{FF2B5EF4-FFF2-40B4-BE49-F238E27FC236}">
+                  <a16:creationId xmlns:a16="http://schemas.microsoft.com/office/drawing/2014/main" id="{3F517093-719C-FCD0-64BC-E827197D9EEC}"/>
+                </a:ext>
+              </a:extLst>
+            </p:cNvPr>
+            <p:cNvSpPr>
+              <a:spLocks noChangeArrowheads="1"/>
+            </p:cNvSpPr>
+            <p:nvPr/>
+          </p:nvSpPr>
+          <p:spPr bwMode="auto">
+            <a:xfrm>
+              <a:off x="3519488" y="5076826"/>
+              <a:ext cx="225425" cy="74613"/>
+            </a:xfrm>
+            <a:prstGeom prst="rect">
+              <a:avLst/>
+            </a:prstGeom>
+            <a:noFill/>
+            <a:ln w="12700" cap="rnd">
+              <a:solidFill>
+                <a:schemeClr val="bg1"/>
+              </a:solidFill>
+              <a:prstDash val="solid"/>
+              <a:round/>
+              <a:headEnd/>
+              <a:tailEnd/>
+            </a:ln>
+            <a:extLst>
+              <a:ext uri="{909E8E84-426E-40DD-AFC4-6F175D3DCCD1}">
+                <a14:hiddenFill xmlns:a14="http://schemas.microsoft.com/office/drawing/2010/main">
+                  <a:solidFill>
+                    <a:srgbClr val="FFFFFF"/>
+                  </a:solidFill>
+                </a14:hiddenFill>
+              </a:ext>
+            </a:extLst>
+          </p:spPr>
+          <p:txBody>
+            <a:bodyPr vert="horz" wrap="square" lIns="91440" tIns="45720" rIns="91440" bIns="45720" numCol="1" anchor="t" anchorCtr="0" compatLnSpc="1">
+              <a:prstTxWarp prst="textNoShape">
+                <a:avLst/>
+              </a:prstTxWarp>
+            </a:bodyPr>
+            <a:lstStyle/>
+            <a:p>
+              <a:endParaRPr lang="id-ID"/>
+            </a:p>
+          </p:txBody>
+        </p:sp>
+        <p:sp>
+          <p:nvSpPr>
+            <p:cNvPr id="5" name="Rectangle 81">
+              <a:extLst>
+                <a:ext uri="{FF2B5EF4-FFF2-40B4-BE49-F238E27FC236}">
+                  <a16:creationId xmlns:a16="http://schemas.microsoft.com/office/drawing/2014/main" id="{F23C2109-496B-3C7B-5FE8-EDC05FBE882C}"/>
+                </a:ext>
+              </a:extLst>
+            </p:cNvPr>
+            <p:cNvSpPr>
+              <a:spLocks noChangeArrowheads="1"/>
+            </p:cNvSpPr>
+            <p:nvPr/>
+          </p:nvSpPr>
+          <p:spPr bwMode="auto">
+            <a:xfrm>
+              <a:off x="3519488" y="5197476"/>
+              <a:ext cx="225425" cy="74613"/>
+            </a:xfrm>
+            <a:prstGeom prst="rect">
+              <a:avLst/>
+            </a:prstGeom>
+            <a:noFill/>
+            <a:ln w="12700" cap="rnd">
+              <a:solidFill>
+                <a:schemeClr val="bg1"/>
+              </a:solidFill>
+              <a:prstDash val="solid"/>
+              <a:round/>
+              <a:headEnd/>
+              <a:tailEnd/>
+            </a:ln>
+            <a:extLst>
+              <a:ext uri="{909E8E84-426E-40DD-AFC4-6F175D3DCCD1}">
+                <a14:hiddenFill xmlns:a14="http://schemas.microsoft.com/office/drawing/2010/main">
+                  <a:solidFill>
+                    <a:srgbClr val="FFFFFF"/>
+                  </a:solidFill>
+                </a14:hiddenFill>
+              </a:ext>
+            </a:extLst>
+          </p:spPr>
+          <p:txBody>
+            <a:bodyPr vert="horz" wrap="square" lIns="91440" tIns="45720" rIns="91440" bIns="45720" numCol="1" anchor="t" anchorCtr="0" compatLnSpc="1">
+              <a:prstTxWarp prst="textNoShape">
+                <a:avLst/>
+              </a:prstTxWarp>
+            </a:bodyPr>
+            <a:lstStyle/>
+            <a:p>
+              <a:endParaRPr lang="id-ID"/>
+            </a:p>
+          </p:txBody>
+        </p:sp>
+        <p:sp>
+          <p:nvSpPr>
+            <p:cNvPr id="6" name="Rectangle 82">
+              <a:extLst>
+                <a:ext uri="{FF2B5EF4-FFF2-40B4-BE49-F238E27FC236}">
+                  <a16:creationId xmlns:a16="http://schemas.microsoft.com/office/drawing/2014/main" id="{700C700D-F062-129E-AA5C-1B5835903468}"/>
+                </a:ext>
+              </a:extLst>
+            </p:cNvPr>
+            <p:cNvSpPr>
+              <a:spLocks noChangeArrowheads="1"/>
+            </p:cNvSpPr>
+            <p:nvPr/>
+          </p:nvSpPr>
+          <p:spPr bwMode="auto">
+            <a:xfrm>
+              <a:off x="3519488" y="5316539"/>
+              <a:ext cx="225425" cy="76200"/>
+            </a:xfrm>
+            <a:prstGeom prst="rect">
+              <a:avLst/>
+            </a:prstGeom>
+            <a:noFill/>
+            <a:ln w="12700" cap="rnd">
+              <a:solidFill>
+                <a:schemeClr val="bg1"/>
+              </a:solidFill>
+              <a:prstDash val="solid"/>
+              <a:round/>
+              <a:headEnd/>
+              <a:tailEnd/>
+            </a:ln>
+            <a:extLst>
+              <a:ext uri="{909E8E84-426E-40DD-AFC4-6F175D3DCCD1}">
+                <a14:hiddenFill xmlns:a14="http://schemas.microsoft.com/office/drawing/2010/main">
+                  <a:solidFill>
+                    <a:srgbClr val="FFFFFF"/>
+                  </a:solidFill>
+                </a14:hiddenFill>
+              </a:ext>
+            </a:extLst>
+          </p:spPr>
+          <p:txBody>
+            <a:bodyPr vert="horz" wrap="square" lIns="91440" tIns="45720" rIns="91440" bIns="45720" numCol="1" anchor="t" anchorCtr="0" compatLnSpc="1">
+              <a:prstTxWarp prst="textNoShape">
+                <a:avLst/>
+              </a:prstTxWarp>
+            </a:bodyPr>
+            <a:lstStyle/>
+            <a:p>
+              <a:endParaRPr lang="id-ID"/>
+            </a:p>
+          </p:txBody>
+        </p:sp>
+        <p:sp>
+          <p:nvSpPr>
+            <p:cNvPr id="7" name="Rectangle 83">
+              <a:extLst>
+                <a:ext uri="{FF2B5EF4-FFF2-40B4-BE49-F238E27FC236}">
+                  <a16:creationId xmlns:a16="http://schemas.microsoft.com/office/drawing/2014/main" id="{138246D0-38CB-78DF-4534-BDF97510D6BB}"/>
+                </a:ext>
+              </a:extLst>
+            </p:cNvPr>
+            <p:cNvSpPr>
+              <a:spLocks noChangeArrowheads="1"/>
+            </p:cNvSpPr>
+            <p:nvPr/>
+          </p:nvSpPr>
+          <p:spPr bwMode="auto">
+            <a:xfrm>
+              <a:off x="3398838" y="5076826"/>
+              <a:ext cx="74613" cy="74613"/>
+            </a:xfrm>
+            <a:prstGeom prst="rect">
+              <a:avLst/>
+            </a:prstGeom>
+            <a:noFill/>
+            <a:ln w="12700" cap="rnd">
+              <a:solidFill>
+                <a:schemeClr val="bg1"/>
+              </a:solidFill>
+              <a:prstDash val="solid"/>
+              <a:round/>
+              <a:headEnd/>
+              <a:tailEnd/>
+            </a:ln>
+            <a:extLst>
+              <a:ext uri="{909E8E84-426E-40DD-AFC4-6F175D3DCCD1}">
+                <a14:hiddenFill xmlns:a14="http://schemas.microsoft.com/office/drawing/2010/main">
+                  <a:solidFill>
+                    <a:srgbClr val="FFFFFF"/>
+                  </a:solidFill>
+                </a14:hiddenFill>
+              </a:ext>
+            </a:extLst>
+          </p:spPr>
+          <p:txBody>
+            <a:bodyPr vert="horz" wrap="square" lIns="91440" tIns="45720" rIns="91440" bIns="45720" numCol="1" anchor="t" anchorCtr="0" compatLnSpc="1">
+              <a:prstTxWarp prst="textNoShape">
+                <a:avLst/>
+              </a:prstTxWarp>
+            </a:bodyPr>
+            <a:lstStyle/>
+            <a:p>
+              <a:endParaRPr lang="id-ID"/>
+            </a:p>
+          </p:txBody>
+        </p:sp>
+        <p:sp>
+          <p:nvSpPr>
+            <p:cNvPr id="8" name="Rectangle 84">
+              <a:extLst>
+                <a:ext uri="{FF2B5EF4-FFF2-40B4-BE49-F238E27FC236}">
+                  <a16:creationId xmlns:a16="http://schemas.microsoft.com/office/drawing/2014/main" id="{B85A494E-E948-3963-AB4A-3D367E28AE1F}"/>
+                </a:ext>
+              </a:extLst>
+            </p:cNvPr>
+            <p:cNvSpPr>
+              <a:spLocks noChangeArrowheads="1"/>
+            </p:cNvSpPr>
+            <p:nvPr/>
+          </p:nvSpPr>
+          <p:spPr bwMode="auto">
+            <a:xfrm>
+              <a:off x="3398838" y="5197476"/>
+              <a:ext cx="74613" cy="74613"/>
+            </a:xfrm>
+            <a:prstGeom prst="rect">
+              <a:avLst/>
+            </a:prstGeom>
+            <a:noFill/>
+            <a:ln w="12700" cap="rnd">
+              <a:solidFill>
+                <a:schemeClr val="bg1"/>
+              </a:solidFill>
+              <a:prstDash val="solid"/>
+              <a:round/>
+              <a:headEnd/>
+              <a:tailEnd/>
+            </a:ln>
+            <a:extLst>
+              <a:ext uri="{909E8E84-426E-40DD-AFC4-6F175D3DCCD1}">
+                <a14:hiddenFill xmlns:a14="http://schemas.microsoft.com/office/drawing/2010/main">
+                  <a:solidFill>
+                    <a:srgbClr val="FFFFFF"/>
+                  </a:solidFill>
+                </a14:hiddenFill>
+              </a:ext>
+            </a:extLst>
+          </p:spPr>
+          <p:txBody>
+            <a:bodyPr vert="horz" wrap="square" lIns="91440" tIns="45720" rIns="91440" bIns="45720" numCol="1" anchor="t" anchorCtr="0" compatLnSpc="1">
+              <a:prstTxWarp prst="textNoShape">
+                <a:avLst/>
+              </a:prstTxWarp>
+            </a:bodyPr>
+            <a:lstStyle/>
+            <a:p>
+              <a:endParaRPr lang="id-ID"/>
+            </a:p>
+          </p:txBody>
+        </p:sp>
+        <p:sp>
+          <p:nvSpPr>
+            <p:cNvPr id="9" name="Rectangle 85">
+              <a:extLst>
+                <a:ext uri="{FF2B5EF4-FFF2-40B4-BE49-F238E27FC236}">
+                  <a16:creationId xmlns:a16="http://schemas.microsoft.com/office/drawing/2014/main" id="{C5E7F8FF-6801-F903-4275-FB0B3ADE89FF}"/>
+                </a:ext>
+              </a:extLst>
+            </p:cNvPr>
+            <p:cNvSpPr>
+              <a:spLocks noChangeArrowheads="1"/>
+            </p:cNvSpPr>
+            <p:nvPr/>
+          </p:nvSpPr>
+          <p:spPr bwMode="auto">
+            <a:xfrm>
+              <a:off x="3398838" y="5316539"/>
+              <a:ext cx="74613" cy="76200"/>
+            </a:xfrm>
+            <a:prstGeom prst="rect">
+              <a:avLst/>
+            </a:prstGeom>
+            <a:noFill/>
+            <a:ln w="12700" cap="rnd">
+              <a:solidFill>
+                <a:schemeClr val="bg1"/>
+              </a:solidFill>
+              <a:prstDash val="solid"/>
+              <a:round/>
+              <a:headEnd/>
+              <a:tailEnd/>
+            </a:ln>
+            <a:extLst>
+              <a:ext uri="{909E8E84-426E-40DD-AFC4-6F175D3DCCD1}">
+                <a14:hiddenFill xmlns:a14="http://schemas.microsoft.com/office/drawing/2010/main">
+                  <a:solidFill>
+                    <a:srgbClr val="FFFFFF"/>
+                  </a:solidFill>
+                </a14:hiddenFill>
+              </a:ext>
+            </a:extLst>
+          </p:spPr>
+          <p:txBody>
+            <a:bodyPr vert="horz" wrap="square" lIns="91440" tIns="45720" rIns="91440" bIns="45720" numCol="1" anchor="t" anchorCtr="0" compatLnSpc="1">
+              <a:prstTxWarp prst="textNoShape">
+                <a:avLst/>
+              </a:prstTxWarp>
+            </a:bodyPr>
+            <a:lstStyle/>
+            <a:p>
+              <a:endParaRPr lang="id-ID"/>
+            </a:p>
+          </p:txBody>
+        </p:sp>
+      </p:grpSp>
+    </p:spTree>
+    <p:extLst>
+      <p:ext uri="{BB962C8B-B14F-4D97-AF65-F5344CB8AC3E}">
+        <p14:creationId xmlns:p14="http://schemas.microsoft.com/office/powerpoint/2010/main" val="848634955"/>
+      </p:ext>
+    </p:extLst>
+  </p:cSld>
+  <p:clrMapOvr>
+    <a:masterClrMapping/>
+  </p:clrMapOvr>
+</p:sld>
+</file>
+
+<file path=ppt/slides/slide4.xml><?xml version="1.0" encoding="utf-8"?>
+<p:sld xmlns:a="http://schemas.openxmlformats.org/drawingml/2006/main" xmlns:r="http://schemas.openxmlformats.org/officeDocument/2006/relationships" xmlns:p="http://schemas.openxmlformats.org/presentationml/2006/main">
+  <p:cSld>
+    <p:spTree>
+      <p:nvGrpSpPr>
+        <p:cNvPr id="1" name=""/>
+        <p:cNvGrpSpPr/>
+        <p:nvPr/>
+      </p:nvGrpSpPr>
+      <p:grpSpPr>
+        <a:xfrm>
+          <a:off x="0" y="0"/>
+          <a:ext cx="0" cy="0"/>
+          <a:chOff x="0" y="0"/>
+          <a:chExt cx="0" cy="0"/>
+        </a:xfrm>
+      </p:grpSpPr>
+      <p:sp>
+        <p:nvSpPr>
+          <p:cNvPr id="18" name="TextBox 17">
+            <a:extLst>
+              <a:ext uri="{FF2B5EF4-FFF2-40B4-BE49-F238E27FC236}">
+                <a16:creationId xmlns:a16="http://schemas.microsoft.com/office/drawing/2014/main" id="{355AC3A1-175C-0DC3-DBAF-F626A9F3780A}"/>
+              </a:ext>
+            </a:extLst>
+          </p:cNvPr>
+          <p:cNvSpPr txBox="1"/>
+          <p:nvPr/>
+        </p:nvSpPr>
+        <p:spPr>
+          <a:xfrm>
+            <a:off x="3474402" y="388280"/>
+            <a:ext cx="7841298" cy="769441"/>
+          </a:xfrm>
+          <a:prstGeom prst="rect">
+            <a:avLst/>
+          </a:prstGeom>
+          <a:noFill/>
+        </p:spPr>
+        <p:txBody>
+          <a:bodyPr wrap="square" rtlCol="0">
+            <a:spAutoFit/>
+          </a:bodyPr>
+          <a:lstStyle/>
+          <a:p>
+            <a:r>
+              <a:rPr lang="en-US" sz="4400" b="1" dirty="0">
+                <a:solidFill>
+                  <a:srgbClr val="1DB954"/>
+                </a:solidFill>
+                <a:latin typeface="Segoe UI" panose="020B0502040204020203" pitchFamily="34" charset="0"/>
+                <a:cs typeface="Segoe UI" panose="020B0502040204020203" pitchFamily="34" charset="0"/>
+              </a:rPr>
+              <a:t>EDA</a:t>
+            </a:r>
+            <a:endParaRPr lang="en-US" sz="4400" b="1" dirty="0">
+              <a:solidFill>
+                <a:schemeClr val="bg1"/>
+              </a:solidFill>
+              <a:latin typeface="Segoe UI" panose="020B0502040204020203" pitchFamily="34" charset="0"/>
+              <a:cs typeface="Segoe UI" panose="020B0502040204020203" pitchFamily="34" charset="0"/>
+            </a:endParaRPr>
+          </a:p>
+        </p:txBody>
+      </p:sp>
+      <p:sp>
+        <p:nvSpPr>
+          <p:cNvPr id="42" name="Rectangle: Rounded Corners 41">
+            <a:extLst>
+              <a:ext uri="{FF2B5EF4-FFF2-40B4-BE49-F238E27FC236}">
+                <a16:creationId xmlns:a16="http://schemas.microsoft.com/office/drawing/2014/main" id="{2D323B2B-1A46-4DE2-23B4-AE05B947C523}"/>
+              </a:ext>
+            </a:extLst>
+          </p:cNvPr>
+          <p:cNvSpPr/>
+          <p:nvPr/>
+        </p:nvSpPr>
+        <p:spPr>
+          <a:xfrm>
+            <a:off x="3428683" y="1367642"/>
+            <a:ext cx="8382635" cy="4756908"/>
+          </a:xfrm>
+          <a:prstGeom prst="roundRect">
+            <a:avLst>
+              <a:gd name="adj" fmla="val 7408"/>
+            </a:avLst>
+          </a:prstGeom>
+          <a:solidFill>
+            <a:srgbClr val="0A0A0B"/>
+          </a:solidFill>
+          <a:ln>
+            <a:noFill/>
+          </a:ln>
+        </p:spPr>
+        <p:style>
+          <a:lnRef idx="2">
+            <a:schemeClr val="accent1">
+              <a:shade val="50000"/>
+            </a:schemeClr>
+          </a:lnRef>
+          <a:fillRef idx="1">
+            <a:schemeClr val="accent1"/>
+          </a:fillRef>
+          <a:effectRef idx="0">
+            <a:schemeClr val="accent1"/>
+          </a:effectRef>
+          <a:fontRef idx="minor">
+            <a:schemeClr val="lt1"/>
+          </a:fontRef>
+        </p:style>
+        <p:txBody>
+          <a:bodyPr rtlCol="0" anchor="ctr"/>
+          <a:lstStyle/>
+          <a:p>
+            <a:pPr algn="ctr"/>
+            <a:endParaRPr lang="en-US">
+              <a:latin typeface="Segoe UI" panose="020B0502040204020203" pitchFamily="34" charset="0"/>
+              <a:cs typeface="Segoe UI" panose="020B0502040204020203" pitchFamily="34" charset="0"/>
+            </a:endParaRPr>
+          </a:p>
+        </p:txBody>
+      </p:sp>
+      <p:sp>
+        <p:nvSpPr>
+          <p:cNvPr id="45" name="TextBox 44">
+            <a:extLst>
+              <a:ext uri="{FF2B5EF4-FFF2-40B4-BE49-F238E27FC236}">
+                <a16:creationId xmlns:a16="http://schemas.microsoft.com/office/drawing/2014/main" id="{B6429CB9-9544-2C8E-5FE0-1DF020713FDA}"/>
+              </a:ext>
+            </a:extLst>
+          </p:cNvPr>
+          <p:cNvSpPr txBox="1"/>
+          <p:nvPr/>
+        </p:nvSpPr>
+        <p:spPr>
+          <a:xfrm>
+            <a:off x="3678542" y="1492875"/>
+            <a:ext cx="3960000" cy="366917"/>
+          </a:xfrm>
+          <a:prstGeom prst="rect">
+            <a:avLst/>
+          </a:prstGeom>
+          <a:noFill/>
+        </p:spPr>
+        <p:txBody>
+          <a:bodyPr wrap="none" lIns="0" rIns="0" rtlCol="0" anchor="ctr">
+            <a:noAutofit/>
+          </a:bodyPr>
+          <a:lstStyle/>
+          <a:p>
+            <a:endParaRPr lang="en-US" sz="1400" dirty="0">
+              <a:solidFill>
+                <a:schemeClr val="bg1"/>
+              </a:solidFill>
+              <a:latin typeface="Segoe UI" panose="020B0502040204020203" pitchFamily="34" charset="0"/>
+              <a:cs typeface="Segoe UI" panose="020B0502040204020203" pitchFamily="34" charset="0"/>
+            </a:endParaRPr>
+          </a:p>
+        </p:txBody>
+      </p:sp>
+      <p:sp>
+        <p:nvSpPr>
+          <p:cNvPr id="48" name="TextBox 47">
+            <a:extLst>
+              <a:ext uri="{FF2B5EF4-FFF2-40B4-BE49-F238E27FC236}">
+                <a16:creationId xmlns:a16="http://schemas.microsoft.com/office/drawing/2014/main" id="{E4CCABAB-F10A-642D-34EC-706C8A69764F}"/>
+              </a:ext>
+            </a:extLst>
+          </p:cNvPr>
+          <p:cNvSpPr txBox="1"/>
+          <p:nvPr/>
+        </p:nvSpPr>
+        <p:spPr>
+          <a:xfrm>
             <a:off x="3678541" y="1569060"/>
             <a:ext cx="7929163" cy="4431689"/>
           </a:xfrm>
@@ -6577,7 +8945,388 @@
                 <a:effectLst/>
                 <a:latin typeface="Söhne"/>
               </a:rPr>
-              <a:t> Genres: </a:t>
+              <a:t> Genres:</a:t>
+            </a:r>
+          </a:p>
+          <a:p>
+            <a:pPr marL="457200" indent="-457200" algn="l">
+              <a:buFont typeface="Arial" panose="020B0604020202020204" pitchFamily="34" charset="0"/>
+              <a:buChar char="•"/>
+            </a:pPr>
+            <a:r>
+              <a:rPr lang="de-AT" b="0" i="0" dirty="0" err="1">
+                <a:solidFill>
+                  <a:srgbClr val="CCCCCC"/>
+                </a:solidFill>
+                <a:effectLst/>
+                <a:latin typeface="Menlo" panose="020B0609030804020204" pitchFamily="49" charset="0"/>
+              </a:rPr>
+              <a:t>Number</a:t>
+            </a:r>
+            <a:r>
+              <a:rPr lang="de-AT" b="0" i="0" dirty="0">
+                <a:solidFill>
+                  <a:srgbClr val="CCCCCC"/>
+                </a:solidFill>
+                <a:effectLst/>
+                <a:latin typeface="Menlo" panose="020B0609030804020204" pitchFamily="49" charset="0"/>
+              </a:rPr>
+              <a:t> </a:t>
+            </a:r>
+            <a:r>
+              <a:rPr lang="de-AT" b="0" i="0" dirty="0" err="1">
+                <a:solidFill>
+                  <a:srgbClr val="CCCCCC"/>
+                </a:solidFill>
+                <a:effectLst/>
+                <a:latin typeface="Menlo" panose="020B0609030804020204" pitchFamily="49" charset="0"/>
+              </a:rPr>
+              <a:t>of</a:t>
+            </a:r>
+            <a:r>
+              <a:rPr lang="de-AT" b="0" i="0" dirty="0">
+                <a:solidFill>
+                  <a:srgbClr val="CCCCCC"/>
+                </a:solidFill>
+                <a:effectLst/>
+                <a:latin typeface="Menlo" panose="020B0609030804020204" pitchFamily="49" charset="0"/>
+              </a:rPr>
+              <a:t> </a:t>
+            </a:r>
+            <a:r>
+              <a:rPr lang="de-AT" b="0" i="0" dirty="0" err="1">
+                <a:solidFill>
+                  <a:srgbClr val="CCCCCC"/>
+                </a:solidFill>
+                <a:effectLst/>
+                <a:latin typeface="Menlo" panose="020B0609030804020204" pitchFamily="49" charset="0"/>
+              </a:rPr>
+              <a:t>Documents</a:t>
+            </a:r>
+            <a:r>
+              <a:rPr lang="de-AT" b="0" i="0" dirty="0">
+                <a:solidFill>
+                  <a:srgbClr val="CCCCCC"/>
+                </a:solidFill>
+                <a:effectLst/>
+                <a:latin typeface="Menlo" panose="020B0609030804020204" pitchFamily="49" charset="0"/>
+              </a:rPr>
+              <a:t>: 32589 </a:t>
+            </a:r>
+            <a:br>
+              <a:rPr lang="de-AT" b="0" i="0" dirty="0">
+                <a:solidFill>
+                  <a:srgbClr val="CCCCCC"/>
+                </a:solidFill>
+                <a:effectLst/>
+                <a:latin typeface="Menlo" panose="020B0609030804020204" pitchFamily="49" charset="0"/>
+              </a:rPr>
+            </a:br>
+            <a:r>
+              <a:rPr lang="de-AT" b="0" i="0" dirty="0">
+                <a:solidFill>
+                  <a:srgbClr val="CCCCCC"/>
+                </a:solidFill>
+                <a:effectLst/>
+                <a:latin typeface="Menlo" panose="020B0609030804020204" pitchFamily="49" charset="0"/>
+              </a:rPr>
+              <a:t>Average </a:t>
+            </a:r>
+            <a:r>
+              <a:rPr lang="de-AT" b="0" i="0" dirty="0" err="1">
+                <a:solidFill>
+                  <a:srgbClr val="CCCCCC"/>
+                </a:solidFill>
+                <a:effectLst/>
+                <a:latin typeface="Menlo" panose="020B0609030804020204" pitchFamily="49" charset="0"/>
+              </a:rPr>
+              <a:t>Document</a:t>
+            </a:r>
+            <a:r>
+              <a:rPr lang="de-AT" b="0" i="0" dirty="0">
+                <a:solidFill>
+                  <a:srgbClr val="CCCCCC"/>
+                </a:solidFill>
+                <a:effectLst/>
+                <a:latin typeface="Menlo" panose="020B0609030804020204" pitchFamily="49" charset="0"/>
+              </a:rPr>
+              <a:t> </a:t>
+            </a:r>
+            <a:r>
+              <a:rPr lang="de-AT" b="0" i="0" dirty="0" err="1">
+                <a:solidFill>
+                  <a:srgbClr val="CCCCCC"/>
+                </a:solidFill>
+                <a:effectLst/>
+                <a:latin typeface="Menlo" panose="020B0609030804020204" pitchFamily="49" charset="0"/>
+              </a:rPr>
+              <a:t>Length</a:t>
+            </a:r>
+            <a:r>
+              <a:rPr lang="de-AT" b="0" i="0" dirty="0">
+                <a:solidFill>
+                  <a:srgbClr val="CCCCCC"/>
+                </a:solidFill>
+                <a:effectLst/>
+                <a:latin typeface="Menlo" panose="020B0609030804020204" pitchFamily="49" charset="0"/>
+              </a:rPr>
+              <a:t>: 2.68 </a:t>
+            </a:r>
+            <a:r>
+              <a:rPr lang="de-AT" b="0" i="0" dirty="0" err="1">
+                <a:solidFill>
+                  <a:srgbClr val="CCCCCC"/>
+                </a:solidFill>
+                <a:effectLst/>
+                <a:latin typeface="Menlo" panose="020B0609030804020204" pitchFamily="49" charset="0"/>
+              </a:rPr>
+              <a:t>words</a:t>
+            </a:r>
+            <a:r>
+              <a:rPr lang="de-AT" b="0" i="0" dirty="0">
+                <a:solidFill>
+                  <a:srgbClr val="CCCCCC"/>
+                </a:solidFill>
+                <a:effectLst/>
+                <a:latin typeface="Menlo" panose="020B0609030804020204" pitchFamily="49" charset="0"/>
+              </a:rPr>
+              <a:t> </a:t>
+            </a:r>
+            <a:br>
+              <a:rPr lang="de-AT" b="0" i="0" dirty="0">
+                <a:solidFill>
+                  <a:srgbClr val="CCCCCC"/>
+                </a:solidFill>
+                <a:effectLst/>
+                <a:latin typeface="Menlo" panose="020B0609030804020204" pitchFamily="49" charset="0"/>
+              </a:rPr>
+            </a:br>
+            <a:r>
+              <a:rPr lang="de-AT" b="0" i="0" dirty="0">
+                <a:solidFill>
+                  <a:srgbClr val="CCCCCC"/>
+                </a:solidFill>
+                <a:effectLst/>
+                <a:latin typeface="Menlo" panose="020B0609030804020204" pitchFamily="49" charset="0"/>
+              </a:rPr>
+              <a:t>Minimum </a:t>
+            </a:r>
+            <a:r>
+              <a:rPr lang="de-AT" b="0" i="0" dirty="0" err="1">
+                <a:solidFill>
+                  <a:srgbClr val="CCCCCC"/>
+                </a:solidFill>
+                <a:effectLst/>
+                <a:latin typeface="Menlo" panose="020B0609030804020204" pitchFamily="49" charset="0"/>
+              </a:rPr>
+              <a:t>Document</a:t>
+            </a:r>
+            <a:r>
+              <a:rPr lang="de-AT" b="0" i="0" dirty="0">
+                <a:solidFill>
+                  <a:srgbClr val="CCCCCC"/>
+                </a:solidFill>
+                <a:effectLst/>
+                <a:latin typeface="Menlo" panose="020B0609030804020204" pitchFamily="49" charset="0"/>
+              </a:rPr>
+              <a:t> </a:t>
+            </a:r>
+            <a:r>
+              <a:rPr lang="de-AT" b="0" i="0" dirty="0" err="1">
+                <a:solidFill>
+                  <a:srgbClr val="CCCCCC"/>
+                </a:solidFill>
+                <a:effectLst/>
+                <a:latin typeface="Menlo" panose="020B0609030804020204" pitchFamily="49" charset="0"/>
+              </a:rPr>
+              <a:t>Length</a:t>
+            </a:r>
+            <a:r>
+              <a:rPr lang="de-AT" b="0" i="0" dirty="0">
+                <a:solidFill>
+                  <a:srgbClr val="CCCCCC"/>
+                </a:solidFill>
+                <a:effectLst/>
+                <a:latin typeface="Menlo" panose="020B0609030804020204" pitchFamily="49" charset="0"/>
+              </a:rPr>
+              <a:t>: 1 </a:t>
+            </a:r>
+            <a:r>
+              <a:rPr lang="de-AT" b="0" i="0" dirty="0" err="1">
+                <a:solidFill>
+                  <a:srgbClr val="CCCCCC"/>
+                </a:solidFill>
+                <a:effectLst/>
+                <a:latin typeface="Menlo" panose="020B0609030804020204" pitchFamily="49" charset="0"/>
+              </a:rPr>
+              <a:t>words</a:t>
+            </a:r>
+            <a:r>
+              <a:rPr lang="de-AT" b="0" i="0" dirty="0">
+                <a:solidFill>
+                  <a:srgbClr val="CCCCCC"/>
+                </a:solidFill>
+                <a:effectLst/>
+                <a:latin typeface="Menlo" panose="020B0609030804020204" pitchFamily="49" charset="0"/>
+              </a:rPr>
+              <a:t> </a:t>
+            </a:r>
+            <a:br>
+              <a:rPr lang="de-AT" b="0" i="0" dirty="0">
+                <a:solidFill>
+                  <a:srgbClr val="CCCCCC"/>
+                </a:solidFill>
+                <a:effectLst/>
+                <a:latin typeface="Menlo" panose="020B0609030804020204" pitchFamily="49" charset="0"/>
+              </a:rPr>
+            </a:br>
+            <a:r>
+              <a:rPr lang="de-AT" b="0" i="0" dirty="0">
+                <a:solidFill>
+                  <a:srgbClr val="CCCCCC"/>
+                </a:solidFill>
+                <a:effectLst/>
+                <a:latin typeface="Menlo" panose="020B0609030804020204" pitchFamily="49" charset="0"/>
+              </a:rPr>
+              <a:t>Maximum </a:t>
+            </a:r>
+            <a:r>
+              <a:rPr lang="de-AT" b="0" i="0" dirty="0" err="1">
+                <a:solidFill>
+                  <a:srgbClr val="CCCCCC"/>
+                </a:solidFill>
+                <a:effectLst/>
+                <a:latin typeface="Menlo" panose="020B0609030804020204" pitchFamily="49" charset="0"/>
+              </a:rPr>
+              <a:t>Document</a:t>
+            </a:r>
+            <a:r>
+              <a:rPr lang="de-AT" b="0" i="0" dirty="0">
+                <a:solidFill>
+                  <a:srgbClr val="CCCCCC"/>
+                </a:solidFill>
+                <a:effectLst/>
+                <a:latin typeface="Menlo" panose="020B0609030804020204" pitchFamily="49" charset="0"/>
+              </a:rPr>
+              <a:t> </a:t>
+            </a:r>
+            <a:r>
+              <a:rPr lang="de-AT" b="0" i="0" dirty="0" err="1">
+                <a:solidFill>
+                  <a:srgbClr val="CCCCCC"/>
+                </a:solidFill>
+                <a:effectLst/>
+                <a:latin typeface="Menlo" panose="020B0609030804020204" pitchFamily="49" charset="0"/>
+              </a:rPr>
+              <a:t>Length</a:t>
+            </a:r>
+            <a:r>
+              <a:rPr lang="de-AT" b="0" i="0" dirty="0">
+                <a:solidFill>
+                  <a:srgbClr val="CCCCCC"/>
+                </a:solidFill>
+                <a:effectLst/>
+                <a:latin typeface="Menlo" panose="020B0609030804020204" pitchFamily="49" charset="0"/>
+              </a:rPr>
+              <a:t>: 30 </a:t>
+            </a:r>
+            <a:r>
+              <a:rPr lang="de-AT" b="0" i="0" dirty="0" err="1">
+                <a:solidFill>
+                  <a:srgbClr val="CCCCCC"/>
+                </a:solidFill>
+                <a:effectLst/>
+                <a:latin typeface="Menlo" panose="020B0609030804020204" pitchFamily="49" charset="0"/>
+              </a:rPr>
+              <a:t>words</a:t>
+            </a:r>
+            <a:r>
+              <a:rPr lang="de-AT" b="0" i="0" dirty="0">
+                <a:solidFill>
+                  <a:srgbClr val="CCCCCC"/>
+                </a:solidFill>
+                <a:effectLst/>
+                <a:latin typeface="Menlo" panose="020B0609030804020204" pitchFamily="49" charset="0"/>
+              </a:rPr>
+              <a:t> </a:t>
+            </a:r>
+            <a:br>
+              <a:rPr lang="de-AT" b="0" i="0" dirty="0">
+                <a:solidFill>
+                  <a:srgbClr val="CCCCCC"/>
+                </a:solidFill>
+                <a:effectLst/>
+                <a:latin typeface="Menlo" panose="020B0609030804020204" pitchFamily="49" charset="0"/>
+              </a:rPr>
+            </a:br>
+            <a:r>
+              <a:rPr lang="de-AT" b="0" i="0" dirty="0" err="1">
+                <a:solidFill>
+                  <a:srgbClr val="CCCCCC"/>
+                </a:solidFill>
+                <a:effectLst/>
+                <a:latin typeface="Menlo" panose="020B0609030804020204" pitchFamily="49" charset="0"/>
+              </a:rPr>
+              <a:t>Vocabulary</a:t>
+            </a:r>
+            <a:r>
+              <a:rPr lang="de-AT" b="0" i="0" dirty="0">
+                <a:solidFill>
+                  <a:srgbClr val="CCCCCC"/>
+                </a:solidFill>
+                <a:effectLst/>
+                <a:latin typeface="Menlo" panose="020B0609030804020204" pitchFamily="49" charset="0"/>
+              </a:rPr>
+              <a:t> Size: 2453 </a:t>
+            </a:r>
+            <a:r>
+              <a:rPr lang="de-AT" b="0" i="0" dirty="0" err="1">
+                <a:solidFill>
+                  <a:srgbClr val="CCCCCC"/>
+                </a:solidFill>
+                <a:effectLst/>
+                <a:latin typeface="Menlo" panose="020B0609030804020204" pitchFamily="49" charset="0"/>
+              </a:rPr>
+              <a:t>unique</a:t>
+            </a:r>
+            <a:r>
+              <a:rPr lang="de-AT" b="0" i="0" dirty="0">
+                <a:solidFill>
+                  <a:srgbClr val="CCCCCC"/>
+                </a:solidFill>
+                <a:effectLst/>
+                <a:latin typeface="Menlo" panose="020B0609030804020204" pitchFamily="49" charset="0"/>
+              </a:rPr>
+              <a:t> </a:t>
+            </a:r>
+            <a:r>
+              <a:rPr lang="de-AT" b="0" i="0" dirty="0" err="1">
+                <a:solidFill>
+                  <a:srgbClr val="CCCCCC"/>
+                </a:solidFill>
+                <a:effectLst/>
+                <a:latin typeface="Menlo" panose="020B0609030804020204" pitchFamily="49" charset="0"/>
+              </a:rPr>
+              <a:t>words</a:t>
+            </a:r>
+            <a:br>
+              <a:rPr lang="de-AT" sz="2800" b="0" i="0" u="none" strike="noStrike" dirty="0">
+                <a:solidFill>
+                  <a:schemeClr val="bg1"/>
+                </a:solidFill>
+                <a:effectLst/>
+                <a:latin typeface="Söhne"/>
+              </a:rPr>
+            </a:br>
+            <a:r>
+              <a:rPr lang="de-AT" sz="2800" b="0" i="0" u="none" strike="noStrike" dirty="0">
+                <a:solidFill>
+                  <a:schemeClr val="bg1"/>
+                </a:solidFill>
+                <a:effectLst/>
+                <a:latin typeface="Söhne"/>
+              </a:rPr>
+              <a:t> </a:t>
             </a:r>
           </a:p>
         </p:txBody>
@@ -7508,7 +10257,7 @@
     </p:spTree>
     <p:extLst>
       <p:ext uri="{BB962C8B-B14F-4D97-AF65-F5344CB8AC3E}">
-        <p14:creationId xmlns:p14="http://schemas.microsoft.com/office/powerpoint/2010/main" val="203779619"/>
+        <p14:creationId xmlns:p14="http://schemas.microsoft.com/office/powerpoint/2010/main" val="3591267720"/>
       </p:ext>
     </p:extLst>
   </p:cSld>
@@ -7518,17 +10267,9 @@
 </p:sld>
 </file>
 
-<file path=ppt/slides/slide4.xml><?xml version="1.0" encoding="utf-8"?>
+<file path=ppt/slides/slide5.xml><?xml version="1.0" encoding="utf-8"?>
 <p:sld xmlns:a="http://schemas.openxmlformats.org/drawingml/2006/main" xmlns:r="http://schemas.openxmlformats.org/officeDocument/2006/relationships" xmlns:p="http://schemas.openxmlformats.org/presentationml/2006/main">
   <p:cSld>
-    <p:bg>
-      <p:bgPr>
-        <a:solidFill>
-          <a:srgbClr val="191414"/>
-        </a:solidFill>
-        <a:effectLst/>
-      </p:bgPr>
-    </p:bg>
     <p:spTree>
       <p:nvGrpSpPr>
         <p:cNvPr id="1" name=""/>
@@ -7579,115 +10320,15 @@
                 <a:latin typeface="Segoe UI" panose="020B0502040204020203" pitchFamily="34" charset="0"/>
                 <a:cs typeface="Segoe UI" panose="020B0502040204020203" pitchFamily="34" charset="0"/>
               </a:rPr>
-              <a:t>Preprocessing</a:t>
-            </a:r>
-            <a:r>
-              <a:rPr lang="en-US" sz="4400" b="1" dirty="0">
-                <a:solidFill>
-                  <a:schemeClr val="bg1"/>
-                </a:solidFill>
-                <a:latin typeface="Segoe UI" panose="020B0502040204020203" pitchFamily="34" charset="0"/>
-                <a:cs typeface="Segoe UI" panose="020B0502040204020203" pitchFamily="34" charset="0"/>
-              </a:rPr>
-              <a:t> Steps</a:t>
-            </a:r>
-          </a:p>
-        </p:txBody>
-      </p:sp>
-      <p:sp>
-        <p:nvSpPr>
-          <p:cNvPr id="21" name="TextBox 20">
-            <a:extLst>
-              <a:ext uri="{FF2B5EF4-FFF2-40B4-BE49-F238E27FC236}">
-                <a16:creationId xmlns:a16="http://schemas.microsoft.com/office/drawing/2014/main" id="{ED46B618-2CF9-7941-4EA2-0BAE302EE4DF}"/>
-              </a:ext>
-            </a:extLst>
-          </p:cNvPr>
-          <p:cNvSpPr txBox="1"/>
-          <p:nvPr/>
-        </p:nvSpPr>
-        <p:spPr>
-          <a:xfrm>
-            <a:off x="383220" y="1308203"/>
-            <a:ext cx="2296800" cy="366917"/>
-          </a:xfrm>
-          <a:prstGeom prst="roundRect">
-            <a:avLst/>
-          </a:prstGeom>
-          <a:gradFill>
-            <a:gsLst>
-              <a:gs pos="0">
-                <a:schemeClr val="bg1">
-                  <a:lumMod val="50000"/>
-                  <a:alpha val="45000"/>
-                </a:schemeClr>
-              </a:gs>
-              <a:gs pos="100000">
-                <a:srgbClr val="191414">
-                  <a:alpha val="25000"/>
-                </a:srgbClr>
-              </a:gs>
-            </a:gsLst>
-            <a:lin ang="4200000" scaled="0"/>
-          </a:gradFill>
-        </p:spPr>
-        <p:txBody>
-          <a:bodyPr wrap="none" lIns="684000" rtlCol="0" anchor="ctr">
-            <a:noAutofit/>
-          </a:bodyPr>
-          <a:lstStyle/>
-          <a:p>
-            <a:r>
-              <a:rPr lang="en-US" sz="1400" b="1" dirty="0">
-                <a:solidFill>
-                  <a:schemeClr val="bg1"/>
-                </a:solidFill>
-                <a:latin typeface="Segoe UI" panose="020B0502040204020203" pitchFamily="34" charset="0"/>
-                <a:cs typeface="Segoe UI" panose="020B0502040204020203" pitchFamily="34" charset="0"/>
-              </a:rPr>
-              <a:t>Preprocessing Steps</a:t>
-            </a:r>
-          </a:p>
-        </p:txBody>
-      </p:sp>
-      <p:sp>
-        <p:nvSpPr>
-          <p:cNvPr id="22" name="TextBox 21">
-            <a:extLst>
-              <a:ext uri="{FF2B5EF4-FFF2-40B4-BE49-F238E27FC236}">
-                <a16:creationId xmlns:a16="http://schemas.microsoft.com/office/drawing/2014/main" id="{29CCABAF-CABD-0DCA-146A-8DF8AA94EF98}"/>
-              </a:ext>
-            </a:extLst>
-          </p:cNvPr>
-          <p:cNvSpPr txBox="1"/>
-          <p:nvPr/>
-        </p:nvSpPr>
-        <p:spPr>
-          <a:xfrm>
-            <a:off x="383220" y="1843963"/>
-            <a:ext cx="2296800" cy="366917"/>
-          </a:xfrm>
-          <a:prstGeom prst="roundRect">
-            <a:avLst/>
-          </a:prstGeom>
-          <a:noFill/>
-        </p:spPr>
-        <p:txBody>
-          <a:bodyPr wrap="none" lIns="684000" rtlCol="0" anchor="ctr">
-            <a:noAutofit/>
-          </a:bodyPr>
-          <a:lstStyle/>
-          <a:p>
-            <a:r>
-              <a:rPr lang="en-US" sz="1400" dirty="0">
-                <a:solidFill>
-                  <a:schemeClr val="bg1"/>
-                </a:solidFill>
-                <a:latin typeface="Segoe UI" panose="020B0502040204020203" pitchFamily="34" charset="0"/>
-                <a:cs typeface="Segoe UI" panose="020B0502040204020203" pitchFamily="34" charset="0"/>
-              </a:rPr>
               <a:t>EDA</a:t>
             </a:r>
+            <a:endParaRPr lang="en-US" sz="4400" b="1" dirty="0">
+              <a:solidFill>
+                <a:schemeClr val="bg1"/>
+              </a:solidFill>
+              <a:latin typeface="Segoe UI" panose="020B0502040204020203" pitchFamily="34" charset="0"/>
+              <a:cs typeface="Segoe UI" panose="020B0502040204020203" pitchFamily="34" charset="0"/>
+            </a:endParaRPr>
           </a:p>
         </p:txBody>
       </p:sp>
@@ -7800,7 +10441,7 @@
         </p:nvSpPr>
         <p:spPr>
           <a:xfrm>
-            <a:off x="3690898" y="1569060"/>
+            <a:off x="3678541" y="1569060"/>
             <a:ext cx="7929163" cy="4431689"/>
           </a:xfrm>
           <a:prstGeom prst="rect">
@@ -7816,1522 +10457,44 @@
           <a:p>
             <a:pPr algn="l"/>
             <a:r>
-              <a:rPr lang="de-AT" sz="2800" dirty="0">
-                <a:solidFill>
-                  <a:schemeClr val="bg1"/>
-                </a:solidFill>
-                <a:latin typeface="Söhne"/>
-              </a:rPr>
-              <a:t>Lyrics</a:t>
-            </a:r>
-            <a:r>
-              <a:rPr lang="de-AT" sz="2800" b="0" i="0" u="none" strike="noStrike" dirty="0">
+              <a:rPr lang="de-AT" sz="2800" b="0" i="0" u="none" strike="noStrike" dirty="0" err="1">
                 <a:solidFill>
                   <a:schemeClr val="bg1"/>
                 </a:solidFill>
                 <a:effectLst/>
                 <a:latin typeface="Söhne"/>
               </a:rPr>
-              <a:t>:</a:t>
-            </a:r>
-          </a:p>
-          <a:p>
-            <a:pPr marL="971550" lvl="1" indent="-514350">
-              <a:buFont typeface="+mj-lt"/>
-              <a:buAutoNum type="arabicPeriod"/>
-            </a:pPr>
-            <a:r>
-              <a:rPr lang="de-AT" sz="2800" dirty="0" err="1">
+              <a:t>Statistics</a:t>
+            </a:r>
+            <a:r>
+              <a:rPr lang="de-AT" sz="2800" b="0" i="0" u="none" strike="noStrike" dirty="0">
                 <a:solidFill>
                   <a:schemeClr val="bg1"/>
                 </a:solidFill>
+                <a:effectLst/>
                 <a:latin typeface="Söhne"/>
               </a:rPr>
-              <a:t>Replace</a:t>
-            </a:r>
-            <a:r>
-              <a:rPr lang="de-AT" sz="2800" dirty="0">
+              <a:t> </a:t>
+            </a:r>
+            <a:r>
+              <a:rPr lang="de-AT" sz="2800" b="0" i="0" u="none" strike="noStrike" dirty="0" err="1">
                 <a:solidFill>
                   <a:schemeClr val="bg1"/>
                 </a:solidFill>
+                <a:effectLst/>
                 <a:latin typeface="Söhne"/>
               </a:rPr>
-              <a:t>  ‚\</a:t>
-            </a:r>
-            <a:r>
-              <a:rPr lang="de-AT" sz="2800" dirty="0" err="1">
+              <a:t>for</a:t>
+            </a:r>
+            <a:r>
+              <a:rPr lang="de-AT" sz="2800" b="0" i="0" u="none" strike="noStrike" dirty="0">
                 <a:solidFill>
                   <a:schemeClr val="bg1"/>
                 </a:solidFill>
+                <a:effectLst/>
                 <a:latin typeface="Söhne"/>
               </a:rPr>
-              <a:t>r</a:t>
-            </a:r>
-            <a:r>
-              <a:rPr lang="de-AT" sz="2800" dirty="0">
-                <a:solidFill>
-                  <a:schemeClr val="bg1"/>
-                </a:solidFill>
-                <a:latin typeface="Söhne"/>
-              </a:rPr>
-              <a:t>\</a:t>
-            </a:r>
-            <a:r>
-              <a:rPr lang="de-AT" sz="2800" dirty="0" err="1">
-                <a:solidFill>
-                  <a:schemeClr val="bg1"/>
-                </a:solidFill>
-                <a:latin typeface="Söhne"/>
-              </a:rPr>
-              <a:t>n</a:t>
-            </a:r>
-            <a:r>
-              <a:rPr lang="de-AT" sz="2800" dirty="0">
-                <a:solidFill>
-                  <a:schemeClr val="bg1"/>
-                </a:solidFill>
-                <a:latin typeface="Söhne"/>
-              </a:rPr>
-              <a:t>‘ </a:t>
-            </a:r>
-            <a:r>
-              <a:rPr lang="de-AT" sz="2800" dirty="0" err="1">
-                <a:solidFill>
-                  <a:schemeClr val="bg1"/>
-                </a:solidFill>
-                <a:latin typeface="Söhne"/>
-              </a:rPr>
-              <a:t>with</a:t>
-            </a:r>
-            <a:r>
-              <a:rPr lang="de-AT" sz="2800" dirty="0">
-                <a:solidFill>
-                  <a:schemeClr val="bg1"/>
-                </a:solidFill>
-                <a:latin typeface="Söhne"/>
-              </a:rPr>
-              <a:t> </a:t>
-            </a:r>
-            <a:r>
-              <a:rPr lang="de-AT" sz="2800" dirty="0" err="1">
-                <a:solidFill>
-                  <a:schemeClr val="bg1"/>
-                </a:solidFill>
-                <a:latin typeface="Söhne"/>
-              </a:rPr>
-              <a:t>space</a:t>
-            </a:r>
-            <a:endParaRPr lang="de-AT" sz="2800" dirty="0">
-              <a:solidFill>
-                <a:schemeClr val="bg1"/>
-              </a:solidFill>
-              <a:latin typeface="Söhne"/>
-            </a:endParaRPr>
-          </a:p>
-          <a:p>
-            <a:pPr marL="971550" lvl="1" indent="-514350">
-              <a:buFont typeface="+mj-lt"/>
-              <a:buAutoNum type="arabicPeriod"/>
-            </a:pPr>
-            <a:r>
-              <a:rPr lang="de-AT" sz="2800" dirty="0" err="1">
-                <a:solidFill>
-                  <a:schemeClr val="bg1"/>
-                </a:solidFill>
-                <a:latin typeface="Söhne"/>
-              </a:rPr>
-              <a:t>Detect</a:t>
-            </a:r>
-            <a:r>
-              <a:rPr lang="de-AT" sz="2800" dirty="0">
-                <a:solidFill>
-                  <a:schemeClr val="bg1"/>
-                </a:solidFill>
-                <a:latin typeface="Söhne"/>
-              </a:rPr>
-              <a:t> </a:t>
-            </a:r>
-            <a:r>
-              <a:rPr lang="de-AT" sz="2800" dirty="0" err="1">
-                <a:solidFill>
-                  <a:schemeClr val="bg1"/>
-                </a:solidFill>
-                <a:latin typeface="Söhne"/>
-              </a:rPr>
-              <a:t>language</a:t>
-            </a:r>
-            <a:endParaRPr lang="de-AT" sz="2800" dirty="0">
-              <a:solidFill>
-                <a:schemeClr val="bg1"/>
-              </a:solidFill>
-              <a:latin typeface="Söhne"/>
-            </a:endParaRPr>
-          </a:p>
-          <a:p>
-            <a:pPr marL="971550" lvl="1" indent="-514350">
-              <a:buFont typeface="+mj-lt"/>
-              <a:buAutoNum type="arabicPeriod"/>
-            </a:pPr>
-            <a:r>
-              <a:rPr lang="de-AT" sz="2800" dirty="0" err="1">
-                <a:solidFill>
-                  <a:schemeClr val="bg1"/>
-                </a:solidFill>
-                <a:latin typeface="Söhne"/>
-              </a:rPr>
-              <a:t>Translate</a:t>
-            </a:r>
-            <a:r>
-              <a:rPr lang="de-AT" sz="2800" dirty="0">
-                <a:solidFill>
-                  <a:schemeClr val="bg1"/>
-                </a:solidFill>
-                <a:latin typeface="Söhne"/>
-              </a:rPr>
-              <a:t> </a:t>
-            </a:r>
-            <a:r>
-              <a:rPr lang="de-AT" sz="2800" dirty="0" err="1">
-                <a:solidFill>
-                  <a:schemeClr val="bg1"/>
-                </a:solidFill>
-                <a:latin typeface="Söhne"/>
-              </a:rPr>
-              <a:t>lyrics</a:t>
-            </a:r>
-            <a:r>
-              <a:rPr lang="de-AT" sz="2800" dirty="0">
-                <a:solidFill>
-                  <a:schemeClr val="bg1"/>
-                </a:solidFill>
-                <a:latin typeface="Söhne"/>
-              </a:rPr>
-              <a:t> </a:t>
-            </a:r>
-            <a:r>
-              <a:rPr lang="de-AT" sz="2800" dirty="0" err="1">
-                <a:solidFill>
-                  <a:schemeClr val="bg1"/>
-                </a:solidFill>
-                <a:latin typeface="Söhne"/>
-              </a:rPr>
-              <a:t>into</a:t>
-            </a:r>
-            <a:r>
-              <a:rPr lang="de-AT" sz="2800" dirty="0">
-                <a:solidFill>
-                  <a:schemeClr val="bg1"/>
-                </a:solidFill>
-                <a:latin typeface="Söhne"/>
-              </a:rPr>
-              <a:t> </a:t>
-            </a:r>
-            <a:r>
-              <a:rPr lang="de-AT" sz="2800" dirty="0" err="1">
-                <a:solidFill>
-                  <a:schemeClr val="bg1"/>
-                </a:solidFill>
-                <a:latin typeface="Söhne"/>
-              </a:rPr>
-              <a:t>english</a:t>
-            </a:r>
-            <a:r>
-              <a:rPr lang="de-AT" sz="2800" dirty="0">
-                <a:solidFill>
-                  <a:schemeClr val="bg1"/>
-                </a:solidFill>
-                <a:latin typeface="Söhne"/>
-              </a:rPr>
-              <a:t> (</a:t>
-            </a:r>
-            <a:r>
-              <a:rPr lang="de-AT" sz="2800" dirty="0" err="1">
-                <a:solidFill>
-                  <a:schemeClr val="bg1"/>
-                </a:solidFill>
-                <a:latin typeface="Söhne"/>
-              </a:rPr>
-              <a:t>failed</a:t>
-            </a:r>
-            <a:r>
-              <a:rPr lang="de-AT" sz="2800" dirty="0">
-                <a:solidFill>
-                  <a:schemeClr val="bg1"/>
-                </a:solidFill>
-                <a:latin typeface="Söhne"/>
-              </a:rPr>
-              <a:t> so </a:t>
-            </a:r>
-            <a:r>
-              <a:rPr lang="de-AT" sz="2800" dirty="0" err="1">
-                <a:solidFill>
-                  <a:schemeClr val="bg1"/>
-                </a:solidFill>
-                <a:latin typeface="Söhne"/>
-              </a:rPr>
-              <a:t>far</a:t>
-            </a:r>
-            <a:r>
-              <a:rPr lang="de-AT" sz="2800" dirty="0">
-                <a:solidFill>
-                  <a:schemeClr val="bg1"/>
-                </a:solidFill>
-                <a:latin typeface="Söhne"/>
-              </a:rPr>
-              <a:t> – </a:t>
-            </a:r>
-            <a:r>
-              <a:rPr lang="de-AT" sz="2800" dirty="0" err="1">
-                <a:solidFill>
-                  <a:schemeClr val="bg1"/>
-                </a:solidFill>
-                <a:latin typeface="Söhne"/>
-              </a:rPr>
-              <a:t>filter</a:t>
-            </a:r>
-            <a:r>
-              <a:rPr lang="de-AT" sz="2800" dirty="0">
-                <a:solidFill>
-                  <a:schemeClr val="bg1"/>
-                </a:solidFill>
-                <a:latin typeface="Söhne"/>
-              </a:rPr>
-              <a:t> </a:t>
-            </a:r>
-            <a:r>
-              <a:rPr lang="de-AT" sz="2800" dirty="0" err="1">
-                <a:solidFill>
-                  <a:schemeClr val="bg1"/>
-                </a:solidFill>
-                <a:latin typeface="Söhne"/>
-              </a:rPr>
-              <a:t>english</a:t>
-            </a:r>
-            <a:r>
-              <a:rPr lang="de-AT" sz="2800" dirty="0">
-                <a:solidFill>
-                  <a:schemeClr val="bg1"/>
-                </a:solidFill>
-                <a:latin typeface="Söhne"/>
-              </a:rPr>
-              <a:t> </a:t>
-            </a:r>
-            <a:r>
-              <a:rPr lang="de-AT" sz="2800" dirty="0" err="1">
-                <a:solidFill>
-                  <a:schemeClr val="bg1"/>
-                </a:solidFill>
-                <a:latin typeface="Söhne"/>
-              </a:rPr>
-              <a:t>songs</a:t>
-            </a:r>
-            <a:r>
-              <a:rPr lang="de-AT" sz="2800" dirty="0">
-                <a:solidFill>
-                  <a:schemeClr val="bg1"/>
-                </a:solidFill>
-                <a:latin typeface="Söhne"/>
-              </a:rPr>
-              <a:t>)</a:t>
-            </a:r>
-          </a:p>
-          <a:p>
-            <a:pPr marL="971550" lvl="1" indent="-514350">
-              <a:buFont typeface="+mj-lt"/>
-              <a:buAutoNum type="arabicPeriod"/>
-            </a:pPr>
-            <a:r>
-              <a:rPr lang="de-AT" sz="2800" dirty="0" err="1">
-                <a:solidFill>
-                  <a:schemeClr val="bg1"/>
-                </a:solidFill>
-                <a:latin typeface="Söhne"/>
-              </a:rPr>
-              <a:t>Lowercasing</a:t>
-            </a:r>
-            <a:endParaRPr lang="de-AT" sz="2800" dirty="0">
-              <a:solidFill>
-                <a:schemeClr val="bg1"/>
-              </a:solidFill>
-              <a:latin typeface="Söhne"/>
-            </a:endParaRPr>
-          </a:p>
-          <a:p>
-            <a:pPr marL="971550" lvl="1" indent="-514350">
-              <a:buFont typeface="+mj-lt"/>
-              <a:buAutoNum type="arabicPeriod"/>
-            </a:pPr>
-            <a:r>
-              <a:rPr lang="de-AT" sz="2800" dirty="0" err="1">
-                <a:solidFill>
-                  <a:schemeClr val="bg1"/>
-                </a:solidFill>
-                <a:latin typeface="Söhne"/>
-              </a:rPr>
-              <a:t>Tokenization</a:t>
-            </a:r>
-            <a:endParaRPr lang="de-AT" sz="2800" dirty="0">
-              <a:solidFill>
-                <a:schemeClr val="bg1"/>
-              </a:solidFill>
-              <a:latin typeface="Söhne"/>
-            </a:endParaRPr>
-          </a:p>
-          <a:p>
-            <a:pPr marL="971550" lvl="1" indent="-514350">
-              <a:buFont typeface="+mj-lt"/>
-              <a:buAutoNum type="arabicPeriod"/>
-            </a:pPr>
-            <a:r>
-              <a:rPr lang="de-AT" sz="2800" dirty="0" err="1">
-                <a:solidFill>
-                  <a:schemeClr val="bg1"/>
-                </a:solidFill>
-                <a:latin typeface="Söhne"/>
-              </a:rPr>
-              <a:t>Removing</a:t>
-            </a:r>
-            <a:r>
-              <a:rPr lang="de-AT" sz="2800" dirty="0">
-                <a:solidFill>
-                  <a:schemeClr val="bg1"/>
-                </a:solidFill>
-                <a:latin typeface="Söhne"/>
-              </a:rPr>
-              <a:t> </a:t>
-            </a:r>
-            <a:r>
-              <a:rPr lang="de-AT" sz="2800" dirty="0" err="1">
-                <a:solidFill>
-                  <a:schemeClr val="bg1"/>
-                </a:solidFill>
-                <a:latin typeface="Söhne"/>
-              </a:rPr>
-              <a:t>Stopwords</a:t>
-            </a:r>
-            <a:endParaRPr lang="de-AT" sz="2800" dirty="0">
-              <a:solidFill>
-                <a:schemeClr val="bg1"/>
-              </a:solidFill>
-              <a:latin typeface="Söhne"/>
-            </a:endParaRPr>
-          </a:p>
-          <a:p>
-            <a:pPr marL="971550" lvl="1" indent="-514350">
-              <a:buFont typeface="+mj-lt"/>
-              <a:buAutoNum type="arabicPeriod"/>
-            </a:pPr>
-            <a:endParaRPr lang="de-AT" sz="2800" dirty="0">
-              <a:solidFill>
-                <a:schemeClr val="bg1"/>
-              </a:solidFill>
-              <a:latin typeface="Söhne"/>
-            </a:endParaRPr>
-          </a:p>
-          <a:p>
-            <a:pPr marL="971550" lvl="1" indent="-514350">
-              <a:buFont typeface="+mj-lt"/>
-              <a:buAutoNum type="arabicPeriod"/>
-            </a:pPr>
-            <a:endParaRPr lang="de-AT" sz="2800" b="0" i="0" u="none" strike="noStrike" dirty="0">
-              <a:solidFill>
-                <a:schemeClr val="bg1"/>
-              </a:solidFill>
-              <a:effectLst/>
-              <a:latin typeface="Söhne"/>
-            </a:endParaRPr>
-          </a:p>
-        </p:txBody>
-      </p:sp>
-      <p:grpSp>
-        <p:nvGrpSpPr>
-          <p:cNvPr id="1036" name="Group 1035">
-            <a:extLst>
-              <a:ext uri="{FF2B5EF4-FFF2-40B4-BE49-F238E27FC236}">
-                <a16:creationId xmlns:a16="http://schemas.microsoft.com/office/drawing/2014/main" id="{74F3A740-AD9E-F587-C3FF-956880489C46}"/>
-              </a:ext>
-            </a:extLst>
-          </p:cNvPr>
-          <p:cNvGrpSpPr/>
-          <p:nvPr/>
-        </p:nvGrpSpPr>
-        <p:grpSpPr>
-          <a:xfrm>
-            <a:off x="591710" y="1393732"/>
-            <a:ext cx="258819" cy="225423"/>
-            <a:chOff x="7005638" y="3648076"/>
-            <a:chExt cx="344488" cy="300038"/>
-          </a:xfrm>
-        </p:grpSpPr>
-        <p:sp>
-          <p:nvSpPr>
-            <p:cNvPr id="1037" name="Freeform 90">
-              <a:extLst>
-                <a:ext uri="{FF2B5EF4-FFF2-40B4-BE49-F238E27FC236}">
-                  <a16:creationId xmlns:a16="http://schemas.microsoft.com/office/drawing/2014/main" id="{78C37A5C-C91B-9044-27D6-8F391B845742}"/>
-                </a:ext>
-              </a:extLst>
-            </p:cNvPr>
-            <p:cNvSpPr>
-              <a:spLocks/>
-            </p:cNvSpPr>
-            <p:nvPr/>
-          </p:nvSpPr>
-          <p:spPr bwMode="auto">
-            <a:xfrm>
-              <a:off x="7005638" y="3648076"/>
-              <a:ext cx="344488" cy="269875"/>
-            </a:xfrm>
-            <a:custGeom>
-              <a:avLst/>
-              <a:gdLst>
-                <a:gd name="T0" fmla="*/ 92 w 92"/>
-                <a:gd name="T1" fmla="*/ 66 h 72"/>
-                <a:gd name="T2" fmla="*/ 86 w 92"/>
-                <a:gd name="T3" fmla="*/ 72 h 72"/>
-                <a:gd name="T4" fmla="*/ 6 w 92"/>
-                <a:gd name="T5" fmla="*/ 72 h 72"/>
-                <a:gd name="T6" fmla="*/ 0 w 92"/>
-                <a:gd name="T7" fmla="*/ 66 h 72"/>
-                <a:gd name="T8" fmla="*/ 0 w 92"/>
-                <a:gd name="T9" fmla="*/ 6 h 72"/>
-                <a:gd name="T10" fmla="*/ 6 w 92"/>
-                <a:gd name="T11" fmla="*/ 0 h 72"/>
-                <a:gd name="T12" fmla="*/ 86 w 92"/>
-                <a:gd name="T13" fmla="*/ 0 h 72"/>
-                <a:gd name="T14" fmla="*/ 92 w 92"/>
-                <a:gd name="T15" fmla="*/ 6 h 72"/>
-                <a:gd name="T16" fmla="*/ 92 w 92"/>
-                <a:gd name="T17" fmla="*/ 66 h 72"/>
-              </a:gdLst>
-              <a:ahLst/>
-              <a:cxnLst>
-                <a:cxn ang="0">
-                  <a:pos x="T0" y="T1"/>
-                </a:cxn>
-                <a:cxn ang="0">
-                  <a:pos x="T2" y="T3"/>
-                </a:cxn>
-                <a:cxn ang="0">
-                  <a:pos x="T4" y="T5"/>
-                </a:cxn>
-                <a:cxn ang="0">
-                  <a:pos x="T6" y="T7"/>
-                </a:cxn>
-                <a:cxn ang="0">
-                  <a:pos x="T8" y="T9"/>
-                </a:cxn>
-                <a:cxn ang="0">
-                  <a:pos x="T10" y="T11"/>
-                </a:cxn>
-                <a:cxn ang="0">
-                  <a:pos x="T12" y="T13"/>
-                </a:cxn>
-                <a:cxn ang="0">
-                  <a:pos x="T14" y="T15"/>
-                </a:cxn>
-                <a:cxn ang="0">
-                  <a:pos x="T16" y="T17"/>
-                </a:cxn>
-              </a:cxnLst>
-              <a:rect l="0" t="0" r="r" b="b"/>
-              <a:pathLst>
-                <a:path w="92" h="72">
-                  <a:moveTo>
-                    <a:pt x="92" y="66"/>
-                  </a:moveTo>
-                  <a:cubicBezTo>
-                    <a:pt x="92" y="69"/>
-                    <a:pt x="89" y="72"/>
-                    <a:pt x="86" y="72"/>
-                  </a:cubicBezTo>
-                  <a:cubicBezTo>
-                    <a:pt x="6" y="72"/>
-                    <a:pt x="6" y="72"/>
-                    <a:pt x="6" y="72"/>
-                  </a:cubicBezTo>
-                  <a:cubicBezTo>
-                    <a:pt x="3" y="72"/>
-                    <a:pt x="0" y="69"/>
-                    <a:pt x="0" y="66"/>
-                  </a:cubicBezTo>
-                  <a:cubicBezTo>
-                    <a:pt x="0" y="6"/>
-                    <a:pt x="0" y="6"/>
-                    <a:pt x="0" y="6"/>
-                  </a:cubicBezTo>
-                  <a:cubicBezTo>
-                    <a:pt x="0" y="3"/>
-                    <a:pt x="3" y="0"/>
-                    <a:pt x="6" y="0"/>
-                  </a:cubicBezTo>
-                  <a:cubicBezTo>
-                    <a:pt x="86" y="0"/>
-                    <a:pt x="86" y="0"/>
-                    <a:pt x="86" y="0"/>
-                  </a:cubicBezTo>
-                  <a:cubicBezTo>
-                    <a:pt x="89" y="0"/>
-                    <a:pt x="92" y="3"/>
-                    <a:pt x="92" y="6"/>
-                  </a:cubicBezTo>
-                  <a:lnTo>
-                    <a:pt x="92" y="66"/>
-                  </a:lnTo>
-                  <a:close/>
-                </a:path>
-              </a:pathLst>
-            </a:custGeom>
-            <a:noFill/>
-            <a:ln w="9525" cap="rnd">
-              <a:solidFill>
-                <a:schemeClr val="bg1"/>
-              </a:solidFill>
-              <a:prstDash val="solid"/>
-              <a:round/>
-              <a:headEnd/>
-              <a:tailEnd/>
-            </a:ln>
-            <a:extLst>
-              <a:ext uri="{909E8E84-426E-40DD-AFC4-6F175D3DCCD1}">
-                <a14:hiddenFill xmlns:a14="http://schemas.microsoft.com/office/drawing/2010/main">
-                  <a:solidFill>
-                    <a:srgbClr val="FFFFFF"/>
-                  </a:solidFill>
-                </a14:hiddenFill>
-              </a:ext>
-            </a:extLst>
-          </p:spPr>
-          <p:txBody>
-            <a:bodyPr vert="horz" wrap="square" lIns="91440" tIns="45720" rIns="91440" bIns="45720" numCol="1" anchor="t" anchorCtr="0" compatLnSpc="1">
-              <a:prstTxWarp prst="textNoShape">
-                <a:avLst/>
-              </a:prstTxWarp>
-            </a:bodyPr>
-            <a:lstStyle/>
-            <a:p>
-              <a:endParaRPr lang="id-ID"/>
-            </a:p>
-          </p:txBody>
-        </p:sp>
-        <p:sp>
-          <p:nvSpPr>
-            <p:cNvPr id="1038" name="Line 91">
-              <a:extLst>
-                <a:ext uri="{FF2B5EF4-FFF2-40B4-BE49-F238E27FC236}">
-                  <a16:creationId xmlns:a16="http://schemas.microsoft.com/office/drawing/2014/main" id="{D85A1BE9-60DB-F019-DD69-44D7B439019C}"/>
-                </a:ext>
-              </a:extLst>
-            </p:cNvPr>
-            <p:cNvSpPr>
-              <a:spLocks noChangeShapeType="1"/>
-            </p:cNvSpPr>
-            <p:nvPr/>
-          </p:nvSpPr>
-          <p:spPr bwMode="auto">
-            <a:xfrm>
-              <a:off x="7072313" y="3948113"/>
-              <a:ext cx="211138" cy="0"/>
-            </a:xfrm>
-            <a:prstGeom prst="line">
-              <a:avLst/>
-            </a:prstGeom>
-            <a:noFill/>
-            <a:ln w="9525" cap="rnd">
-              <a:solidFill>
-                <a:schemeClr val="bg1"/>
-              </a:solidFill>
-              <a:prstDash val="solid"/>
-              <a:round/>
-              <a:headEnd/>
-              <a:tailEnd/>
-            </a:ln>
-            <a:extLst>
-              <a:ext uri="{909E8E84-426E-40DD-AFC4-6F175D3DCCD1}">
-                <a14:hiddenFill xmlns:a14="http://schemas.microsoft.com/office/drawing/2010/main">
-                  <a:noFill/>
-                </a14:hiddenFill>
-              </a:ext>
-            </a:extLst>
-          </p:spPr>
-          <p:txBody>
-            <a:bodyPr vert="horz" wrap="square" lIns="91440" tIns="45720" rIns="91440" bIns="45720" numCol="1" anchor="t" anchorCtr="0" compatLnSpc="1">
-              <a:prstTxWarp prst="textNoShape">
-                <a:avLst/>
-              </a:prstTxWarp>
-            </a:bodyPr>
-            <a:lstStyle/>
-            <a:p>
-              <a:endParaRPr lang="id-ID"/>
-            </a:p>
-          </p:txBody>
-        </p:sp>
-        <p:sp>
-          <p:nvSpPr>
-            <p:cNvPr id="1039" name="Line 92">
-              <a:extLst>
-                <a:ext uri="{FF2B5EF4-FFF2-40B4-BE49-F238E27FC236}">
-                  <a16:creationId xmlns:a16="http://schemas.microsoft.com/office/drawing/2014/main" id="{E958D838-16E4-F50B-23BF-CD6D45A75785}"/>
-                </a:ext>
-              </a:extLst>
-            </p:cNvPr>
-            <p:cNvSpPr>
-              <a:spLocks noChangeShapeType="1"/>
-            </p:cNvSpPr>
-            <p:nvPr/>
-          </p:nvSpPr>
-          <p:spPr bwMode="auto">
-            <a:xfrm>
-              <a:off x="7178676" y="3917951"/>
-              <a:ext cx="0" cy="30163"/>
-            </a:xfrm>
-            <a:prstGeom prst="line">
-              <a:avLst/>
-            </a:prstGeom>
-            <a:noFill/>
-            <a:ln w="9525" cap="rnd">
-              <a:solidFill>
-                <a:schemeClr val="bg1"/>
-              </a:solidFill>
-              <a:prstDash val="solid"/>
-              <a:round/>
-              <a:headEnd/>
-              <a:tailEnd/>
-            </a:ln>
-            <a:extLst>
-              <a:ext uri="{909E8E84-426E-40DD-AFC4-6F175D3DCCD1}">
-                <a14:hiddenFill xmlns:a14="http://schemas.microsoft.com/office/drawing/2010/main">
-                  <a:noFill/>
-                </a14:hiddenFill>
-              </a:ext>
-            </a:extLst>
-          </p:spPr>
-          <p:txBody>
-            <a:bodyPr vert="horz" wrap="square" lIns="91440" tIns="45720" rIns="91440" bIns="45720" numCol="1" anchor="t" anchorCtr="0" compatLnSpc="1">
-              <a:prstTxWarp prst="textNoShape">
-                <a:avLst/>
-              </a:prstTxWarp>
-            </a:bodyPr>
-            <a:lstStyle/>
-            <a:p>
-              <a:endParaRPr lang="id-ID"/>
-            </a:p>
-          </p:txBody>
-        </p:sp>
-        <p:sp>
-          <p:nvSpPr>
-            <p:cNvPr id="1040" name="Oval 93">
-              <a:extLst>
-                <a:ext uri="{FF2B5EF4-FFF2-40B4-BE49-F238E27FC236}">
-                  <a16:creationId xmlns:a16="http://schemas.microsoft.com/office/drawing/2014/main" id="{6959AF5A-8014-EB78-8EEA-A82DD80D00FA}"/>
-                </a:ext>
-              </a:extLst>
-            </p:cNvPr>
-            <p:cNvSpPr>
-              <a:spLocks noChangeArrowheads="1"/>
-            </p:cNvSpPr>
-            <p:nvPr/>
-          </p:nvSpPr>
-          <p:spPr bwMode="auto">
-            <a:xfrm>
-              <a:off x="7170738" y="3881438"/>
-              <a:ext cx="14288" cy="14288"/>
-            </a:xfrm>
-            <a:prstGeom prst="ellipse">
-              <a:avLst/>
-            </a:prstGeom>
-            <a:noFill/>
-            <a:ln w="9525" cap="flat">
-              <a:solidFill>
-                <a:schemeClr val="bg1"/>
-              </a:solidFill>
-              <a:prstDash val="solid"/>
-              <a:round/>
-              <a:headEnd/>
-              <a:tailEnd/>
-            </a:ln>
-            <a:extLst>
-              <a:ext uri="{909E8E84-426E-40DD-AFC4-6F175D3DCCD1}">
-                <a14:hiddenFill xmlns:a14="http://schemas.microsoft.com/office/drawing/2010/main">
-                  <a:solidFill>
-                    <a:srgbClr val="FFFFFF"/>
-                  </a:solidFill>
-                </a14:hiddenFill>
-              </a:ext>
-            </a:extLst>
-          </p:spPr>
-          <p:txBody>
-            <a:bodyPr vert="horz" wrap="square" lIns="91440" tIns="45720" rIns="91440" bIns="45720" numCol="1" anchor="t" anchorCtr="0" compatLnSpc="1">
-              <a:prstTxWarp prst="textNoShape">
-                <a:avLst/>
-              </a:prstTxWarp>
-            </a:bodyPr>
-            <a:lstStyle/>
-            <a:p>
-              <a:endParaRPr lang="id-ID"/>
-            </a:p>
-          </p:txBody>
-        </p:sp>
-        <p:sp>
-          <p:nvSpPr>
-            <p:cNvPr id="1041" name="Line 94">
-              <a:extLst>
-                <a:ext uri="{FF2B5EF4-FFF2-40B4-BE49-F238E27FC236}">
-                  <a16:creationId xmlns:a16="http://schemas.microsoft.com/office/drawing/2014/main" id="{A5EAEB2C-1728-5B92-187E-D54C3F2551DD}"/>
-                </a:ext>
-              </a:extLst>
-            </p:cNvPr>
-            <p:cNvSpPr>
-              <a:spLocks noChangeShapeType="1"/>
-            </p:cNvSpPr>
-            <p:nvPr/>
-          </p:nvSpPr>
-          <p:spPr bwMode="auto">
-            <a:xfrm>
-              <a:off x="7005638" y="3857626"/>
-              <a:ext cx="344488" cy="0"/>
-            </a:xfrm>
-            <a:prstGeom prst="line">
-              <a:avLst/>
-            </a:prstGeom>
-            <a:noFill/>
-            <a:ln w="9525" cap="flat">
-              <a:solidFill>
-                <a:schemeClr val="bg1"/>
-              </a:solidFill>
-              <a:prstDash val="solid"/>
-              <a:round/>
-              <a:headEnd/>
-              <a:tailEnd/>
-            </a:ln>
-            <a:extLst>
-              <a:ext uri="{909E8E84-426E-40DD-AFC4-6F175D3DCCD1}">
-                <a14:hiddenFill xmlns:a14="http://schemas.microsoft.com/office/drawing/2010/main">
-                  <a:noFill/>
-                </a14:hiddenFill>
-              </a:ext>
-            </a:extLst>
-          </p:spPr>
-          <p:txBody>
-            <a:bodyPr vert="horz" wrap="square" lIns="91440" tIns="45720" rIns="91440" bIns="45720" numCol="1" anchor="t" anchorCtr="0" compatLnSpc="1">
-              <a:prstTxWarp prst="textNoShape">
-                <a:avLst/>
-              </a:prstTxWarp>
-            </a:bodyPr>
-            <a:lstStyle/>
-            <a:p>
-              <a:endParaRPr lang="id-ID"/>
-            </a:p>
-          </p:txBody>
-        </p:sp>
-        <p:sp>
-          <p:nvSpPr>
-            <p:cNvPr id="1042" name="Freeform 95">
-              <a:extLst>
-                <a:ext uri="{FF2B5EF4-FFF2-40B4-BE49-F238E27FC236}">
-                  <a16:creationId xmlns:a16="http://schemas.microsoft.com/office/drawing/2014/main" id="{7E997864-CC9D-D8DD-EE44-D04B09CB787A}"/>
-                </a:ext>
-              </a:extLst>
-            </p:cNvPr>
-            <p:cNvSpPr>
-              <a:spLocks/>
-            </p:cNvSpPr>
-            <p:nvPr/>
-          </p:nvSpPr>
-          <p:spPr bwMode="auto">
-            <a:xfrm>
-              <a:off x="7140576" y="3703638"/>
-              <a:ext cx="82550" cy="101600"/>
-            </a:xfrm>
-            <a:custGeom>
-              <a:avLst/>
-              <a:gdLst>
-                <a:gd name="T0" fmla="*/ 0 w 52"/>
-                <a:gd name="T1" fmla="*/ 0 h 64"/>
-                <a:gd name="T2" fmla="*/ 0 w 52"/>
-                <a:gd name="T3" fmla="*/ 64 h 64"/>
-                <a:gd name="T4" fmla="*/ 52 w 52"/>
-                <a:gd name="T5" fmla="*/ 33 h 64"/>
-                <a:gd name="T6" fmla="*/ 0 w 52"/>
-                <a:gd name="T7" fmla="*/ 0 h 64"/>
-              </a:gdLst>
-              <a:ahLst/>
-              <a:cxnLst>
-                <a:cxn ang="0">
-                  <a:pos x="T0" y="T1"/>
-                </a:cxn>
-                <a:cxn ang="0">
-                  <a:pos x="T2" y="T3"/>
-                </a:cxn>
-                <a:cxn ang="0">
-                  <a:pos x="T4" y="T5"/>
-                </a:cxn>
-                <a:cxn ang="0">
-                  <a:pos x="T6" y="T7"/>
-                </a:cxn>
-              </a:cxnLst>
-              <a:rect l="0" t="0" r="r" b="b"/>
-              <a:pathLst>
-                <a:path w="52" h="64">
-                  <a:moveTo>
-                    <a:pt x="0" y="0"/>
-                  </a:moveTo>
-                  <a:lnTo>
-                    <a:pt x="0" y="64"/>
-                  </a:lnTo>
-                  <a:lnTo>
-                    <a:pt x="52" y="33"/>
-                  </a:lnTo>
-                  <a:lnTo>
-                    <a:pt x="0" y="0"/>
-                  </a:lnTo>
-                  <a:close/>
-                </a:path>
-              </a:pathLst>
-            </a:custGeom>
-            <a:noFill/>
-            <a:ln w="9525" cap="flat">
-              <a:solidFill>
-                <a:schemeClr val="bg1"/>
-              </a:solidFill>
-              <a:prstDash val="solid"/>
-              <a:round/>
-              <a:headEnd/>
-              <a:tailEnd/>
-            </a:ln>
-            <a:extLst>
-              <a:ext uri="{909E8E84-426E-40DD-AFC4-6F175D3DCCD1}">
-                <a14:hiddenFill xmlns:a14="http://schemas.microsoft.com/office/drawing/2010/main">
-                  <a:solidFill>
-                    <a:srgbClr val="FFFFFF"/>
-                  </a:solidFill>
-                </a14:hiddenFill>
-              </a:ext>
-            </a:extLst>
-          </p:spPr>
-          <p:txBody>
-            <a:bodyPr vert="horz" wrap="square" lIns="91440" tIns="45720" rIns="91440" bIns="45720" numCol="1" anchor="t" anchorCtr="0" compatLnSpc="1">
-              <a:prstTxWarp prst="textNoShape">
-                <a:avLst/>
-              </a:prstTxWarp>
-            </a:bodyPr>
-            <a:lstStyle/>
-            <a:p>
-              <a:endParaRPr lang="id-ID"/>
-            </a:p>
-          </p:txBody>
-        </p:sp>
-      </p:grpSp>
-      <p:grpSp>
-        <p:nvGrpSpPr>
-          <p:cNvPr id="2" name="Group 1">
-            <a:extLst>
-              <a:ext uri="{FF2B5EF4-FFF2-40B4-BE49-F238E27FC236}">
-                <a16:creationId xmlns:a16="http://schemas.microsoft.com/office/drawing/2014/main" id="{CBDBC168-5E83-5A26-1807-D17A43DDA94D}"/>
-              </a:ext>
-            </a:extLst>
-          </p:cNvPr>
-          <p:cNvGrpSpPr>
-            <a:grpSpLocks noChangeAspect="1"/>
-          </p:cNvGrpSpPr>
-          <p:nvPr/>
-        </p:nvGrpSpPr>
-        <p:grpSpPr>
-          <a:xfrm>
-            <a:off x="602808" y="1919421"/>
-            <a:ext cx="236623" cy="216000"/>
-            <a:chOff x="3398838" y="5076826"/>
-            <a:chExt cx="346075" cy="315913"/>
-          </a:xfrm>
-        </p:grpSpPr>
-        <p:sp>
-          <p:nvSpPr>
-            <p:cNvPr id="4" name="Rectangle 80">
-              <a:extLst>
-                <a:ext uri="{FF2B5EF4-FFF2-40B4-BE49-F238E27FC236}">
-                  <a16:creationId xmlns:a16="http://schemas.microsoft.com/office/drawing/2014/main" id="{3F517093-719C-FCD0-64BC-E827197D9EEC}"/>
-                </a:ext>
-              </a:extLst>
-            </p:cNvPr>
-            <p:cNvSpPr>
-              <a:spLocks noChangeArrowheads="1"/>
-            </p:cNvSpPr>
-            <p:nvPr/>
-          </p:nvSpPr>
-          <p:spPr bwMode="auto">
-            <a:xfrm>
-              <a:off x="3519488" y="5076826"/>
-              <a:ext cx="225425" cy="74613"/>
-            </a:xfrm>
-            <a:prstGeom prst="rect">
-              <a:avLst/>
-            </a:prstGeom>
-            <a:noFill/>
-            <a:ln w="12700" cap="rnd">
-              <a:solidFill>
-                <a:schemeClr val="bg1"/>
-              </a:solidFill>
-              <a:prstDash val="solid"/>
-              <a:round/>
-              <a:headEnd/>
-              <a:tailEnd/>
-            </a:ln>
-            <a:extLst>
-              <a:ext uri="{909E8E84-426E-40DD-AFC4-6F175D3DCCD1}">
-                <a14:hiddenFill xmlns:a14="http://schemas.microsoft.com/office/drawing/2010/main">
-                  <a:solidFill>
-                    <a:srgbClr val="FFFFFF"/>
-                  </a:solidFill>
-                </a14:hiddenFill>
-              </a:ext>
-            </a:extLst>
-          </p:spPr>
-          <p:txBody>
-            <a:bodyPr vert="horz" wrap="square" lIns="91440" tIns="45720" rIns="91440" bIns="45720" numCol="1" anchor="t" anchorCtr="0" compatLnSpc="1">
-              <a:prstTxWarp prst="textNoShape">
-                <a:avLst/>
-              </a:prstTxWarp>
-            </a:bodyPr>
-            <a:lstStyle/>
-            <a:p>
-              <a:endParaRPr lang="id-ID"/>
-            </a:p>
-          </p:txBody>
-        </p:sp>
-        <p:sp>
-          <p:nvSpPr>
-            <p:cNvPr id="5" name="Rectangle 81">
-              <a:extLst>
-                <a:ext uri="{FF2B5EF4-FFF2-40B4-BE49-F238E27FC236}">
-                  <a16:creationId xmlns:a16="http://schemas.microsoft.com/office/drawing/2014/main" id="{F23C2109-496B-3C7B-5FE8-EDC05FBE882C}"/>
-                </a:ext>
-              </a:extLst>
-            </p:cNvPr>
-            <p:cNvSpPr>
-              <a:spLocks noChangeArrowheads="1"/>
-            </p:cNvSpPr>
-            <p:nvPr/>
-          </p:nvSpPr>
-          <p:spPr bwMode="auto">
-            <a:xfrm>
-              <a:off x="3519488" y="5197476"/>
-              <a:ext cx="225425" cy="74613"/>
-            </a:xfrm>
-            <a:prstGeom prst="rect">
-              <a:avLst/>
-            </a:prstGeom>
-            <a:noFill/>
-            <a:ln w="12700" cap="rnd">
-              <a:solidFill>
-                <a:schemeClr val="bg1"/>
-              </a:solidFill>
-              <a:prstDash val="solid"/>
-              <a:round/>
-              <a:headEnd/>
-              <a:tailEnd/>
-            </a:ln>
-            <a:extLst>
-              <a:ext uri="{909E8E84-426E-40DD-AFC4-6F175D3DCCD1}">
-                <a14:hiddenFill xmlns:a14="http://schemas.microsoft.com/office/drawing/2010/main">
-                  <a:solidFill>
-                    <a:srgbClr val="FFFFFF"/>
-                  </a:solidFill>
-                </a14:hiddenFill>
-              </a:ext>
-            </a:extLst>
-          </p:spPr>
-          <p:txBody>
-            <a:bodyPr vert="horz" wrap="square" lIns="91440" tIns="45720" rIns="91440" bIns="45720" numCol="1" anchor="t" anchorCtr="0" compatLnSpc="1">
-              <a:prstTxWarp prst="textNoShape">
-                <a:avLst/>
-              </a:prstTxWarp>
-            </a:bodyPr>
-            <a:lstStyle/>
-            <a:p>
-              <a:endParaRPr lang="id-ID"/>
-            </a:p>
-          </p:txBody>
-        </p:sp>
-        <p:sp>
-          <p:nvSpPr>
-            <p:cNvPr id="6" name="Rectangle 82">
-              <a:extLst>
-                <a:ext uri="{FF2B5EF4-FFF2-40B4-BE49-F238E27FC236}">
-                  <a16:creationId xmlns:a16="http://schemas.microsoft.com/office/drawing/2014/main" id="{700C700D-F062-129E-AA5C-1B5835903468}"/>
-                </a:ext>
-              </a:extLst>
-            </p:cNvPr>
-            <p:cNvSpPr>
-              <a:spLocks noChangeArrowheads="1"/>
-            </p:cNvSpPr>
-            <p:nvPr/>
-          </p:nvSpPr>
-          <p:spPr bwMode="auto">
-            <a:xfrm>
-              <a:off x="3519488" y="5316539"/>
-              <a:ext cx="225425" cy="76200"/>
-            </a:xfrm>
-            <a:prstGeom prst="rect">
-              <a:avLst/>
-            </a:prstGeom>
-            <a:noFill/>
-            <a:ln w="12700" cap="rnd">
-              <a:solidFill>
-                <a:schemeClr val="bg1"/>
-              </a:solidFill>
-              <a:prstDash val="solid"/>
-              <a:round/>
-              <a:headEnd/>
-              <a:tailEnd/>
-            </a:ln>
-            <a:extLst>
-              <a:ext uri="{909E8E84-426E-40DD-AFC4-6F175D3DCCD1}">
-                <a14:hiddenFill xmlns:a14="http://schemas.microsoft.com/office/drawing/2010/main">
-                  <a:solidFill>
-                    <a:srgbClr val="FFFFFF"/>
-                  </a:solidFill>
-                </a14:hiddenFill>
-              </a:ext>
-            </a:extLst>
-          </p:spPr>
-          <p:txBody>
-            <a:bodyPr vert="horz" wrap="square" lIns="91440" tIns="45720" rIns="91440" bIns="45720" numCol="1" anchor="t" anchorCtr="0" compatLnSpc="1">
-              <a:prstTxWarp prst="textNoShape">
-                <a:avLst/>
-              </a:prstTxWarp>
-            </a:bodyPr>
-            <a:lstStyle/>
-            <a:p>
-              <a:endParaRPr lang="id-ID"/>
-            </a:p>
-          </p:txBody>
-        </p:sp>
-        <p:sp>
-          <p:nvSpPr>
-            <p:cNvPr id="7" name="Rectangle 83">
-              <a:extLst>
-                <a:ext uri="{FF2B5EF4-FFF2-40B4-BE49-F238E27FC236}">
-                  <a16:creationId xmlns:a16="http://schemas.microsoft.com/office/drawing/2014/main" id="{138246D0-38CB-78DF-4534-BDF97510D6BB}"/>
-                </a:ext>
-              </a:extLst>
-            </p:cNvPr>
-            <p:cNvSpPr>
-              <a:spLocks noChangeArrowheads="1"/>
-            </p:cNvSpPr>
-            <p:nvPr/>
-          </p:nvSpPr>
-          <p:spPr bwMode="auto">
-            <a:xfrm>
-              <a:off x="3398838" y="5076826"/>
-              <a:ext cx="74613" cy="74613"/>
-            </a:xfrm>
-            <a:prstGeom prst="rect">
-              <a:avLst/>
-            </a:prstGeom>
-            <a:noFill/>
-            <a:ln w="12700" cap="rnd">
-              <a:solidFill>
-                <a:schemeClr val="bg1"/>
-              </a:solidFill>
-              <a:prstDash val="solid"/>
-              <a:round/>
-              <a:headEnd/>
-              <a:tailEnd/>
-            </a:ln>
-            <a:extLst>
-              <a:ext uri="{909E8E84-426E-40DD-AFC4-6F175D3DCCD1}">
-                <a14:hiddenFill xmlns:a14="http://schemas.microsoft.com/office/drawing/2010/main">
-                  <a:solidFill>
-                    <a:srgbClr val="FFFFFF"/>
-                  </a:solidFill>
-                </a14:hiddenFill>
-              </a:ext>
-            </a:extLst>
-          </p:spPr>
-          <p:txBody>
-            <a:bodyPr vert="horz" wrap="square" lIns="91440" tIns="45720" rIns="91440" bIns="45720" numCol="1" anchor="t" anchorCtr="0" compatLnSpc="1">
-              <a:prstTxWarp prst="textNoShape">
-                <a:avLst/>
-              </a:prstTxWarp>
-            </a:bodyPr>
-            <a:lstStyle/>
-            <a:p>
-              <a:endParaRPr lang="id-ID"/>
-            </a:p>
-          </p:txBody>
-        </p:sp>
-        <p:sp>
-          <p:nvSpPr>
-            <p:cNvPr id="8" name="Rectangle 84">
-              <a:extLst>
-                <a:ext uri="{FF2B5EF4-FFF2-40B4-BE49-F238E27FC236}">
-                  <a16:creationId xmlns:a16="http://schemas.microsoft.com/office/drawing/2014/main" id="{B85A494E-E948-3963-AB4A-3D367E28AE1F}"/>
-                </a:ext>
-              </a:extLst>
-            </p:cNvPr>
-            <p:cNvSpPr>
-              <a:spLocks noChangeArrowheads="1"/>
-            </p:cNvSpPr>
-            <p:nvPr/>
-          </p:nvSpPr>
-          <p:spPr bwMode="auto">
-            <a:xfrm>
-              <a:off x="3398838" y="5197476"/>
-              <a:ext cx="74613" cy="74613"/>
-            </a:xfrm>
-            <a:prstGeom prst="rect">
-              <a:avLst/>
-            </a:prstGeom>
-            <a:noFill/>
-            <a:ln w="12700" cap="rnd">
-              <a:solidFill>
-                <a:schemeClr val="bg1"/>
-              </a:solidFill>
-              <a:prstDash val="solid"/>
-              <a:round/>
-              <a:headEnd/>
-              <a:tailEnd/>
-            </a:ln>
-            <a:extLst>
-              <a:ext uri="{909E8E84-426E-40DD-AFC4-6F175D3DCCD1}">
-                <a14:hiddenFill xmlns:a14="http://schemas.microsoft.com/office/drawing/2010/main">
-                  <a:solidFill>
-                    <a:srgbClr val="FFFFFF"/>
-                  </a:solidFill>
-                </a14:hiddenFill>
-              </a:ext>
-            </a:extLst>
-          </p:spPr>
-          <p:txBody>
-            <a:bodyPr vert="horz" wrap="square" lIns="91440" tIns="45720" rIns="91440" bIns="45720" numCol="1" anchor="t" anchorCtr="0" compatLnSpc="1">
-              <a:prstTxWarp prst="textNoShape">
-                <a:avLst/>
-              </a:prstTxWarp>
-            </a:bodyPr>
-            <a:lstStyle/>
-            <a:p>
-              <a:endParaRPr lang="id-ID"/>
-            </a:p>
-          </p:txBody>
-        </p:sp>
-        <p:sp>
-          <p:nvSpPr>
-            <p:cNvPr id="9" name="Rectangle 85">
-              <a:extLst>
-                <a:ext uri="{FF2B5EF4-FFF2-40B4-BE49-F238E27FC236}">
-                  <a16:creationId xmlns:a16="http://schemas.microsoft.com/office/drawing/2014/main" id="{C5E7F8FF-6801-F903-4275-FB0B3ADE89FF}"/>
-                </a:ext>
-              </a:extLst>
-            </p:cNvPr>
-            <p:cNvSpPr>
-              <a:spLocks noChangeArrowheads="1"/>
-            </p:cNvSpPr>
-            <p:nvPr/>
-          </p:nvSpPr>
-          <p:spPr bwMode="auto">
-            <a:xfrm>
-              <a:off x="3398838" y="5316539"/>
-              <a:ext cx="74613" cy="76200"/>
-            </a:xfrm>
-            <a:prstGeom prst="rect">
-              <a:avLst/>
-            </a:prstGeom>
-            <a:noFill/>
-            <a:ln w="12700" cap="rnd">
-              <a:solidFill>
-                <a:schemeClr val="bg1"/>
-              </a:solidFill>
-              <a:prstDash val="solid"/>
-              <a:round/>
-              <a:headEnd/>
-              <a:tailEnd/>
-            </a:ln>
-            <a:extLst>
-              <a:ext uri="{909E8E84-426E-40DD-AFC4-6F175D3DCCD1}">
-                <a14:hiddenFill xmlns:a14="http://schemas.microsoft.com/office/drawing/2010/main">
-                  <a:solidFill>
-                    <a:srgbClr val="FFFFFF"/>
-                  </a:solidFill>
-                </a14:hiddenFill>
-              </a:ext>
-            </a:extLst>
-          </p:spPr>
-          <p:txBody>
-            <a:bodyPr vert="horz" wrap="square" lIns="91440" tIns="45720" rIns="91440" bIns="45720" numCol="1" anchor="t" anchorCtr="0" compatLnSpc="1">
-              <a:prstTxWarp prst="textNoShape">
-                <a:avLst/>
-              </a:prstTxWarp>
-            </a:bodyPr>
-            <a:lstStyle/>
-            <a:p>
-              <a:endParaRPr lang="id-ID"/>
-            </a:p>
-          </p:txBody>
-        </p:sp>
-      </p:grpSp>
-    </p:spTree>
-    <p:extLst>
-      <p:ext uri="{BB962C8B-B14F-4D97-AF65-F5344CB8AC3E}">
-        <p14:creationId xmlns:p14="http://schemas.microsoft.com/office/powerpoint/2010/main" val="848634955"/>
-      </p:ext>
-    </p:extLst>
-  </p:cSld>
-  <p:clrMapOvr>
-    <a:masterClrMapping/>
-  </p:clrMapOvr>
-</p:sld>
-</file>
-
-<file path=ppt/slides/slide5.xml><?xml version="1.0" encoding="utf-8"?>
-<p:sld xmlns:a="http://schemas.openxmlformats.org/drawingml/2006/main" xmlns:r="http://schemas.openxmlformats.org/officeDocument/2006/relationships" xmlns:p="http://schemas.openxmlformats.org/presentationml/2006/main">
-  <p:cSld>
-    <p:bg>
-      <p:bgPr>
-        <a:solidFill>
-          <a:srgbClr val="191414"/>
-        </a:solidFill>
-        <a:effectLst/>
-      </p:bgPr>
-    </p:bg>
-    <p:spTree>
-      <p:nvGrpSpPr>
-        <p:cNvPr id="1" name=""/>
-        <p:cNvGrpSpPr/>
-        <p:nvPr/>
-      </p:nvGrpSpPr>
-      <p:grpSpPr>
-        <a:xfrm>
-          <a:off x="0" y="0"/>
-          <a:ext cx="0" cy="0"/>
-          <a:chOff x="0" y="0"/>
-          <a:chExt cx="0" cy="0"/>
-        </a:xfrm>
-      </p:grpSpPr>
-      <p:sp>
-        <p:nvSpPr>
-          <p:cNvPr id="18" name="TextBox 17">
-            <a:extLst>
-              <a:ext uri="{FF2B5EF4-FFF2-40B4-BE49-F238E27FC236}">
-                <a16:creationId xmlns:a16="http://schemas.microsoft.com/office/drawing/2014/main" id="{355AC3A1-175C-0DC3-DBAF-F626A9F3780A}"/>
-              </a:ext>
-            </a:extLst>
-          </p:cNvPr>
-          <p:cNvSpPr txBox="1"/>
-          <p:nvPr/>
-        </p:nvSpPr>
-        <p:spPr>
-          <a:xfrm>
-            <a:off x="3474402" y="388280"/>
-            <a:ext cx="7841298" cy="769441"/>
-          </a:xfrm>
-          <a:prstGeom prst="rect">
-            <a:avLst/>
-          </a:prstGeom>
-          <a:noFill/>
-        </p:spPr>
-        <p:txBody>
-          <a:bodyPr wrap="square" rtlCol="0">
-            <a:spAutoFit/>
-          </a:bodyPr>
-          <a:lstStyle/>
-          <a:p>
-            <a:r>
-              <a:rPr lang="en-US" sz="4400" b="1" dirty="0">
-                <a:solidFill>
-                  <a:srgbClr val="1DB954"/>
-                </a:solidFill>
-                <a:latin typeface="Segoe UI" panose="020B0502040204020203" pitchFamily="34" charset="0"/>
-                <a:cs typeface="Segoe UI" panose="020B0502040204020203" pitchFamily="34" charset="0"/>
-              </a:rPr>
-              <a:t>EDA</a:t>
-            </a:r>
-            <a:endParaRPr lang="en-US" sz="4400" b="1" dirty="0">
-              <a:solidFill>
-                <a:schemeClr val="bg1"/>
-              </a:solidFill>
-              <a:latin typeface="Segoe UI" panose="020B0502040204020203" pitchFamily="34" charset="0"/>
-              <a:cs typeface="Segoe UI" panose="020B0502040204020203" pitchFamily="34" charset="0"/>
-            </a:endParaRPr>
-          </a:p>
-        </p:txBody>
-      </p:sp>
-      <p:sp>
-        <p:nvSpPr>
-          <p:cNvPr id="42" name="Rectangle: Rounded Corners 41">
-            <a:extLst>
-              <a:ext uri="{FF2B5EF4-FFF2-40B4-BE49-F238E27FC236}">
-                <a16:creationId xmlns:a16="http://schemas.microsoft.com/office/drawing/2014/main" id="{2D323B2B-1A46-4DE2-23B4-AE05B947C523}"/>
-              </a:ext>
-            </a:extLst>
-          </p:cNvPr>
-          <p:cNvSpPr/>
-          <p:nvPr/>
-        </p:nvSpPr>
-        <p:spPr>
-          <a:xfrm>
-            <a:off x="3428683" y="1367642"/>
-            <a:ext cx="8382635" cy="4756908"/>
-          </a:xfrm>
-          <a:prstGeom prst="roundRect">
-            <a:avLst>
-              <a:gd name="adj" fmla="val 7408"/>
-            </a:avLst>
-          </a:prstGeom>
-          <a:solidFill>
-            <a:srgbClr val="0A0A0B"/>
-          </a:solidFill>
-          <a:ln>
-            <a:noFill/>
-          </a:ln>
-        </p:spPr>
-        <p:style>
-          <a:lnRef idx="2">
-            <a:schemeClr val="accent1">
-              <a:shade val="50000"/>
-            </a:schemeClr>
-          </a:lnRef>
-          <a:fillRef idx="1">
-            <a:schemeClr val="accent1"/>
-          </a:fillRef>
-          <a:effectRef idx="0">
-            <a:schemeClr val="accent1"/>
-          </a:effectRef>
-          <a:fontRef idx="minor">
-            <a:schemeClr val="lt1"/>
-          </a:fontRef>
-        </p:style>
-        <p:txBody>
-          <a:bodyPr rtlCol="0" anchor="ctr"/>
-          <a:lstStyle/>
-          <a:p>
-            <a:pPr algn="ctr"/>
-            <a:endParaRPr lang="en-US">
-              <a:latin typeface="Segoe UI" panose="020B0502040204020203" pitchFamily="34" charset="0"/>
-              <a:cs typeface="Segoe UI" panose="020B0502040204020203" pitchFamily="34" charset="0"/>
-            </a:endParaRPr>
-          </a:p>
-        </p:txBody>
-      </p:sp>
-      <p:sp>
-        <p:nvSpPr>
-          <p:cNvPr id="45" name="TextBox 44">
-            <a:extLst>
-              <a:ext uri="{FF2B5EF4-FFF2-40B4-BE49-F238E27FC236}">
-                <a16:creationId xmlns:a16="http://schemas.microsoft.com/office/drawing/2014/main" id="{B6429CB9-9544-2C8E-5FE0-1DF020713FDA}"/>
-              </a:ext>
-            </a:extLst>
-          </p:cNvPr>
-          <p:cNvSpPr txBox="1"/>
-          <p:nvPr/>
-        </p:nvSpPr>
-        <p:spPr>
-          <a:xfrm>
-            <a:off x="3678542" y="1492875"/>
-            <a:ext cx="3960000" cy="366917"/>
-          </a:xfrm>
-          <a:prstGeom prst="rect">
-            <a:avLst/>
-          </a:prstGeom>
-          <a:noFill/>
-        </p:spPr>
-        <p:txBody>
-          <a:bodyPr wrap="none" lIns="0" rIns="0" rtlCol="0" anchor="ctr">
-            <a:noAutofit/>
-          </a:bodyPr>
-          <a:lstStyle/>
-          <a:p>
-            <a:endParaRPr lang="en-US" sz="1400" dirty="0">
-              <a:solidFill>
-                <a:schemeClr val="bg1"/>
-              </a:solidFill>
-              <a:latin typeface="Segoe UI" panose="020B0502040204020203" pitchFamily="34" charset="0"/>
-              <a:cs typeface="Segoe UI" panose="020B0502040204020203" pitchFamily="34" charset="0"/>
-            </a:endParaRPr>
-          </a:p>
-        </p:txBody>
-      </p:sp>
-      <p:sp>
-        <p:nvSpPr>
-          <p:cNvPr id="48" name="TextBox 47">
-            <a:extLst>
-              <a:ext uri="{FF2B5EF4-FFF2-40B4-BE49-F238E27FC236}">
-                <a16:creationId xmlns:a16="http://schemas.microsoft.com/office/drawing/2014/main" id="{E4CCABAB-F10A-642D-34EC-706C8A69764F}"/>
-              </a:ext>
-            </a:extLst>
-          </p:cNvPr>
-          <p:cNvSpPr txBox="1"/>
-          <p:nvPr/>
-        </p:nvSpPr>
-        <p:spPr>
-          <a:xfrm>
-            <a:off x="3666184" y="1569060"/>
-            <a:ext cx="7929163" cy="4431689"/>
-          </a:xfrm>
-          <a:prstGeom prst="rect">
-            <a:avLst/>
-          </a:prstGeom>
-          <a:noFill/>
-        </p:spPr>
-        <p:txBody>
-          <a:bodyPr wrap="square" lIns="0" rIns="0" rtlCol="0" anchor="t" anchorCtr="0">
-            <a:noAutofit/>
-          </a:bodyPr>
-          <a:lstStyle/>
-          <a:p>
-            <a:pPr algn="l"/>
-            <a:r>
-              <a:rPr lang="de-AT" sz="2800" dirty="0" err="1">
-                <a:solidFill>
-                  <a:schemeClr val="bg1"/>
-                </a:solidFill>
-                <a:latin typeface="Söhne"/>
-              </a:rPr>
-              <a:t>Statistics</a:t>
-            </a:r>
-            <a:r>
-              <a:rPr lang="de-AT" sz="2800" dirty="0">
-                <a:solidFill>
-                  <a:schemeClr val="bg1"/>
-                </a:solidFill>
-                <a:latin typeface="Söhne"/>
-              </a:rPr>
-              <a:t> </a:t>
-            </a:r>
-            <a:r>
-              <a:rPr lang="de-AT" sz="2800" dirty="0" err="1">
-                <a:solidFill>
-                  <a:schemeClr val="bg1"/>
-                </a:solidFill>
-                <a:latin typeface="Söhne"/>
-              </a:rPr>
-              <a:t>for</a:t>
-            </a:r>
-            <a:r>
-              <a:rPr lang="de-AT" sz="2800" dirty="0">
-                <a:solidFill>
-                  <a:schemeClr val="bg1"/>
-                </a:solidFill>
-                <a:latin typeface="Söhne"/>
-              </a:rPr>
-              <a:t> </a:t>
-            </a:r>
-            <a:r>
-              <a:rPr lang="de-AT" sz="2800" dirty="0" err="1">
-                <a:solidFill>
-                  <a:schemeClr val="bg1"/>
-                </a:solidFill>
-                <a:latin typeface="Söhne"/>
-              </a:rPr>
-              <a:t>lyrics</a:t>
-            </a:r>
-            <a:r>
-              <a:rPr lang="de-AT" sz="2800" dirty="0">
-                <a:solidFill>
-                  <a:schemeClr val="bg1"/>
-                </a:solidFill>
-                <a:latin typeface="Söhne"/>
-              </a:rPr>
-              <a:t>:</a:t>
+              <a:t> Genres:</a:t>
             </a:r>
           </a:p>
           <a:p>
@@ -9340,25 +10503,309 @@
               <a:buChar char="•"/>
             </a:pPr>
             <a:r>
-              <a:rPr lang="de-AT" sz="2800" dirty="0">
+              <a:rPr lang="de-AT" sz="2400" dirty="0" err="1">
                 <a:solidFill>
                   <a:schemeClr val="bg1"/>
                 </a:solidFill>
                 <a:latin typeface="Söhne"/>
               </a:rPr>
-              <a:t>40.816 </a:t>
-            </a:r>
-            <a:r>
-              <a:rPr lang="de-AT" sz="2800" dirty="0" err="1">
+              <a:t>Number</a:t>
+            </a:r>
+            <a:r>
+              <a:rPr lang="de-AT" sz="2400" dirty="0">
                 <a:solidFill>
                   <a:schemeClr val="bg1"/>
                 </a:solidFill>
                 <a:latin typeface="Söhne"/>
               </a:rPr>
+              <a:t> </a:t>
+            </a:r>
+            <a:r>
+              <a:rPr lang="de-AT" sz="2400" dirty="0" err="1">
+                <a:solidFill>
+                  <a:schemeClr val="bg1"/>
+                </a:solidFill>
+                <a:latin typeface="Söhne"/>
+              </a:rPr>
+              <a:t>of</a:t>
+            </a:r>
+            <a:r>
+              <a:rPr lang="de-AT" sz="2400" dirty="0">
+                <a:solidFill>
+                  <a:schemeClr val="bg1"/>
+                </a:solidFill>
+                <a:latin typeface="Söhne"/>
+              </a:rPr>
+              <a:t> </a:t>
+            </a:r>
+            <a:r>
+              <a:rPr lang="de-AT" sz="2400" dirty="0" err="1">
+                <a:solidFill>
+                  <a:schemeClr val="bg1"/>
+                </a:solidFill>
+                <a:latin typeface="Söhne"/>
+              </a:rPr>
+              <a:t>Documents</a:t>
+            </a:r>
+            <a:r>
+              <a:rPr lang="de-AT" sz="2400" dirty="0">
+                <a:solidFill>
+                  <a:schemeClr val="bg1"/>
+                </a:solidFill>
+                <a:latin typeface="Söhne"/>
+              </a:rPr>
+              <a:t>: 32589 </a:t>
+            </a:r>
+            <a:br>
+              <a:rPr lang="de-AT" sz="2400" dirty="0">
+                <a:solidFill>
+                  <a:schemeClr val="bg1"/>
+                </a:solidFill>
+                <a:latin typeface="Söhne"/>
+              </a:rPr>
+            </a:br>
+            <a:r>
+              <a:rPr lang="de-AT" sz="2400" dirty="0">
+                <a:solidFill>
+                  <a:schemeClr val="bg1"/>
+                </a:solidFill>
+                <a:latin typeface="Söhne"/>
+              </a:rPr>
+              <a:t>Average </a:t>
+            </a:r>
+            <a:r>
+              <a:rPr lang="de-AT" sz="2400" dirty="0" err="1">
+                <a:solidFill>
+                  <a:schemeClr val="bg1"/>
+                </a:solidFill>
+                <a:latin typeface="Söhne"/>
+              </a:rPr>
+              <a:t>Document</a:t>
+            </a:r>
+            <a:r>
+              <a:rPr lang="de-AT" sz="2400" dirty="0">
+                <a:solidFill>
+                  <a:schemeClr val="bg1"/>
+                </a:solidFill>
+                <a:latin typeface="Söhne"/>
+              </a:rPr>
+              <a:t> </a:t>
+            </a:r>
+            <a:r>
+              <a:rPr lang="de-AT" sz="2400" dirty="0" err="1">
+                <a:solidFill>
+                  <a:schemeClr val="bg1"/>
+                </a:solidFill>
+                <a:latin typeface="Söhne"/>
+              </a:rPr>
+              <a:t>Length</a:t>
+            </a:r>
+            <a:r>
+              <a:rPr lang="de-AT" sz="2400" dirty="0">
+                <a:solidFill>
+                  <a:schemeClr val="bg1"/>
+                </a:solidFill>
+                <a:latin typeface="Söhne"/>
+              </a:rPr>
+              <a:t>: 2.68 </a:t>
+            </a:r>
+            <a:r>
+              <a:rPr lang="de-AT" sz="2400" dirty="0" err="1">
+                <a:solidFill>
+                  <a:schemeClr val="bg1"/>
+                </a:solidFill>
+                <a:latin typeface="Söhne"/>
+              </a:rPr>
+              <a:t>words</a:t>
+            </a:r>
+            <a:r>
+              <a:rPr lang="de-AT" sz="2400" dirty="0">
+                <a:solidFill>
+                  <a:schemeClr val="bg1"/>
+                </a:solidFill>
+                <a:latin typeface="Söhne"/>
+              </a:rPr>
+              <a:t> </a:t>
+            </a:r>
+            <a:br>
+              <a:rPr lang="de-AT" sz="2400" dirty="0">
+                <a:solidFill>
+                  <a:schemeClr val="bg1"/>
+                </a:solidFill>
+                <a:latin typeface="Söhne"/>
+              </a:rPr>
+            </a:br>
+            <a:r>
+              <a:rPr lang="de-AT" sz="2400" dirty="0">
+                <a:solidFill>
+                  <a:schemeClr val="bg1"/>
+                </a:solidFill>
+                <a:latin typeface="Söhne"/>
+              </a:rPr>
+              <a:t>Minimum </a:t>
+            </a:r>
+            <a:r>
+              <a:rPr lang="de-AT" sz="2400" dirty="0" err="1">
+                <a:solidFill>
+                  <a:schemeClr val="bg1"/>
+                </a:solidFill>
+                <a:latin typeface="Söhne"/>
+              </a:rPr>
+              <a:t>Document</a:t>
+            </a:r>
+            <a:r>
+              <a:rPr lang="de-AT" sz="2400" dirty="0">
+                <a:solidFill>
+                  <a:schemeClr val="bg1"/>
+                </a:solidFill>
+                <a:latin typeface="Söhne"/>
+              </a:rPr>
+              <a:t> </a:t>
+            </a:r>
+            <a:r>
+              <a:rPr lang="de-AT" sz="2400" dirty="0" err="1">
+                <a:solidFill>
+                  <a:schemeClr val="bg1"/>
+                </a:solidFill>
+                <a:latin typeface="Söhne"/>
+              </a:rPr>
+              <a:t>Length</a:t>
+            </a:r>
+            <a:r>
+              <a:rPr lang="de-AT" sz="2400" dirty="0">
+                <a:solidFill>
+                  <a:schemeClr val="bg1"/>
+                </a:solidFill>
+                <a:latin typeface="Söhne"/>
+              </a:rPr>
+              <a:t>: 1 </a:t>
+            </a:r>
+            <a:r>
+              <a:rPr lang="de-AT" sz="2400" dirty="0" err="1">
+                <a:solidFill>
+                  <a:schemeClr val="bg1"/>
+                </a:solidFill>
+                <a:latin typeface="Söhne"/>
+              </a:rPr>
+              <a:t>words</a:t>
+            </a:r>
+            <a:r>
+              <a:rPr lang="de-AT" sz="2400" dirty="0">
+                <a:solidFill>
+                  <a:schemeClr val="bg1"/>
+                </a:solidFill>
+                <a:latin typeface="Söhne"/>
+              </a:rPr>
+              <a:t> </a:t>
+            </a:r>
+            <a:br>
+              <a:rPr lang="de-AT" sz="2400" dirty="0">
+                <a:solidFill>
+                  <a:schemeClr val="bg1"/>
+                </a:solidFill>
+                <a:latin typeface="Söhne"/>
+              </a:rPr>
+            </a:br>
+            <a:r>
+              <a:rPr lang="de-AT" sz="2400" dirty="0">
+                <a:solidFill>
+                  <a:schemeClr val="bg1"/>
+                </a:solidFill>
+                <a:latin typeface="Söhne"/>
+              </a:rPr>
+              <a:t>Maximum </a:t>
+            </a:r>
+            <a:r>
+              <a:rPr lang="de-AT" sz="2400" dirty="0" err="1">
+                <a:solidFill>
+                  <a:schemeClr val="bg1"/>
+                </a:solidFill>
+                <a:latin typeface="Söhne"/>
+              </a:rPr>
+              <a:t>Document</a:t>
+            </a:r>
+            <a:r>
+              <a:rPr lang="de-AT" sz="2400" dirty="0">
+                <a:solidFill>
+                  <a:schemeClr val="bg1"/>
+                </a:solidFill>
+                <a:latin typeface="Söhne"/>
+              </a:rPr>
+              <a:t> </a:t>
+            </a:r>
+            <a:r>
+              <a:rPr lang="de-AT" sz="2400" dirty="0" err="1">
+                <a:solidFill>
+                  <a:schemeClr val="bg1"/>
+                </a:solidFill>
+                <a:latin typeface="Söhne"/>
+              </a:rPr>
+              <a:t>Length</a:t>
+            </a:r>
+            <a:r>
+              <a:rPr lang="de-AT" sz="2400" dirty="0">
+                <a:solidFill>
+                  <a:schemeClr val="bg1"/>
+                </a:solidFill>
+                <a:latin typeface="Söhne"/>
+              </a:rPr>
+              <a:t>: 30 </a:t>
+            </a:r>
+            <a:r>
+              <a:rPr lang="de-AT" sz="2400" dirty="0" err="1">
+                <a:solidFill>
+                  <a:schemeClr val="bg1"/>
+                </a:solidFill>
+                <a:latin typeface="Söhne"/>
+              </a:rPr>
+              <a:t>words</a:t>
+            </a:r>
+            <a:r>
+              <a:rPr lang="de-AT" sz="2400" dirty="0">
+                <a:solidFill>
+                  <a:schemeClr val="bg1"/>
+                </a:solidFill>
+                <a:latin typeface="Söhne"/>
+              </a:rPr>
+              <a:t> </a:t>
+            </a:r>
+            <a:br>
+              <a:rPr lang="de-AT" sz="2400" dirty="0">
+                <a:solidFill>
+                  <a:schemeClr val="bg1"/>
+                </a:solidFill>
+                <a:latin typeface="Söhne"/>
+              </a:rPr>
+            </a:br>
+            <a:r>
+              <a:rPr lang="de-AT" sz="2400" dirty="0" err="1">
+                <a:solidFill>
+                  <a:schemeClr val="bg1"/>
+                </a:solidFill>
+                <a:latin typeface="Söhne"/>
+              </a:rPr>
+              <a:t>Vocabulary</a:t>
+            </a:r>
+            <a:r>
+              <a:rPr lang="de-AT" sz="2400" dirty="0">
+                <a:solidFill>
+                  <a:schemeClr val="bg1"/>
+                </a:solidFill>
+                <a:latin typeface="Söhne"/>
+              </a:rPr>
+              <a:t> Size: 2453 </a:t>
+            </a:r>
+            <a:r>
+              <a:rPr lang="de-AT" sz="2400" dirty="0" err="1">
+                <a:solidFill>
+                  <a:schemeClr val="bg1"/>
+                </a:solidFill>
+                <a:latin typeface="Söhne"/>
+              </a:rPr>
               <a:t>unique</a:t>
             </a:r>
             <a:r>
-              <a:rPr lang="de-AT" sz="2800" dirty="0">
+              <a:rPr lang="de-AT" sz="2400" dirty="0">
                 <a:solidFill>
                   <a:schemeClr val="bg1"/>
                 </a:solidFill>
@@ -9367,28 +10814,15 @@
               <a:t> </a:t>
             </a:r>
             <a:r>
-              <a:rPr lang="de-AT" sz="2800" dirty="0" err="1">
+              <a:rPr lang="de-AT" sz="2400" dirty="0" err="1">
                 <a:solidFill>
                   <a:schemeClr val="bg1"/>
                 </a:solidFill>
                 <a:latin typeface="Söhne"/>
               </a:rPr>
-              <a:t>lyrics</a:t>
-            </a:r>
-            <a:endParaRPr lang="de-AT" sz="2800" b="0" i="0" u="none" strike="noStrike" dirty="0">
-              <a:solidFill>
-                <a:schemeClr val="bg1"/>
-              </a:solidFill>
-              <a:effectLst/>
-              <a:latin typeface="Söhne"/>
-            </a:endParaRPr>
-          </a:p>
-          <a:p>
-            <a:pPr marL="457200" indent="-457200" algn="l">
-              <a:buFont typeface="Arial" panose="020B0604020202020204" pitchFamily="34" charset="0"/>
-              <a:buChar char="•"/>
-            </a:pPr>
-            <a:r>
+              <a:t>words</a:t>
+            </a:r>
+            <a:br>
               <a:rPr lang="de-AT" sz="2800" b="0" i="0" u="none" strike="noStrike" dirty="0">
                 <a:solidFill>
                   <a:schemeClr val="bg1"/>
@@ -9396,25 +10830,17 @@
                 <a:effectLst/>
                 <a:latin typeface="Söhne"/>
               </a:rPr>
-              <a:t>Different </a:t>
-            </a:r>
-            <a:r>
-              <a:rPr lang="de-AT" sz="2800" b="0" i="0" u="none" strike="noStrike" dirty="0" err="1">
+            </a:br>
+            <a:r>
+              <a:rPr lang="de-AT" sz="2800" b="0" i="0" u="none" strike="noStrike" dirty="0">
                 <a:solidFill>
                   <a:schemeClr val="bg1"/>
                 </a:solidFill>
                 <a:effectLst/>
                 <a:latin typeface="Söhne"/>
               </a:rPr>
-              <a:t>languages</a:t>
-            </a:r>
-            <a:endParaRPr lang="de-AT" sz="2800" b="0" i="0" u="none" strike="noStrike" dirty="0">
-              <a:solidFill>
-                <a:schemeClr val="bg1"/>
-              </a:solidFill>
-              <a:effectLst/>
-              <a:latin typeface="Söhne"/>
-            </a:endParaRPr>
+              <a:t> </a:t>
+            </a:r>
           </a:p>
         </p:txBody>
       </p:sp>
@@ -10341,40 +11767,10 @@
           </p:txBody>
         </p:sp>
       </p:grpSp>
-      <p:pic>
-        <p:nvPicPr>
-          <p:cNvPr id="2" name="Grafik 1">
-            <a:extLst>
-              <a:ext uri="{FF2B5EF4-FFF2-40B4-BE49-F238E27FC236}">
-                <a16:creationId xmlns:a16="http://schemas.microsoft.com/office/drawing/2014/main" id="{3E8219EA-2CAC-4B0B-27E4-4985CC7BE36F}"/>
-              </a:ext>
-            </a:extLst>
-          </p:cNvPr>
-          <p:cNvPicPr>
-            <a:picLocks noChangeAspect="1"/>
-          </p:cNvPicPr>
-          <p:nvPr/>
-        </p:nvPicPr>
-        <p:blipFill>
-          <a:blip r:embed="rId3"/>
-          <a:stretch>
-            <a:fillRect/>
-          </a:stretch>
-        </p:blipFill>
-        <p:spPr>
-          <a:xfrm>
-            <a:off x="4094205" y="2925811"/>
-            <a:ext cx="1143000" cy="2247900"/>
-          </a:xfrm>
-          <a:prstGeom prst="rect">
-            <a:avLst/>
-          </a:prstGeom>
-        </p:spPr>
-      </p:pic>
     </p:spTree>
     <p:extLst>
       <p:ext uri="{BB962C8B-B14F-4D97-AF65-F5344CB8AC3E}">
-        <p14:creationId xmlns:p14="http://schemas.microsoft.com/office/powerpoint/2010/main" val="136629416"/>
+        <p14:creationId xmlns:p14="http://schemas.microsoft.com/office/powerpoint/2010/main" val="3471470630"/>
       </p:ext>
     </p:extLst>
   </p:cSld>
@@ -10387,14 +11783,6 @@
 <file path=ppt/slides/slide6.xml><?xml version="1.0" encoding="utf-8"?>
 <p:sld xmlns:a="http://schemas.openxmlformats.org/drawingml/2006/main" xmlns:r="http://schemas.openxmlformats.org/officeDocument/2006/relationships" xmlns:p="http://schemas.openxmlformats.org/presentationml/2006/main">
   <p:cSld>
-    <p:bg>
-      <p:bgPr>
-        <a:solidFill>
-          <a:srgbClr val="191414"/>
-        </a:solidFill>
-        <a:effectLst/>
-      </p:bgPr>
-    </p:bg>
     <p:spTree>
       <p:nvGrpSpPr>
         <p:cNvPr id="1" name=""/>
@@ -10451,6 +11839,63 @@
               <a:solidFill>
                 <a:schemeClr val="bg1"/>
               </a:solidFill>
+              <a:latin typeface="Segoe UI" panose="020B0502040204020203" pitchFamily="34" charset="0"/>
+              <a:cs typeface="Segoe UI" panose="020B0502040204020203" pitchFamily="34" charset="0"/>
+            </a:endParaRPr>
+          </a:p>
+        </p:txBody>
+      </p:sp>
+      <p:sp>
+        <p:nvSpPr>
+          <p:cNvPr id="42" name="Rectangle: Rounded Corners 41">
+            <a:extLst>
+              <a:ext uri="{FF2B5EF4-FFF2-40B4-BE49-F238E27FC236}">
+                <a16:creationId xmlns:a16="http://schemas.microsoft.com/office/drawing/2014/main" id="{2D323B2B-1A46-4DE2-23B4-AE05B947C523}"/>
+              </a:ext>
+            </a:extLst>
+          </p:cNvPr>
+          <p:cNvSpPr/>
+          <p:nvPr/>
+        </p:nvSpPr>
+        <p:spPr>
+          <a:xfrm>
+            <a:off x="3428683" y="1367642"/>
+            <a:ext cx="8382635" cy="4756908"/>
+          </a:xfrm>
+          <a:prstGeom prst="roundRect">
+            <a:avLst>
+              <a:gd name="adj" fmla="val 7408"/>
+            </a:avLst>
+          </a:prstGeom>
+          <a:solidFill>
+            <a:srgbClr val="0A0A0B"/>
+          </a:solidFill>
+          <a:ln>
+            <a:noFill/>
+          </a:ln>
+        </p:spPr>
+        <p:style>
+          <a:lnRef idx="2">
+            <a:schemeClr val="accent1">
+              <a:shade val="50000"/>
+            </a:schemeClr>
+          </a:lnRef>
+          <a:fillRef idx="1">
+            <a:schemeClr val="accent1"/>
+          </a:fillRef>
+          <a:effectRef idx="0">
+            <a:schemeClr val="accent1"/>
+          </a:effectRef>
+          <a:fontRef idx="minor">
+            <a:schemeClr val="lt1"/>
+          </a:fontRef>
+        </p:style>
+        <p:txBody>
+          <a:bodyPr rtlCol="0" anchor="ctr"/>
+          <a:lstStyle/>
+          <a:p>
+            <a:pPr algn="ctr"/>
+            <a:endParaRPr lang="en-US">
               <a:latin typeface="Segoe UI" panose="020B0502040204020203" pitchFamily="34" charset="0"/>
               <a:cs typeface="Segoe UI" panose="020B0502040204020203" pitchFamily="34" charset="0"/>
             </a:endParaRPr>
@@ -11423,7 +12868,7 @@
           <p:cNvPr id="4" name="Grafik 3">
             <a:extLst>
               <a:ext uri="{FF2B5EF4-FFF2-40B4-BE49-F238E27FC236}">
-                <a16:creationId xmlns:a16="http://schemas.microsoft.com/office/drawing/2014/main" id="{E3DE8C02-123E-B00B-695B-810CAE17C9D3}"/>
+                <a16:creationId xmlns:a16="http://schemas.microsoft.com/office/drawing/2014/main" id="{2E172568-F5F4-41F4-3060-31A54F0AC114}"/>
               </a:ext>
             </a:extLst>
           </p:cNvPr>
@@ -11440,8 +12885,8 @@
         </p:blipFill>
         <p:spPr>
           <a:xfrm>
-            <a:off x="3474402" y="1285934"/>
-            <a:ext cx="7772400" cy="5001767"/>
+            <a:off x="3928036" y="1663723"/>
+            <a:ext cx="7421011" cy="3981550"/>
           </a:xfrm>
           <a:prstGeom prst="rect">
             <a:avLst/>
@@ -11451,7 +12896,7 @@
     </p:spTree>
     <p:extLst>
       <p:ext uri="{BB962C8B-B14F-4D97-AF65-F5344CB8AC3E}">
-        <p14:creationId xmlns:p14="http://schemas.microsoft.com/office/powerpoint/2010/main" val="3763819030"/>
+        <p14:creationId xmlns:p14="http://schemas.microsoft.com/office/powerpoint/2010/main" val="4269075172"/>
       </p:ext>
     </p:extLst>
   </p:cSld>
@@ -11480,128 +12925,10 @@
       </p:grpSpPr>
       <p:sp>
         <p:nvSpPr>
-          <p:cNvPr id="19" name="Rectangle 18">
+          <p:cNvPr id="18" name="TextBox 17">
             <a:extLst>
               <a:ext uri="{FF2B5EF4-FFF2-40B4-BE49-F238E27FC236}">
-                <a16:creationId xmlns:a16="http://schemas.microsoft.com/office/drawing/2014/main" id="{5152D3C6-E0B3-24D4-D954-35A4DEFE5E10}"/>
-              </a:ext>
-            </a:extLst>
-          </p:cNvPr>
-          <p:cNvSpPr/>
-          <p:nvPr/>
-        </p:nvSpPr>
-        <p:spPr>
-          <a:xfrm>
-            <a:off x="0" y="0"/>
-            <a:ext cx="12192000" cy="6858000"/>
-          </a:xfrm>
-          <a:prstGeom prst="rect">
-            <a:avLst/>
-          </a:prstGeom>
-          <a:solidFill>
-            <a:srgbClr val="191414"/>
-          </a:solidFill>
-          <a:ln>
-            <a:noFill/>
-          </a:ln>
-          <a:effectLst/>
-        </p:spPr>
-        <p:style>
-          <a:lnRef idx="2">
-            <a:schemeClr val="accent1">
-              <a:shade val="50000"/>
-            </a:schemeClr>
-          </a:lnRef>
-          <a:fillRef idx="1">
-            <a:schemeClr val="accent1"/>
-          </a:fillRef>
-          <a:effectRef idx="0">
-            <a:schemeClr val="accent1"/>
-          </a:effectRef>
-          <a:fontRef idx="minor">
-            <a:schemeClr val="lt1"/>
-          </a:fontRef>
-        </p:style>
-        <p:txBody>
-          <a:bodyPr rtlCol="0" anchor="ctr"/>
-          <a:lstStyle/>
-          <a:p>
-            <a:pPr algn="ctr"/>
-            <a:endParaRPr lang="en-US">
-              <a:latin typeface="Segoe UI" panose="020B0502040204020203" pitchFamily="34" charset="0"/>
-              <a:cs typeface="Segoe UI" panose="020B0502040204020203" pitchFamily="34" charset="0"/>
-            </a:endParaRPr>
-          </a:p>
-        </p:txBody>
-      </p:sp>
-      <p:sp>
-        <p:nvSpPr>
-          <p:cNvPr id="18" name="Rectangle 17">
-            <a:extLst>
-              <a:ext uri="{FF2B5EF4-FFF2-40B4-BE49-F238E27FC236}">
-                <a16:creationId xmlns:a16="http://schemas.microsoft.com/office/drawing/2014/main" id="{83243572-ADB0-9786-69BF-FA143B8ADEB0}"/>
-              </a:ext>
-            </a:extLst>
-          </p:cNvPr>
-          <p:cNvSpPr/>
-          <p:nvPr/>
-        </p:nvSpPr>
-        <p:spPr>
-          <a:xfrm>
-            <a:off x="1" y="-1"/>
-            <a:ext cx="12191997" cy="2971801"/>
-          </a:xfrm>
-          <a:prstGeom prst="rect">
-            <a:avLst/>
-          </a:prstGeom>
-          <a:solidFill>
-            <a:srgbClr val="1DB954"/>
-          </a:solidFill>
-          <a:ln>
-            <a:noFill/>
-          </a:ln>
-          <a:effectLst>
-            <a:outerShdw blurRad="50800" dist="38100" algn="l" rotWithShape="0">
-              <a:prstClr val="black">
-                <a:alpha val="15000"/>
-              </a:prstClr>
-            </a:outerShdw>
-          </a:effectLst>
-        </p:spPr>
-        <p:style>
-          <a:lnRef idx="2">
-            <a:schemeClr val="accent1">
-              <a:shade val="50000"/>
-            </a:schemeClr>
-          </a:lnRef>
-          <a:fillRef idx="1">
-            <a:schemeClr val="accent1"/>
-          </a:fillRef>
-          <a:effectRef idx="0">
-            <a:schemeClr val="accent1"/>
-          </a:effectRef>
-          <a:fontRef idx="minor">
-            <a:schemeClr val="lt1"/>
-          </a:fontRef>
-        </p:style>
-        <p:txBody>
-          <a:bodyPr rtlCol="0" anchor="ctr"/>
-          <a:lstStyle/>
-          <a:p>
-            <a:pPr algn="ctr"/>
-            <a:endParaRPr lang="en-US">
-              <a:latin typeface="Segoe UI" panose="020B0502040204020203" pitchFamily="34" charset="0"/>
-              <a:cs typeface="Segoe UI" panose="020B0502040204020203" pitchFamily="34" charset="0"/>
-            </a:endParaRPr>
-          </a:p>
-        </p:txBody>
-      </p:sp>
-      <p:sp>
-        <p:nvSpPr>
-          <p:cNvPr id="6" name="TextBox 5">
-            <a:extLst>
-              <a:ext uri="{FF2B5EF4-FFF2-40B4-BE49-F238E27FC236}">
-                <a16:creationId xmlns:a16="http://schemas.microsoft.com/office/drawing/2014/main" id="{6BAC70E0-C964-CFF8-5D48-2F71033773EF}"/>
+                <a16:creationId xmlns:a16="http://schemas.microsoft.com/office/drawing/2014/main" id="{355AC3A1-175C-0DC3-DBAF-F626A9F3780A}"/>
               </a:ext>
             </a:extLst>
           </p:cNvPr>
@@ -11610,8 +12937,8 @@
         </p:nvSpPr>
         <p:spPr>
           <a:xfrm>
-            <a:off x="1488293" y="1143451"/>
-            <a:ext cx="6676221" cy="1446550"/>
+            <a:off x="3474402" y="388280"/>
+            <a:ext cx="7841298" cy="769441"/>
           </a:xfrm>
           <a:prstGeom prst="rect">
             <a:avLst/>
@@ -11624,33 +12951,32 @@
           </a:bodyPr>
           <a:lstStyle/>
           <a:p>
-            <a:pPr>
-              <a:spcAft>
-                <a:spcPts val="300"/>
-              </a:spcAft>
-            </a:pPr>
-            <a:r>
-              <a:rPr lang="en-US" sz="8800" b="1" dirty="0">
-                <a:solidFill>
-                  <a:schemeClr val="bg1"/>
-                </a:solidFill>
-              </a:rPr>
-              <a:t>Thank You</a:t>
-            </a:r>
-            <a:endParaRPr lang="en-US" sz="7200" b="1" dirty="0">
+            <a:r>
+              <a:rPr lang="en-US" sz="4400" b="1" dirty="0">
+                <a:solidFill>
+                  <a:srgbClr val="1DB954"/>
+                </a:solidFill>
+                <a:latin typeface="Segoe UI" panose="020B0502040204020203" pitchFamily="34" charset="0"/>
+                <a:cs typeface="Segoe UI" panose="020B0502040204020203" pitchFamily="34" charset="0"/>
+              </a:rPr>
+              <a:t>EDA</a:t>
+            </a:r>
+            <a:endParaRPr lang="en-US" sz="4400" b="1" dirty="0">
               <a:solidFill>
                 <a:schemeClr val="bg1"/>
               </a:solidFill>
+              <a:latin typeface="Segoe UI" panose="020B0502040204020203" pitchFamily="34" charset="0"/>
+              <a:cs typeface="Segoe UI" panose="020B0502040204020203" pitchFamily="34" charset="0"/>
             </a:endParaRPr>
           </a:p>
         </p:txBody>
       </p:sp>
       <p:sp>
         <p:nvSpPr>
-          <p:cNvPr id="14" name="Block Arc 13">
+          <p:cNvPr id="42" name="Rectangle: Rounded Corners 41">
             <a:extLst>
               <a:ext uri="{FF2B5EF4-FFF2-40B4-BE49-F238E27FC236}">
-                <a16:creationId xmlns:a16="http://schemas.microsoft.com/office/drawing/2014/main" id="{5452E435-748F-5185-5618-B204E7B29A98}"/>
+                <a16:creationId xmlns:a16="http://schemas.microsoft.com/office/drawing/2014/main" id="{2D323B2B-1A46-4DE2-23B4-AE05B947C523}"/>
               </a:ext>
             </a:extLst>
           </p:cNvPr>
@@ -11658,19 +12984,17 @@
           <p:nvPr/>
         </p:nvSpPr>
         <p:spPr>
-          <a:xfrm rot="16200000" flipV="1">
-            <a:off x="-877483" y="34011"/>
-            <a:ext cx="1715529" cy="1715529"/>
+          <a:xfrm>
+            <a:off x="3428683" y="1367642"/>
+            <a:ext cx="8382635" cy="4756908"/>
           </a:xfrm>
-          <a:prstGeom prst="blockArc">
+          <a:prstGeom prst="roundRect">
             <a:avLst>
-              <a:gd name="adj1" fmla="val 10800000"/>
-              <a:gd name="adj2" fmla="val 21551066"/>
-              <a:gd name="adj3" fmla="val 17623"/>
+              <a:gd name="adj" fmla="val 7408"/>
             </a:avLst>
           </a:prstGeom>
           <a:solidFill>
-            <a:schemeClr val="bg1"/>
+            <a:srgbClr val="0A0A0B"/>
           </a:solidFill>
           <a:ln>
             <a:noFill/>
@@ -11698,19 +13022,153 @@
           <a:p>
             <a:pPr algn="ctr"/>
             <a:endParaRPr lang="en-US">
+              <a:latin typeface="Segoe UI" panose="020B0502040204020203" pitchFamily="34" charset="0"/>
+              <a:cs typeface="Segoe UI" panose="020B0502040204020203" pitchFamily="34" charset="0"/>
+            </a:endParaRPr>
+          </a:p>
+        </p:txBody>
+      </p:sp>
+      <p:sp>
+        <p:nvSpPr>
+          <p:cNvPr id="45" name="TextBox 44">
+            <a:extLst>
+              <a:ext uri="{FF2B5EF4-FFF2-40B4-BE49-F238E27FC236}">
+                <a16:creationId xmlns:a16="http://schemas.microsoft.com/office/drawing/2014/main" id="{B6429CB9-9544-2C8E-5FE0-1DF020713FDA}"/>
+              </a:ext>
+            </a:extLst>
+          </p:cNvPr>
+          <p:cNvSpPr txBox="1"/>
+          <p:nvPr/>
+        </p:nvSpPr>
+        <p:spPr>
+          <a:xfrm>
+            <a:off x="3678542" y="1492875"/>
+            <a:ext cx="3960000" cy="366917"/>
+          </a:xfrm>
+          <a:prstGeom prst="rect">
+            <a:avLst/>
+          </a:prstGeom>
+          <a:noFill/>
+        </p:spPr>
+        <p:txBody>
+          <a:bodyPr wrap="none" lIns="0" rIns="0" rtlCol="0" anchor="ctr">
+            <a:noAutofit/>
+          </a:bodyPr>
+          <a:lstStyle/>
+          <a:p>
+            <a:endParaRPr lang="en-US" sz="1400" dirty="0">
               <a:solidFill>
-                <a:schemeClr val="tx1"/>
+                <a:schemeClr val="bg1"/>
               </a:solidFill>
+              <a:latin typeface="Segoe UI" panose="020B0502040204020203" pitchFamily="34" charset="0"/>
+              <a:cs typeface="Segoe UI" panose="020B0502040204020203" pitchFamily="34" charset="0"/>
             </a:endParaRPr>
+          </a:p>
+        </p:txBody>
+      </p:sp>
+      <p:sp>
+        <p:nvSpPr>
+          <p:cNvPr id="3" name="TextBox 20">
+            <a:extLst>
+              <a:ext uri="{FF2B5EF4-FFF2-40B4-BE49-F238E27FC236}">
+                <a16:creationId xmlns:a16="http://schemas.microsoft.com/office/drawing/2014/main" id="{120F99AC-1455-3A16-6F33-5B71AA5C26C8}"/>
+              </a:ext>
+            </a:extLst>
+          </p:cNvPr>
+          <p:cNvSpPr txBox="1"/>
+          <p:nvPr/>
+        </p:nvSpPr>
+        <p:spPr>
+          <a:xfrm>
+            <a:off x="380682" y="1843961"/>
+            <a:ext cx="2296800" cy="366917"/>
+          </a:xfrm>
+          <a:prstGeom prst="roundRect">
+            <a:avLst/>
+          </a:prstGeom>
+          <a:gradFill>
+            <a:gsLst>
+              <a:gs pos="0">
+                <a:schemeClr val="bg1">
+                  <a:lumMod val="50000"/>
+                  <a:alpha val="45000"/>
+                </a:schemeClr>
+              </a:gs>
+              <a:gs pos="100000">
+                <a:srgbClr val="191414">
+                  <a:alpha val="25000"/>
+                </a:srgbClr>
+              </a:gs>
+            </a:gsLst>
+            <a:lin ang="4200000" scaled="0"/>
+          </a:gradFill>
+        </p:spPr>
+        <p:txBody>
+          <a:bodyPr wrap="none" lIns="684000" rtlCol="0" anchor="ctr">
+            <a:noAutofit/>
+          </a:bodyPr>
+          <a:lstStyle/>
+          <a:p>
+            <a:r>
+              <a:rPr lang="en-US" sz="1400" b="1" dirty="0">
+                <a:solidFill>
+                  <a:schemeClr val="bg1"/>
+                </a:solidFill>
+                <a:latin typeface="Segoe UI" panose="020B0502040204020203" pitchFamily="34" charset="0"/>
+                <a:cs typeface="Segoe UI" panose="020B0502040204020203" pitchFamily="34" charset="0"/>
+              </a:rPr>
+              <a:t>EDA</a:t>
+            </a:r>
+          </a:p>
+        </p:txBody>
+      </p:sp>
+      <p:sp>
+        <p:nvSpPr>
+          <p:cNvPr id="10" name="TextBox 21">
+            <a:extLst>
+              <a:ext uri="{FF2B5EF4-FFF2-40B4-BE49-F238E27FC236}">
+                <a16:creationId xmlns:a16="http://schemas.microsoft.com/office/drawing/2014/main" id="{228298A3-AA79-9AAE-DC10-145B5C02E7BD}"/>
+              </a:ext>
+            </a:extLst>
+          </p:cNvPr>
+          <p:cNvSpPr txBox="1"/>
+          <p:nvPr/>
+        </p:nvSpPr>
+        <p:spPr>
+          <a:xfrm>
+            <a:off x="383220" y="1296806"/>
+            <a:ext cx="2296800" cy="366917"/>
+          </a:xfrm>
+          <a:prstGeom prst="roundRect">
+            <a:avLst/>
+          </a:prstGeom>
+          <a:noFill/>
+        </p:spPr>
+        <p:txBody>
+          <a:bodyPr wrap="none" lIns="684000" rtlCol="0" anchor="ctr">
+            <a:noAutofit/>
+          </a:bodyPr>
+          <a:lstStyle/>
+          <a:p>
+            <a:r>
+              <a:rPr lang="en-US" sz="1400" dirty="0">
+                <a:solidFill>
+                  <a:schemeClr val="bg1"/>
+                </a:solidFill>
+                <a:latin typeface="Segoe UI" panose="020B0502040204020203" pitchFamily="34" charset="0"/>
+                <a:cs typeface="Segoe UI" panose="020B0502040204020203" pitchFamily="34" charset="0"/>
+              </a:rPr>
+              <a:t>Preprocessing Steps</a:t>
+            </a:r>
           </a:p>
         </p:txBody>
       </p:sp>
       <p:grpSp>
         <p:nvGrpSpPr>
-          <p:cNvPr id="35" name="Group 34">
+          <p:cNvPr id="11" name="Group 1035">
             <a:extLst>
               <a:ext uri="{FF2B5EF4-FFF2-40B4-BE49-F238E27FC236}">
-                <a16:creationId xmlns:a16="http://schemas.microsoft.com/office/drawing/2014/main" id="{87CB4288-926A-9419-FD7F-F5D70D14A643}"/>
+                <a16:creationId xmlns:a16="http://schemas.microsoft.com/office/drawing/2014/main" id="{744F1910-5910-7A90-49C6-531CB5AFEF2A}"/>
               </a:ext>
             </a:extLst>
           </p:cNvPr>
@@ -11719,108 +13177,3231 @@
         </p:nvGrpSpPr>
         <p:grpSpPr>
           <a:xfrm>
-            <a:off x="9845350" y="2424120"/>
-            <a:ext cx="1054791" cy="1095360"/>
-            <a:chOff x="14634168" y="97431"/>
-            <a:chExt cx="1054791" cy="1095360"/>
+            <a:off x="591710" y="1393732"/>
+            <a:ext cx="258819" cy="225423"/>
+            <a:chOff x="7005638" y="3648076"/>
+            <a:chExt cx="344488" cy="300038"/>
           </a:xfrm>
         </p:grpSpPr>
         <p:sp>
           <p:nvSpPr>
-            <p:cNvPr id="12" name="Oval 11">
+            <p:cNvPr id="12" name="Freeform 90">
               <a:extLst>
                 <a:ext uri="{FF2B5EF4-FFF2-40B4-BE49-F238E27FC236}">
-                  <a16:creationId xmlns:a16="http://schemas.microsoft.com/office/drawing/2014/main" id="{77748650-DF58-B9A5-B16F-BA92C1D473AD}"/>
+                  <a16:creationId xmlns:a16="http://schemas.microsoft.com/office/drawing/2014/main" id="{328E40C6-FD5C-DD40-06A4-F1942B4A4FAB}"/>
                 </a:ext>
               </a:extLst>
             </p:cNvPr>
-            <p:cNvSpPr/>
+            <p:cNvSpPr>
+              <a:spLocks/>
+            </p:cNvSpPr>
             <p:nvPr/>
           </p:nvSpPr>
-          <p:spPr>
-            <a:xfrm rot="1725106">
-              <a:off x="14634168" y="97431"/>
-              <a:ext cx="1054791" cy="1095360"/>
+          <p:spPr bwMode="auto">
+            <a:xfrm>
+              <a:off x="7005638" y="3648076"/>
+              <a:ext cx="344488" cy="269875"/>
+            </a:xfrm>
+            <a:custGeom>
+              <a:avLst/>
+              <a:gdLst>
+                <a:gd name="T0" fmla="*/ 92 w 92"/>
+                <a:gd name="T1" fmla="*/ 66 h 72"/>
+                <a:gd name="T2" fmla="*/ 86 w 92"/>
+                <a:gd name="T3" fmla="*/ 72 h 72"/>
+                <a:gd name="T4" fmla="*/ 6 w 92"/>
+                <a:gd name="T5" fmla="*/ 72 h 72"/>
+                <a:gd name="T6" fmla="*/ 0 w 92"/>
+                <a:gd name="T7" fmla="*/ 66 h 72"/>
+                <a:gd name="T8" fmla="*/ 0 w 92"/>
+                <a:gd name="T9" fmla="*/ 6 h 72"/>
+                <a:gd name="T10" fmla="*/ 6 w 92"/>
+                <a:gd name="T11" fmla="*/ 0 h 72"/>
+                <a:gd name="T12" fmla="*/ 86 w 92"/>
+                <a:gd name="T13" fmla="*/ 0 h 72"/>
+                <a:gd name="T14" fmla="*/ 92 w 92"/>
+                <a:gd name="T15" fmla="*/ 6 h 72"/>
+                <a:gd name="T16" fmla="*/ 92 w 92"/>
+                <a:gd name="T17" fmla="*/ 66 h 72"/>
+              </a:gdLst>
+              <a:ahLst/>
+              <a:cxnLst>
+                <a:cxn ang="0">
+                  <a:pos x="T0" y="T1"/>
+                </a:cxn>
+                <a:cxn ang="0">
+                  <a:pos x="T2" y="T3"/>
+                </a:cxn>
+                <a:cxn ang="0">
+                  <a:pos x="T4" y="T5"/>
+                </a:cxn>
+                <a:cxn ang="0">
+                  <a:pos x="T6" y="T7"/>
+                </a:cxn>
+                <a:cxn ang="0">
+                  <a:pos x="T8" y="T9"/>
+                </a:cxn>
+                <a:cxn ang="0">
+                  <a:pos x="T10" y="T11"/>
+                </a:cxn>
+                <a:cxn ang="0">
+                  <a:pos x="T12" y="T13"/>
+                </a:cxn>
+                <a:cxn ang="0">
+                  <a:pos x="T14" y="T15"/>
+                </a:cxn>
+                <a:cxn ang="0">
+                  <a:pos x="T16" y="T17"/>
+                </a:cxn>
+              </a:cxnLst>
+              <a:rect l="0" t="0" r="r" b="b"/>
+              <a:pathLst>
+                <a:path w="92" h="72">
+                  <a:moveTo>
+                    <a:pt x="92" y="66"/>
+                  </a:moveTo>
+                  <a:cubicBezTo>
+                    <a:pt x="92" y="69"/>
+                    <a:pt x="89" y="72"/>
+                    <a:pt x="86" y="72"/>
+                  </a:cubicBezTo>
+                  <a:cubicBezTo>
+                    <a:pt x="6" y="72"/>
+                    <a:pt x="6" y="72"/>
+                    <a:pt x="6" y="72"/>
+                  </a:cubicBezTo>
+                  <a:cubicBezTo>
+                    <a:pt x="3" y="72"/>
+                    <a:pt x="0" y="69"/>
+                    <a:pt x="0" y="66"/>
+                  </a:cubicBezTo>
+                  <a:cubicBezTo>
+                    <a:pt x="0" y="6"/>
+                    <a:pt x="0" y="6"/>
+                    <a:pt x="0" y="6"/>
+                  </a:cubicBezTo>
+                  <a:cubicBezTo>
+                    <a:pt x="0" y="3"/>
+                    <a:pt x="3" y="0"/>
+                    <a:pt x="6" y="0"/>
+                  </a:cubicBezTo>
+                  <a:cubicBezTo>
+                    <a:pt x="86" y="0"/>
+                    <a:pt x="86" y="0"/>
+                    <a:pt x="86" y="0"/>
+                  </a:cubicBezTo>
+                  <a:cubicBezTo>
+                    <a:pt x="89" y="0"/>
+                    <a:pt x="92" y="3"/>
+                    <a:pt x="92" y="6"/>
+                  </a:cubicBezTo>
+                  <a:lnTo>
+                    <a:pt x="92" y="66"/>
+                  </a:lnTo>
+                  <a:close/>
+                </a:path>
+              </a:pathLst>
+            </a:custGeom>
+            <a:noFill/>
+            <a:ln w="9525" cap="rnd">
+              <a:solidFill>
+                <a:schemeClr val="bg1"/>
+              </a:solidFill>
+              <a:prstDash val="solid"/>
+              <a:round/>
+              <a:headEnd/>
+              <a:tailEnd/>
+            </a:ln>
+            <a:extLst>
+              <a:ext uri="{909E8E84-426E-40DD-AFC4-6F175D3DCCD1}">
+                <a14:hiddenFill xmlns:a14="http://schemas.microsoft.com/office/drawing/2010/main">
+                  <a:solidFill>
+                    <a:srgbClr val="FFFFFF"/>
+                  </a:solidFill>
+                </a14:hiddenFill>
+              </a:ext>
+            </a:extLst>
+          </p:spPr>
+          <p:txBody>
+            <a:bodyPr vert="horz" wrap="square" lIns="91440" tIns="45720" rIns="91440" bIns="45720" numCol="1" anchor="t" anchorCtr="0" compatLnSpc="1">
+              <a:prstTxWarp prst="textNoShape">
+                <a:avLst/>
+              </a:prstTxWarp>
+            </a:bodyPr>
+            <a:lstStyle/>
+            <a:p>
+              <a:endParaRPr lang="id-ID"/>
+            </a:p>
+          </p:txBody>
+        </p:sp>
+        <p:sp>
+          <p:nvSpPr>
+            <p:cNvPr id="13" name="Line 91">
+              <a:extLst>
+                <a:ext uri="{FF2B5EF4-FFF2-40B4-BE49-F238E27FC236}">
+                  <a16:creationId xmlns:a16="http://schemas.microsoft.com/office/drawing/2014/main" id="{B1DE3B6B-DA0B-27DC-5332-5CDF012300E9}"/>
+                </a:ext>
+              </a:extLst>
+            </p:cNvPr>
+            <p:cNvSpPr>
+              <a:spLocks noChangeShapeType="1"/>
+            </p:cNvSpPr>
+            <p:nvPr/>
+          </p:nvSpPr>
+          <p:spPr bwMode="auto">
+            <a:xfrm>
+              <a:off x="7072313" y="3948113"/>
+              <a:ext cx="211138" cy="0"/>
+            </a:xfrm>
+            <a:prstGeom prst="line">
+              <a:avLst/>
+            </a:prstGeom>
+            <a:noFill/>
+            <a:ln w="9525" cap="rnd">
+              <a:solidFill>
+                <a:schemeClr val="bg1"/>
+              </a:solidFill>
+              <a:prstDash val="solid"/>
+              <a:round/>
+              <a:headEnd/>
+              <a:tailEnd/>
+            </a:ln>
+            <a:extLst>
+              <a:ext uri="{909E8E84-426E-40DD-AFC4-6F175D3DCCD1}">
+                <a14:hiddenFill xmlns:a14="http://schemas.microsoft.com/office/drawing/2010/main">
+                  <a:noFill/>
+                </a14:hiddenFill>
+              </a:ext>
+            </a:extLst>
+          </p:spPr>
+          <p:txBody>
+            <a:bodyPr vert="horz" wrap="square" lIns="91440" tIns="45720" rIns="91440" bIns="45720" numCol="1" anchor="t" anchorCtr="0" compatLnSpc="1">
+              <a:prstTxWarp prst="textNoShape">
+                <a:avLst/>
+              </a:prstTxWarp>
+            </a:bodyPr>
+            <a:lstStyle/>
+            <a:p>
+              <a:endParaRPr lang="id-ID"/>
+            </a:p>
+          </p:txBody>
+        </p:sp>
+        <p:sp>
+          <p:nvSpPr>
+            <p:cNvPr id="14" name="Line 92">
+              <a:extLst>
+                <a:ext uri="{FF2B5EF4-FFF2-40B4-BE49-F238E27FC236}">
+                  <a16:creationId xmlns:a16="http://schemas.microsoft.com/office/drawing/2014/main" id="{90862457-02BA-CF3C-8850-3627E428FB05}"/>
+                </a:ext>
+              </a:extLst>
+            </p:cNvPr>
+            <p:cNvSpPr>
+              <a:spLocks noChangeShapeType="1"/>
+            </p:cNvSpPr>
+            <p:nvPr/>
+          </p:nvSpPr>
+          <p:spPr bwMode="auto">
+            <a:xfrm>
+              <a:off x="7178676" y="3917951"/>
+              <a:ext cx="0" cy="30163"/>
+            </a:xfrm>
+            <a:prstGeom prst="line">
+              <a:avLst/>
+            </a:prstGeom>
+            <a:noFill/>
+            <a:ln w="9525" cap="rnd">
+              <a:solidFill>
+                <a:schemeClr val="bg1"/>
+              </a:solidFill>
+              <a:prstDash val="solid"/>
+              <a:round/>
+              <a:headEnd/>
+              <a:tailEnd/>
+            </a:ln>
+            <a:extLst>
+              <a:ext uri="{909E8E84-426E-40DD-AFC4-6F175D3DCCD1}">
+                <a14:hiddenFill xmlns:a14="http://schemas.microsoft.com/office/drawing/2010/main">
+                  <a:noFill/>
+                </a14:hiddenFill>
+              </a:ext>
+            </a:extLst>
+          </p:spPr>
+          <p:txBody>
+            <a:bodyPr vert="horz" wrap="square" lIns="91440" tIns="45720" rIns="91440" bIns="45720" numCol="1" anchor="t" anchorCtr="0" compatLnSpc="1">
+              <a:prstTxWarp prst="textNoShape">
+                <a:avLst/>
+              </a:prstTxWarp>
+            </a:bodyPr>
+            <a:lstStyle/>
+            <a:p>
+              <a:endParaRPr lang="id-ID"/>
+            </a:p>
+          </p:txBody>
+        </p:sp>
+        <p:sp>
+          <p:nvSpPr>
+            <p:cNvPr id="15" name="Oval 93">
+              <a:extLst>
+                <a:ext uri="{FF2B5EF4-FFF2-40B4-BE49-F238E27FC236}">
+                  <a16:creationId xmlns:a16="http://schemas.microsoft.com/office/drawing/2014/main" id="{0B1FEE66-A87A-58D9-AF49-7432543A30F0}"/>
+                </a:ext>
+              </a:extLst>
+            </p:cNvPr>
+            <p:cNvSpPr>
+              <a:spLocks noChangeArrowheads="1"/>
+            </p:cNvSpPr>
+            <p:nvPr/>
+          </p:nvSpPr>
+          <p:spPr bwMode="auto">
+            <a:xfrm>
+              <a:off x="7170738" y="3881438"/>
+              <a:ext cx="14288" cy="14288"/>
             </a:xfrm>
             <a:prstGeom prst="ellipse">
               <a:avLst/>
             </a:prstGeom>
-            <a:solidFill>
-              <a:schemeClr val="bg1"/>
-            </a:solidFill>
-            <a:ln>
-              <a:noFill/>
+            <a:noFill/>
+            <a:ln w="9525" cap="flat">
+              <a:solidFill>
+                <a:schemeClr val="bg1"/>
+              </a:solidFill>
+              <a:prstDash val="solid"/>
+              <a:round/>
+              <a:headEnd/>
+              <a:tailEnd/>
             </a:ln>
+            <a:extLst>
+              <a:ext uri="{909E8E84-426E-40DD-AFC4-6F175D3DCCD1}">
+                <a14:hiddenFill xmlns:a14="http://schemas.microsoft.com/office/drawing/2010/main">
+                  <a:solidFill>
+                    <a:srgbClr val="FFFFFF"/>
+                  </a:solidFill>
+                </a14:hiddenFill>
+              </a:ext>
+            </a:extLst>
           </p:spPr>
-          <p:style>
-            <a:lnRef idx="2">
-              <a:schemeClr val="accent1">
-                <a:shade val="50000"/>
-              </a:schemeClr>
-            </a:lnRef>
-            <a:fillRef idx="1">
-              <a:schemeClr val="accent1"/>
-            </a:fillRef>
-            <a:effectRef idx="0">
-              <a:schemeClr val="accent1"/>
-            </a:effectRef>
-            <a:fontRef idx="minor">
-              <a:schemeClr val="lt1"/>
-            </a:fontRef>
-          </p:style>
           <p:txBody>
-            <a:bodyPr rtlCol="0" anchor="ctr"/>
+            <a:bodyPr vert="horz" wrap="square" lIns="91440" tIns="45720" rIns="91440" bIns="45720" numCol="1" anchor="t" anchorCtr="0" compatLnSpc="1">
+              <a:prstTxWarp prst="textNoShape">
+                <a:avLst/>
+              </a:prstTxWarp>
+            </a:bodyPr>
             <a:lstStyle/>
             <a:p>
-              <a:pPr algn="ctr"/>
-              <a:endParaRPr lang="en-US"/>
+              <a:endParaRPr lang="id-ID"/>
             </a:p>
           </p:txBody>
         </p:sp>
-        <p:pic>
-          <p:nvPicPr>
-            <p:cNvPr id="26" name="Graphic 25" descr="Record outline">
+        <p:sp>
+          <p:nvSpPr>
+            <p:cNvPr id="16" name="Line 94">
               <a:extLst>
                 <a:ext uri="{FF2B5EF4-FFF2-40B4-BE49-F238E27FC236}">
-                  <a16:creationId xmlns:a16="http://schemas.microsoft.com/office/drawing/2014/main" id="{C59B9B5A-7784-75EC-F1EC-142DAE0F2991}"/>
+                  <a16:creationId xmlns:a16="http://schemas.microsoft.com/office/drawing/2014/main" id="{9CAAF5E4-B610-CFC0-67B8-307CAB29B9E7}"/>
                 </a:ext>
               </a:extLst>
             </p:cNvPr>
-            <p:cNvPicPr>
-              <a:picLocks noChangeAspect="1"/>
-            </p:cNvPicPr>
+            <p:cNvSpPr>
+              <a:spLocks noChangeShapeType="1"/>
+            </p:cNvSpPr>
             <p:nvPr/>
-          </p:nvPicPr>
-          <p:blipFill>
-            <a:blip r:embed="rId2">
+          </p:nvSpPr>
+          <p:spPr bwMode="auto">
+            <a:xfrm>
+              <a:off x="7005638" y="3857626"/>
+              <a:ext cx="344488" cy="0"/>
+            </a:xfrm>
+            <a:prstGeom prst="line">
+              <a:avLst/>
+            </a:prstGeom>
+            <a:noFill/>
+            <a:ln w="9525" cap="flat">
+              <a:solidFill>
+                <a:schemeClr val="bg1"/>
+              </a:solidFill>
+              <a:prstDash val="solid"/>
+              <a:round/>
+              <a:headEnd/>
+              <a:tailEnd/>
+            </a:ln>
+            <a:extLst>
+              <a:ext uri="{909E8E84-426E-40DD-AFC4-6F175D3DCCD1}">
+                <a14:hiddenFill xmlns:a14="http://schemas.microsoft.com/office/drawing/2010/main">
+                  <a:noFill/>
+                </a14:hiddenFill>
+              </a:ext>
+            </a:extLst>
+          </p:spPr>
+          <p:txBody>
+            <a:bodyPr vert="horz" wrap="square" lIns="91440" tIns="45720" rIns="91440" bIns="45720" numCol="1" anchor="t" anchorCtr="0" compatLnSpc="1">
+              <a:prstTxWarp prst="textNoShape">
+                <a:avLst/>
+              </a:prstTxWarp>
+            </a:bodyPr>
+            <a:lstStyle/>
+            <a:p>
+              <a:endParaRPr lang="id-ID"/>
+            </a:p>
+          </p:txBody>
+        </p:sp>
+        <p:sp>
+          <p:nvSpPr>
+            <p:cNvPr id="17" name="Freeform 95">
               <a:extLst>
-                <a:ext uri="{28A0092B-C50C-407E-A947-70E740481C1C}">
-                  <a14:useLocalDpi xmlns:a14="http://schemas.microsoft.com/office/drawing/2010/main" val="0"/>
-                </a:ext>
-                <a:ext uri="{96DAC541-7B7A-43D3-8B79-37D633B846F1}">
-                  <asvg:svgBlip xmlns:asvg="http://schemas.microsoft.com/office/drawing/2016/SVG/main" r:embed="rId3"/>
+                <a:ext uri="{FF2B5EF4-FFF2-40B4-BE49-F238E27FC236}">
+                  <a16:creationId xmlns:a16="http://schemas.microsoft.com/office/drawing/2014/main" id="{9C1470DC-A351-F187-760E-46AB14A5ACD2}"/>
                 </a:ext>
               </a:extLst>
-            </a:blip>
-            <a:stretch>
-              <a:fillRect/>
-            </a:stretch>
-          </p:blipFill>
-          <p:spPr>
+            </p:cNvPr>
+            <p:cNvSpPr>
+              <a:spLocks/>
+            </p:cNvSpPr>
+            <p:nvPr/>
+          </p:nvSpPr>
+          <p:spPr bwMode="auto">
             <a:xfrm>
-              <a:off x="14743263" y="226811"/>
-              <a:ext cx="836601" cy="836601"/>
+              <a:off x="7140576" y="3703638"/>
+              <a:ext cx="82550" cy="101600"/>
+            </a:xfrm>
+            <a:custGeom>
+              <a:avLst/>
+              <a:gdLst>
+                <a:gd name="T0" fmla="*/ 0 w 52"/>
+                <a:gd name="T1" fmla="*/ 0 h 64"/>
+                <a:gd name="T2" fmla="*/ 0 w 52"/>
+                <a:gd name="T3" fmla="*/ 64 h 64"/>
+                <a:gd name="T4" fmla="*/ 52 w 52"/>
+                <a:gd name="T5" fmla="*/ 33 h 64"/>
+                <a:gd name="T6" fmla="*/ 0 w 52"/>
+                <a:gd name="T7" fmla="*/ 0 h 64"/>
+              </a:gdLst>
+              <a:ahLst/>
+              <a:cxnLst>
+                <a:cxn ang="0">
+                  <a:pos x="T0" y="T1"/>
+                </a:cxn>
+                <a:cxn ang="0">
+                  <a:pos x="T2" y="T3"/>
+                </a:cxn>
+                <a:cxn ang="0">
+                  <a:pos x="T4" y="T5"/>
+                </a:cxn>
+                <a:cxn ang="0">
+                  <a:pos x="T6" y="T7"/>
+                </a:cxn>
+              </a:cxnLst>
+              <a:rect l="0" t="0" r="r" b="b"/>
+              <a:pathLst>
+                <a:path w="52" h="64">
+                  <a:moveTo>
+                    <a:pt x="0" y="0"/>
+                  </a:moveTo>
+                  <a:lnTo>
+                    <a:pt x="0" y="64"/>
+                  </a:lnTo>
+                  <a:lnTo>
+                    <a:pt x="52" y="33"/>
+                  </a:lnTo>
+                  <a:lnTo>
+                    <a:pt x="0" y="0"/>
+                  </a:lnTo>
+                  <a:close/>
+                </a:path>
+              </a:pathLst>
+            </a:custGeom>
+            <a:noFill/>
+            <a:ln w="9525" cap="flat">
+              <a:solidFill>
+                <a:schemeClr val="bg1"/>
+              </a:solidFill>
+              <a:prstDash val="solid"/>
+              <a:round/>
+              <a:headEnd/>
+              <a:tailEnd/>
+            </a:ln>
+            <a:extLst>
+              <a:ext uri="{909E8E84-426E-40DD-AFC4-6F175D3DCCD1}">
+                <a14:hiddenFill xmlns:a14="http://schemas.microsoft.com/office/drawing/2010/main">
+                  <a:solidFill>
+                    <a:srgbClr val="FFFFFF"/>
+                  </a:solidFill>
+                </a14:hiddenFill>
+              </a:ext>
+            </a:extLst>
+          </p:spPr>
+          <p:txBody>
+            <a:bodyPr vert="horz" wrap="square" lIns="91440" tIns="45720" rIns="91440" bIns="45720" numCol="1" anchor="t" anchorCtr="0" compatLnSpc="1">
+              <a:prstTxWarp prst="textNoShape">
+                <a:avLst/>
+              </a:prstTxWarp>
+            </a:bodyPr>
+            <a:lstStyle/>
+            <a:p>
+              <a:endParaRPr lang="id-ID"/>
+            </a:p>
+          </p:txBody>
+        </p:sp>
+      </p:grpSp>
+      <p:grpSp>
+        <p:nvGrpSpPr>
+          <p:cNvPr id="20" name="Group 1">
+            <a:extLst>
+              <a:ext uri="{FF2B5EF4-FFF2-40B4-BE49-F238E27FC236}">
+                <a16:creationId xmlns:a16="http://schemas.microsoft.com/office/drawing/2014/main" id="{15548E8D-DA46-F6DC-F8C4-FF4C919B20B5}"/>
+              </a:ext>
+            </a:extLst>
+          </p:cNvPr>
+          <p:cNvGrpSpPr>
+            <a:grpSpLocks noChangeAspect="1"/>
+          </p:cNvGrpSpPr>
+          <p:nvPr/>
+        </p:nvGrpSpPr>
+        <p:grpSpPr>
+          <a:xfrm>
+            <a:off x="602808" y="1919421"/>
+            <a:ext cx="236623" cy="216000"/>
+            <a:chOff x="3398838" y="5076826"/>
+            <a:chExt cx="346075" cy="315913"/>
+          </a:xfrm>
+        </p:grpSpPr>
+        <p:sp>
+          <p:nvSpPr>
+            <p:cNvPr id="23" name="Rectangle 80">
+              <a:extLst>
+                <a:ext uri="{FF2B5EF4-FFF2-40B4-BE49-F238E27FC236}">
+                  <a16:creationId xmlns:a16="http://schemas.microsoft.com/office/drawing/2014/main" id="{377714EA-9945-8C7C-6101-CB26744BEB9D}"/>
+                </a:ext>
+              </a:extLst>
+            </p:cNvPr>
+            <p:cNvSpPr>
+              <a:spLocks noChangeArrowheads="1"/>
+            </p:cNvSpPr>
+            <p:nvPr/>
+          </p:nvSpPr>
+          <p:spPr bwMode="auto">
+            <a:xfrm>
+              <a:off x="3519488" y="5076826"/>
+              <a:ext cx="225425" cy="74613"/>
             </a:xfrm>
             <a:prstGeom prst="rect">
               <a:avLst/>
             </a:prstGeom>
+            <a:noFill/>
+            <a:ln w="12700" cap="rnd">
+              <a:solidFill>
+                <a:schemeClr val="bg1"/>
+              </a:solidFill>
+              <a:prstDash val="solid"/>
+              <a:round/>
+              <a:headEnd/>
+              <a:tailEnd/>
+            </a:ln>
+            <a:extLst>
+              <a:ext uri="{909E8E84-426E-40DD-AFC4-6F175D3DCCD1}">
+                <a14:hiddenFill xmlns:a14="http://schemas.microsoft.com/office/drawing/2010/main">
+                  <a:solidFill>
+                    <a:srgbClr val="FFFFFF"/>
+                  </a:solidFill>
+                </a14:hiddenFill>
+              </a:ext>
+            </a:extLst>
           </p:spPr>
-        </p:pic>
+          <p:txBody>
+            <a:bodyPr vert="horz" wrap="square" lIns="91440" tIns="45720" rIns="91440" bIns="45720" numCol="1" anchor="t" anchorCtr="0" compatLnSpc="1">
+              <a:prstTxWarp prst="textNoShape">
+                <a:avLst/>
+              </a:prstTxWarp>
+            </a:bodyPr>
+            <a:lstStyle/>
+            <a:p>
+              <a:endParaRPr lang="id-ID"/>
+            </a:p>
+          </p:txBody>
+        </p:sp>
+        <p:sp>
+          <p:nvSpPr>
+            <p:cNvPr id="24" name="Rectangle 81">
+              <a:extLst>
+                <a:ext uri="{FF2B5EF4-FFF2-40B4-BE49-F238E27FC236}">
+                  <a16:creationId xmlns:a16="http://schemas.microsoft.com/office/drawing/2014/main" id="{999D1A82-0B57-13FE-0694-D479B060535E}"/>
+                </a:ext>
+              </a:extLst>
+            </p:cNvPr>
+            <p:cNvSpPr>
+              <a:spLocks noChangeArrowheads="1"/>
+            </p:cNvSpPr>
+            <p:nvPr/>
+          </p:nvSpPr>
+          <p:spPr bwMode="auto">
+            <a:xfrm>
+              <a:off x="3519488" y="5197476"/>
+              <a:ext cx="225425" cy="74613"/>
+            </a:xfrm>
+            <a:prstGeom prst="rect">
+              <a:avLst/>
+            </a:prstGeom>
+            <a:noFill/>
+            <a:ln w="12700" cap="rnd">
+              <a:solidFill>
+                <a:schemeClr val="bg1"/>
+              </a:solidFill>
+              <a:prstDash val="solid"/>
+              <a:round/>
+              <a:headEnd/>
+              <a:tailEnd/>
+            </a:ln>
+            <a:extLst>
+              <a:ext uri="{909E8E84-426E-40DD-AFC4-6F175D3DCCD1}">
+                <a14:hiddenFill xmlns:a14="http://schemas.microsoft.com/office/drawing/2010/main">
+                  <a:solidFill>
+                    <a:srgbClr val="FFFFFF"/>
+                  </a:solidFill>
+                </a14:hiddenFill>
+              </a:ext>
+            </a:extLst>
+          </p:spPr>
+          <p:txBody>
+            <a:bodyPr vert="horz" wrap="square" lIns="91440" tIns="45720" rIns="91440" bIns="45720" numCol="1" anchor="t" anchorCtr="0" compatLnSpc="1">
+              <a:prstTxWarp prst="textNoShape">
+                <a:avLst/>
+              </a:prstTxWarp>
+            </a:bodyPr>
+            <a:lstStyle/>
+            <a:p>
+              <a:endParaRPr lang="id-ID"/>
+            </a:p>
+          </p:txBody>
+        </p:sp>
+        <p:sp>
+          <p:nvSpPr>
+            <p:cNvPr id="25" name="Rectangle 82">
+              <a:extLst>
+                <a:ext uri="{FF2B5EF4-FFF2-40B4-BE49-F238E27FC236}">
+                  <a16:creationId xmlns:a16="http://schemas.microsoft.com/office/drawing/2014/main" id="{AF3AA778-A66C-CD25-2479-162712D0EB20}"/>
+                </a:ext>
+              </a:extLst>
+            </p:cNvPr>
+            <p:cNvSpPr>
+              <a:spLocks noChangeArrowheads="1"/>
+            </p:cNvSpPr>
+            <p:nvPr/>
+          </p:nvSpPr>
+          <p:spPr bwMode="auto">
+            <a:xfrm>
+              <a:off x="3519488" y="5316539"/>
+              <a:ext cx="225425" cy="76200"/>
+            </a:xfrm>
+            <a:prstGeom prst="rect">
+              <a:avLst/>
+            </a:prstGeom>
+            <a:noFill/>
+            <a:ln w="12700" cap="rnd">
+              <a:solidFill>
+                <a:schemeClr val="bg1"/>
+              </a:solidFill>
+              <a:prstDash val="solid"/>
+              <a:round/>
+              <a:headEnd/>
+              <a:tailEnd/>
+            </a:ln>
+            <a:extLst>
+              <a:ext uri="{909E8E84-426E-40DD-AFC4-6F175D3DCCD1}">
+                <a14:hiddenFill xmlns:a14="http://schemas.microsoft.com/office/drawing/2010/main">
+                  <a:solidFill>
+                    <a:srgbClr val="FFFFFF"/>
+                  </a:solidFill>
+                </a14:hiddenFill>
+              </a:ext>
+            </a:extLst>
+          </p:spPr>
+          <p:txBody>
+            <a:bodyPr vert="horz" wrap="square" lIns="91440" tIns="45720" rIns="91440" bIns="45720" numCol="1" anchor="t" anchorCtr="0" compatLnSpc="1">
+              <a:prstTxWarp prst="textNoShape">
+                <a:avLst/>
+              </a:prstTxWarp>
+            </a:bodyPr>
+            <a:lstStyle/>
+            <a:p>
+              <a:endParaRPr lang="id-ID"/>
+            </a:p>
+          </p:txBody>
+        </p:sp>
+        <p:sp>
+          <p:nvSpPr>
+            <p:cNvPr id="26" name="Rectangle 83">
+              <a:extLst>
+                <a:ext uri="{FF2B5EF4-FFF2-40B4-BE49-F238E27FC236}">
+                  <a16:creationId xmlns:a16="http://schemas.microsoft.com/office/drawing/2014/main" id="{48106F25-3D59-EB10-F2CC-66671174BAA7}"/>
+                </a:ext>
+              </a:extLst>
+            </p:cNvPr>
+            <p:cNvSpPr>
+              <a:spLocks noChangeArrowheads="1"/>
+            </p:cNvSpPr>
+            <p:nvPr/>
+          </p:nvSpPr>
+          <p:spPr bwMode="auto">
+            <a:xfrm>
+              <a:off x="3398838" y="5076826"/>
+              <a:ext cx="74613" cy="74613"/>
+            </a:xfrm>
+            <a:prstGeom prst="rect">
+              <a:avLst/>
+            </a:prstGeom>
+            <a:noFill/>
+            <a:ln w="12700" cap="rnd">
+              <a:solidFill>
+                <a:schemeClr val="bg1"/>
+              </a:solidFill>
+              <a:prstDash val="solid"/>
+              <a:round/>
+              <a:headEnd/>
+              <a:tailEnd/>
+            </a:ln>
+            <a:extLst>
+              <a:ext uri="{909E8E84-426E-40DD-AFC4-6F175D3DCCD1}">
+                <a14:hiddenFill xmlns:a14="http://schemas.microsoft.com/office/drawing/2010/main">
+                  <a:solidFill>
+                    <a:srgbClr val="FFFFFF"/>
+                  </a:solidFill>
+                </a14:hiddenFill>
+              </a:ext>
+            </a:extLst>
+          </p:spPr>
+          <p:txBody>
+            <a:bodyPr vert="horz" wrap="square" lIns="91440" tIns="45720" rIns="91440" bIns="45720" numCol="1" anchor="t" anchorCtr="0" compatLnSpc="1">
+              <a:prstTxWarp prst="textNoShape">
+                <a:avLst/>
+              </a:prstTxWarp>
+            </a:bodyPr>
+            <a:lstStyle/>
+            <a:p>
+              <a:endParaRPr lang="id-ID"/>
+            </a:p>
+          </p:txBody>
+        </p:sp>
+        <p:sp>
+          <p:nvSpPr>
+            <p:cNvPr id="28" name="Rectangle 84">
+              <a:extLst>
+                <a:ext uri="{FF2B5EF4-FFF2-40B4-BE49-F238E27FC236}">
+                  <a16:creationId xmlns:a16="http://schemas.microsoft.com/office/drawing/2014/main" id="{6943729F-ED5A-B2CE-9178-932B78B8298A}"/>
+                </a:ext>
+              </a:extLst>
+            </p:cNvPr>
+            <p:cNvSpPr>
+              <a:spLocks noChangeArrowheads="1"/>
+            </p:cNvSpPr>
+            <p:nvPr/>
+          </p:nvSpPr>
+          <p:spPr bwMode="auto">
+            <a:xfrm>
+              <a:off x="3398838" y="5197476"/>
+              <a:ext cx="74613" cy="74613"/>
+            </a:xfrm>
+            <a:prstGeom prst="rect">
+              <a:avLst/>
+            </a:prstGeom>
+            <a:noFill/>
+            <a:ln w="12700" cap="rnd">
+              <a:solidFill>
+                <a:schemeClr val="bg1"/>
+              </a:solidFill>
+              <a:prstDash val="solid"/>
+              <a:round/>
+              <a:headEnd/>
+              <a:tailEnd/>
+            </a:ln>
+            <a:extLst>
+              <a:ext uri="{909E8E84-426E-40DD-AFC4-6F175D3DCCD1}">
+                <a14:hiddenFill xmlns:a14="http://schemas.microsoft.com/office/drawing/2010/main">
+                  <a:solidFill>
+                    <a:srgbClr val="FFFFFF"/>
+                  </a:solidFill>
+                </a14:hiddenFill>
+              </a:ext>
+            </a:extLst>
+          </p:spPr>
+          <p:txBody>
+            <a:bodyPr vert="horz" wrap="square" lIns="91440" tIns="45720" rIns="91440" bIns="45720" numCol="1" anchor="t" anchorCtr="0" compatLnSpc="1">
+              <a:prstTxWarp prst="textNoShape">
+                <a:avLst/>
+              </a:prstTxWarp>
+            </a:bodyPr>
+            <a:lstStyle/>
+            <a:p>
+              <a:endParaRPr lang="id-ID"/>
+            </a:p>
+          </p:txBody>
+        </p:sp>
+        <p:sp>
+          <p:nvSpPr>
+            <p:cNvPr id="30" name="Rectangle 85">
+              <a:extLst>
+                <a:ext uri="{FF2B5EF4-FFF2-40B4-BE49-F238E27FC236}">
+                  <a16:creationId xmlns:a16="http://schemas.microsoft.com/office/drawing/2014/main" id="{EFB86162-B636-B861-4ED0-C88EB74D2CE6}"/>
+                </a:ext>
+              </a:extLst>
+            </p:cNvPr>
+            <p:cNvSpPr>
+              <a:spLocks noChangeArrowheads="1"/>
+            </p:cNvSpPr>
+            <p:nvPr/>
+          </p:nvSpPr>
+          <p:spPr bwMode="auto">
+            <a:xfrm>
+              <a:off x="3398838" y="5316539"/>
+              <a:ext cx="74613" cy="76200"/>
+            </a:xfrm>
+            <a:prstGeom prst="rect">
+              <a:avLst/>
+            </a:prstGeom>
+            <a:noFill/>
+            <a:ln w="12700" cap="rnd">
+              <a:solidFill>
+                <a:schemeClr val="bg1"/>
+              </a:solidFill>
+              <a:prstDash val="solid"/>
+              <a:round/>
+              <a:headEnd/>
+              <a:tailEnd/>
+            </a:ln>
+            <a:extLst>
+              <a:ext uri="{909E8E84-426E-40DD-AFC4-6F175D3DCCD1}">
+                <a14:hiddenFill xmlns:a14="http://schemas.microsoft.com/office/drawing/2010/main">
+                  <a:solidFill>
+                    <a:srgbClr val="FFFFFF"/>
+                  </a:solidFill>
+                </a14:hiddenFill>
+              </a:ext>
+            </a:extLst>
+          </p:spPr>
+          <p:txBody>
+            <a:bodyPr vert="horz" wrap="square" lIns="91440" tIns="45720" rIns="91440" bIns="45720" numCol="1" anchor="t" anchorCtr="0" compatLnSpc="1">
+              <a:prstTxWarp prst="textNoShape">
+                <a:avLst/>
+              </a:prstTxWarp>
+            </a:bodyPr>
+            <a:lstStyle/>
+            <a:p>
+              <a:endParaRPr lang="id-ID"/>
+            </a:p>
+          </p:txBody>
+        </p:sp>
       </p:grpSp>
+      <p:pic>
+        <p:nvPicPr>
+          <p:cNvPr id="2" name="Grafik 1">
+            <a:extLst>
+              <a:ext uri="{FF2B5EF4-FFF2-40B4-BE49-F238E27FC236}">
+                <a16:creationId xmlns:a16="http://schemas.microsoft.com/office/drawing/2014/main" id="{9EB3951C-2213-28B1-AA9F-39D3DCACF726}"/>
+              </a:ext>
+            </a:extLst>
+          </p:cNvPr>
+          <p:cNvPicPr>
+            <a:picLocks noChangeAspect="1"/>
+          </p:cNvPicPr>
+          <p:nvPr/>
+        </p:nvPicPr>
+        <p:blipFill>
+          <a:blip r:embed="rId3"/>
+          <a:stretch>
+            <a:fillRect/>
+          </a:stretch>
+        </p:blipFill>
+        <p:spPr>
+          <a:xfrm>
+            <a:off x="4690673" y="1619154"/>
+            <a:ext cx="5895738" cy="4203314"/>
+          </a:xfrm>
+          <a:prstGeom prst="rect">
+            <a:avLst/>
+          </a:prstGeom>
+        </p:spPr>
+      </p:pic>
     </p:spTree>
     <p:extLst>
       <p:ext uri="{BB962C8B-B14F-4D97-AF65-F5344CB8AC3E}">
-        <p14:creationId xmlns:p14="http://schemas.microsoft.com/office/powerpoint/2010/main" val="3582850861"/>
+        <p14:creationId xmlns:p14="http://schemas.microsoft.com/office/powerpoint/2010/main" val="1844234061"/>
+      </p:ext>
+    </p:extLst>
+  </p:cSld>
+  <p:clrMapOvr>
+    <a:masterClrMapping/>
+  </p:clrMapOvr>
+</p:sld>
+</file>
+
+<file path=ppt/slides/slide8.xml><?xml version="1.0" encoding="utf-8"?>
+<p:sld xmlns:a="http://schemas.openxmlformats.org/drawingml/2006/main" xmlns:r="http://schemas.openxmlformats.org/officeDocument/2006/relationships" xmlns:p="http://schemas.openxmlformats.org/presentationml/2006/main">
+  <p:cSld>
+    <p:bg>
+      <p:bgPr>
+        <a:solidFill>
+          <a:srgbClr val="191414"/>
+        </a:solidFill>
+        <a:effectLst/>
+      </p:bgPr>
+    </p:bg>
+    <p:spTree>
+      <p:nvGrpSpPr>
+        <p:cNvPr id="1" name=""/>
+        <p:cNvGrpSpPr/>
+        <p:nvPr/>
+      </p:nvGrpSpPr>
+      <p:grpSpPr>
+        <a:xfrm>
+          <a:off x="0" y="0"/>
+          <a:ext cx="0" cy="0"/>
+          <a:chOff x="0" y="0"/>
+          <a:chExt cx="0" cy="0"/>
+        </a:xfrm>
+      </p:grpSpPr>
+      <p:sp>
+        <p:nvSpPr>
+          <p:cNvPr id="18" name="TextBox 17">
+            <a:extLst>
+              <a:ext uri="{FF2B5EF4-FFF2-40B4-BE49-F238E27FC236}">
+                <a16:creationId xmlns:a16="http://schemas.microsoft.com/office/drawing/2014/main" id="{355AC3A1-175C-0DC3-DBAF-F626A9F3780A}"/>
+              </a:ext>
+            </a:extLst>
+          </p:cNvPr>
+          <p:cNvSpPr txBox="1"/>
+          <p:nvPr/>
+        </p:nvSpPr>
+        <p:spPr>
+          <a:xfrm>
+            <a:off x="3474402" y="388280"/>
+            <a:ext cx="7841298" cy="769441"/>
+          </a:xfrm>
+          <a:prstGeom prst="rect">
+            <a:avLst/>
+          </a:prstGeom>
+          <a:noFill/>
+        </p:spPr>
+        <p:txBody>
+          <a:bodyPr wrap="square" rtlCol="0">
+            <a:spAutoFit/>
+          </a:bodyPr>
+          <a:lstStyle/>
+          <a:p>
+            <a:r>
+              <a:rPr lang="en-US" sz="4400" b="1" dirty="0">
+                <a:solidFill>
+                  <a:srgbClr val="1DB954"/>
+                </a:solidFill>
+                <a:latin typeface="Segoe UI" panose="020B0502040204020203" pitchFamily="34" charset="0"/>
+                <a:cs typeface="Segoe UI" panose="020B0502040204020203" pitchFamily="34" charset="0"/>
+              </a:rPr>
+              <a:t>EDA</a:t>
+            </a:r>
+            <a:endParaRPr lang="en-US" sz="4400" b="1" dirty="0">
+              <a:solidFill>
+                <a:schemeClr val="bg1"/>
+              </a:solidFill>
+              <a:latin typeface="Segoe UI" panose="020B0502040204020203" pitchFamily="34" charset="0"/>
+              <a:cs typeface="Segoe UI" panose="020B0502040204020203" pitchFamily="34" charset="0"/>
+            </a:endParaRPr>
+          </a:p>
+        </p:txBody>
+      </p:sp>
+      <p:sp>
+        <p:nvSpPr>
+          <p:cNvPr id="42" name="Rectangle: Rounded Corners 41">
+            <a:extLst>
+              <a:ext uri="{FF2B5EF4-FFF2-40B4-BE49-F238E27FC236}">
+                <a16:creationId xmlns:a16="http://schemas.microsoft.com/office/drawing/2014/main" id="{2D323B2B-1A46-4DE2-23B4-AE05B947C523}"/>
+              </a:ext>
+            </a:extLst>
+          </p:cNvPr>
+          <p:cNvSpPr/>
+          <p:nvPr/>
+        </p:nvSpPr>
+        <p:spPr>
+          <a:xfrm>
+            <a:off x="3428683" y="1367642"/>
+            <a:ext cx="8382635" cy="4756908"/>
+          </a:xfrm>
+          <a:prstGeom prst="roundRect">
+            <a:avLst>
+              <a:gd name="adj" fmla="val 7408"/>
+            </a:avLst>
+          </a:prstGeom>
+          <a:solidFill>
+            <a:srgbClr val="0A0A0B"/>
+          </a:solidFill>
+          <a:ln>
+            <a:noFill/>
+          </a:ln>
+        </p:spPr>
+        <p:style>
+          <a:lnRef idx="2">
+            <a:schemeClr val="accent1">
+              <a:shade val="50000"/>
+            </a:schemeClr>
+          </a:lnRef>
+          <a:fillRef idx="1">
+            <a:schemeClr val="accent1"/>
+          </a:fillRef>
+          <a:effectRef idx="0">
+            <a:schemeClr val="accent1"/>
+          </a:effectRef>
+          <a:fontRef idx="minor">
+            <a:schemeClr val="lt1"/>
+          </a:fontRef>
+        </p:style>
+        <p:txBody>
+          <a:bodyPr rtlCol="0" anchor="ctr"/>
+          <a:lstStyle/>
+          <a:p>
+            <a:pPr algn="ctr"/>
+            <a:endParaRPr lang="en-US">
+              <a:latin typeface="Segoe UI" panose="020B0502040204020203" pitchFamily="34" charset="0"/>
+              <a:cs typeface="Segoe UI" panose="020B0502040204020203" pitchFamily="34" charset="0"/>
+            </a:endParaRPr>
+          </a:p>
+        </p:txBody>
+      </p:sp>
+      <p:sp>
+        <p:nvSpPr>
+          <p:cNvPr id="45" name="TextBox 44">
+            <a:extLst>
+              <a:ext uri="{FF2B5EF4-FFF2-40B4-BE49-F238E27FC236}">
+                <a16:creationId xmlns:a16="http://schemas.microsoft.com/office/drawing/2014/main" id="{B6429CB9-9544-2C8E-5FE0-1DF020713FDA}"/>
+              </a:ext>
+            </a:extLst>
+          </p:cNvPr>
+          <p:cNvSpPr txBox="1"/>
+          <p:nvPr/>
+        </p:nvSpPr>
+        <p:spPr>
+          <a:xfrm>
+            <a:off x="3678542" y="1492875"/>
+            <a:ext cx="3960000" cy="366917"/>
+          </a:xfrm>
+          <a:prstGeom prst="rect">
+            <a:avLst/>
+          </a:prstGeom>
+          <a:noFill/>
+        </p:spPr>
+        <p:txBody>
+          <a:bodyPr wrap="none" lIns="0" rIns="0" rtlCol="0" anchor="ctr">
+            <a:noAutofit/>
+          </a:bodyPr>
+          <a:lstStyle/>
+          <a:p>
+            <a:endParaRPr lang="en-US" sz="1400" dirty="0">
+              <a:solidFill>
+                <a:schemeClr val="bg1"/>
+              </a:solidFill>
+              <a:latin typeface="Segoe UI" panose="020B0502040204020203" pitchFamily="34" charset="0"/>
+              <a:cs typeface="Segoe UI" panose="020B0502040204020203" pitchFamily="34" charset="0"/>
+            </a:endParaRPr>
+          </a:p>
+        </p:txBody>
+      </p:sp>
+      <p:sp>
+        <p:nvSpPr>
+          <p:cNvPr id="48" name="TextBox 47">
+            <a:extLst>
+              <a:ext uri="{FF2B5EF4-FFF2-40B4-BE49-F238E27FC236}">
+                <a16:creationId xmlns:a16="http://schemas.microsoft.com/office/drawing/2014/main" id="{E4CCABAB-F10A-642D-34EC-706C8A69764F}"/>
+              </a:ext>
+            </a:extLst>
+          </p:cNvPr>
+          <p:cNvSpPr txBox="1"/>
+          <p:nvPr/>
+        </p:nvSpPr>
+        <p:spPr>
+          <a:xfrm>
+            <a:off x="3666184" y="1569060"/>
+            <a:ext cx="7929163" cy="4431689"/>
+          </a:xfrm>
+          <a:prstGeom prst="rect">
+            <a:avLst/>
+          </a:prstGeom>
+          <a:noFill/>
+        </p:spPr>
+        <p:txBody>
+          <a:bodyPr wrap="square" lIns="0" rIns="0" rtlCol="0" anchor="t" anchorCtr="0">
+            <a:noAutofit/>
+          </a:bodyPr>
+          <a:lstStyle/>
+          <a:p>
+            <a:pPr algn="l"/>
+            <a:r>
+              <a:rPr lang="de-AT" sz="2800" dirty="0" err="1">
+                <a:solidFill>
+                  <a:schemeClr val="bg1"/>
+                </a:solidFill>
+                <a:latin typeface="Söhne"/>
+              </a:rPr>
+              <a:t>Statistics</a:t>
+            </a:r>
+            <a:r>
+              <a:rPr lang="de-AT" sz="2800" dirty="0">
+                <a:solidFill>
+                  <a:schemeClr val="bg1"/>
+                </a:solidFill>
+                <a:latin typeface="Söhne"/>
+              </a:rPr>
+              <a:t> </a:t>
+            </a:r>
+            <a:r>
+              <a:rPr lang="de-AT" sz="2800" dirty="0" err="1">
+                <a:solidFill>
+                  <a:schemeClr val="bg1"/>
+                </a:solidFill>
+                <a:latin typeface="Söhne"/>
+              </a:rPr>
+              <a:t>for</a:t>
+            </a:r>
+            <a:r>
+              <a:rPr lang="de-AT" sz="2800" dirty="0">
+                <a:solidFill>
+                  <a:schemeClr val="bg1"/>
+                </a:solidFill>
+                <a:latin typeface="Söhne"/>
+              </a:rPr>
+              <a:t> </a:t>
+            </a:r>
+            <a:r>
+              <a:rPr lang="de-AT" sz="2800" dirty="0" err="1">
+                <a:solidFill>
+                  <a:schemeClr val="bg1"/>
+                </a:solidFill>
+                <a:latin typeface="Söhne"/>
+              </a:rPr>
+              <a:t>lyrics</a:t>
+            </a:r>
+            <a:r>
+              <a:rPr lang="de-AT" sz="2800" dirty="0">
+                <a:solidFill>
+                  <a:schemeClr val="bg1"/>
+                </a:solidFill>
+                <a:latin typeface="Söhne"/>
+              </a:rPr>
+              <a:t>:</a:t>
+            </a:r>
+          </a:p>
+          <a:p>
+            <a:pPr marL="457200" indent="-457200" algn="l">
+              <a:buFont typeface="Arial" panose="020B0604020202020204" pitchFamily="34" charset="0"/>
+              <a:buChar char="•"/>
+            </a:pPr>
+            <a:r>
+              <a:rPr lang="de-AT" sz="2800" dirty="0">
+                <a:solidFill>
+                  <a:schemeClr val="bg1"/>
+                </a:solidFill>
+                <a:latin typeface="Söhne"/>
+              </a:rPr>
+              <a:t>40.816 </a:t>
+            </a:r>
+            <a:r>
+              <a:rPr lang="de-AT" sz="2800" dirty="0" err="1">
+                <a:solidFill>
+                  <a:schemeClr val="bg1"/>
+                </a:solidFill>
+                <a:latin typeface="Söhne"/>
+              </a:rPr>
+              <a:t>unique</a:t>
+            </a:r>
+            <a:r>
+              <a:rPr lang="de-AT" sz="2800" dirty="0">
+                <a:solidFill>
+                  <a:schemeClr val="bg1"/>
+                </a:solidFill>
+                <a:latin typeface="Söhne"/>
+              </a:rPr>
+              <a:t> </a:t>
+            </a:r>
+            <a:r>
+              <a:rPr lang="de-AT" sz="2800" dirty="0" err="1">
+                <a:solidFill>
+                  <a:schemeClr val="bg1"/>
+                </a:solidFill>
+                <a:latin typeface="Söhne"/>
+              </a:rPr>
+              <a:t>lyrics</a:t>
+            </a:r>
+            <a:endParaRPr lang="de-AT" sz="2800" b="0" i="0" u="none" strike="noStrike" dirty="0">
+              <a:solidFill>
+                <a:schemeClr val="bg1"/>
+              </a:solidFill>
+              <a:effectLst/>
+              <a:latin typeface="Söhne"/>
+            </a:endParaRPr>
+          </a:p>
+          <a:p>
+            <a:pPr marL="457200" indent="-457200" algn="l">
+              <a:buFont typeface="Arial" panose="020B0604020202020204" pitchFamily="34" charset="0"/>
+              <a:buChar char="•"/>
+            </a:pPr>
+            <a:r>
+              <a:rPr lang="de-AT" sz="2800" b="0" i="0" u="none" strike="noStrike" dirty="0">
+                <a:solidFill>
+                  <a:schemeClr val="bg1"/>
+                </a:solidFill>
+                <a:effectLst/>
+                <a:latin typeface="Söhne"/>
+              </a:rPr>
+              <a:t>Different </a:t>
+            </a:r>
+            <a:r>
+              <a:rPr lang="de-AT" sz="2800" b="0" i="0" u="none" strike="noStrike" dirty="0" err="1">
+                <a:solidFill>
+                  <a:schemeClr val="bg1"/>
+                </a:solidFill>
+                <a:effectLst/>
+                <a:latin typeface="Söhne"/>
+              </a:rPr>
+              <a:t>languages</a:t>
+            </a:r>
+            <a:endParaRPr lang="de-AT" sz="2800" b="0" i="0" u="none" strike="noStrike" dirty="0">
+              <a:solidFill>
+                <a:schemeClr val="bg1"/>
+              </a:solidFill>
+              <a:effectLst/>
+              <a:latin typeface="Söhne"/>
+            </a:endParaRPr>
+          </a:p>
+        </p:txBody>
+      </p:sp>
+      <p:sp>
+        <p:nvSpPr>
+          <p:cNvPr id="3" name="TextBox 20">
+            <a:extLst>
+              <a:ext uri="{FF2B5EF4-FFF2-40B4-BE49-F238E27FC236}">
+                <a16:creationId xmlns:a16="http://schemas.microsoft.com/office/drawing/2014/main" id="{120F99AC-1455-3A16-6F33-5B71AA5C26C8}"/>
+              </a:ext>
+            </a:extLst>
+          </p:cNvPr>
+          <p:cNvSpPr txBox="1"/>
+          <p:nvPr/>
+        </p:nvSpPr>
+        <p:spPr>
+          <a:xfrm>
+            <a:off x="380682" y="1843961"/>
+            <a:ext cx="2296800" cy="366917"/>
+          </a:xfrm>
+          <a:prstGeom prst="roundRect">
+            <a:avLst/>
+          </a:prstGeom>
+          <a:gradFill>
+            <a:gsLst>
+              <a:gs pos="0">
+                <a:schemeClr val="bg1">
+                  <a:lumMod val="50000"/>
+                  <a:alpha val="45000"/>
+                </a:schemeClr>
+              </a:gs>
+              <a:gs pos="100000">
+                <a:srgbClr val="191414">
+                  <a:alpha val="25000"/>
+                </a:srgbClr>
+              </a:gs>
+            </a:gsLst>
+            <a:lin ang="4200000" scaled="0"/>
+          </a:gradFill>
+        </p:spPr>
+        <p:txBody>
+          <a:bodyPr wrap="none" lIns="684000" rtlCol="0" anchor="ctr">
+            <a:noAutofit/>
+          </a:bodyPr>
+          <a:lstStyle/>
+          <a:p>
+            <a:r>
+              <a:rPr lang="en-US" sz="1400" b="1" dirty="0">
+                <a:solidFill>
+                  <a:schemeClr val="bg1"/>
+                </a:solidFill>
+                <a:latin typeface="Segoe UI" panose="020B0502040204020203" pitchFamily="34" charset="0"/>
+                <a:cs typeface="Segoe UI" panose="020B0502040204020203" pitchFamily="34" charset="0"/>
+              </a:rPr>
+              <a:t>EDA</a:t>
+            </a:r>
+          </a:p>
+        </p:txBody>
+      </p:sp>
+      <p:sp>
+        <p:nvSpPr>
+          <p:cNvPr id="10" name="TextBox 21">
+            <a:extLst>
+              <a:ext uri="{FF2B5EF4-FFF2-40B4-BE49-F238E27FC236}">
+                <a16:creationId xmlns:a16="http://schemas.microsoft.com/office/drawing/2014/main" id="{228298A3-AA79-9AAE-DC10-145B5C02E7BD}"/>
+              </a:ext>
+            </a:extLst>
+          </p:cNvPr>
+          <p:cNvSpPr txBox="1"/>
+          <p:nvPr/>
+        </p:nvSpPr>
+        <p:spPr>
+          <a:xfrm>
+            <a:off x="383220" y="1296806"/>
+            <a:ext cx="2296800" cy="366917"/>
+          </a:xfrm>
+          <a:prstGeom prst="roundRect">
+            <a:avLst/>
+          </a:prstGeom>
+          <a:noFill/>
+        </p:spPr>
+        <p:txBody>
+          <a:bodyPr wrap="none" lIns="684000" rtlCol="0" anchor="ctr">
+            <a:noAutofit/>
+          </a:bodyPr>
+          <a:lstStyle/>
+          <a:p>
+            <a:r>
+              <a:rPr lang="en-US" sz="1400" dirty="0">
+                <a:solidFill>
+                  <a:schemeClr val="bg1"/>
+                </a:solidFill>
+                <a:latin typeface="Segoe UI" panose="020B0502040204020203" pitchFamily="34" charset="0"/>
+                <a:cs typeface="Segoe UI" panose="020B0502040204020203" pitchFamily="34" charset="0"/>
+              </a:rPr>
+              <a:t>Preprocessing Steps</a:t>
+            </a:r>
+          </a:p>
+        </p:txBody>
+      </p:sp>
+      <p:grpSp>
+        <p:nvGrpSpPr>
+          <p:cNvPr id="11" name="Group 1035">
+            <a:extLst>
+              <a:ext uri="{FF2B5EF4-FFF2-40B4-BE49-F238E27FC236}">
+                <a16:creationId xmlns:a16="http://schemas.microsoft.com/office/drawing/2014/main" id="{744F1910-5910-7A90-49C6-531CB5AFEF2A}"/>
+              </a:ext>
+            </a:extLst>
+          </p:cNvPr>
+          <p:cNvGrpSpPr/>
+          <p:nvPr/>
+        </p:nvGrpSpPr>
+        <p:grpSpPr>
+          <a:xfrm>
+            <a:off x="591710" y="1393732"/>
+            <a:ext cx="258819" cy="225423"/>
+            <a:chOff x="7005638" y="3648076"/>
+            <a:chExt cx="344488" cy="300038"/>
+          </a:xfrm>
+        </p:grpSpPr>
+        <p:sp>
+          <p:nvSpPr>
+            <p:cNvPr id="12" name="Freeform 90">
+              <a:extLst>
+                <a:ext uri="{FF2B5EF4-FFF2-40B4-BE49-F238E27FC236}">
+                  <a16:creationId xmlns:a16="http://schemas.microsoft.com/office/drawing/2014/main" id="{328E40C6-FD5C-DD40-06A4-F1942B4A4FAB}"/>
+                </a:ext>
+              </a:extLst>
+            </p:cNvPr>
+            <p:cNvSpPr>
+              <a:spLocks/>
+            </p:cNvSpPr>
+            <p:nvPr/>
+          </p:nvSpPr>
+          <p:spPr bwMode="auto">
+            <a:xfrm>
+              <a:off x="7005638" y="3648076"/>
+              <a:ext cx="344488" cy="269875"/>
+            </a:xfrm>
+            <a:custGeom>
+              <a:avLst/>
+              <a:gdLst>
+                <a:gd name="T0" fmla="*/ 92 w 92"/>
+                <a:gd name="T1" fmla="*/ 66 h 72"/>
+                <a:gd name="T2" fmla="*/ 86 w 92"/>
+                <a:gd name="T3" fmla="*/ 72 h 72"/>
+                <a:gd name="T4" fmla="*/ 6 w 92"/>
+                <a:gd name="T5" fmla="*/ 72 h 72"/>
+                <a:gd name="T6" fmla="*/ 0 w 92"/>
+                <a:gd name="T7" fmla="*/ 66 h 72"/>
+                <a:gd name="T8" fmla="*/ 0 w 92"/>
+                <a:gd name="T9" fmla="*/ 6 h 72"/>
+                <a:gd name="T10" fmla="*/ 6 w 92"/>
+                <a:gd name="T11" fmla="*/ 0 h 72"/>
+                <a:gd name="T12" fmla="*/ 86 w 92"/>
+                <a:gd name="T13" fmla="*/ 0 h 72"/>
+                <a:gd name="T14" fmla="*/ 92 w 92"/>
+                <a:gd name="T15" fmla="*/ 6 h 72"/>
+                <a:gd name="T16" fmla="*/ 92 w 92"/>
+                <a:gd name="T17" fmla="*/ 66 h 72"/>
+              </a:gdLst>
+              <a:ahLst/>
+              <a:cxnLst>
+                <a:cxn ang="0">
+                  <a:pos x="T0" y="T1"/>
+                </a:cxn>
+                <a:cxn ang="0">
+                  <a:pos x="T2" y="T3"/>
+                </a:cxn>
+                <a:cxn ang="0">
+                  <a:pos x="T4" y="T5"/>
+                </a:cxn>
+                <a:cxn ang="0">
+                  <a:pos x="T6" y="T7"/>
+                </a:cxn>
+                <a:cxn ang="0">
+                  <a:pos x="T8" y="T9"/>
+                </a:cxn>
+                <a:cxn ang="0">
+                  <a:pos x="T10" y="T11"/>
+                </a:cxn>
+                <a:cxn ang="0">
+                  <a:pos x="T12" y="T13"/>
+                </a:cxn>
+                <a:cxn ang="0">
+                  <a:pos x="T14" y="T15"/>
+                </a:cxn>
+                <a:cxn ang="0">
+                  <a:pos x="T16" y="T17"/>
+                </a:cxn>
+              </a:cxnLst>
+              <a:rect l="0" t="0" r="r" b="b"/>
+              <a:pathLst>
+                <a:path w="92" h="72">
+                  <a:moveTo>
+                    <a:pt x="92" y="66"/>
+                  </a:moveTo>
+                  <a:cubicBezTo>
+                    <a:pt x="92" y="69"/>
+                    <a:pt x="89" y="72"/>
+                    <a:pt x="86" y="72"/>
+                  </a:cubicBezTo>
+                  <a:cubicBezTo>
+                    <a:pt x="6" y="72"/>
+                    <a:pt x="6" y="72"/>
+                    <a:pt x="6" y="72"/>
+                  </a:cubicBezTo>
+                  <a:cubicBezTo>
+                    <a:pt x="3" y="72"/>
+                    <a:pt x="0" y="69"/>
+                    <a:pt x="0" y="66"/>
+                  </a:cubicBezTo>
+                  <a:cubicBezTo>
+                    <a:pt x="0" y="6"/>
+                    <a:pt x="0" y="6"/>
+                    <a:pt x="0" y="6"/>
+                  </a:cubicBezTo>
+                  <a:cubicBezTo>
+                    <a:pt x="0" y="3"/>
+                    <a:pt x="3" y="0"/>
+                    <a:pt x="6" y="0"/>
+                  </a:cubicBezTo>
+                  <a:cubicBezTo>
+                    <a:pt x="86" y="0"/>
+                    <a:pt x="86" y="0"/>
+                    <a:pt x="86" y="0"/>
+                  </a:cubicBezTo>
+                  <a:cubicBezTo>
+                    <a:pt x="89" y="0"/>
+                    <a:pt x="92" y="3"/>
+                    <a:pt x="92" y="6"/>
+                  </a:cubicBezTo>
+                  <a:lnTo>
+                    <a:pt x="92" y="66"/>
+                  </a:lnTo>
+                  <a:close/>
+                </a:path>
+              </a:pathLst>
+            </a:custGeom>
+            <a:noFill/>
+            <a:ln w="9525" cap="rnd">
+              <a:solidFill>
+                <a:schemeClr val="bg1"/>
+              </a:solidFill>
+              <a:prstDash val="solid"/>
+              <a:round/>
+              <a:headEnd/>
+              <a:tailEnd/>
+            </a:ln>
+            <a:extLst>
+              <a:ext uri="{909E8E84-426E-40DD-AFC4-6F175D3DCCD1}">
+                <a14:hiddenFill xmlns:a14="http://schemas.microsoft.com/office/drawing/2010/main">
+                  <a:solidFill>
+                    <a:srgbClr val="FFFFFF"/>
+                  </a:solidFill>
+                </a14:hiddenFill>
+              </a:ext>
+            </a:extLst>
+          </p:spPr>
+          <p:txBody>
+            <a:bodyPr vert="horz" wrap="square" lIns="91440" tIns="45720" rIns="91440" bIns="45720" numCol="1" anchor="t" anchorCtr="0" compatLnSpc="1">
+              <a:prstTxWarp prst="textNoShape">
+                <a:avLst/>
+              </a:prstTxWarp>
+            </a:bodyPr>
+            <a:lstStyle/>
+            <a:p>
+              <a:endParaRPr lang="id-ID"/>
+            </a:p>
+          </p:txBody>
+        </p:sp>
+        <p:sp>
+          <p:nvSpPr>
+            <p:cNvPr id="13" name="Line 91">
+              <a:extLst>
+                <a:ext uri="{FF2B5EF4-FFF2-40B4-BE49-F238E27FC236}">
+                  <a16:creationId xmlns:a16="http://schemas.microsoft.com/office/drawing/2014/main" id="{B1DE3B6B-DA0B-27DC-5332-5CDF012300E9}"/>
+                </a:ext>
+              </a:extLst>
+            </p:cNvPr>
+            <p:cNvSpPr>
+              <a:spLocks noChangeShapeType="1"/>
+            </p:cNvSpPr>
+            <p:nvPr/>
+          </p:nvSpPr>
+          <p:spPr bwMode="auto">
+            <a:xfrm>
+              <a:off x="7072313" y="3948113"/>
+              <a:ext cx="211138" cy="0"/>
+            </a:xfrm>
+            <a:prstGeom prst="line">
+              <a:avLst/>
+            </a:prstGeom>
+            <a:noFill/>
+            <a:ln w="9525" cap="rnd">
+              <a:solidFill>
+                <a:schemeClr val="bg1"/>
+              </a:solidFill>
+              <a:prstDash val="solid"/>
+              <a:round/>
+              <a:headEnd/>
+              <a:tailEnd/>
+            </a:ln>
+            <a:extLst>
+              <a:ext uri="{909E8E84-426E-40DD-AFC4-6F175D3DCCD1}">
+                <a14:hiddenFill xmlns:a14="http://schemas.microsoft.com/office/drawing/2010/main">
+                  <a:noFill/>
+                </a14:hiddenFill>
+              </a:ext>
+            </a:extLst>
+          </p:spPr>
+          <p:txBody>
+            <a:bodyPr vert="horz" wrap="square" lIns="91440" tIns="45720" rIns="91440" bIns="45720" numCol="1" anchor="t" anchorCtr="0" compatLnSpc="1">
+              <a:prstTxWarp prst="textNoShape">
+                <a:avLst/>
+              </a:prstTxWarp>
+            </a:bodyPr>
+            <a:lstStyle/>
+            <a:p>
+              <a:endParaRPr lang="id-ID"/>
+            </a:p>
+          </p:txBody>
+        </p:sp>
+        <p:sp>
+          <p:nvSpPr>
+            <p:cNvPr id="14" name="Line 92">
+              <a:extLst>
+                <a:ext uri="{FF2B5EF4-FFF2-40B4-BE49-F238E27FC236}">
+                  <a16:creationId xmlns:a16="http://schemas.microsoft.com/office/drawing/2014/main" id="{90862457-02BA-CF3C-8850-3627E428FB05}"/>
+                </a:ext>
+              </a:extLst>
+            </p:cNvPr>
+            <p:cNvSpPr>
+              <a:spLocks noChangeShapeType="1"/>
+            </p:cNvSpPr>
+            <p:nvPr/>
+          </p:nvSpPr>
+          <p:spPr bwMode="auto">
+            <a:xfrm>
+              <a:off x="7178676" y="3917951"/>
+              <a:ext cx="0" cy="30163"/>
+            </a:xfrm>
+            <a:prstGeom prst="line">
+              <a:avLst/>
+            </a:prstGeom>
+            <a:noFill/>
+            <a:ln w="9525" cap="rnd">
+              <a:solidFill>
+                <a:schemeClr val="bg1"/>
+              </a:solidFill>
+              <a:prstDash val="solid"/>
+              <a:round/>
+              <a:headEnd/>
+              <a:tailEnd/>
+            </a:ln>
+            <a:extLst>
+              <a:ext uri="{909E8E84-426E-40DD-AFC4-6F175D3DCCD1}">
+                <a14:hiddenFill xmlns:a14="http://schemas.microsoft.com/office/drawing/2010/main">
+                  <a:noFill/>
+                </a14:hiddenFill>
+              </a:ext>
+            </a:extLst>
+          </p:spPr>
+          <p:txBody>
+            <a:bodyPr vert="horz" wrap="square" lIns="91440" tIns="45720" rIns="91440" bIns="45720" numCol="1" anchor="t" anchorCtr="0" compatLnSpc="1">
+              <a:prstTxWarp prst="textNoShape">
+                <a:avLst/>
+              </a:prstTxWarp>
+            </a:bodyPr>
+            <a:lstStyle/>
+            <a:p>
+              <a:endParaRPr lang="id-ID"/>
+            </a:p>
+          </p:txBody>
+        </p:sp>
+        <p:sp>
+          <p:nvSpPr>
+            <p:cNvPr id="15" name="Oval 93">
+              <a:extLst>
+                <a:ext uri="{FF2B5EF4-FFF2-40B4-BE49-F238E27FC236}">
+                  <a16:creationId xmlns:a16="http://schemas.microsoft.com/office/drawing/2014/main" id="{0B1FEE66-A87A-58D9-AF49-7432543A30F0}"/>
+                </a:ext>
+              </a:extLst>
+            </p:cNvPr>
+            <p:cNvSpPr>
+              <a:spLocks noChangeArrowheads="1"/>
+            </p:cNvSpPr>
+            <p:nvPr/>
+          </p:nvSpPr>
+          <p:spPr bwMode="auto">
+            <a:xfrm>
+              <a:off x="7170738" y="3881438"/>
+              <a:ext cx="14288" cy="14288"/>
+            </a:xfrm>
+            <a:prstGeom prst="ellipse">
+              <a:avLst/>
+            </a:prstGeom>
+            <a:noFill/>
+            <a:ln w="9525" cap="flat">
+              <a:solidFill>
+                <a:schemeClr val="bg1"/>
+              </a:solidFill>
+              <a:prstDash val="solid"/>
+              <a:round/>
+              <a:headEnd/>
+              <a:tailEnd/>
+            </a:ln>
+            <a:extLst>
+              <a:ext uri="{909E8E84-426E-40DD-AFC4-6F175D3DCCD1}">
+                <a14:hiddenFill xmlns:a14="http://schemas.microsoft.com/office/drawing/2010/main">
+                  <a:solidFill>
+                    <a:srgbClr val="FFFFFF"/>
+                  </a:solidFill>
+                </a14:hiddenFill>
+              </a:ext>
+            </a:extLst>
+          </p:spPr>
+          <p:txBody>
+            <a:bodyPr vert="horz" wrap="square" lIns="91440" tIns="45720" rIns="91440" bIns="45720" numCol="1" anchor="t" anchorCtr="0" compatLnSpc="1">
+              <a:prstTxWarp prst="textNoShape">
+                <a:avLst/>
+              </a:prstTxWarp>
+            </a:bodyPr>
+            <a:lstStyle/>
+            <a:p>
+              <a:endParaRPr lang="id-ID"/>
+            </a:p>
+          </p:txBody>
+        </p:sp>
+        <p:sp>
+          <p:nvSpPr>
+            <p:cNvPr id="16" name="Line 94">
+              <a:extLst>
+                <a:ext uri="{FF2B5EF4-FFF2-40B4-BE49-F238E27FC236}">
+                  <a16:creationId xmlns:a16="http://schemas.microsoft.com/office/drawing/2014/main" id="{9CAAF5E4-B610-CFC0-67B8-307CAB29B9E7}"/>
+                </a:ext>
+              </a:extLst>
+            </p:cNvPr>
+            <p:cNvSpPr>
+              <a:spLocks noChangeShapeType="1"/>
+            </p:cNvSpPr>
+            <p:nvPr/>
+          </p:nvSpPr>
+          <p:spPr bwMode="auto">
+            <a:xfrm>
+              <a:off x="7005638" y="3857626"/>
+              <a:ext cx="344488" cy="0"/>
+            </a:xfrm>
+            <a:prstGeom prst="line">
+              <a:avLst/>
+            </a:prstGeom>
+            <a:noFill/>
+            <a:ln w="9525" cap="flat">
+              <a:solidFill>
+                <a:schemeClr val="bg1"/>
+              </a:solidFill>
+              <a:prstDash val="solid"/>
+              <a:round/>
+              <a:headEnd/>
+              <a:tailEnd/>
+            </a:ln>
+            <a:extLst>
+              <a:ext uri="{909E8E84-426E-40DD-AFC4-6F175D3DCCD1}">
+                <a14:hiddenFill xmlns:a14="http://schemas.microsoft.com/office/drawing/2010/main">
+                  <a:noFill/>
+                </a14:hiddenFill>
+              </a:ext>
+            </a:extLst>
+          </p:spPr>
+          <p:txBody>
+            <a:bodyPr vert="horz" wrap="square" lIns="91440" tIns="45720" rIns="91440" bIns="45720" numCol="1" anchor="t" anchorCtr="0" compatLnSpc="1">
+              <a:prstTxWarp prst="textNoShape">
+                <a:avLst/>
+              </a:prstTxWarp>
+            </a:bodyPr>
+            <a:lstStyle/>
+            <a:p>
+              <a:endParaRPr lang="id-ID"/>
+            </a:p>
+          </p:txBody>
+        </p:sp>
+        <p:sp>
+          <p:nvSpPr>
+            <p:cNvPr id="17" name="Freeform 95">
+              <a:extLst>
+                <a:ext uri="{FF2B5EF4-FFF2-40B4-BE49-F238E27FC236}">
+                  <a16:creationId xmlns:a16="http://schemas.microsoft.com/office/drawing/2014/main" id="{9C1470DC-A351-F187-760E-46AB14A5ACD2}"/>
+                </a:ext>
+              </a:extLst>
+            </p:cNvPr>
+            <p:cNvSpPr>
+              <a:spLocks/>
+            </p:cNvSpPr>
+            <p:nvPr/>
+          </p:nvSpPr>
+          <p:spPr bwMode="auto">
+            <a:xfrm>
+              <a:off x="7140576" y="3703638"/>
+              <a:ext cx="82550" cy="101600"/>
+            </a:xfrm>
+            <a:custGeom>
+              <a:avLst/>
+              <a:gdLst>
+                <a:gd name="T0" fmla="*/ 0 w 52"/>
+                <a:gd name="T1" fmla="*/ 0 h 64"/>
+                <a:gd name="T2" fmla="*/ 0 w 52"/>
+                <a:gd name="T3" fmla="*/ 64 h 64"/>
+                <a:gd name="T4" fmla="*/ 52 w 52"/>
+                <a:gd name="T5" fmla="*/ 33 h 64"/>
+                <a:gd name="T6" fmla="*/ 0 w 52"/>
+                <a:gd name="T7" fmla="*/ 0 h 64"/>
+              </a:gdLst>
+              <a:ahLst/>
+              <a:cxnLst>
+                <a:cxn ang="0">
+                  <a:pos x="T0" y="T1"/>
+                </a:cxn>
+                <a:cxn ang="0">
+                  <a:pos x="T2" y="T3"/>
+                </a:cxn>
+                <a:cxn ang="0">
+                  <a:pos x="T4" y="T5"/>
+                </a:cxn>
+                <a:cxn ang="0">
+                  <a:pos x="T6" y="T7"/>
+                </a:cxn>
+              </a:cxnLst>
+              <a:rect l="0" t="0" r="r" b="b"/>
+              <a:pathLst>
+                <a:path w="52" h="64">
+                  <a:moveTo>
+                    <a:pt x="0" y="0"/>
+                  </a:moveTo>
+                  <a:lnTo>
+                    <a:pt x="0" y="64"/>
+                  </a:lnTo>
+                  <a:lnTo>
+                    <a:pt x="52" y="33"/>
+                  </a:lnTo>
+                  <a:lnTo>
+                    <a:pt x="0" y="0"/>
+                  </a:lnTo>
+                  <a:close/>
+                </a:path>
+              </a:pathLst>
+            </a:custGeom>
+            <a:noFill/>
+            <a:ln w="9525" cap="flat">
+              <a:solidFill>
+                <a:schemeClr val="bg1"/>
+              </a:solidFill>
+              <a:prstDash val="solid"/>
+              <a:round/>
+              <a:headEnd/>
+              <a:tailEnd/>
+            </a:ln>
+            <a:extLst>
+              <a:ext uri="{909E8E84-426E-40DD-AFC4-6F175D3DCCD1}">
+                <a14:hiddenFill xmlns:a14="http://schemas.microsoft.com/office/drawing/2010/main">
+                  <a:solidFill>
+                    <a:srgbClr val="FFFFFF"/>
+                  </a:solidFill>
+                </a14:hiddenFill>
+              </a:ext>
+            </a:extLst>
+          </p:spPr>
+          <p:txBody>
+            <a:bodyPr vert="horz" wrap="square" lIns="91440" tIns="45720" rIns="91440" bIns="45720" numCol="1" anchor="t" anchorCtr="0" compatLnSpc="1">
+              <a:prstTxWarp prst="textNoShape">
+                <a:avLst/>
+              </a:prstTxWarp>
+            </a:bodyPr>
+            <a:lstStyle/>
+            <a:p>
+              <a:endParaRPr lang="id-ID"/>
+            </a:p>
+          </p:txBody>
+        </p:sp>
+      </p:grpSp>
+      <p:grpSp>
+        <p:nvGrpSpPr>
+          <p:cNvPr id="20" name="Group 1">
+            <a:extLst>
+              <a:ext uri="{FF2B5EF4-FFF2-40B4-BE49-F238E27FC236}">
+                <a16:creationId xmlns:a16="http://schemas.microsoft.com/office/drawing/2014/main" id="{15548E8D-DA46-F6DC-F8C4-FF4C919B20B5}"/>
+              </a:ext>
+            </a:extLst>
+          </p:cNvPr>
+          <p:cNvGrpSpPr>
+            <a:grpSpLocks noChangeAspect="1"/>
+          </p:cNvGrpSpPr>
+          <p:nvPr/>
+        </p:nvGrpSpPr>
+        <p:grpSpPr>
+          <a:xfrm>
+            <a:off x="602808" y="1919421"/>
+            <a:ext cx="236623" cy="216000"/>
+            <a:chOff x="3398838" y="5076826"/>
+            <a:chExt cx="346075" cy="315913"/>
+          </a:xfrm>
+        </p:grpSpPr>
+        <p:sp>
+          <p:nvSpPr>
+            <p:cNvPr id="23" name="Rectangle 80">
+              <a:extLst>
+                <a:ext uri="{FF2B5EF4-FFF2-40B4-BE49-F238E27FC236}">
+                  <a16:creationId xmlns:a16="http://schemas.microsoft.com/office/drawing/2014/main" id="{377714EA-9945-8C7C-6101-CB26744BEB9D}"/>
+                </a:ext>
+              </a:extLst>
+            </p:cNvPr>
+            <p:cNvSpPr>
+              <a:spLocks noChangeArrowheads="1"/>
+            </p:cNvSpPr>
+            <p:nvPr/>
+          </p:nvSpPr>
+          <p:spPr bwMode="auto">
+            <a:xfrm>
+              <a:off x="3519488" y="5076826"/>
+              <a:ext cx="225425" cy="74613"/>
+            </a:xfrm>
+            <a:prstGeom prst="rect">
+              <a:avLst/>
+            </a:prstGeom>
+            <a:noFill/>
+            <a:ln w="12700" cap="rnd">
+              <a:solidFill>
+                <a:schemeClr val="bg1"/>
+              </a:solidFill>
+              <a:prstDash val="solid"/>
+              <a:round/>
+              <a:headEnd/>
+              <a:tailEnd/>
+            </a:ln>
+            <a:extLst>
+              <a:ext uri="{909E8E84-426E-40DD-AFC4-6F175D3DCCD1}">
+                <a14:hiddenFill xmlns:a14="http://schemas.microsoft.com/office/drawing/2010/main">
+                  <a:solidFill>
+                    <a:srgbClr val="FFFFFF"/>
+                  </a:solidFill>
+                </a14:hiddenFill>
+              </a:ext>
+            </a:extLst>
+          </p:spPr>
+          <p:txBody>
+            <a:bodyPr vert="horz" wrap="square" lIns="91440" tIns="45720" rIns="91440" bIns="45720" numCol="1" anchor="t" anchorCtr="0" compatLnSpc="1">
+              <a:prstTxWarp prst="textNoShape">
+                <a:avLst/>
+              </a:prstTxWarp>
+            </a:bodyPr>
+            <a:lstStyle/>
+            <a:p>
+              <a:endParaRPr lang="id-ID"/>
+            </a:p>
+          </p:txBody>
+        </p:sp>
+        <p:sp>
+          <p:nvSpPr>
+            <p:cNvPr id="24" name="Rectangle 81">
+              <a:extLst>
+                <a:ext uri="{FF2B5EF4-FFF2-40B4-BE49-F238E27FC236}">
+                  <a16:creationId xmlns:a16="http://schemas.microsoft.com/office/drawing/2014/main" id="{999D1A82-0B57-13FE-0694-D479B060535E}"/>
+                </a:ext>
+              </a:extLst>
+            </p:cNvPr>
+            <p:cNvSpPr>
+              <a:spLocks noChangeArrowheads="1"/>
+            </p:cNvSpPr>
+            <p:nvPr/>
+          </p:nvSpPr>
+          <p:spPr bwMode="auto">
+            <a:xfrm>
+              <a:off x="3519488" y="5197476"/>
+              <a:ext cx="225425" cy="74613"/>
+            </a:xfrm>
+            <a:prstGeom prst="rect">
+              <a:avLst/>
+            </a:prstGeom>
+            <a:noFill/>
+            <a:ln w="12700" cap="rnd">
+              <a:solidFill>
+                <a:schemeClr val="bg1"/>
+              </a:solidFill>
+              <a:prstDash val="solid"/>
+              <a:round/>
+              <a:headEnd/>
+              <a:tailEnd/>
+            </a:ln>
+            <a:extLst>
+              <a:ext uri="{909E8E84-426E-40DD-AFC4-6F175D3DCCD1}">
+                <a14:hiddenFill xmlns:a14="http://schemas.microsoft.com/office/drawing/2010/main">
+                  <a:solidFill>
+                    <a:srgbClr val="FFFFFF"/>
+                  </a:solidFill>
+                </a14:hiddenFill>
+              </a:ext>
+            </a:extLst>
+          </p:spPr>
+          <p:txBody>
+            <a:bodyPr vert="horz" wrap="square" lIns="91440" tIns="45720" rIns="91440" bIns="45720" numCol="1" anchor="t" anchorCtr="0" compatLnSpc="1">
+              <a:prstTxWarp prst="textNoShape">
+                <a:avLst/>
+              </a:prstTxWarp>
+            </a:bodyPr>
+            <a:lstStyle/>
+            <a:p>
+              <a:endParaRPr lang="id-ID"/>
+            </a:p>
+          </p:txBody>
+        </p:sp>
+        <p:sp>
+          <p:nvSpPr>
+            <p:cNvPr id="25" name="Rectangle 82">
+              <a:extLst>
+                <a:ext uri="{FF2B5EF4-FFF2-40B4-BE49-F238E27FC236}">
+                  <a16:creationId xmlns:a16="http://schemas.microsoft.com/office/drawing/2014/main" id="{AF3AA778-A66C-CD25-2479-162712D0EB20}"/>
+                </a:ext>
+              </a:extLst>
+            </p:cNvPr>
+            <p:cNvSpPr>
+              <a:spLocks noChangeArrowheads="1"/>
+            </p:cNvSpPr>
+            <p:nvPr/>
+          </p:nvSpPr>
+          <p:spPr bwMode="auto">
+            <a:xfrm>
+              <a:off x="3519488" y="5316539"/>
+              <a:ext cx="225425" cy="76200"/>
+            </a:xfrm>
+            <a:prstGeom prst="rect">
+              <a:avLst/>
+            </a:prstGeom>
+            <a:noFill/>
+            <a:ln w="12700" cap="rnd">
+              <a:solidFill>
+                <a:schemeClr val="bg1"/>
+              </a:solidFill>
+              <a:prstDash val="solid"/>
+              <a:round/>
+              <a:headEnd/>
+              <a:tailEnd/>
+            </a:ln>
+            <a:extLst>
+              <a:ext uri="{909E8E84-426E-40DD-AFC4-6F175D3DCCD1}">
+                <a14:hiddenFill xmlns:a14="http://schemas.microsoft.com/office/drawing/2010/main">
+                  <a:solidFill>
+                    <a:srgbClr val="FFFFFF"/>
+                  </a:solidFill>
+                </a14:hiddenFill>
+              </a:ext>
+            </a:extLst>
+          </p:spPr>
+          <p:txBody>
+            <a:bodyPr vert="horz" wrap="square" lIns="91440" tIns="45720" rIns="91440" bIns="45720" numCol="1" anchor="t" anchorCtr="0" compatLnSpc="1">
+              <a:prstTxWarp prst="textNoShape">
+                <a:avLst/>
+              </a:prstTxWarp>
+            </a:bodyPr>
+            <a:lstStyle/>
+            <a:p>
+              <a:endParaRPr lang="id-ID"/>
+            </a:p>
+          </p:txBody>
+        </p:sp>
+        <p:sp>
+          <p:nvSpPr>
+            <p:cNvPr id="26" name="Rectangle 83">
+              <a:extLst>
+                <a:ext uri="{FF2B5EF4-FFF2-40B4-BE49-F238E27FC236}">
+                  <a16:creationId xmlns:a16="http://schemas.microsoft.com/office/drawing/2014/main" id="{48106F25-3D59-EB10-F2CC-66671174BAA7}"/>
+                </a:ext>
+              </a:extLst>
+            </p:cNvPr>
+            <p:cNvSpPr>
+              <a:spLocks noChangeArrowheads="1"/>
+            </p:cNvSpPr>
+            <p:nvPr/>
+          </p:nvSpPr>
+          <p:spPr bwMode="auto">
+            <a:xfrm>
+              <a:off x="3398838" y="5076826"/>
+              <a:ext cx="74613" cy="74613"/>
+            </a:xfrm>
+            <a:prstGeom prst="rect">
+              <a:avLst/>
+            </a:prstGeom>
+            <a:noFill/>
+            <a:ln w="12700" cap="rnd">
+              <a:solidFill>
+                <a:schemeClr val="bg1"/>
+              </a:solidFill>
+              <a:prstDash val="solid"/>
+              <a:round/>
+              <a:headEnd/>
+              <a:tailEnd/>
+            </a:ln>
+            <a:extLst>
+              <a:ext uri="{909E8E84-426E-40DD-AFC4-6F175D3DCCD1}">
+                <a14:hiddenFill xmlns:a14="http://schemas.microsoft.com/office/drawing/2010/main">
+                  <a:solidFill>
+                    <a:srgbClr val="FFFFFF"/>
+                  </a:solidFill>
+                </a14:hiddenFill>
+              </a:ext>
+            </a:extLst>
+          </p:spPr>
+          <p:txBody>
+            <a:bodyPr vert="horz" wrap="square" lIns="91440" tIns="45720" rIns="91440" bIns="45720" numCol="1" anchor="t" anchorCtr="0" compatLnSpc="1">
+              <a:prstTxWarp prst="textNoShape">
+                <a:avLst/>
+              </a:prstTxWarp>
+            </a:bodyPr>
+            <a:lstStyle/>
+            <a:p>
+              <a:endParaRPr lang="id-ID"/>
+            </a:p>
+          </p:txBody>
+        </p:sp>
+        <p:sp>
+          <p:nvSpPr>
+            <p:cNvPr id="28" name="Rectangle 84">
+              <a:extLst>
+                <a:ext uri="{FF2B5EF4-FFF2-40B4-BE49-F238E27FC236}">
+                  <a16:creationId xmlns:a16="http://schemas.microsoft.com/office/drawing/2014/main" id="{6943729F-ED5A-B2CE-9178-932B78B8298A}"/>
+                </a:ext>
+              </a:extLst>
+            </p:cNvPr>
+            <p:cNvSpPr>
+              <a:spLocks noChangeArrowheads="1"/>
+            </p:cNvSpPr>
+            <p:nvPr/>
+          </p:nvSpPr>
+          <p:spPr bwMode="auto">
+            <a:xfrm>
+              <a:off x="3398838" y="5197476"/>
+              <a:ext cx="74613" cy="74613"/>
+            </a:xfrm>
+            <a:prstGeom prst="rect">
+              <a:avLst/>
+            </a:prstGeom>
+            <a:noFill/>
+            <a:ln w="12700" cap="rnd">
+              <a:solidFill>
+                <a:schemeClr val="bg1"/>
+              </a:solidFill>
+              <a:prstDash val="solid"/>
+              <a:round/>
+              <a:headEnd/>
+              <a:tailEnd/>
+            </a:ln>
+            <a:extLst>
+              <a:ext uri="{909E8E84-426E-40DD-AFC4-6F175D3DCCD1}">
+                <a14:hiddenFill xmlns:a14="http://schemas.microsoft.com/office/drawing/2010/main">
+                  <a:solidFill>
+                    <a:srgbClr val="FFFFFF"/>
+                  </a:solidFill>
+                </a14:hiddenFill>
+              </a:ext>
+            </a:extLst>
+          </p:spPr>
+          <p:txBody>
+            <a:bodyPr vert="horz" wrap="square" lIns="91440" tIns="45720" rIns="91440" bIns="45720" numCol="1" anchor="t" anchorCtr="0" compatLnSpc="1">
+              <a:prstTxWarp prst="textNoShape">
+                <a:avLst/>
+              </a:prstTxWarp>
+            </a:bodyPr>
+            <a:lstStyle/>
+            <a:p>
+              <a:endParaRPr lang="id-ID"/>
+            </a:p>
+          </p:txBody>
+        </p:sp>
+        <p:sp>
+          <p:nvSpPr>
+            <p:cNvPr id="30" name="Rectangle 85">
+              <a:extLst>
+                <a:ext uri="{FF2B5EF4-FFF2-40B4-BE49-F238E27FC236}">
+                  <a16:creationId xmlns:a16="http://schemas.microsoft.com/office/drawing/2014/main" id="{EFB86162-B636-B861-4ED0-C88EB74D2CE6}"/>
+                </a:ext>
+              </a:extLst>
+            </p:cNvPr>
+            <p:cNvSpPr>
+              <a:spLocks noChangeArrowheads="1"/>
+            </p:cNvSpPr>
+            <p:nvPr/>
+          </p:nvSpPr>
+          <p:spPr bwMode="auto">
+            <a:xfrm>
+              <a:off x="3398838" y="5316539"/>
+              <a:ext cx="74613" cy="76200"/>
+            </a:xfrm>
+            <a:prstGeom prst="rect">
+              <a:avLst/>
+            </a:prstGeom>
+            <a:noFill/>
+            <a:ln w="12700" cap="rnd">
+              <a:solidFill>
+                <a:schemeClr val="bg1"/>
+              </a:solidFill>
+              <a:prstDash val="solid"/>
+              <a:round/>
+              <a:headEnd/>
+              <a:tailEnd/>
+            </a:ln>
+            <a:extLst>
+              <a:ext uri="{909E8E84-426E-40DD-AFC4-6F175D3DCCD1}">
+                <a14:hiddenFill xmlns:a14="http://schemas.microsoft.com/office/drawing/2010/main">
+                  <a:solidFill>
+                    <a:srgbClr val="FFFFFF"/>
+                  </a:solidFill>
+                </a14:hiddenFill>
+              </a:ext>
+            </a:extLst>
+          </p:spPr>
+          <p:txBody>
+            <a:bodyPr vert="horz" wrap="square" lIns="91440" tIns="45720" rIns="91440" bIns="45720" numCol="1" anchor="t" anchorCtr="0" compatLnSpc="1">
+              <a:prstTxWarp prst="textNoShape">
+                <a:avLst/>
+              </a:prstTxWarp>
+            </a:bodyPr>
+            <a:lstStyle/>
+            <a:p>
+              <a:endParaRPr lang="id-ID"/>
+            </a:p>
+          </p:txBody>
+        </p:sp>
+      </p:grpSp>
+      <p:pic>
+        <p:nvPicPr>
+          <p:cNvPr id="2" name="Grafik 1">
+            <a:extLst>
+              <a:ext uri="{FF2B5EF4-FFF2-40B4-BE49-F238E27FC236}">
+                <a16:creationId xmlns:a16="http://schemas.microsoft.com/office/drawing/2014/main" id="{3E8219EA-2CAC-4B0B-27E4-4985CC7BE36F}"/>
+              </a:ext>
+            </a:extLst>
+          </p:cNvPr>
+          <p:cNvPicPr>
+            <a:picLocks noChangeAspect="1"/>
+          </p:cNvPicPr>
+          <p:nvPr/>
+        </p:nvPicPr>
+        <p:blipFill>
+          <a:blip r:embed="rId3"/>
+          <a:stretch>
+            <a:fillRect/>
+          </a:stretch>
+        </p:blipFill>
+        <p:spPr>
+          <a:xfrm>
+            <a:off x="4094205" y="2925811"/>
+            <a:ext cx="1143000" cy="2247900"/>
+          </a:xfrm>
+          <a:prstGeom prst="rect">
+            <a:avLst/>
+          </a:prstGeom>
+        </p:spPr>
+      </p:pic>
+    </p:spTree>
+    <p:extLst>
+      <p:ext uri="{BB962C8B-B14F-4D97-AF65-F5344CB8AC3E}">
+        <p14:creationId xmlns:p14="http://schemas.microsoft.com/office/powerpoint/2010/main" val="136629416"/>
+      </p:ext>
+    </p:extLst>
+  </p:cSld>
+  <p:clrMapOvr>
+    <a:masterClrMapping/>
+  </p:clrMapOvr>
+</p:sld>
+</file>
+
+<file path=ppt/slides/slide9.xml><?xml version="1.0" encoding="utf-8"?>
+<p:sld xmlns:a="http://schemas.openxmlformats.org/drawingml/2006/main" xmlns:r="http://schemas.openxmlformats.org/officeDocument/2006/relationships" xmlns:p="http://schemas.openxmlformats.org/presentationml/2006/main">
+  <p:cSld>
+    <p:bg>
+      <p:bgPr>
+        <a:solidFill>
+          <a:srgbClr val="191414"/>
+        </a:solidFill>
+        <a:effectLst/>
+      </p:bgPr>
+    </p:bg>
+    <p:spTree>
+      <p:nvGrpSpPr>
+        <p:cNvPr id="1" name=""/>
+        <p:cNvGrpSpPr/>
+        <p:nvPr/>
+      </p:nvGrpSpPr>
+      <p:grpSpPr>
+        <a:xfrm>
+          <a:off x="0" y="0"/>
+          <a:ext cx="0" cy="0"/>
+          <a:chOff x="0" y="0"/>
+          <a:chExt cx="0" cy="0"/>
+        </a:xfrm>
+      </p:grpSpPr>
+      <p:sp>
+        <p:nvSpPr>
+          <p:cNvPr id="18" name="TextBox 17">
+            <a:extLst>
+              <a:ext uri="{FF2B5EF4-FFF2-40B4-BE49-F238E27FC236}">
+                <a16:creationId xmlns:a16="http://schemas.microsoft.com/office/drawing/2014/main" id="{355AC3A1-175C-0DC3-DBAF-F626A9F3780A}"/>
+              </a:ext>
+            </a:extLst>
+          </p:cNvPr>
+          <p:cNvSpPr txBox="1"/>
+          <p:nvPr/>
+        </p:nvSpPr>
+        <p:spPr>
+          <a:xfrm>
+            <a:off x="3474402" y="388280"/>
+            <a:ext cx="7841298" cy="769441"/>
+          </a:xfrm>
+          <a:prstGeom prst="rect">
+            <a:avLst/>
+          </a:prstGeom>
+          <a:noFill/>
+        </p:spPr>
+        <p:txBody>
+          <a:bodyPr wrap="square" rtlCol="0">
+            <a:spAutoFit/>
+          </a:bodyPr>
+          <a:lstStyle/>
+          <a:p>
+            <a:r>
+              <a:rPr lang="en-US" sz="4400" b="1" dirty="0">
+                <a:solidFill>
+                  <a:srgbClr val="1DB954"/>
+                </a:solidFill>
+                <a:latin typeface="Segoe UI" panose="020B0502040204020203" pitchFamily="34" charset="0"/>
+                <a:cs typeface="Segoe UI" panose="020B0502040204020203" pitchFamily="34" charset="0"/>
+              </a:rPr>
+              <a:t>EDA</a:t>
+            </a:r>
+            <a:endParaRPr lang="en-US" sz="4400" b="1" dirty="0">
+              <a:solidFill>
+                <a:schemeClr val="bg1"/>
+              </a:solidFill>
+              <a:latin typeface="Segoe UI" panose="020B0502040204020203" pitchFamily="34" charset="0"/>
+              <a:cs typeface="Segoe UI" panose="020B0502040204020203" pitchFamily="34" charset="0"/>
+            </a:endParaRPr>
+          </a:p>
+        </p:txBody>
+      </p:sp>
+      <p:sp>
+        <p:nvSpPr>
+          <p:cNvPr id="45" name="TextBox 44">
+            <a:extLst>
+              <a:ext uri="{FF2B5EF4-FFF2-40B4-BE49-F238E27FC236}">
+                <a16:creationId xmlns:a16="http://schemas.microsoft.com/office/drawing/2014/main" id="{B6429CB9-9544-2C8E-5FE0-1DF020713FDA}"/>
+              </a:ext>
+            </a:extLst>
+          </p:cNvPr>
+          <p:cNvSpPr txBox="1"/>
+          <p:nvPr/>
+        </p:nvSpPr>
+        <p:spPr>
+          <a:xfrm>
+            <a:off x="3678542" y="1492875"/>
+            <a:ext cx="3960000" cy="366917"/>
+          </a:xfrm>
+          <a:prstGeom prst="rect">
+            <a:avLst/>
+          </a:prstGeom>
+          <a:noFill/>
+        </p:spPr>
+        <p:txBody>
+          <a:bodyPr wrap="none" lIns="0" rIns="0" rtlCol="0" anchor="ctr">
+            <a:noAutofit/>
+          </a:bodyPr>
+          <a:lstStyle/>
+          <a:p>
+            <a:endParaRPr lang="en-US" sz="1400" dirty="0">
+              <a:solidFill>
+                <a:schemeClr val="bg1"/>
+              </a:solidFill>
+              <a:latin typeface="Segoe UI" panose="020B0502040204020203" pitchFamily="34" charset="0"/>
+              <a:cs typeface="Segoe UI" panose="020B0502040204020203" pitchFamily="34" charset="0"/>
+            </a:endParaRPr>
+          </a:p>
+        </p:txBody>
+      </p:sp>
+      <p:sp>
+        <p:nvSpPr>
+          <p:cNvPr id="3" name="TextBox 20">
+            <a:extLst>
+              <a:ext uri="{FF2B5EF4-FFF2-40B4-BE49-F238E27FC236}">
+                <a16:creationId xmlns:a16="http://schemas.microsoft.com/office/drawing/2014/main" id="{120F99AC-1455-3A16-6F33-5B71AA5C26C8}"/>
+              </a:ext>
+            </a:extLst>
+          </p:cNvPr>
+          <p:cNvSpPr txBox="1"/>
+          <p:nvPr/>
+        </p:nvSpPr>
+        <p:spPr>
+          <a:xfrm>
+            <a:off x="380682" y="1843961"/>
+            <a:ext cx="2296800" cy="366917"/>
+          </a:xfrm>
+          <a:prstGeom prst="roundRect">
+            <a:avLst/>
+          </a:prstGeom>
+          <a:gradFill>
+            <a:gsLst>
+              <a:gs pos="0">
+                <a:schemeClr val="bg1">
+                  <a:lumMod val="50000"/>
+                  <a:alpha val="45000"/>
+                </a:schemeClr>
+              </a:gs>
+              <a:gs pos="100000">
+                <a:srgbClr val="191414">
+                  <a:alpha val="25000"/>
+                </a:srgbClr>
+              </a:gs>
+            </a:gsLst>
+            <a:lin ang="4200000" scaled="0"/>
+          </a:gradFill>
+        </p:spPr>
+        <p:txBody>
+          <a:bodyPr wrap="none" lIns="684000" rtlCol="0" anchor="ctr">
+            <a:noAutofit/>
+          </a:bodyPr>
+          <a:lstStyle/>
+          <a:p>
+            <a:r>
+              <a:rPr lang="en-US" sz="1400" b="1" dirty="0">
+                <a:solidFill>
+                  <a:schemeClr val="bg1"/>
+                </a:solidFill>
+                <a:latin typeface="Segoe UI" panose="020B0502040204020203" pitchFamily="34" charset="0"/>
+                <a:cs typeface="Segoe UI" panose="020B0502040204020203" pitchFamily="34" charset="0"/>
+              </a:rPr>
+              <a:t>EDA</a:t>
+            </a:r>
+          </a:p>
+        </p:txBody>
+      </p:sp>
+      <p:sp>
+        <p:nvSpPr>
+          <p:cNvPr id="10" name="TextBox 21">
+            <a:extLst>
+              <a:ext uri="{FF2B5EF4-FFF2-40B4-BE49-F238E27FC236}">
+                <a16:creationId xmlns:a16="http://schemas.microsoft.com/office/drawing/2014/main" id="{228298A3-AA79-9AAE-DC10-145B5C02E7BD}"/>
+              </a:ext>
+            </a:extLst>
+          </p:cNvPr>
+          <p:cNvSpPr txBox="1"/>
+          <p:nvPr/>
+        </p:nvSpPr>
+        <p:spPr>
+          <a:xfrm>
+            <a:off x="383220" y="1296806"/>
+            <a:ext cx="2296800" cy="366917"/>
+          </a:xfrm>
+          <a:prstGeom prst="roundRect">
+            <a:avLst/>
+          </a:prstGeom>
+          <a:noFill/>
+        </p:spPr>
+        <p:txBody>
+          <a:bodyPr wrap="none" lIns="684000" rtlCol="0" anchor="ctr">
+            <a:noAutofit/>
+          </a:bodyPr>
+          <a:lstStyle/>
+          <a:p>
+            <a:r>
+              <a:rPr lang="en-US" sz="1400" dirty="0">
+                <a:solidFill>
+                  <a:schemeClr val="bg1"/>
+                </a:solidFill>
+                <a:latin typeface="Segoe UI" panose="020B0502040204020203" pitchFamily="34" charset="0"/>
+                <a:cs typeface="Segoe UI" panose="020B0502040204020203" pitchFamily="34" charset="0"/>
+              </a:rPr>
+              <a:t>Preprocessing Steps</a:t>
+            </a:r>
+          </a:p>
+        </p:txBody>
+      </p:sp>
+      <p:grpSp>
+        <p:nvGrpSpPr>
+          <p:cNvPr id="11" name="Group 1035">
+            <a:extLst>
+              <a:ext uri="{FF2B5EF4-FFF2-40B4-BE49-F238E27FC236}">
+                <a16:creationId xmlns:a16="http://schemas.microsoft.com/office/drawing/2014/main" id="{744F1910-5910-7A90-49C6-531CB5AFEF2A}"/>
+              </a:ext>
+            </a:extLst>
+          </p:cNvPr>
+          <p:cNvGrpSpPr/>
+          <p:nvPr/>
+        </p:nvGrpSpPr>
+        <p:grpSpPr>
+          <a:xfrm>
+            <a:off x="591710" y="1393732"/>
+            <a:ext cx="258819" cy="225423"/>
+            <a:chOff x="7005638" y="3648076"/>
+            <a:chExt cx="344488" cy="300038"/>
+          </a:xfrm>
+        </p:grpSpPr>
+        <p:sp>
+          <p:nvSpPr>
+            <p:cNvPr id="12" name="Freeform 90">
+              <a:extLst>
+                <a:ext uri="{FF2B5EF4-FFF2-40B4-BE49-F238E27FC236}">
+                  <a16:creationId xmlns:a16="http://schemas.microsoft.com/office/drawing/2014/main" id="{328E40C6-FD5C-DD40-06A4-F1942B4A4FAB}"/>
+                </a:ext>
+              </a:extLst>
+            </p:cNvPr>
+            <p:cNvSpPr>
+              <a:spLocks/>
+            </p:cNvSpPr>
+            <p:nvPr/>
+          </p:nvSpPr>
+          <p:spPr bwMode="auto">
+            <a:xfrm>
+              <a:off x="7005638" y="3648076"/>
+              <a:ext cx="344488" cy="269875"/>
+            </a:xfrm>
+            <a:custGeom>
+              <a:avLst/>
+              <a:gdLst>
+                <a:gd name="T0" fmla="*/ 92 w 92"/>
+                <a:gd name="T1" fmla="*/ 66 h 72"/>
+                <a:gd name="T2" fmla="*/ 86 w 92"/>
+                <a:gd name="T3" fmla="*/ 72 h 72"/>
+                <a:gd name="T4" fmla="*/ 6 w 92"/>
+                <a:gd name="T5" fmla="*/ 72 h 72"/>
+                <a:gd name="T6" fmla="*/ 0 w 92"/>
+                <a:gd name="T7" fmla="*/ 66 h 72"/>
+                <a:gd name="T8" fmla="*/ 0 w 92"/>
+                <a:gd name="T9" fmla="*/ 6 h 72"/>
+                <a:gd name="T10" fmla="*/ 6 w 92"/>
+                <a:gd name="T11" fmla="*/ 0 h 72"/>
+                <a:gd name="T12" fmla="*/ 86 w 92"/>
+                <a:gd name="T13" fmla="*/ 0 h 72"/>
+                <a:gd name="T14" fmla="*/ 92 w 92"/>
+                <a:gd name="T15" fmla="*/ 6 h 72"/>
+                <a:gd name="T16" fmla="*/ 92 w 92"/>
+                <a:gd name="T17" fmla="*/ 66 h 72"/>
+              </a:gdLst>
+              <a:ahLst/>
+              <a:cxnLst>
+                <a:cxn ang="0">
+                  <a:pos x="T0" y="T1"/>
+                </a:cxn>
+                <a:cxn ang="0">
+                  <a:pos x="T2" y="T3"/>
+                </a:cxn>
+                <a:cxn ang="0">
+                  <a:pos x="T4" y="T5"/>
+                </a:cxn>
+                <a:cxn ang="0">
+                  <a:pos x="T6" y="T7"/>
+                </a:cxn>
+                <a:cxn ang="0">
+                  <a:pos x="T8" y="T9"/>
+                </a:cxn>
+                <a:cxn ang="0">
+                  <a:pos x="T10" y="T11"/>
+                </a:cxn>
+                <a:cxn ang="0">
+                  <a:pos x="T12" y="T13"/>
+                </a:cxn>
+                <a:cxn ang="0">
+                  <a:pos x="T14" y="T15"/>
+                </a:cxn>
+                <a:cxn ang="0">
+                  <a:pos x="T16" y="T17"/>
+                </a:cxn>
+              </a:cxnLst>
+              <a:rect l="0" t="0" r="r" b="b"/>
+              <a:pathLst>
+                <a:path w="92" h="72">
+                  <a:moveTo>
+                    <a:pt x="92" y="66"/>
+                  </a:moveTo>
+                  <a:cubicBezTo>
+                    <a:pt x="92" y="69"/>
+                    <a:pt x="89" y="72"/>
+                    <a:pt x="86" y="72"/>
+                  </a:cubicBezTo>
+                  <a:cubicBezTo>
+                    <a:pt x="6" y="72"/>
+                    <a:pt x="6" y="72"/>
+                    <a:pt x="6" y="72"/>
+                  </a:cubicBezTo>
+                  <a:cubicBezTo>
+                    <a:pt x="3" y="72"/>
+                    <a:pt x="0" y="69"/>
+                    <a:pt x="0" y="66"/>
+                  </a:cubicBezTo>
+                  <a:cubicBezTo>
+                    <a:pt x="0" y="6"/>
+                    <a:pt x="0" y="6"/>
+                    <a:pt x="0" y="6"/>
+                  </a:cubicBezTo>
+                  <a:cubicBezTo>
+                    <a:pt x="0" y="3"/>
+                    <a:pt x="3" y="0"/>
+                    <a:pt x="6" y="0"/>
+                  </a:cubicBezTo>
+                  <a:cubicBezTo>
+                    <a:pt x="86" y="0"/>
+                    <a:pt x="86" y="0"/>
+                    <a:pt x="86" y="0"/>
+                  </a:cubicBezTo>
+                  <a:cubicBezTo>
+                    <a:pt x="89" y="0"/>
+                    <a:pt x="92" y="3"/>
+                    <a:pt x="92" y="6"/>
+                  </a:cubicBezTo>
+                  <a:lnTo>
+                    <a:pt x="92" y="66"/>
+                  </a:lnTo>
+                  <a:close/>
+                </a:path>
+              </a:pathLst>
+            </a:custGeom>
+            <a:noFill/>
+            <a:ln w="9525" cap="rnd">
+              <a:solidFill>
+                <a:schemeClr val="bg1"/>
+              </a:solidFill>
+              <a:prstDash val="solid"/>
+              <a:round/>
+              <a:headEnd/>
+              <a:tailEnd/>
+            </a:ln>
+            <a:extLst>
+              <a:ext uri="{909E8E84-426E-40DD-AFC4-6F175D3DCCD1}">
+                <a14:hiddenFill xmlns:a14="http://schemas.microsoft.com/office/drawing/2010/main">
+                  <a:solidFill>
+                    <a:srgbClr val="FFFFFF"/>
+                  </a:solidFill>
+                </a14:hiddenFill>
+              </a:ext>
+            </a:extLst>
+          </p:spPr>
+          <p:txBody>
+            <a:bodyPr vert="horz" wrap="square" lIns="91440" tIns="45720" rIns="91440" bIns="45720" numCol="1" anchor="t" anchorCtr="0" compatLnSpc="1">
+              <a:prstTxWarp prst="textNoShape">
+                <a:avLst/>
+              </a:prstTxWarp>
+            </a:bodyPr>
+            <a:lstStyle/>
+            <a:p>
+              <a:endParaRPr lang="id-ID"/>
+            </a:p>
+          </p:txBody>
+        </p:sp>
+        <p:sp>
+          <p:nvSpPr>
+            <p:cNvPr id="13" name="Line 91">
+              <a:extLst>
+                <a:ext uri="{FF2B5EF4-FFF2-40B4-BE49-F238E27FC236}">
+                  <a16:creationId xmlns:a16="http://schemas.microsoft.com/office/drawing/2014/main" id="{B1DE3B6B-DA0B-27DC-5332-5CDF012300E9}"/>
+                </a:ext>
+              </a:extLst>
+            </p:cNvPr>
+            <p:cNvSpPr>
+              <a:spLocks noChangeShapeType="1"/>
+            </p:cNvSpPr>
+            <p:nvPr/>
+          </p:nvSpPr>
+          <p:spPr bwMode="auto">
+            <a:xfrm>
+              <a:off x="7072313" y="3948113"/>
+              <a:ext cx="211138" cy="0"/>
+            </a:xfrm>
+            <a:prstGeom prst="line">
+              <a:avLst/>
+            </a:prstGeom>
+            <a:noFill/>
+            <a:ln w="9525" cap="rnd">
+              <a:solidFill>
+                <a:schemeClr val="bg1"/>
+              </a:solidFill>
+              <a:prstDash val="solid"/>
+              <a:round/>
+              <a:headEnd/>
+              <a:tailEnd/>
+            </a:ln>
+            <a:extLst>
+              <a:ext uri="{909E8E84-426E-40DD-AFC4-6F175D3DCCD1}">
+                <a14:hiddenFill xmlns:a14="http://schemas.microsoft.com/office/drawing/2010/main">
+                  <a:noFill/>
+                </a14:hiddenFill>
+              </a:ext>
+            </a:extLst>
+          </p:spPr>
+          <p:txBody>
+            <a:bodyPr vert="horz" wrap="square" lIns="91440" tIns="45720" rIns="91440" bIns="45720" numCol="1" anchor="t" anchorCtr="0" compatLnSpc="1">
+              <a:prstTxWarp prst="textNoShape">
+                <a:avLst/>
+              </a:prstTxWarp>
+            </a:bodyPr>
+            <a:lstStyle/>
+            <a:p>
+              <a:endParaRPr lang="id-ID"/>
+            </a:p>
+          </p:txBody>
+        </p:sp>
+        <p:sp>
+          <p:nvSpPr>
+            <p:cNvPr id="14" name="Line 92">
+              <a:extLst>
+                <a:ext uri="{FF2B5EF4-FFF2-40B4-BE49-F238E27FC236}">
+                  <a16:creationId xmlns:a16="http://schemas.microsoft.com/office/drawing/2014/main" id="{90862457-02BA-CF3C-8850-3627E428FB05}"/>
+                </a:ext>
+              </a:extLst>
+            </p:cNvPr>
+            <p:cNvSpPr>
+              <a:spLocks noChangeShapeType="1"/>
+            </p:cNvSpPr>
+            <p:nvPr/>
+          </p:nvSpPr>
+          <p:spPr bwMode="auto">
+            <a:xfrm>
+              <a:off x="7178676" y="3917951"/>
+              <a:ext cx="0" cy="30163"/>
+            </a:xfrm>
+            <a:prstGeom prst="line">
+              <a:avLst/>
+            </a:prstGeom>
+            <a:noFill/>
+            <a:ln w="9525" cap="rnd">
+              <a:solidFill>
+                <a:schemeClr val="bg1"/>
+              </a:solidFill>
+              <a:prstDash val="solid"/>
+              <a:round/>
+              <a:headEnd/>
+              <a:tailEnd/>
+            </a:ln>
+            <a:extLst>
+              <a:ext uri="{909E8E84-426E-40DD-AFC4-6F175D3DCCD1}">
+                <a14:hiddenFill xmlns:a14="http://schemas.microsoft.com/office/drawing/2010/main">
+                  <a:noFill/>
+                </a14:hiddenFill>
+              </a:ext>
+            </a:extLst>
+          </p:spPr>
+          <p:txBody>
+            <a:bodyPr vert="horz" wrap="square" lIns="91440" tIns="45720" rIns="91440" bIns="45720" numCol="1" anchor="t" anchorCtr="0" compatLnSpc="1">
+              <a:prstTxWarp prst="textNoShape">
+                <a:avLst/>
+              </a:prstTxWarp>
+            </a:bodyPr>
+            <a:lstStyle/>
+            <a:p>
+              <a:endParaRPr lang="id-ID"/>
+            </a:p>
+          </p:txBody>
+        </p:sp>
+        <p:sp>
+          <p:nvSpPr>
+            <p:cNvPr id="15" name="Oval 93">
+              <a:extLst>
+                <a:ext uri="{FF2B5EF4-FFF2-40B4-BE49-F238E27FC236}">
+                  <a16:creationId xmlns:a16="http://schemas.microsoft.com/office/drawing/2014/main" id="{0B1FEE66-A87A-58D9-AF49-7432543A30F0}"/>
+                </a:ext>
+              </a:extLst>
+            </p:cNvPr>
+            <p:cNvSpPr>
+              <a:spLocks noChangeArrowheads="1"/>
+            </p:cNvSpPr>
+            <p:nvPr/>
+          </p:nvSpPr>
+          <p:spPr bwMode="auto">
+            <a:xfrm>
+              <a:off x="7170738" y="3881438"/>
+              <a:ext cx="14288" cy="14288"/>
+            </a:xfrm>
+            <a:prstGeom prst="ellipse">
+              <a:avLst/>
+            </a:prstGeom>
+            <a:noFill/>
+            <a:ln w="9525" cap="flat">
+              <a:solidFill>
+                <a:schemeClr val="bg1"/>
+              </a:solidFill>
+              <a:prstDash val="solid"/>
+              <a:round/>
+              <a:headEnd/>
+              <a:tailEnd/>
+            </a:ln>
+            <a:extLst>
+              <a:ext uri="{909E8E84-426E-40DD-AFC4-6F175D3DCCD1}">
+                <a14:hiddenFill xmlns:a14="http://schemas.microsoft.com/office/drawing/2010/main">
+                  <a:solidFill>
+                    <a:srgbClr val="FFFFFF"/>
+                  </a:solidFill>
+                </a14:hiddenFill>
+              </a:ext>
+            </a:extLst>
+          </p:spPr>
+          <p:txBody>
+            <a:bodyPr vert="horz" wrap="square" lIns="91440" tIns="45720" rIns="91440" bIns="45720" numCol="1" anchor="t" anchorCtr="0" compatLnSpc="1">
+              <a:prstTxWarp prst="textNoShape">
+                <a:avLst/>
+              </a:prstTxWarp>
+            </a:bodyPr>
+            <a:lstStyle/>
+            <a:p>
+              <a:endParaRPr lang="id-ID"/>
+            </a:p>
+          </p:txBody>
+        </p:sp>
+        <p:sp>
+          <p:nvSpPr>
+            <p:cNvPr id="16" name="Line 94">
+              <a:extLst>
+                <a:ext uri="{FF2B5EF4-FFF2-40B4-BE49-F238E27FC236}">
+                  <a16:creationId xmlns:a16="http://schemas.microsoft.com/office/drawing/2014/main" id="{9CAAF5E4-B610-CFC0-67B8-307CAB29B9E7}"/>
+                </a:ext>
+              </a:extLst>
+            </p:cNvPr>
+            <p:cNvSpPr>
+              <a:spLocks noChangeShapeType="1"/>
+            </p:cNvSpPr>
+            <p:nvPr/>
+          </p:nvSpPr>
+          <p:spPr bwMode="auto">
+            <a:xfrm>
+              <a:off x="7005638" y="3857626"/>
+              <a:ext cx="344488" cy="0"/>
+            </a:xfrm>
+            <a:prstGeom prst="line">
+              <a:avLst/>
+            </a:prstGeom>
+            <a:noFill/>
+            <a:ln w="9525" cap="flat">
+              <a:solidFill>
+                <a:schemeClr val="bg1"/>
+              </a:solidFill>
+              <a:prstDash val="solid"/>
+              <a:round/>
+              <a:headEnd/>
+              <a:tailEnd/>
+            </a:ln>
+            <a:extLst>
+              <a:ext uri="{909E8E84-426E-40DD-AFC4-6F175D3DCCD1}">
+                <a14:hiddenFill xmlns:a14="http://schemas.microsoft.com/office/drawing/2010/main">
+                  <a:noFill/>
+                </a14:hiddenFill>
+              </a:ext>
+            </a:extLst>
+          </p:spPr>
+          <p:txBody>
+            <a:bodyPr vert="horz" wrap="square" lIns="91440" tIns="45720" rIns="91440" bIns="45720" numCol="1" anchor="t" anchorCtr="0" compatLnSpc="1">
+              <a:prstTxWarp prst="textNoShape">
+                <a:avLst/>
+              </a:prstTxWarp>
+            </a:bodyPr>
+            <a:lstStyle/>
+            <a:p>
+              <a:endParaRPr lang="id-ID"/>
+            </a:p>
+          </p:txBody>
+        </p:sp>
+        <p:sp>
+          <p:nvSpPr>
+            <p:cNvPr id="17" name="Freeform 95">
+              <a:extLst>
+                <a:ext uri="{FF2B5EF4-FFF2-40B4-BE49-F238E27FC236}">
+                  <a16:creationId xmlns:a16="http://schemas.microsoft.com/office/drawing/2014/main" id="{9C1470DC-A351-F187-760E-46AB14A5ACD2}"/>
+                </a:ext>
+              </a:extLst>
+            </p:cNvPr>
+            <p:cNvSpPr>
+              <a:spLocks/>
+            </p:cNvSpPr>
+            <p:nvPr/>
+          </p:nvSpPr>
+          <p:spPr bwMode="auto">
+            <a:xfrm>
+              <a:off x="7140576" y="3703638"/>
+              <a:ext cx="82550" cy="101600"/>
+            </a:xfrm>
+            <a:custGeom>
+              <a:avLst/>
+              <a:gdLst>
+                <a:gd name="T0" fmla="*/ 0 w 52"/>
+                <a:gd name="T1" fmla="*/ 0 h 64"/>
+                <a:gd name="T2" fmla="*/ 0 w 52"/>
+                <a:gd name="T3" fmla="*/ 64 h 64"/>
+                <a:gd name="T4" fmla="*/ 52 w 52"/>
+                <a:gd name="T5" fmla="*/ 33 h 64"/>
+                <a:gd name="T6" fmla="*/ 0 w 52"/>
+                <a:gd name="T7" fmla="*/ 0 h 64"/>
+              </a:gdLst>
+              <a:ahLst/>
+              <a:cxnLst>
+                <a:cxn ang="0">
+                  <a:pos x="T0" y="T1"/>
+                </a:cxn>
+                <a:cxn ang="0">
+                  <a:pos x="T2" y="T3"/>
+                </a:cxn>
+                <a:cxn ang="0">
+                  <a:pos x="T4" y="T5"/>
+                </a:cxn>
+                <a:cxn ang="0">
+                  <a:pos x="T6" y="T7"/>
+                </a:cxn>
+              </a:cxnLst>
+              <a:rect l="0" t="0" r="r" b="b"/>
+              <a:pathLst>
+                <a:path w="52" h="64">
+                  <a:moveTo>
+                    <a:pt x="0" y="0"/>
+                  </a:moveTo>
+                  <a:lnTo>
+                    <a:pt x="0" y="64"/>
+                  </a:lnTo>
+                  <a:lnTo>
+                    <a:pt x="52" y="33"/>
+                  </a:lnTo>
+                  <a:lnTo>
+                    <a:pt x="0" y="0"/>
+                  </a:lnTo>
+                  <a:close/>
+                </a:path>
+              </a:pathLst>
+            </a:custGeom>
+            <a:noFill/>
+            <a:ln w="9525" cap="flat">
+              <a:solidFill>
+                <a:schemeClr val="bg1"/>
+              </a:solidFill>
+              <a:prstDash val="solid"/>
+              <a:round/>
+              <a:headEnd/>
+              <a:tailEnd/>
+            </a:ln>
+            <a:extLst>
+              <a:ext uri="{909E8E84-426E-40DD-AFC4-6F175D3DCCD1}">
+                <a14:hiddenFill xmlns:a14="http://schemas.microsoft.com/office/drawing/2010/main">
+                  <a:solidFill>
+                    <a:srgbClr val="FFFFFF"/>
+                  </a:solidFill>
+                </a14:hiddenFill>
+              </a:ext>
+            </a:extLst>
+          </p:spPr>
+          <p:txBody>
+            <a:bodyPr vert="horz" wrap="square" lIns="91440" tIns="45720" rIns="91440" bIns="45720" numCol="1" anchor="t" anchorCtr="0" compatLnSpc="1">
+              <a:prstTxWarp prst="textNoShape">
+                <a:avLst/>
+              </a:prstTxWarp>
+            </a:bodyPr>
+            <a:lstStyle/>
+            <a:p>
+              <a:endParaRPr lang="id-ID"/>
+            </a:p>
+          </p:txBody>
+        </p:sp>
+      </p:grpSp>
+      <p:grpSp>
+        <p:nvGrpSpPr>
+          <p:cNvPr id="20" name="Group 1">
+            <a:extLst>
+              <a:ext uri="{FF2B5EF4-FFF2-40B4-BE49-F238E27FC236}">
+                <a16:creationId xmlns:a16="http://schemas.microsoft.com/office/drawing/2014/main" id="{15548E8D-DA46-F6DC-F8C4-FF4C919B20B5}"/>
+              </a:ext>
+            </a:extLst>
+          </p:cNvPr>
+          <p:cNvGrpSpPr>
+            <a:grpSpLocks noChangeAspect="1"/>
+          </p:cNvGrpSpPr>
+          <p:nvPr/>
+        </p:nvGrpSpPr>
+        <p:grpSpPr>
+          <a:xfrm>
+            <a:off x="602808" y="1919421"/>
+            <a:ext cx="236623" cy="216000"/>
+            <a:chOff x="3398838" y="5076826"/>
+            <a:chExt cx="346075" cy="315913"/>
+          </a:xfrm>
+        </p:grpSpPr>
+        <p:sp>
+          <p:nvSpPr>
+            <p:cNvPr id="23" name="Rectangle 80">
+              <a:extLst>
+                <a:ext uri="{FF2B5EF4-FFF2-40B4-BE49-F238E27FC236}">
+                  <a16:creationId xmlns:a16="http://schemas.microsoft.com/office/drawing/2014/main" id="{377714EA-9945-8C7C-6101-CB26744BEB9D}"/>
+                </a:ext>
+              </a:extLst>
+            </p:cNvPr>
+            <p:cNvSpPr>
+              <a:spLocks noChangeArrowheads="1"/>
+            </p:cNvSpPr>
+            <p:nvPr/>
+          </p:nvSpPr>
+          <p:spPr bwMode="auto">
+            <a:xfrm>
+              <a:off x="3519488" y="5076826"/>
+              <a:ext cx="225425" cy="74613"/>
+            </a:xfrm>
+            <a:prstGeom prst="rect">
+              <a:avLst/>
+            </a:prstGeom>
+            <a:noFill/>
+            <a:ln w="12700" cap="rnd">
+              <a:solidFill>
+                <a:schemeClr val="bg1"/>
+              </a:solidFill>
+              <a:prstDash val="solid"/>
+              <a:round/>
+              <a:headEnd/>
+              <a:tailEnd/>
+            </a:ln>
+            <a:extLst>
+              <a:ext uri="{909E8E84-426E-40DD-AFC4-6F175D3DCCD1}">
+                <a14:hiddenFill xmlns:a14="http://schemas.microsoft.com/office/drawing/2010/main">
+                  <a:solidFill>
+                    <a:srgbClr val="FFFFFF"/>
+                  </a:solidFill>
+                </a14:hiddenFill>
+              </a:ext>
+            </a:extLst>
+          </p:spPr>
+          <p:txBody>
+            <a:bodyPr vert="horz" wrap="square" lIns="91440" tIns="45720" rIns="91440" bIns="45720" numCol="1" anchor="t" anchorCtr="0" compatLnSpc="1">
+              <a:prstTxWarp prst="textNoShape">
+                <a:avLst/>
+              </a:prstTxWarp>
+            </a:bodyPr>
+            <a:lstStyle/>
+            <a:p>
+              <a:endParaRPr lang="id-ID"/>
+            </a:p>
+          </p:txBody>
+        </p:sp>
+        <p:sp>
+          <p:nvSpPr>
+            <p:cNvPr id="24" name="Rectangle 81">
+              <a:extLst>
+                <a:ext uri="{FF2B5EF4-FFF2-40B4-BE49-F238E27FC236}">
+                  <a16:creationId xmlns:a16="http://schemas.microsoft.com/office/drawing/2014/main" id="{999D1A82-0B57-13FE-0694-D479B060535E}"/>
+                </a:ext>
+              </a:extLst>
+            </p:cNvPr>
+            <p:cNvSpPr>
+              <a:spLocks noChangeArrowheads="1"/>
+            </p:cNvSpPr>
+            <p:nvPr/>
+          </p:nvSpPr>
+          <p:spPr bwMode="auto">
+            <a:xfrm>
+              <a:off x="3519488" y="5197476"/>
+              <a:ext cx="225425" cy="74613"/>
+            </a:xfrm>
+            <a:prstGeom prst="rect">
+              <a:avLst/>
+            </a:prstGeom>
+            <a:noFill/>
+            <a:ln w="12700" cap="rnd">
+              <a:solidFill>
+                <a:schemeClr val="bg1"/>
+              </a:solidFill>
+              <a:prstDash val="solid"/>
+              <a:round/>
+              <a:headEnd/>
+              <a:tailEnd/>
+            </a:ln>
+            <a:extLst>
+              <a:ext uri="{909E8E84-426E-40DD-AFC4-6F175D3DCCD1}">
+                <a14:hiddenFill xmlns:a14="http://schemas.microsoft.com/office/drawing/2010/main">
+                  <a:solidFill>
+                    <a:srgbClr val="FFFFFF"/>
+                  </a:solidFill>
+                </a14:hiddenFill>
+              </a:ext>
+            </a:extLst>
+          </p:spPr>
+          <p:txBody>
+            <a:bodyPr vert="horz" wrap="square" lIns="91440" tIns="45720" rIns="91440" bIns="45720" numCol="1" anchor="t" anchorCtr="0" compatLnSpc="1">
+              <a:prstTxWarp prst="textNoShape">
+                <a:avLst/>
+              </a:prstTxWarp>
+            </a:bodyPr>
+            <a:lstStyle/>
+            <a:p>
+              <a:endParaRPr lang="id-ID"/>
+            </a:p>
+          </p:txBody>
+        </p:sp>
+        <p:sp>
+          <p:nvSpPr>
+            <p:cNvPr id="25" name="Rectangle 82">
+              <a:extLst>
+                <a:ext uri="{FF2B5EF4-FFF2-40B4-BE49-F238E27FC236}">
+                  <a16:creationId xmlns:a16="http://schemas.microsoft.com/office/drawing/2014/main" id="{AF3AA778-A66C-CD25-2479-162712D0EB20}"/>
+                </a:ext>
+              </a:extLst>
+            </p:cNvPr>
+            <p:cNvSpPr>
+              <a:spLocks noChangeArrowheads="1"/>
+            </p:cNvSpPr>
+            <p:nvPr/>
+          </p:nvSpPr>
+          <p:spPr bwMode="auto">
+            <a:xfrm>
+              <a:off x="3519488" y="5316539"/>
+              <a:ext cx="225425" cy="76200"/>
+            </a:xfrm>
+            <a:prstGeom prst="rect">
+              <a:avLst/>
+            </a:prstGeom>
+            <a:noFill/>
+            <a:ln w="12700" cap="rnd">
+              <a:solidFill>
+                <a:schemeClr val="bg1"/>
+              </a:solidFill>
+              <a:prstDash val="solid"/>
+              <a:round/>
+              <a:headEnd/>
+              <a:tailEnd/>
+            </a:ln>
+            <a:extLst>
+              <a:ext uri="{909E8E84-426E-40DD-AFC4-6F175D3DCCD1}">
+                <a14:hiddenFill xmlns:a14="http://schemas.microsoft.com/office/drawing/2010/main">
+                  <a:solidFill>
+                    <a:srgbClr val="FFFFFF"/>
+                  </a:solidFill>
+                </a14:hiddenFill>
+              </a:ext>
+            </a:extLst>
+          </p:spPr>
+          <p:txBody>
+            <a:bodyPr vert="horz" wrap="square" lIns="91440" tIns="45720" rIns="91440" bIns="45720" numCol="1" anchor="t" anchorCtr="0" compatLnSpc="1">
+              <a:prstTxWarp prst="textNoShape">
+                <a:avLst/>
+              </a:prstTxWarp>
+            </a:bodyPr>
+            <a:lstStyle/>
+            <a:p>
+              <a:endParaRPr lang="id-ID"/>
+            </a:p>
+          </p:txBody>
+        </p:sp>
+        <p:sp>
+          <p:nvSpPr>
+            <p:cNvPr id="26" name="Rectangle 83">
+              <a:extLst>
+                <a:ext uri="{FF2B5EF4-FFF2-40B4-BE49-F238E27FC236}">
+                  <a16:creationId xmlns:a16="http://schemas.microsoft.com/office/drawing/2014/main" id="{48106F25-3D59-EB10-F2CC-66671174BAA7}"/>
+                </a:ext>
+              </a:extLst>
+            </p:cNvPr>
+            <p:cNvSpPr>
+              <a:spLocks noChangeArrowheads="1"/>
+            </p:cNvSpPr>
+            <p:nvPr/>
+          </p:nvSpPr>
+          <p:spPr bwMode="auto">
+            <a:xfrm>
+              <a:off x="3398838" y="5076826"/>
+              <a:ext cx="74613" cy="74613"/>
+            </a:xfrm>
+            <a:prstGeom prst="rect">
+              <a:avLst/>
+            </a:prstGeom>
+            <a:noFill/>
+            <a:ln w="12700" cap="rnd">
+              <a:solidFill>
+                <a:schemeClr val="bg1"/>
+              </a:solidFill>
+              <a:prstDash val="solid"/>
+              <a:round/>
+              <a:headEnd/>
+              <a:tailEnd/>
+            </a:ln>
+            <a:extLst>
+              <a:ext uri="{909E8E84-426E-40DD-AFC4-6F175D3DCCD1}">
+                <a14:hiddenFill xmlns:a14="http://schemas.microsoft.com/office/drawing/2010/main">
+                  <a:solidFill>
+                    <a:srgbClr val="FFFFFF"/>
+                  </a:solidFill>
+                </a14:hiddenFill>
+              </a:ext>
+            </a:extLst>
+          </p:spPr>
+          <p:txBody>
+            <a:bodyPr vert="horz" wrap="square" lIns="91440" tIns="45720" rIns="91440" bIns="45720" numCol="1" anchor="t" anchorCtr="0" compatLnSpc="1">
+              <a:prstTxWarp prst="textNoShape">
+                <a:avLst/>
+              </a:prstTxWarp>
+            </a:bodyPr>
+            <a:lstStyle/>
+            <a:p>
+              <a:endParaRPr lang="id-ID"/>
+            </a:p>
+          </p:txBody>
+        </p:sp>
+        <p:sp>
+          <p:nvSpPr>
+            <p:cNvPr id="28" name="Rectangle 84">
+              <a:extLst>
+                <a:ext uri="{FF2B5EF4-FFF2-40B4-BE49-F238E27FC236}">
+                  <a16:creationId xmlns:a16="http://schemas.microsoft.com/office/drawing/2014/main" id="{6943729F-ED5A-B2CE-9178-932B78B8298A}"/>
+                </a:ext>
+              </a:extLst>
+            </p:cNvPr>
+            <p:cNvSpPr>
+              <a:spLocks noChangeArrowheads="1"/>
+            </p:cNvSpPr>
+            <p:nvPr/>
+          </p:nvSpPr>
+          <p:spPr bwMode="auto">
+            <a:xfrm>
+              <a:off x="3398838" y="5197476"/>
+              <a:ext cx="74613" cy="74613"/>
+            </a:xfrm>
+            <a:prstGeom prst="rect">
+              <a:avLst/>
+            </a:prstGeom>
+            <a:noFill/>
+            <a:ln w="12700" cap="rnd">
+              <a:solidFill>
+                <a:schemeClr val="bg1"/>
+              </a:solidFill>
+              <a:prstDash val="solid"/>
+              <a:round/>
+              <a:headEnd/>
+              <a:tailEnd/>
+            </a:ln>
+            <a:extLst>
+              <a:ext uri="{909E8E84-426E-40DD-AFC4-6F175D3DCCD1}">
+                <a14:hiddenFill xmlns:a14="http://schemas.microsoft.com/office/drawing/2010/main">
+                  <a:solidFill>
+                    <a:srgbClr val="FFFFFF"/>
+                  </a:solidFill>
+                </a14:hiddenFill>
+              </a:ext>
+            </a:extLst>
+          </p:spPr>
+          <p:txBody>
+            <a:bodyPr vert="horz" wrap="square" lIns="91440" tIns="45720" rIns="91440" bIns="45720" numCol="1" anchor="t" anchorCtr="0" compatLnSpc="1">
+              <a:prstTxWarp prst="textNoShape">
+                <a:avLst/>
+              </a:prstTxWarp>
+            </a:bodyPr>
+            <a:lstStyle/>
+            <a:p>
+              <a:endParaRPr lang="id-ID"/>
+            </a:p>
+          </p:txBody>
+        </p:sp>
+        <p:sp>
+          <p:nvSpPr>
+            <p:cNvPr id="30" name="Rectangle 85">
+              <a:extLst>
+                <a:ext uri="{FF2B5EF4-FFF2-40B4-BE49-F238E27FC236}">
+                  <a16:creationId xmlns:a16="http://schemas.microsoft.com/office/drawing/2014/main" id="{EFB86162-B636-B861-4ED0-C88EB74D2CE6}"/>
+                </a:ext>
+              </a:extLst>
+            </p:cNvPr>
+            <p:cNvSpPr>
+              <a:spLocks noChangeArrowheads="1"/>
+            </p:cNvSpPr>
+            <p:nvPr/>
+          </p:nvSpPr>
+          <p:spPr bwMode="auto">
+            <a:xfrm>
+              <a:off x="3398838" y="5316539"/>
+              <a:ext cx="74613" cy="76200"/>
+            </a:xfrm>
+            <a:prstGeom prst="rect">
+              <a:avLst/>
+            </a:prstGeom>
+            <a:noFill/>
+            <a:ln w="12700" cap="rnd">
+              <a:solidFill>
+                <a:schemeClr val="bg1"/>
+              </a:solidFill>
+              <a:prstDash val="solid"/>
+              <a:round/>
+              <a:headEnd/>
+              <a:tailEnd/>
+            </a:ln>
+            <a:extLst>
+              <a:ext uri="{909E8E84-426E-40DD-AFC4-6F175D3DCCD1}">
+                <a14:hiddenFill xmlns:a14="http://schemas.microsoft.com/office/drawing/2010/main">
+                  <a:solidFill>
+                    <a:srgbClr val="FFFFFF"/>
+                  </a:solidFill>
+                </a14:hiddenFill>
+              </a:ext>
+            </a:extLst>
+          </p:spPr>
+          <p:txBody>
+            <a:bodyPr vert="horz" wrap="square" lIns="91440" tIns="45720" rIns="91440" bIns="45720" numCol="1" anchor="t" anchorCtr="0" compatLnSpc="1">
+              <a:prstTxWarp prst="textNoShape">
+                <a:avLst/>
+              </a:prstTxWarp>
+            </a:bodyPr>
+            <a:lstStyle/>
+            <a:p>
+              <a:endParaRPr lang="id-ID"/>
+            </a:p>
+          </p:txBody>
+        </p:sp>
+      </p:grpSp>
+      <p:pic>
+        <p:nvPicPr>
+          <p:cNvPr id="4" name="Grafik 3">
+            <a:extLst>
+              <a:ext uri="{FF2B5EF4-FFF2-40B4-BE49-F238E27FC236}">
+                <a16:creationId xmlns:a16="http://schemas.microsoft.com/office/drawing/2014/main" id="{E3DE8C02-123E-B00B-695B-810CAE17C9D3}"/>
+              </a:ext>
+            </a:extLst>
+          </p:cNvPr>
+          <p:cNvPicPr>
+            <a:picLocks noChangeAspect="1"/>
+          </p:cNvPicPr>
+          <p:nvPr/>
+        </p:nvPicPr>
+        <p:blipFill>
+          <a:blip r:embed="rId3"/>
+          <a:stretch>
+            <a:fillRect/>
+          </a:stretch>
+        </p:blipFill>
+        <p:spPr>
+          <a:xfrm>
+            <a:off x="3474402" y="1285934"/>
+            <a:ext cx="7772400" cy="5001767"/>
+          </a:xfrm>
+          <a:prstGeom prst="rect">
+            <a:avLst/>
+          </a:prstGeom>
+        </p:spPr>
+      </p:pic>
+    </p:spTree>
+    <p:extLst>
+      <p:ext uri="{BB962C8B-B14F-4D97-AF65-F5344CB8AC3E}">
+        <p14:creationId xmlns:p14="http://schemas.microsoft.com/office/powerpoint/2010/main" val="3763819030"/>
       </p:ext>
     </p:extLst>
   </p:cSld>

--- a/Presentations/Spotify NLP status 20231005.pptx
+++ b/Presentations/Spotify NLP status 20231005.pptx
@@ -5,19 +5,20 @@
     <p:sldMasterId id="2147483648" r:id="rId1"/>
   </p:sldMasterIdLst>
   <p:notesMasterIdLst>
-    <p:notesMasterId r:id="rId12"/>
+    <p:notesMasterId r:id="rId13"/>
   </p:notesMasterIdLst>
   <p:sldIdLst>
     <p:sldId id="256" r:id="rId2"/>
     <p:sldId id="301" r:id="rId3"/>
     <p:sldId id="299" r:id="rId4"/>
     <p:sldId id="302" r:id="rId5"/>
-    <p:sldId id="303" r:id="rId6"/>
-    <p:sldId id="304" r:id="rId7"/>
-    <p:sldId id="305" r:id="rId8"/>
-    <p:sldId id="298" r:id="rId9"/>
-    <p:sldId id="300" r:id="rId10"/>
-    <p:sldId id="266" r:id="rId11"/>
+    <p:sldId id="304" r:id="rId6"/>
+    <p:sldId id="305" r:id="rId7"/>
+    <p:sldId id="298" r:id="rId8"/>
+    <p:sldId id="300" r:id="rId9"/>
+    <p:sldId id="306" r:id="rId10"/>
+    <p:sldId id="307" r:id="rId11"/>
+    <p:sldId id="266" r:id="rId12"/>
   </p:sldIdLst>
   <p:sldSz cx="12192000" cy="6858000"/>
   <p:notesSz cx="6858000" cy="9144000"/>
@@ -214,7 +215,7 @@
           <a:p>
             <a:fld id="{A1DE6012-1BD2-423A-B783-8C352B9F1F3A}" type="datetimeFigureOut">
               <a:rPr lang="en-US" smtClean="0"/>
-              <a:t>10/4/23</a:t>
+              <a:t>10/5/23</a:t>
             </a:fld>
             <a:endParaRPr lang="en-US"/>
           </a:p>
@@ -565,6 +566,90 @@
 </p:notes>
 </file>
 
+<file path=ppt/notesSlides/notesSlide10.xml><?xml version="1.0" encoding="utf-8"?>
+<p:notes xmlns:a="http://schemas.openxmlformats.org/drawingml/2006/main" xmlns:r="http://schemas.openxmlformats.org/officeDocument/2006/relationships" xmlns:p="http://schemas.openxmlformats.org/presentationml/2006/main">
+  <p:cSld>
+    <p:spTree>
+      <p:nvGrpSpPr>
+        <p:cNvPr id="1" name=""/>
+        <p:cNvGrpSpPr/>
+        <p:nvPr/>
+      </p:nvGrpSpPr>
+      <p:grpSpPr>
+        <a:xfrm>
+          <a:off x="0" y="0"/>
+          <a:ext cx="0" cy="0"/>
+          <a:chOff x="0" y="0"/>
+          <a:chExt cx="0" cy="0"/>
+        </a:xfrm>
+      </p:grpSpPr>
+      <p:sp>
+        <p:nvSpPr>
+          <p:cNvPr id="2" name="Slide Image Placeholder 1"/>
+          <p:cNvSpPr>
+            <a:spLocks noGrp="1" noRot="1" noChangeAspect="1"/>
+          </p:cNvSpPr>
+          <p:nvPr>
+            <p:ph type="sldImg"/>
+          </p:nvPr>
+        </p:nvSpPr>
+        <p:spPr/>
+      </p:sp>
+      <p:sp>
+        <p:nvSpPr>
+          <p:cNvPr id="3" name="Notes Placeholder 2"/>
+          <p:cNvSpPr>
+            <a:spLocks noGrp="1"/>
+          </p:cNvSpPr>
+          <p:nvPr>
+            <p:ph type="body" idx="1"/>
+          </p:nvPr>
+        </p:nvSpPr>
+        <p:spPr/>
+        <p:txBody>
+          <a:bodyPr/>
+          <a:lstStyle/>
+          <a:p>
+            <a:endParaRPr lang="en-US" dirty="0"/>
+          </a:p>
+        </p:txBody>
+      </p:sp>
+      <p:sp>
+        <p:nvSpPr>
+          <p:cNvPr id="4" name="Slide Number Placeholder 3"/>
+          <p:cNvSpPr>
+            <a:spLocks noGrp="1"/>
+          </p:cNvSpPr>
+          <p:nvPr>
+            <p:ph type="sldNum" sz="quarter" idx="5"/>
+          </p:nvPr>
+        </p:nvSpPr>
+        <p:spPr/>
+        <p:txBody>
+          <a:bodyPr/>
+          <a:lstStyle/>
+          <a:p>
+            <a:fld id="{7CEDCF92-708B-42BD-8680-DB4A1F579832}" type="slidenum">
+              <a:rPr lang="en-US" smtClean="0"/>
+              <a:t>10</a:t>
+            </a:fld>
+            <a:endParaRPr lang="en-US"/>
+          </a:p>
+        </p:txBody>
+      </p:sp>
+    </p:spTree>
+    <p:extLst>
+      <p:ext uri="{BB962C8B-B14F-4D97-AF65-F5344CB8AC3E}">
+        <p14:creationId xmlns:p14="http://schemas.microsoft.com/office/powerpoint/2010/main" val="4261963777"/>
+      </p:ext>
+    </p:extLst>
+  </p:cSld>
+  <p:clrMapOvr>
+    <a:masterClrMapping/>
+  </p:clrMapOvr>
+</p:notes>
+</file>
+
 <file path=ppt/notesSlides/notesSlide2.xml><?xml version="1.0" encoding="utf-8"?>
 <p:notes xmlns:a="http://schemas.openxmlformats.org/drawingml/2006/main" xmlns:r="http://schemas.openxmlformats.org/officeDocument/2006/relationships" xmlns:p="http://schemas.openxmlformats.org/presentationml/2006/main">
   <p:cSld>
@@ -891,7 +976,7 @@
     </p:spTree>
     <p:extLst>
       <p:ext uri="{BB962C8B-B14F-4D97-AF65-F5344CB8AC3E}">
-        <p14:creationId xmlns:p14="http://schemas.microsoft.com/office/powerpoint/2010/main" val="2341035629"/>
+        <p14:creationId xmlns:p14="http://schemas.microsoft.com/office/powerpoint/2010/main" val="2653157693"/>
       </p:ext>
     </p:extLst>
   </p:cSld>
@@ -975,7 +1060,7 @@
     </p:spTree>
     <p:extLst>
       <p:ext uri="{BB962C8B-B14F-4D97-AF65-F5344CB8AC3E}">
-        <p14:creationId xmlns:p14="http://schemas.microsoft.com/office/powerpoint/2010/main" val="2653157693"/>
+        <p14:creationId xmlns:p14="http://schemas.microsoft.com/office/powerpoint/2010/main" val="3758975559"/>
       </p:ext>
     </p:extLst>
   </p:cSld>
@@ -1059,7 +1144,7 @@
     </p:spTree>
     <p:extLst>
       <p:ext uri="{BB962C8B-B14F-4D97-AF65-F5344CB8AC3E}">
-        <p14:creationId xmlns:p14="http://schemas.microsoft.com/office/powerpoint/2010/main" val="3758975559"/>
+        <p14:creationId xmlns:p14="http://schemas.microsoft.com/office/powerpoint/2010/main" val="689758974"/>
       </p:ext>
     </p:extLst>
   </p:cSld>
@@ -1143,7 +1228,7 @@
     </p:spTree>
     <p:extLst>
       <p:ext uri="{BB962C8B-B14F-4D97-AF65-F5344CB8AC3E}">
-        <p14:creationId xmlns:p14="http://schemas.microsoft.com/office/powerpoint/2010/main" val="689758974"/>
+        <p14:creationId xmlns:p14="http://schemas.microsoft.com/office/powerpoint/2010/main" val="2198979677"/>
       </p:ext>
     </p:extLst>
   </p:cSld>
@@ -1227,7 +1312,7 @@
     </p:spTree>
     <p:extLst>
       <p:ext uri="{BB962C8B-B14F-4D97-AF65-F5344CB8AC3E}">
-        <p14:creationId xmlns:p14="http://schemas.microsoft.com/office/powerpoint/2010/main" val="2198979677"/>
+        <p14:creationId xmlns:p14="http://schemas.microsoft.com/office/powerpoint/2010/main" val="1276230556"/>
       </p:ext>
     </p:extLst>
   </p:cSld>
@@ -1384,7 +1469,7 @@
           <a:p>
             <a:fld id="{C085A3C5-C84E-4FAD-9AAC-6508D1A5CE25}" type="datetimeFigureOut">
               <a:rPr lang="en-US" smtClean="0"/>
-              <a:t>10/4/23</a:t>
+              <a:t>10/5/23</a:t>
             </a:fld>
             <a:endParaRPr lang="en-US"/>
           </a:p>
@@ -1582,7 +1667,7 @@
           <a:p>
             <a:fld id="{C085A3C5-C84E-4FAD-9AAC-6508D1A5CE25}" type="datetimeFigureOut">
               <a:rPr lang="en-US" smtClean="0"/>
-              <a:t>10/4/23</a:t>
+              <a:t>10/5/23</a:t>
             </a:fld>
             <a:endParaRPr lang="en-US"/>
           </a:p>
@@ -1790,7 +1875,7 @@
           <a:p>
             <a:fld id="{C085A3C5-C84E-4FAD-9AAC-6508D1A5CE25}" type="datetimeFigureOut">
               <a:rPr lang="en-US" smtClean="0"/>
-              <a:t>10/4/23</a:t>
+              <a:t>10/5/23</a:t>
             </a:fld>
             <a:endParaRPr lang="en-US"/>
           </a:p>
@@ -1988,7 +2073,7 @@
           <a:p>
             <a:fld id="{C085A3C5-C84E-4FAD-9AAC-6508D1A5CE25}" type="datetimeFigureOut">
               <a:rPr lang="en-US" smtClean="0"/>
-              <a:t>10/4/23</a:t>
+              <a:t>10/5/23</a:t>
             </a:fld>
             <a:endParaRPr lang="en-US"/>
           </a:p>
@@ -2263,7 +2348,7 @@
           <a:p>
             <a:fld id="{C085A3C5-C84E-4FAD-9AAC-6508D1A5CE25}" type="datetimeFigureOut">
               <a:rPr lang="en-US" smtClean="0"/>
-              <a:t>10/4/23</a:t>
+              <a:t>10/5/23</a:t>
             </a:fld>
             <a:endParaRPr lang="en-US"/>
           </a:p>
@@ -2528,7 +2613,7 @@
           <a:p>
             <a:fld id="{C085A3C5-C84E-4FAD-9AAC-6508D1A5CE25}" type="datetimeFigureOut">
               <a:rPr lang="en-US" smtClean="0"/>
-              <a:t>10/4/23</a:t>
+              <a:t>10/5/23</a:t>
             </a:fld>
             <a:endParaRPr lang="en-US"/>
           </a:p>
@@ -2940,7 +3025,7 @@
           <a:p>
             <a:fld id="{C085A3C5-C84E-4FAD-9AAC-6508D1A5CE25}" type="datetimeFigureOut">
               <a:rPr lang="en-US" smtClean="0"/>
-              <a:t>10/4/23</a:t>
+              <a:t>10/5/23</a:t>
             </a:fld>
             <a:endParaRPr lang="en-US"/>
           </a:p>
@@ -3081,7 +3166,7 @@
           <a:p>
             <a:fld id="{C085A3C5-C84E-4FAD-9AAC-6508D1A5CE25}" type="datetimeFigureOut">
               <a:rPr lang="en-US" smtClean="0"/>
-              <a:t>10/4/23</a:t>
+              <a:t>10/5/23</a:t>
             </a:fld>
             <a:endParaRPr lang="en-US"/>
           </a:p>
@@ -3434,7 +3519,7 @@
           <a:p>
             <a:fld id="{C085A3C5-C84E-4FAD-9AAC-6508D1A5CE25}" type="datetimeFigureOut">
               <a:rPr lang="en-US" smtClean="0"/>
-              <a:t>10/4/23</a:t>
+              <a:t>10/5/23</a:t>
             </a:fld>
             <a:endParaRPr lang="en-US"/>
           </a:p>
@@ -3745,7 +3830,7 @@
           <a:p>
             <a:fld id="{C085A3C5-C84E-4FAD-9AAC-6508D1A5CE25}" type="datetimeFigureOut">
               <a:rPr lang="en-US" smtClean="0"/>
-              <a:t>10/4/23</a:t>
+              <a:t>10/5/23</a:t>
             </a:fld>
             <a:endParaRPr lang="en-US"/>
           </a:p>
@@ -4033,7 +4118,7 @@
           <a:p>
             <a:fld id="{C085A3C5-C84E-4FAD-9AAC-6508D1A5CE25}" type="datetimeFigureOut">
               <a:rPr lang="en-US" smtClean="0"/>
-              <a:t>10/4/23</a:t>
+              <a:t>10/5/23</a:t>
             </a:fld>
             <a:endParaRPr lang="en-US"/>
           </a:p>
@@ -4280,7 +4365,7 @@
           <a:p>
             <a:fld id="{C085A3C5-C84E-4FAD-9AAC-6508D1A5CE25}" type="datetimeFigureOut">
               <a:rPr lang="en-US" smtClean="0"/>
-              <a:t>10/4/23</a:t>
+              <a:t>10/5/23</a:t>
             </a:fld>
             <a:endParaRPr lang="en-US"/>
           </a:p>
@@ -5432,6 +5517,1083 @@
 <file path=ppt/slides/slide10.xml><?xml version="1.0" encoding="utf-8"?>
 <p:sld xmlns:a="http://schemas.openxmlformats.org/drawingml/2006/main" xmlns:r="http://schemas.openxmlformats.org/officeDocument/2006/relationships" xmlns:p="http://schemas.openxmlformats.org/presentationml/2006/main">
   <p:cSld>
+    <p:bg>
+      <p:bgPr>
+        <a:solidFill>
+          <a:srgbClr val="191414"/>
+        </a:solidFill>
+        <a:effectLst/>
+      </p:bgPr>
+    </p:bg>
+    <p:spTree>
+      <p:nvGrpSpPr>
+        <p:cNvPr id="1" name=""/>
+        <p:cNvGrpSpPr/>
+        <p:nvPr/>
+      </p:nvGrpSpPr>
+      <p:grpSpPr>
+        <a:xfrm>
+          <a:off x="0" y="0"/>
+          <a:ext cx="0" cy="0"/>
+          <a:chOff x="0" y="0"/>
+          <a:chExt cx="0" cy="0"/>
+        </a:xfrm>
+      </p:grpSpPr>
+      <p:sp>
+        <p:nvSpPr>
+          <p:cNvPr id="18" name="TextBox 17">
+            <a:extLst>
+              <a:ext uri="{FF2B5EF4-FFF2-40B4-BE49-F238E27FC236}">
+                <a16:creationId xmlns:a16="http://schemas.microsoft.com/office/drawing/2014/main" id="{355AC3A1-175C-0DC3-DBAF-F626A9F3780A}"/>
+              </a:ext>
+            </a:extLst>
+          </p:cNvPr>
+          <p:cNvSpPr txBox="1"/>
+          <p:nvPr/>
+        </p:nvSpPr>
+        <p:spPr>
+          <a:xfrm>
+            <a:off x="3474402" y="388280"/>
+            <a:ext cx="7841298" cy="769441"/>
+          </a:xfrm>
+          <a:prstGeom prst="rect">
+            <a:avLst/>
+          </a:prstGeom>
+          <a:noFill/>
+        </p:spPr>
+        <p:txBody>
+          <a:bodyPr wrap="square" rtlCol="0">
+            <a:spAutoFit/>
+          </a:bodyPr>
+          <a:lstStyle/>
+          <a:p>
+            <a:r>
+              <a:rPr lang="en-US" sz="4400" b="1" dirty="0">
+                <a:solidFill>
+                  <a:srgbClr val="1DB954"/>
+                </a:solidFill>
+                <a:latin typeface="Segoe UI" panose="020B0502040204020203" pitchFamily="34" charset="0"/>
+                <a:cs typeface="Segoe UI" panose="020B0502040204020203" pitchFamily="34" charset="0"/>
+              </a:rPr>
+              <a:t>EDA</a:t>
+            </a:r>
+            <a:endParaRPr lang="en-US" sz="4400" b="1" dirty="0">
+              <a:solidFill>
+                <a:schemeClr val="bg1"/>
+              </a:solidFill>
+              <a:latin typeface="Segoe UI" panose="020B0502040204020203" pitchFamily="34" charset="0"/>
+              <a:cs typeface="Segoe UI" panose="020B0502040204020203" pitchFamily="34" charset="0"/>
+            </a:endParaRPr>
+          </a:p>
+        </p:txBody>
+      </p:sp>
+      <p:sp>
+        <p:nvSpPr>
+          <p:cNvPr id="45" name="TextBox 44">
+            <a:extLst>
+              <a:ext uri="{FF2B5EF4-FFF2-40B4-BE49-F238E27FC236}">
+                <a16:creationId xmlns:a16="http://schemas.microsoft.com/office/drawing/2014/main" id="{B6429CB9-9544-2C8E-5FE0-1DF020713FDA}"/>
+              </a:ext>
+            </a:extLst>
+          </p:cNvPr>
+          <p:cNvSpPr txBox="1"/>
+          <p:nvPr/>
+        </p:nvSpPr>
+        <p:spPr>
+          <a:xfrm>
+            <a:off x="3678542" y="1492875"/>
+            <a:ext cx="3960000" cy="366917"/>
+          </a:xfrm>
+          <a:prstGeom prst="rect">
+            <a:avLst/>
+          </a:prstGeom>
+          <a:noFill/>
+        </p:spPr>
+        <p:txBody>
+          <a:bodyPr wrap="none" lIns="0" rIns="0" rtlCol="0" anchor="ctr">
+            <a:noAutofit/>
+          </a:bodyPr>
+          <a:lstStyle/>
+          <a:p>
+            <a:endParaRPr lang="en-US" sz="1400" dirty="0">
+              <a:solidFill>
+                <a:schemeClr val="bg1"/>
+              </a:solidFill>
+              <a:latin typeface="Segoe UI" panose="020B0502040204020203" pitchFamily="34" charset="0"/>
+              <a:cs typeface="Segoe UI" panose="020B0502040204020203" pitchFamily="34" charset="0"/>
+            </a:endParaRPr>
+          </a:p>
+        </p:txBody>
+      </p:sp>
+      <p:sp>
+        <p:nvSpPr>
+          <p:cNvPr id="3" name="TextBox 20">
+            <a:extLst>
+              <a:ext uri="{FF2B5EF4-FFF2-40B4-BE49-F238E27FC236}">
+                <a16:creationId xmlns:a16="http://schemas.microsoft.com/office/drawing/2014/main" id="{120F99AC-1455-3A16-6F33-5B71AA5C26C8}"/>
+              </a:ext>
+            </a:extLst>
+          </p:cNvPr>
+          <p:cNvSpPr txBox="1"/>
+          <p:nvPr/>
+        </p:nvSpPr>
+        <p:spPr>
+          <a:xfrm>
+            <a:off x="380682" y="1843961"/>
+            <a:ext cx="2296800" cy="366917"/>
+          </a:xfrm>
+          <a:prstGeom prst="roundRect">
+            <a:avLst/>
+          </a:prstGeom>
+          <a:gradFill>
+            <a:gsLst>
+              <a:gs pos="0">
+                <a:schemeClr val="bg1">
+                  <a:lumMod val="50000"/>
+                  <a:alpha val="45000"/>
+                </a:schemeClr>
+              </a:gs>
+              <a:gs pos="100000">
+                <a:srgbClr val="191414">
+                  <a:alpha val="25000"/>
+                </a:srgbClr>
+              </a:gs>
+            </a:gsLst>
+            <a:lin ang="4200000" scaled="0"/>
+          </a:gradFill>
+        </p:spPr>
+        <p:txBody>
+          <a:bodyPr wrap="none" lIns="684000" rtlCol="0" anchor="ctr">
+            <a:noAutofit/>
+          </a:bodyPr>
+          <a:lstStyle/>
+          <a:p>
+            <a:r>
+              <a:rPr lang="en-US" sz="1400" b="1" dirty="0">
+                <a:solidFill>
+                  <a:schemeClr val="bg1"/>
+                </a:solidFill>
+                <a:latin typeface="Segoe UI" panose="020B0502040204020203" pitchFamily="34" charset="0"/>
+                <a:cs typeface="Segoe UI" panose="020B0502040204020203" pitchFamily="34" charset="0"/>
+              </a:rPr>
+              <a:t>EDA</a:t>
+            </a:r>
+          </a:p>
+        </p:txBody>
+      </p:sp>
+      <p:sp>
+        <p:nvSpPr>
+          <p:cNvPr id="10" name="TextBox 21">
+            <a:extLst>
+              <a:ext uri="{FF2B5EF4-FFF2-40B4-BE49-F238E27FC236}">
+                <a16:creationId xmlns:a16="http://schemas.microsoft.com/office/drawing/2014/main" id="{228298A3-AA79-9AAE-DC10-145B5C02E7BD}"/>
+              </a:ext>
+            </a:extLst>
+          </p:cNvPr>
+          <p:cNvSpPr txBox="1"/>
+          <p:nvPr/>
+        </p:nvSpPr>
+        <p:spPr>
+          <a:xfrm>
+            <a:off x="383220" y="1296806"/>
+            <a:ext cx="2296800" cy="366917"/>
+          </a:xfrm>
+          <a:prstGeom prst="roundRect">
+            <a:avLst/>
+          </a:prstGeom>
+          <a:noFill/>
+        </p:spPr>
+        <p:txBody>
+          <a:bodyPr wrap="none" lIns="684000" rtlCol="0" anchor="ctr">
+            <a:noAutofit/>
+          </a:bodyPr>
+          <a:lstStyle/>
+          <a:p>
+            <a:r>
+              <a:rPr lang="en-US" sz="1400" dirty="0">
+                <a:solidFill>
+                  <a:schemeClr val="bg1"/>
+                </a:solidFill>
+                <a:latin typeface="Segoe UI" panose="020B0502040204020203" pitchFamily="34" charset="0"/>
+                <a:cs typeface="Segoe UI" panose="020B0502040204020203" pitchFamily="34" charset="0"/>
+              </a:rPr>
+              <a:t>Preprocessing Steps</a:t>
+            </a:r>
+          </a:p>
+        </p:txBody>
+      </p:sp>
+      <p:grpSp>
+        <p:nvGrpSpPr>
+          <p:cNvPr id="11" name="Group 1035">
+            <a:extLst>
+              <a:ext uri="{FF2B5EF4-FFF2-40B4-BE49-F238E27FC236}">
+                <a16:creationId xmlns:a16="http://schemas.microsoft.com/office/drawing/2014/main" id="{744F1910-5910-7A90-49C6-531CB5AFEF2A}"/>
+              </a:ext>
+            </a:extLst>
+          </p:cNvPr>
+          <p:cNvGrpSpPr/>
+          <p:nvPr/>
+        </p:nvGrpSpPr>
+        <p:grpSpPr>
+          <a:xfrm>
+            <a:off x="591710" y="1393732"/>
+            <a:ext cx="258819" cy="225423"/>
+            <a:chOff x="7005638" y="3648076"/>
+            <a:chExt cx="344488" cy="300038"/>
+          </a:xfrm>
+        </p:grpSpPr>
+        <p:sp>
+          <p:nvSpPr>
+            <p:cNvPr id="12" name="Freeform 90">
+              <a:extLst>
+                <a:ext uri="{FF2B5EF4-FFF2-40B4-BE49-F238E27FC236}">
+                  <a16:creationId xmlns:a16="http://schemas.microsoft.com/office/drawing/2014/main" id="{328E40C6-FD5C-DD40-06A4-F1942B4A4FAB}"/>
+                </a:ext>
+              </a:extLst>
+            </p:cNvPr>
+            <p:cNvSpPr>
+              <a:spLocks/>
+            </p:cNvSpPr>
+            <p:nvPr/>
+          </p:nvSpPr>
+          <p:spPr bwMode="auto">
+            <a:xfrm>
+              <a:off x="7005638" y="3648076"/>
+              <a:ext cx="344488" cy="269875"/>
+            </a:xfrm>
+            <a:custGeom>
+              <a:avLst/>
+              <a:gdLst>
+                <a:gd name="T0" fmla="*/ 92 w 92"/>
+                <a:gd name="T1" fmla="*/ 66 h 72"/>
+                <a:gd name="T2" fmla="*/ 86 w 92"/>
+                <a:gd name="T3" fmla="*/ 72 h 72"/>
+                <a:gd name="T4" fmla="*/ 6 w 92"/>
+                <a:gd name="T5" fmla="*/ 72 h 72"/>
+                <a:gd name="T6" fmla="*/ 0 w 92"/>
+                <a:gd name="T7" fmla="*/ 66 h 72"/>
+                <a:gd name="T8" fmla="*/ 0 w 92"/>
+                <a:gd name="T9" fmla="*/ 6 h 72"/>
+                <a:gd name="T10" fmla="*/ 6 w 92"/>
+                <a:gd name="T11" fmla="*/ 0 h 72"/>
+                <a:gd name="T12" fmla="*/ 86 w 92"/>
+                <a:gd name="T13" fmla="*/ 0 h 72"/>
+                <a:gd name="T14" fmla="*/ 92 w 92"/>
+                <a:gd name="T15" fmla="*/ 6 h 72"/>
+                <a:gd name="T16" fmla="*/ 92 w 92"/>
+                <a:gd name="T17" fmla="*/ 66 h 72"/>
+              </a:gdLst>
+              <a:ahLst/>
+              <a:cxnLst>
+                <a:cxn ang="0">
+                  <a:pos x="T0" y="T1"/>
+                </a:cxn>
+                <a:cxn ang="0">
+                  <a:pos x="T2" y="T3"/>
+                </a:cxn>
+                <a:cxn ang="0">
+                  <a:pos x="T4" y="T5"/>
+                </a:cxn>
+                <a:cxn ang="0">
+                  <a:pos x="T6" y="T7"/>
+                </a:cxn>
+                <a:cxn ang="0">
+                  <a:pos x="T8" y="T9"/>
+                </a:cxn>
+                <a:cxn ang="0">
+                  <a:pos x="T10" y="T11"/>
+                </a:cxn>
+                <a:cxn ang="0">
+                  <a:pos x="T12" y="T13"/>
+                </a:cxn>
+                <a:cxn ang="0">
+                  <a:pos x="T14" y="T15"/>
+                </a:cxn>
+                <a:cxn ang="0">
+                  <a:pos x="T16" y="T17"/>
+                </a:cxn>
+              </a:cxnLst>
+              <a:rect l="0" t="0" r="r" b="b"/>
+              <a:pathLst>
+                <a:path w="92" h="72">
+                  <a:moveTo>
+                    <a:pt x="92" y="66"/>
+                  </a:moveTo>
+                  <a:cubicBezTo>
+                    <a:pt x="92" y="69"/>
+                    <a:pt x="89" y="72"/>
+                    <a:pt x="86" y="72"/>
+                  </a:cubicBezTo>
+                  <a:cubicBezTo>
+                    <a:pt x="6" y="72"/>
+                    <a:pt x="6" y="72"/>
+                    <a:pt x="6" y="72"/>
+                  </a:cubicBezTo>
+                  <a:cubicBezTo>
+                    <a:pt x="3" y="72"/>
+                    <a:pt x="0" y="69"/>
+                    <a:pt x="0" y="66"/>
+                  </a:cubicBezTo>
+                  <a:cubicBezTo>
+                    <a:pt x="0" y="6"/>
+                    <a:pt x="0" y="6"/>
+                    <a:pt x="0" y="6"/>
+                  </a:cubicBezTo>
+                  <a:cubicBezTo>
+                    <a:pt x="0" y="3"/>
+                    <a:pt x="3" y="0"/>
+                    <a:pt x="6" y="0"/>
+                  </a:cubicBezTo>
+                  <a:cubicBezTo>
+                    <a:pt x="86" y="0"/>
+                    <a:pt x="86" y="0"/>
+                    <a:pt x="86" y="0"/>
+                  </a:cubicBezTo>
+                  <a:cubicBezTo>
+                    <a:pt x="89" y="0"/>
+                    <a:pt x="92" y="3"/>
+                    <a:pt x="92" y="6"/>
+                  </a:cubicBezTo>
+                  <a:lnTo>
+                    <a:pt x="92" y="66"/>
+                  </a:lnTo>
+                  <a:close/>
+                </a:path>
+              </a:pathLst>
+            </a:custGeom>
+            <a:noFill/>
+            <a:ln w="9525" cap="rnd">
+              <a:solidFill>
+                <a:schemeClr val="bg1"/>
+              </a:solidFill>
+              <a:prstDash val="solid"/>
+              <a:round/>
+              <a:headEnd/>
+              <a:tailEnd/>
+            </a:ln>
+            <a:extLst>
+              <a:ext uri="{909E8E84-426E-40DD-AFC4-6F175D3DCCD1}">
+                <a14:hiddenFill xmlns:a14="http://schemas.microsoft.com/office/drawing/2010/main">
+                  <a:solidFill>
+                    <a:srgbClr val="FFFFFF"/>
+                  </a:solidFill>
+                </a14:hiddenFill>
+              </a:ext>
+            </a:extLst>
+          </p:spPr>
+          <p:txBody>
+            <a:bodyPr vert="horz" wrap="square" lIns="91440" tIns="45720" rIns="91440" bIns="45720" numCol="1" anchor="t" anchorCtr="0" compatLnSpc="1">
+              <a:prstTxWarp prst="textNoShape">
+                <a:avLst/>
+              </a:prstTxWarp>
+            </a:bodyPr>
+            <a:lstStyle/>
+            <a:p>
+              <a:endParaRPr lang="id-ID"/>
+            </a:p>
+          </p:txBody>
+        </p:sp>
+        <p:sp>
+          <p:nvSpPr>
+            <p:cNvPr id="13" name="Line 91">
+              <a:extLst>
+                <a:ext uri="{FF2B5EF4-FFF2-40B4-BE49-F238E27FC236}">
+                  <a16:creationId xmlns:a16="http://schemas.microsoft.com/office/drawing/2014/main" id="{B1DE3B6B-DA0B-27DC-5332-5CDF012300E9}"/>
+                </a:ext>
+              </a:extLst>
+            </p:cNvPr>
+            <p:cNvSpPr>
+              <a:spLocks noChangeShapeType="1"/>
+            </p:cNvSpPr>
+            <p:nvPr/>
+          </p:nvSpPr>
+          <p:spPr bwMode="auto">
+            <a:xfrm>
+              <a:off x="7072313" y="3948113"/>
+              <a:ext cx="211138" cy="0"/>
+            </a:xfrm>
+            <a:prstGeom prst="line">
+              <a:avLst/>
+            </a:prstGeom>
+            <a:noFill/>
+            <a:ln w="9525" cap="rnd">
+              <a:solidFill>
+                <a:schemeClr val="bg1"/>
+              </a:solidFill>
+              <a:prstDash val="solid"/>
+              <a:round/>
+              <a:headEnd/>
+              <a:tailEnd/>
+            </a:ln>
+            <a:extLst>
+              <a:ext uri="{909E8E84-426E-40DD-AFC4-6F175D3DCCD1}">
+                <a14:hiddenFill xmlns:a14="http://schemas.microsoft.com/office/drawing/2010/main">
+                  <a:noFill/>
+                </a14:hiddenFill>
+              </a:ext>
+            </a:extLst>
+          </p:spPr>
+          <p:txBody>
+            <a:bodyPr vert="horz" wrap="square" lIns="91440" tIns="45720" rIns="91440" bIns="45720" numCol="1" anchor="t" anchorCtr="0" compatLnSpc="1">
+              <a:prstTxWarp prst="textNoShape">
+                <a:avLst/>
+              </a:prstTxWarp>
+            </a:bodyPr>
+            <a:lstStyle/>
+            <a:p>
+              <a:endParaRPr lang="id-ID"/>
+            </a:p>
+          </p:txBody>
+        </p:sp>
+        <p:sp>
+          <p:nvSpPr>
+            <p:cNvPr id="14" name="Line 92">
+              <a:extLst>
+                <a:ext uri="{FF2B5EF4-FFF2-40B4-BE49-F238E27FC236}">
+                  <a16:creationId xmlns:a16="http://schemas.microsoft.com/office/drawing/2014/main" id="{90862457-02BA-CF3C-8850-3627E428FB05}"/>
+                </a:ext>
+              </a:extLst>
+            </p:cNvPr>
+            <p:cNvSpPr>
+              <a:spLocks noChangeShapeType="1"/>
+            </p:cNvSpPr>
+            <p:nvPr/>
+          </p:nvSpPr>
+          <p:spPr bwMode="auto">
+            <a:xfrm>
+              <a:off x="7178676" y="3917951"/>
+              <a:ext cx="0" cy="30163"/>
+            </a:xfrm>
+            <a:prstGeom prst="line">
+              <a:avLst/>
+            </a:prstGeom>
+            <a:noFill/>
+            <a:ln w="9525" cap="rnd">
+              <a:solidFill>
+                <a:schemeClr val="bg1"/>
+              </a:solidFill>
+              <a:prstDash val="solid"/>
+              <a:round/>
+              <a:headEnd/>
+              <a:tailEnd/>
+            </a:ln>
+            <a:extLst>
+              <a:ext uri="{909E8E84-426E-40DD-AFC4-6F175D3DCCD1}">
+                <a14:hiddenFill xmlns:a14="http://schemas.microsoft.com/office/drawing/2010/main">
+                  <a:noFill/>
+                </a14:hiddenFill>
+              </a:ext>
+            </a:extLst>
+          </p:spPr>
+          <p:txBody>
+            <a:bodyPr vert="horz" wrap="square" lIns="91440" tIns="45720" rIns="91440" bIns="45720" numCol="1" anchor="t" anchorCtr="0" compatLnSpc="1">
+              <a:prstTxWarp prst="textNoShape">
+                <a:avLst/>
+              </a:prstTxWarp>
+            </a:bodyPr>
+            <a:lstStyle/>
+            <a:p>
+              <a:endParaRPr lang="id-ID"/>
+            </a:p>
+          </p:txBody>
+        </p:sp>
+        <p:sp>
+          <p:nvSpPr>
+            <p:cNvPr id="15" name="Oval 93">
+              <a:extLst>
+                <a:ext uri="{FF2B5EF4-FFF2-40B4-BE49-F238E27FC236}">
+                  <a16:creationId xmlns:a16="http://schemas.microsoft.com/office/drawing/2014/main" id="{0B1FEE66-A87A-58D9-AF49-7432543A30F0}"/>
+                </a:ext>
+              </a:extLst>
+            </p:cNvPr>
+            <p:cNvSpPr>
+              <a:spLocks noChangeArrowheads="1"/>
+            </p:cNvSpPr>
+            <p:nvPr/>
+          </p:nvSpPr>
+          <p:spPr bwMode="auto">
+            <a:xfrm>
+              <a:off x="7170738" y="3881438"/>
+              <a:ext cx="14288" cy="14288"/>
+            </a:xfrm>
+            <a:prstGeom prst="ellipse">
+              <a:avLst/>
+            </a:prstGeom>
+            <a:noFill/>
+            <a:ln w="9525" cap="flat">
+              <a:solidFill>
+                <a:schemeClr val="bg1"/>
+              </a:solidFill>
+              <a:prstDash val="solid"/>
+              <a:round/>
+              <a:headEnd/>
+              <a:tailEnd/>
+            </a:ln>
+            <a:extLst>
+              <a:ext uri="{909E8E84-426E-40DD-AFC4-6F175D3DCCD1}">
+                <a14:hiddenFill xmlns:a14="http://schemas.microsoft.com/office/drawing/2010/main">
+                  <a:solidFill>
+                    <a:srgbClr val="FFFFFF"/>
+                  </a:solidFill>
+                </a14:hiddenFill>
+              </a:ext>
+            </a:extLst>
+          </p:spPr>
+          <p:txBody>
+            <a:bodyPr vert="horz" wrap="square" lIns="91440" tIns="45720" rIns="91440" bIns="45720" numCol="1" anchor="t" anchorCtr="0" compatLnSpc="1">
+              <a:prstTxWarp prst="textNoShape">
+                <a:avLst/>
+              </a:prstTxWarp>
+            </a:bodyPr>
+            <a:lstStyle/>
+            <a:p>
+              <a:endParaRPr lang="id-ID"/>
+            </a:p>
+          </p:txBody>
+        </p:sp>
+        <p:sp>
+          <p:nvSpPr>
+            <p:cNvPr id="16" name="Line 94">
+              <a:extLst>
+                <a:ext uri="{FF2B5EF4-FFF2-40B4-BE49-F238E27FC236}">
+                  <a16:creationId xmlns:a16="http://schemas.microsoft.com/office/drawing/2014/main" id="{9CAAF5E4-B610-CFC0-67B8-307CAB29B9E7}"/>
+                </a:ext>
+              </a:extLst>
+            </p:cNvPr>
+            <p:cNvSpPr>
+              <a:spLocks noChangeShapeType="1"/>
+            </p:cNvSpPr>
+            <p:nvPr/>
+          </p:nvSpPr>
+          <p:spPr bwMode="auto">
+            <a:xfrm>
+              <a:off x="7005638" y="3857626"/>
+              <a:ext cx="344488" cy="0"/>
+            </a:xfrm>
+            <a:prstGeom prst="line">
+              <a:avLst/>
+            </a:prstGeom>
+            <a:noFill/>
+            <a:ln w="9525" cap="flat">
+              <a:solidFill>
+                <a:schemeClr val="bg1"/>
+              </a:solidFill>
+              <a:prstDash val="solid"/>
+              <a:round/>
+              <a:headEnd/>
+              <a:tailEnd/>
+            </a:ln>
+            <a:extLst>
+              <a:ext uri="{909E8E84-426E-40DD-AFC4-6F175D3DCCD1}">
+                <a14:hiddenFill xmlns:a14="http://schemas.microsoft.com/office/drawing/2010/main">
+                  <a:noFill/>
+                </a14:hiddenFill>
+              </a:ext>
+            </a:extLst>
+          </p:spPr>
+          <p:txBody>
+            <a:bodyPr vert="horz" wrap="square" lIns="91440" tIns="45720" rIns="91440" bIns="45720" numCol="1" anchor="t" anchorCtr="0" compatLnSpc="1">
+              <a:prstTxWarp prst="textNoShape">
+                <a:avLst/>
+              </a:prstTxWarp>
+            </a:bodyPr>
+            <a:lstStyle/>
+            <a:p>
+              <a:endParaRPr lang="id-ID"/>
+            </a:p>
+          </p:txBody>
+        </p:sp>
+        <p:sp>
+          <p:nvSpPr>
+            <p:cNvPr id="17" name="Freeform 95">
+              <a:extLst>
+                <a:ext uri="{FF2B5EF4-FFF2-40B4-BE49-F238E27FC236}">
+                  <a16:creationId xmlns:a16="http://schemas.microsoft.com/office/drawing/2014/main" id="{9C1470DC-A351-F187-760E-46AB14A5ACD2}"/>
+                </a:ext>
+              </a:extLst>
+            </p:cNvPr>
+            <p:cNvSpPr>
+              <a:spLocks/>
+            </p:cNvSpPr>
+            <p:nvPr/>
+          </p:nvSpPr>
+          <p:spPr bwMode="auto">
+            <a:xfrm>
+              <a:off x="7140576" y="3703638"/>
+              <a:ext cx="82550" cy="101600"/>
+            </a:xfrm>
+            <a:custGeom>
+              <a:avLst/>
+              <a:gdLst>
+                <a:gd name="T0" fmla="*/ 0 w 52"/>
+                <a:gd name="T1" fmla="*/ 0 h 64"/>
+                <a:gd name="T2" fmla="*/ 0 w 52"/>
+                <a:gd name="T3" fmla="*/ 64 h 64"/>
+                <a:gd name="T4" fmla="*/ 52 w 52"/>
+                <a:gd name="T5" fmla="*/ 33 h 64"/>
+                <a:gd name="T6" fmla="*/ 0 w 52"/>
+                <a:gd name="T7" fmla="*/ 0 h 64"/>
+              </a:gdLst>
+              <a:ahLst/>
+              <a:cxnLst>
+                <a:cxn ang="0">
+                  <a:pos x="T0" y="T1"/>
+                </a:cxn>
+                <a:cxn ang="0">
+                  <a:pos x="T2" y="T3"/>
+                </a:cxn>
+                <a:cxn ang="0">
+                  <a:pos x="T4" y="T5"/>
+                </a:cxn>
+                <a:cxn ang="0">
+                  <a:pos x="T6" y="T7"/>
+                </a:cxn>
+              </a:cxnLst>
+              <a:rect l="0" t="0" r="r" b="b"/>
+              <a:pathLst>
+                <a:path w="52" h="64">
+                  <a:moveTo>
+                    <a:pt x="0" y="0"/>
+                  </a:moveTo>
+                  <a:lnTo>
+                    <a:pt x="0" y="64"/>
+                  </a:lnTo>
+                  <a:lnTo>
+                    <a:pt x="52" y="33"/>
+                  </a:lnTo>
+                  <a:lnTo>
+                    <a:pt x="0" y="0"/>
+                  </a:lnTo>
+                  <a:close/>
+                </a:path>
+              </a:pathLst>
+            </a:custGeom>
+            <a:noFill/>
+            <a:ln w="9525" cap="flat">
+              <a:solidFill>
+                <a:schemeClr val="bg1"/>
+              </a:solidFill>
+              <a:prstDash val="solid"/>
+              <a:round/>
+              <a:headEnd/>
+              <a:tailEnd/>
+            </a:ln>
+            <a:extLst>
+              <a:ext uri="{909E8E84-426E-40DD-AFC4-6F175D3DCCD1}">
+                <a14:hiddenFill xmlns:a14="http://schemas.microsoft.com/office/drawing/2010/main">
+                  <a:solidFill>
+                    <a:srgbClr val="FFFFFF"/>
+                  </a:solidFill>
+                </a14:hiddenFill>
+              </a:ext>
+            </a:extLst>
+          </p:spPr>
+          <p:txBody>
+            <a:bodyPr vert="horz" wrap="square" lIns="91440" tIns="45720" rIns="91440" bIns="45720" numCol="1" anchor="t" anchorCtr="0" compatLnSpc="1">
+              <a:prstTxWarp prst="textNoShape">
+                <a:avLst/>
+              </a:prstTxWarp>
+            </a:bodyPr>
+            <a:lstStyle/>
+            <a:p>
+              <a:endParaRPr lang="id-ID"/>
+            </a:p>
+          </p:txBody>
+        </p:sp>
+      </p:grpSp>
+      <p:grpSp>
+        <p:nvGrpSpPr>
+          <p:cNvPr id="20" name="Group 1">
+            <a:extLst>
+              <a:ext uri="{FF2B5EF4-FFF2-40B4-BE49-F238E27FC236}">
+                <a16:creationId xmlns:a16="http://schemas.microsoft.com/office/drawing/2014/main" id="{15548E8D-DA46-F6DC-F8C4-FF4C919B20B5}"/>
+              </a:ext>
+            </a:extLst>
+          </p:cNvPr>
+          <p:cNvGrpSpPr>
+            <a:grpSpLocks noChangeAspect="1"/>
+          </p:cNvGrpSpPr>
+          <p:nvPr/>
+        </p:nvGrpSpPr>
+        <p:grpSpPr>
+          <a:xfrm>
+            <a:off x="602808" y="1919421"/>
+            <a:ext cx="236623" cy="216000"/>
+            <a:chOff x="3398838" y="5076826"/>
+            <a:chExt cx="346075" cy="315913"/>
+          </a:xfrm>
+        </p:grpSpPr>
+        <p:sp>
+          <p:nvSpPr>
+            <p:cNvPr id="23" name="Rectangle 80">
+              <a:extLst>
+                <a:ext uri="{FF2B5EF4-FFF2-40B4-BE49-F238E27FC236}">
+                  <a16:creationId xmlns:a16="http://schemas.microsoft.com/office/drawing/2014/main" id="{377714EA-9945-8C7C-6101-CB26744BEB9D}"/>
+                </a:ext>
+              </a:extLst>
+            </p:cNvPr>
+            <p:cNvSpPr>
+              <a:spLocks noChangeArrowheads="1"/>
+            </p:cNvSpPr>
+            <p:nvPr/>
+          </p:nvSpPr>
+          <p:spPr bwMode="auto">
+            <a:xfrm>
+              <a:off x="3519488" y="5076826"/>
+              <a:ext cx="225425" cy="74613"/>
+            </a:xfrm>
+            <a:prstGeom prst="rect">
+              <a:avLst/>
+            </a:prstGeom>
+            <a:noFill/>
+            <a:ln w="12700" cap="rnd">
+              <a:solidFill>
+                <a:schemeClr val="bg1"/>
+              </a:solidFill>
+              <a:prstDash val="solid"/>
+              <a:round/>
+              <a:headEnd/>
+              <a:tailEnd/>
+            </a:ln>
+            <a:extLst>
+              <a:ext uri="{909E8E84-426E-40DD-AFC4-6F175D3DCCD1}">
+                <a14:hiddenFill xmlns:a14="http://schemas.microsoft.com/office/drawing/2010/main">
+                  <a:solidFill>
+                    <a:srgbClr val="FFFFFF"/>
+                  </a:solidFill>
+                </a14:hiddenFill>
+              </a:ext>
+            </a:extLst>
+          </p:spPr>
+          <p:txBody>
+            <a:bodyPr vert="horz" wrap="square" lIns="91440" tIns="45720" rIns="91440" bIns="45720" numCol="1" anchor="t" anchorCtr="0" compatLnSpc="1">
+              <a:prstTxWarp prst="textNoShape">
+                <a:avLst/>
+              </a:prstTxWarp>
+            </a:bodyPr>
+            <a:lstStyle/>
+            <a:p>
+              <a:endParaRPr lang="id-ID"/>
+            </a:p>
+          </p:txBody>
+        </p:sp>
+        <p:sp>
+          <p:nvSpPr>
+            <p:cNvPr id="24" name="Rectangle 81">
+              <a:extLst>
+                <a:ext uri="{FF2B5EF4-FFF2-40B4-BE49-F238E27FC236}">
+                  <a16:creationId xmlns:a16="http://schemas.microsoft.com/office/drawing/2014/main" id="{999D1A82-0B57-13FE-0694-D479B060535E}"/>
+                </a:ext>
+              </a:extLst>
+            </p:cNvPr>
+            <p:cNvSpPr>
+              <a:spLocks noChangeArrowheads="1"/>
+            </p:cNvSpPr>
+            <p:nvPr/>
+          </p:nvSpPr>
+          <p:spPr bwMode="auto">
+            <a:xfrm>
+              <a:off x="3519488" y="5197476"/>
+              <a:ext cx="225425" cy="74613"/>
+            </a:xfrm>
+            <a:prstGeom prst="rect">
+              <a:avLst/>
+            </a:prstGeom>
+            <a:noFill/>
+            <a:ln w="12700" cap="rnd">
+              <a:solidFill>
+                <a:schemeClr val="bg1"/>
+              </a:solidFill>
+              <a:prstDash val="solid"/>
+              <a:round/>
+              <a:headEnd/>
+              <a:tailEnd/>
+            </a:ln>
+            <a:extLst>
+              <a:ext uri="{909E8E84-426E-40DD-AFC4-6F175D3DCCD1}">
+                <a14:hiddenFill xmlns:a14="http://schemas.microsoft.com/office/drawing/2010/main">
+                  <a:solidFill>
+                    <a:srgbClr val="FFFFFF"/>
+                  </a:solidFill>
+                </a14:hiddenFill>
+              </a:ext>
+            </a:extLst>
+          </p:spPr>
+          <p:txBody>
+            <a:bodyPr vert="horz" wrap="square" lIns="91440" tIns="45720" rIns="91440" bIns="45720" numCol="1" anchor="t" anchorCtr="0" compatLnSpc="1">
+              <a:prstTxWarp prst="textNoShape">
+                <a:avLst/>
+              </a:prstTxWarp>
+            </a:bodyPr>
+            <a:lstStyle/>
+            <a:p>
+              <a:endParaRPr lang="id-ID"/>
+            </a:p>
+          </p:txBody>
+        </p:sp>
+        <p:sp>
+          <p:nvSpPr>
+            <p:cNvPr id="25" name="Rectangle 82">
+              <a:extLst>
+                <a:ext uri="{FF2B5EF4-FFF2-40B4-BE49-F238E27FC236}">
+                  <a16:creationId xmlns:a16="http://schemas.microsoft.com/office/drawing/2014/main" id="{AF3AA778-A66C-CD25-2479-162712D0EB20}"/>
+                </a:ext>
+              </a:extLst>
+            </p:cNvPr>
+            <p:cNvSpPr>
+              <a:spLocks noChangeArrowheads="1"/>
+            </p:cNvSpPr>
+            <p:nvPr/>
+          </p:nvSpPr>
+          <p:spPr bwMode="auto">
+            <a:xfrm>
+              <a:off x="3519488" y="5316539"/>
+              <a:ext cx="225425" cy="76200"/>
+            </a:xfrm>
+            <a:prstGeom prst="rect">
+              <a:avLst/>
+            </a:prstGeom>
+            <a:noFill/>
+            <a:ln w="12700" cap="rnd">
+              <a:solidFill>
+                <a:schemeClr val="bg1"/>
+              </a:solidFill>
+              <a:prstDash val="solid"/>
+              <a:round/>
+              <a:headEnd/>
+              <a:tailEnd/>
+            </a:ln>
+            <a:extLst>
+              <a:ext uri="{909E8E84-426E-40DD-AFC4-6F175D3DCCD1}">
+                <a14:hiddenFill xmlns:a14="http://schemas.microsoft.com/office/drawing/2010/main">
+                  <a:solidFill>
+                    <a:srgbClr val="FFFFFF"/>
+                  </a:solidFill>
+                </a14:hiddenFill>
+              </a:ext>
+            </a:extLst>
+          </p:spPr>
+          <p:txBody>
+            <a:bodyPr vert="horz" wrap="square" lIns="91440" tIns="45720" rIns="91440" bIns="45720" numCol="1" anchor="t" anchorCtr="0" compatLnSpc="1">
+              <a:prstTxWarp prst="textNoShape">
+                <a:avLst/>
+              </a:prstTxWarp>
+            </a:bodyPr>
+            <a:lstStyle/>
+            <a:p>
+              <a:endParaRPr lang="id-ID"/>
+            </a:p>
+          </p:txBody>
+        </p:sp>
+        <p:sp>
+          <p:nvSpPr>
+            <p:cNvPr id="26" name="Rectangle 83">
+              <a:extLst>
+                <a:ext uri="{FF2B5EF4-FFF2-40B4-BE49-F238E27FC236}">
+                  <a16:creationId xmlns:a16="http://schemas.microsoft.com/office/drawing/2014/main" id="{48106F25-3D59-EB10-F2CC-66671174BAA7}"/>
+                </a:ext>
+              </a:extLst>
+            </p:cNvPr>
+            <p:cNvSpPr>
+              <a:spLocks noChangeArrowheads="1"/>
+            </p:cNvSpPr>
+            <p:nvPr/>
+          </p:nvSpPr>
+          <p:spPr bwMode="auto">
+            <a:xfrm>
+              <a:off x="3398838" y="5076826"/>
+              <a:ext cx="74613" cy="74613"/>
+            </a:xfrm>
+            <a:prstGeom prst="rect">
+              <a:avLst/>
+            </a:prstGeom>
+            <a:noFill/>
+            <a:ln w="12700" cap="rnd">
+              <a:solidFill>
+                <a:schemeClr val="bg1"/>
+              </a:solidFill>
+              <a:prstDash val="solid"/>
+              <a:round/>
+              <a:headEnd/>
+              <a:tailEnd/>
+            </a:ln>
+            <a:extLst>
+              <a:ext uri="{909E8E84-426E-40DD-AFC4-6F175D3DCCD1}">
+                <a14:hiddenFill xmlns:a14="http://schemas.microsoft.com/office/drawing/2010/main">
+                  <a:solidFill>
+                    <a:srgbClr val="FFFFFF"/>
+                  </a:solidFill>
+                </a14:hiddenFill>
+              </a:ext>
+            </a:extLst>
+          </p:spPr>
+          <p:txBody>
+            <a:bodyPr vert="horz" wrap="square" lIns="91440" tIns="45720" rIns="91440" bIns="45720" numCol="1" anchor="t" anchorCtr="0" compatLnSpc="1">
+              <a:prstTxWarp prst="textNoShape">
+                <a:avLst/>
+              </a:prstTxWarp>
+            </a:bodyPr>
+            <a:lstStyle/>
+            <a:p>
+              <a:endParaRPr lang="id-ID"/>
+            </a:p>
+          </p:txBody>
+        </p:sp>
+        <p:sp>
+          <p:nvSpPr>
+            <p:cNvPr id="28" name="Rectangle 84">
+              <a:extLst>
+                <a:ext uri="{FF2B5EF4-FFF2-40B4-BE49-F238E27FC236}">
+                  <a16:creationId xmlns:a16="http://schemas.microsoft.com/office/drawing/2014/main" id="{6943729F-ED5A-B2CE-9178-932B78B8298A}"/>
+                </a:ext>
+              </a:extLst>
+            </p:cNvPr>
+            <p:cNvSpPr>
+              <a:spLocks noChangeArrowheads="1"/>
+            </p:cNvSpPr>
+            <p:nvPr/>
+          </p:nvSpPr>
+          <p:spPr bwMode="auto">
+            <a:xfrm>
+              <a:off x="3398838" y="5197476"/>
+              <a:ext cx="74613" cy="74613"/>
+            </a:xfrm>
+            <a:prstGeom prst="rect">
+              <a:avLst/>
+            </a:prstGeom>
+            <a:noFill/>
+            <a:ln w="12700" cap="rnd">
+              <a:solidFill>
+                <a:schemeClr val="bg1"/>
+              </a:solidFill>
+              <a:prstDash val="solid"/>
+              <a:round/>
+              <a:headEnd/>
+              <a:tailEnd/>
+            </a:ln>
+            <a:extLst>
+              <a:ext uri="{909E8E84-426E-40DD-AFC4-6F175D3DCCD1}">
+                <a14:hiddenFill xmlns:a14="http://schemas.microsoft.com/office/drawing/2010/main">
+                  <a:solidFill>
+                    <a:srgbClr val="FFFFFF"/>
+                  </a:solidFill>
+                </a14:hiddenFill>
+              </a:ext>
+            </a:extLst>
+          </p:spPr>
+          <p:txBody>
+            <a:bodyPr vert="horz" wrap="square" lIns="91440" tIns="45720" rIns="91440" bIns="45720" numCol="1" anchor="t" anchorCtr="0" compatLnSpc="1">
+              <a:prstTxWarp prst="textNoShape">
+                <a:avLst/>
+              </a:prstTxWarp>
+            </a:bodyPr>
+            <a:lstStyle/>
+            <a:p>
+              <a:endParaRPr lang="id-ID"/>
+            </a:p>
+          </p:txBody>
+        </p:sp>
+        <p:sp>
+          <p:nvSpPr>
+            <p:cNvPr id="30" name="Rectangle 85">
+              <a:extLst>
+                <a:ext uri="{FF2B5EF4-FFF2-40B4-BE49-F238E27FC236}">
+                  <a16:creationId xmlns:a16="http://schemas.microsoft.com/office/drawing/2014/main" id="{EFB86162-B636-B861-4ED0-C88EB74D2CE6}"/>
+                </a:ext>
+              </a:extLst>
+            </p:cNvPr>
+            <p:cNvSpPr>
+              <a:spLocks noChangeArrowheads="1"/>
+            </p:cNvSpPr>
+            <p:nvPr/>
+          </p:nvSpPr>
+          <p:spPr bwMode="auto">
+            <a:xfrm>
+              <a:off x="3398838" y="5316539"/>
+              <a:ext cx="74613" cy="76200"/>
+            </a:xfrm>
+            <a:prstGeom prst="rect">
+              <a:avLst/>
+            </a:prstGeom>
+            <a:noFill/>
+            <a:ln w="12700" cap="rnd">
+              <a:solidFill>
+                <a:schemeClr val="bg1"/>
+              </a:solidFill>
+              <a:prstDash val="solid"/>
+              <a:round/>
+              <a:headEnd/>
+              <a:tailEnd/>
+            </a:ln>
+            <a:extLst>
+              <a:ext uri="{909E8E84-426E-40DD-AFC4-6F175D3DCCD1}">
+                <a14:hiddenFill xmlns:a14="http://schemas.microsoft.com/office/drawing/2010/main">
+                  <a:solidFill>
+                    <a:srgbClr val="FFFFFF"/>
+                  </a:solidFill>
+                </a14:hiddenFill>
+              </a:ext>
+            </a:extLst>
+          </p:spPr>
+          <p:txBody>
+            <a:bodyPr vert="horz" wrap="square" lIns="91440" tIns="45720" rIns="91440" bIns="45720" numCol="1" anchor="t" anchorCtr="0" compatLnSpc="1">
+              <a:prstTxWarp prst="textNoShape">
+                <a:avLst/>
+              </a:prstTxWarp>
+            </a:bodyPr>
+            <a:lstStyle/>
+            <a:p>
+              <a:endParaRPr lang="id-ID"/>
+            </a:p>
+          </p:txBody>
+        </p:sp>
+      </p:grpSp>
+      <p:pic>
+        <p:nvPicPr>
+          <p:cNvPr id="4" name="Grafik 3">
+            <a:extLst>
+              <a:ext uri="{FF2B5EF4-FFF2-40B4-BE49-F238E27FC236}">
+                <a16:creationId xmlns:a16="http://schemas.microsoft.com/office/drawing/2014/main" id="{4364C1F1-241D-DAE6-366A-F021ABF143B7}"/>
+              </a:ext>
+            </a:extLst>
+          </p:cNvPr>
+          <p:cNvPicPr>
+            <a:picLocks noChangeAspect="1"/>
+          </p:cNvPicPr>
+          <p:nvPr/>
+        </p:nvPicPr>
+        <p:blipFill>
+          <a:blip r:embed="rId3"/>
+          <a:stretch>
+            <a:fillRect/>
+          </a:stretch>
+        </p:blipFill>
+        <p:spPr>
+          <a:xfrm>
+            <a:off x="3603520" y="1551170"/>
+            <a:ext cx="8070044" cy="4253282"/>
+          </a:xfrm>
+          <a:prstGeom prst="rect">
+            <a:avLst/>
+          </a:prstGeom>
+        </p:spPr>
+      </p:pic>
+    </p:spTree>
+    <p:extLst>
+      <p:ext uri="{BB962C8B-B14F-4D97-AF65-F5344CB8AC3E}">
+        <p14:creationId xmlns:p14="http://schemas.microsoft.com/office/powerpoint/2010/main" val="3331792296"/>
+      </p:ext>
+    </p:extLst>
+  </p:cSld>
+  <p:clrMapOvr>
+    <a:masterClrMapping/>
+  </p:clrMapOvr>
+</p:sld>
+</file>
+
+<file path=ppt/slides/slide11.xml><?xml version="1.0" encoding="utf-8"?>
+<p:sld xmlns:a="http://schemas.openxmlformats.org/drawingml/2006/main" xmlns:r="http://schemas.openxmlformats.org/officeDocument/2006/relationships" xmlns:p="http://schemas.openxmlformats.org/presentationml/2006/main">
+  <p:cSld>
     <p:spTree>
       <p:nvGrpSpPr>
         <p:cNvPr id="1" name=""/>
@@ -7795,6 +8957,54 @@
               <a:buAutoNum type="arabicPeriod"/>
             </a:pPr>
             <a:r>
+              <a:rPr lang="de-AT" sz="2800" dirty="0">
+                <a:solidFill>
+                  <a:schemeClr val="bg1"/>
+                </a:solidFill>
+                <a:latin typeface="Söhne"/>
+              </a:rPr>
+              <a:t>Remove </a:t>
+            </a:r>
+            <a:r>
+              <a:rPr lang="de-AT" sz="2800" dirty="0" err="1">
+                <a:solidFill>
+                  <a:schemeClr val="bg1"/>
+                </a:solidFill>
+                <a:latin typeface="Söhne"/>
+              </a:rPr>
+              <a:t>numbers</a:t>
+            </a:r>
+            <a:r>
+              <a:rPr lang="de-AT" sz="2800" dirty="0">
+                <a:solidFill>
+                  <a:schemeClr val="bg1"/>
+                </a:solidFill>
+                <a:latin typeface="Söhne"/>
+              </a:rPr>
+              <a:t> and  </a:t>
+            </a:r>
+            <a:r>
+              <a:rPr lang="de-AT" sz="2800" dirty="0" err="1">
+                <a:solidFill>
+                  <a:schemeClr val="bg1"/>
+                </a:solidFill>
+                <a:latin typeface="Söhne"/>
+              </a:rPr>
+              <a:t>punctuation</a:t>
+            </a:r>
+            <a:endParaRPr lang="de-AT" sz="2800" dirty="0">
+              <a:solidFill>
+                <a:schemeClr val="bg1"/>
+              </a:solidFill>
+              <a:latin typeface="Söhne"/>
+            </a:endParaRPr>
+          </a:p>
+          <a:p>
+            <a:pPr marL="971550" lvl="1" indent="-514350">
+              <a:buFont typeface="+mj-lt"/>
+              <a:buAutoNum type="arabicPeriod"/>
+            </a:pPr>
+            <a:r>
               <a:rPr lang="de-AT" sz="2800" dirty="0" err="1">
                 <a:solidFill>
                   <a:schemeClr val="bg1"/>
@@ -8702,6 +9912,36 @@
           </p:txBody>
         </p:sp>
       </p:grpSp>
+      <p:pic>
+        <p:nvPicPr>
+          <p:cNvPr id="3" name="Grafik 2">
+            <a:extLst>
+              <a:ext uri="{FF2B5EF4-FFF2-40B4-BE49-F238E27FC236}">
+                <a16:creationId xmlns:a16="http://schemas.microsoft.com/office/drawing/2014/main" id="{382C2BD3-4FE4-03F1-F6CD-B9E22B251EDB}"/>
+              </a:ext>
+            </a:extLst>
+          </p:cNvPr>
+          <p:cNvPicPr>
+            <a:picLocks noChangeAspect="1"/>
+          </p:cNvPicPr>
+          <p:nvPr/>
+        </p:nvPicPr>
+        <p:blipFill>
+          <a:blip r:embed="rId3"/>
+          <a:stretch>
+            <a:fillRect/>
+          </a:stretch>
+        </p:blipFill>
+        <p:spPr>
+          <a:xfrm>
+            <a:off x="10192447" y="3429000"/>
+            <a:ext cx="1143000" cy="2286000"/>
+          </a:xfrm>
+          <a:prstGeom prst="rect">
+            <a:avLst/>
+          </a:prstGeom>
+        </p:spPr>
+      </p:pic>
     </p:spTree>
     <p:extLst>
       <p:ext uri="{BB962C8B-B14F-4D97-AF65-F5344CB8AC3E}">
@@ -10429,423 +11669,6 @@
       </p:sp>
       <p:sp>
         <p:nvSpPr>
-          <p:cNvPr id="48" name="TextBox 47">
-            <a:extLst>
-              <a:ext uri="{FF2B5EF4-FFF2-40B4-BE49-F238E27FC236}">
-                <a16:creationId xmlns:a16="http://schemas.microsoft.com/office/drawing/2014/main" id="{E4CCABAB-F10A-642D-34EC-706C8A69764F}"/>
-              </a:ext>
-            </a:extLst>
-          </p:cNvPr>
-          <p:cNvSpPr txBox="1"/>
-          <p:nvPr/>
-        </p:nvSpPr>
-        <p:spPr>
-          <a:xfrm>
-            <a:off x="3678541" y="1569060"/>
-            <a:ext cx="7929163" cy="4431689"/>
-          </a:xfrm>
-          <a:prstGeom prst="rect">
-            <a:avLst/>
-          </a:prstGeom>
-          <a:noFill/>
-        </p:spPr>
-        <p:txBody>
-          <a:bodyPr wrap="square" lIns="0" rIns="0" rtlCol="0" anchor="t" anchorCtr="0">
-            <a:noAutofit/>
-          </a:bodyPr>
-          <a:lstStyle/>
-          <a:p>
-            <a:pPr algn="l"/>
-            <a:r>
-              <a:rPr lang="de-AT" sz="2800" b="0" i="0" u="none" strike="noStrike" dirty="0" err="1">
-                <a:solidFill>
-                  <a:schemeClr val="bg1"/>
-                </a:solidFill>
-                <a:effectLst/>
-                <a:latin typeface="Söhne"/>
-              </a:rPr>
-              <a:t>Statistics</a:t>
-            </a:r>
-            <a:r>
-              <a:rPr lang="de-AT" sz="2800" b="0" i="0" u="none" strike="noStrike" dirty="0">
-                <a:solidFill>
-                  <a:schemeClr val="bg1"/>
-                </a:solidFill>
-                <a:effectLst/>
-                <a:latin typeface="Söhne"/>
-              </a:rPr>
-              <a:t> </a:t>
-            </a:r>
-            <a:r>
-              <a:rPr lang="de-AT" sz="2800" b="0" i="0" u="none" strike="noStrike" dirty="0" err="1">
-                <a:solidFill>
-                  <a:schemeClr val="bg1"/>
-                </a:solidFill>
-                <a:effectLst/>
-                <a:latin typeface="Söhne"/>
-              </a:rPr>
-              <a:t>for</a:t>
-            </a:r>
-            <a:r>
-              <a:rPr lang="de-AT" sz="2800" b="0" i="0" u="none" strike="noStrike" dirty="0">
-                <a:solidFill>
-                  <a:schemeClr val="bg1"/>
-                </a:solidFill>
-                <a:effectLst/>
-                <a:latin typeface="Söhne"/>
-              </a:rPr>
-              <a:t> Genres:</a:t>
-            </a:r>
-          </a:p>
-          <a:p>
-            <a:pPr marL="457200" indent="-457200" algn="l">
-              <a:buFont typeface="Arial" panose="020B0604020202020204" pitchFamily="34" charset="0"/>
-              <a:buChar char="•"/>
-            </a:pPr>
-            <a:r>
-              <a:rPr lang="de-AT" sz="2400" dirty="0" err="1">
-                <a:solidFill>
-                  <a:schemeClr val="bg1"/>
-                </a:solidFill>
-                <a:latin typeface="Söhne"/>
-              </a:rPr>
-              <a:t>Number</a:t>
-            </a:r>
-            <a:r>
-              <a:rPr lang="de-AT" sz="2400" dirty="0">
-                <a:solidFill>
-                  <a:schemeClr val="bg1"/>
-                </a:solidFill>
-                <a:latin typeface="Söhne"/>
-              </a:rPr>
-              <a:t> </a:t>
-            </a:r>
-            <a:r>
-              <a:rPr lang="de-AT" sz="2400" dirty="0" err="1">
-                <a:solidFill>
-                  <a:schemeClr val="bg1"/>
-                </a:solidFill>
-                <a:latin typeface="Söhne"/>
-              </a:rPr>
-              <a:t>of</a:t>
-            </a:r>
-            <a:r>
-              <a:rPr lang="de-AT" sz="2400" dirty="0">
-                <a:solidFill>
-                  <a:schemeClr val="bg1"/>
-                </a:solidFill>
-                <a:latin typeface="Söhne"/>
-              </a:rPr>
-              <a:t> </a:t>
-            </a:r>
-            <a:r>
-              <a:rPr lang="de-AT" sz="2400" dirty="0" err="1">
-                <a:solidFill>
-                  <a:schemeClr val="bg1"/>
-                </a:solidFill>
-                <a:latin typeface="Söhne"/>
-              </a:rPr>
-              <a:t>Documents</a:t>
-            </a:r>
-            <a:r>
-              <a:rPr lang="de-AT" sz="2400" dirty="0">
-                <a:solidFill>
-                  <a:schemeClr val="bg1"/>
-                </a:solidFill>
-                <a:latin typeface="Söhne"/>
-              </a:rPr>
-              <a:t>: 32589 </a:t>
-            </a:r>
-            <a:br>
-              <a:rPr lang="de-AT" sz="2400" dirty="0">
-                <a:solidFill>
-                  <a:schemeClr val="bg1"/>
-                </a:solidFill>
-                <a:latin typeface="Söhne"/>
-              </a:rPr>
-            </a:br>
-            <a:r>
-              <a:rPr lang="de-AT" sz="2400" dirty="0">
-                <a:solidFill>
-                  <a:schemeClr val="bg1"/>
-                </a:solidFill>
-                <a:latin typeface="Söhne"/>
-              </a:rPr>
-              <a:t>Average </a:t>
-            </a:r>
-            <a:r>
-              <a:rPr lang="de-AT" sz="2400" dirty="0" err="1">
-                <a:solidFill>
-                  <a:schemeClr val="bg1"/>
-                </a:solidFill>
-                <a:latin typeface="Söhne"/>
-              </a:rPr>
-              <a:t>Document</a:t>
-            </a:r>
-            <a:r>
-              <a:rPr lang="de-AT" sz="2400" dirty="0">
-                <a:solidFill>
-                  <a:schemeClr val="bg1"/>
-                </a:solidFill>
-                <a:latin typeface="Söhne"/>
-              </a:rPr>
-              <a:t> </a:t>
-            </a:r>
-            <a:r>
-              <a:rPr lang="de-AT" sz="2400" dirty="0" err="1">
-                <a:solidFill>
-                  <a:schemeClr val="bg1"/>
-                </a:solidFill>
-                <a:latin typeface="Söhne"/>
-              </a:rPr>
-              <a:t>Length</a:t>
-            </a:r>
-            <a:r>
-              <a:rPr lang="de-AT" sz="2400" dirty="0">
-                <a:solidFill>
-                  <a:schemeClr val="bg1"/>
-                </a:solidFill>
-                <a:latin typeface="Söhne"/>
-              </a:rPr>
-              <a:t>: 2.68 </a:t>
-            </a:r>
-            <a:r>
-              <a:rPr lang="de-AT" sz="2400" dirty="0" err="1">
-                <a:solidFill>
-                  <a:schemeClr val="bg1"/>
-                </a:solidFill>
-                <a:latin typeface="Söhne"/>
-              </a:rPr>
-              <a:t>words</a:t>
-            </a:r>
-            <a:r>
-              <a:rPr lang="de-AT" sz="2400" dirty="0">
-                <a:solidFill>
-                  <a:schemeClr val="bg1"/>
-                </a:solidFill>
-                <a:latin typeface="Söhne"/>
-              </a:rPr>
-              <a:t> </a:t>
-            </a:r>
-            <a:br>
-              <a:rPr lang="de-AT" sz="2400" dirty="0">
-                <a:solidFill>
-                  <a:schemeClr val="bg1"/>
-                </a:solidFill>
-                <a:latin typeface="Söhne"/>
-              </a:rPr>
-            </a:br>
-            <a:r>
-              <a:rPr lang="de-AT" sz="2400" dirty="0">
-                <a:solidFill>
-                  <a:schemeClr val="bg1"/>
-                </a:solidFill>
-                <a:latin typeface="Söhne"/>
-              </a:rPr>
-              <a:t>Minimum </a:t>
-            </a:r>
-            <a:r>
-              <a:rPr lang="de-AT" sz="2400" dirty="0" err="1">
-                <a:solidFill>
-                  <a:schemeClr val="bg1"/>
-                </a:solidFill>
-                <a:latin typeface="Söhne"/>
-              </a:rPr>
-              <a:t>Document</a:t>
-            </a:r>
-            <a:r>
-              <a:rPr lang="de-AT" sz="2400" dirty="0">
-                <a:solidFill>
-                  <a:schemeClr val="bg1"/>
-                </a:solidFill>
-                <a:latin typeface="Söhne"/>
-              </a:rPr>
-              <a:t> </a:t>
-            </a:r>
-            <a:r>
-              <a:rPr lang="de-AT" sz="2400" dirty="0" err="1">
-                <a:solidFill>
-                  <a:schemeClr val="bg1"/>
-                </a:solidFill>
-                <a:latin typeface="Söhne"/>
-              </a:rPr>
-              <a:t>Length</a:t>
-            </a:r>
-            <a:r>
-              <a:rPr lang="de-AT" sz="2400" dirty="0">
-                <a:solidFill>
-                  <a:schemeClr val="bg1"/>
-                </a:solidFill>
-                <a:latin typeface="Söhne"/>
-              </a:rPr>
-              <a:t>: 1 </a:t>
-            </a:r>
-            <a:r>
-              <a:rPr lang="de-AT" sz="2400" dirty="0" err="1">
-                <a:solidFill>
-                  <a:schemeClr val="bg1"/>
-                </a:solidFill>
-                <a:latin typeface="Söhne"/>
-              </a:rPr>
-              <a:t>words</a:t>
-            </a:r>
-            <a:r>
-              <a:rPr lang="de-AT" sz="2400" dirty="0">
-                <a:solidFill>
-                  <a:schemeClr val="bg1"/>
-                </a:solidFill>
-                <a:latin typeface="Söhne"/>
-              </a:rPr>
-              <a:t> </a:t>
-            </a:r>
-            <a:br>
-              <a:rPr lang="de-AT" sz="2400" dirty="0">
-                <a:solidFill>
-                  <a:schemeClr val="bg1"/>
-                </a:solidFill>
-                <a:latin typeface="Söhne"/>
-              </a:rPr>
-            </a:br>
-            <a:r>
-              <a:rPr lang="de-AT" sz="2400" dirty="0">
-                <a:solidFill>
-                  <a:schemeClr val="bg1"/>
-                </a:solidFill>
-                <a:latin typeface="Söhne"/>
-              </a:rPr>
-              <a:t>Maximum </a:t>
-            </a:r>
-            <a:r>
-              <a:rPr lang="de-AT" sz="2400" dirty="0" err="1">
-                <a:solidFill>
-                  <a:schemeClr val="bg1"/>
-                </a:solidFill>
-                <a:latin typeface="Söhne"/>
-              </a:rPr>
-              <a:t>Document</a:t>
-            </a:r>
-            <a:r>
-              <a:rPr lang="de-AT" sz="2400" dirty="0">
-                <a:solidFill>
-                  <a:schemeClr val="bg1"/>
-                </a:solidFill>
-                <a:latin typeface="Söhne"/>
-              </a:rPr>
-              <a:t> </a:t>
-            </a:r>
-            <a:r>
-              <a:rPr lang="de-AT" sz="2400" dirty="0" err="1">
-                <a:solidFill>
-                  <a:schemeClr val="bg1"/>
-                </a:solidFill>
-                <a:latin typeface="Söhne"/>
-              </a:rPr>
-              <a:t>Length</a:t>
-            </a:r>
-            <a:r>
-              <a:rPr lang="de-AT" sz="2400" dirty="0">
-                <a:solidFill>
-                  <a:schemeClr val="bg1"/>
-                </a:solidFill>
-                <a:latin typeface="Söhne"/>
-              </a:rPr>
-              <a:t>: 30 </a:t>
-            </a:r>
-            <a:r>
-              <a:rPr lang="de-AT" sz="2400" dirty="0" err="1">
-                <a:solidFill>
-                  <a:schemeClr val="bg1"/>
-                </a:solidFill>
-                <a:latin typeface="Söhne"/>
-              </a:rPr>
-              <a:t>words</a:t>
-            </a:r>
-            <a:r>
-              <a:rPr lang="de-AT" sz="2400" dirty="0">
-                <a:solidFill>
-                  <a:schemeClr val="bg1"/>
-                </a:solidFill>
-                <a:latin typeface="Söhne"/>
-              </a:rPr>
-              <a:t> </a:t>
-            </a:r>
-            <a:br>
-              <a:rPr lang="de-AT" sz="2400" dirty="0">
-                <a:solidFill>
-                  <a:schemeClr val="bg1"/>
-                </a:solidFill>
-                <a:latin typeface="Söhne"/>
-              </a:rPr>
-            </a:br>
-            <a:r>
-              <a:rPr lang="de-AT" sz="2400" dirty="0" err="1">
-                <a:solidFill>
-                  <a:schemeClr val="bg1"/>
-                </a:solidFill>
-                <a:latin typeface="Söhne"/>
-              </a:rPr>
-              <a:t>Vocabulary</a:t>
-            </a:r>
-            <a:r>
-              <a:rPr lang="de-AT" sz="2400" dirty="0">
-                <a:solidFill>
-                  <a:schemeClr val="bg1"/>
-                </a:solidFill>
-                <a:latin typeface="Söhne"/>
-              </a:rPr>
-              <a:t> Size: 2453 </a:t>
-            </a:r>
-            <a:r>
-              <a:rPr lang="de-AT" sz="2400" dirty="0" err="1">
-                <a:solidFill>
-                  <a:schemeClr val="bg1"/>
-                </a:solidFill>
-                <a:latin typeface="Söhne"/>
-              </a:rPr>
-              <a:t>unique</a:t>
-            </a:r>
-            <a:r>
-              <a:rPr lang="de-AT" sz="2400" dirty="0">
-                <a:solidFill>
-                  <a:schemeClr val="bg1"/>
-                </a:solidFill>
-                <a:latin typeface="Söhne"/>
-              </a:rPr>
-              <a:t> </a:t>
-            </a:r>
-            <a:r>
-              <a:rPr lang="de-AT" sz="2400" dirty="0" err="1">
-                <a:solidFill>
-                  <a:schemeClr val="bg1"/>
-                </a:solidFill>
-                <a:latin typeface="Söhne"/>
-              </a:rPr>
-              <a:t>words</a:t>
-            </a:r>
-            <a:br>
-              <a:rPr lang="de-AT" sz="2800" b="0" i="0" u="none" strike="noStrike" dirty="0">
-                <a:solidFill>
-                  <a:schemeClr val="bg1"/>
-                </a:solidFill>
-                <a:effectLst/>
-                <a:latin typeface="Söhne"/>
-              </a:rPr>
-            </a:br>
-            <a:r>
-              <a:rPr lang="de-AT" sz="2800" b="0" i="0" u="none" strike="noStrike" dirty="0">
-                <a:solidFill>
-                  <a:schemeClr val="bg1"/>
-                </a:solidFill>
-                <a:effectLst/>
-                <a:latin typeface="Söhne"/>
-              </a:rPr>
-              <a:t> </a:t>
-            </a:r>
-          </a:p>
-        </p:txBody>
-      </p:sp>
-      <p:sp>
-        <p:nvSpPr>
           <p:cNvPr id="3" name="TextBox 20">
             <a:extLst>
               <a:ext uri="{FF2B5EF4-FFF2-40B4-BE49-F238E27FC236}">
@@ -11767,10 +12590,40 @@
           </p:txBody>
         </p:sp>
       </p:grpSp>
+      <p:pic>
+        <p:nvPicPr>
+          <p:cNvPr id="4" name="Grafik 3">
+            <a:extLst>
+              <a:ext uri="{FF2B5EF4-FFF2-40B4-BE49-F238E27FC236}">
+                <a16:creationId xmlns:a16="http://schemas.microsoft.com/office/drawing/2014/main" id="{2E172568-F5F4-41F4-3060-31A54F0AC114}"/>
+              </a:ext>
+            </a:extLst>
+          </p:cNvPr>
+          <p:cNvPicPr>
+            <a:picLocks noChangeAspect="1"/>
+          </p:cNvPicPr>
+          <p:nvPr/>
+        </p:nvPicPr>
+        <p:blipFill>
+          <a:blip r:embed="rId3"/>
+          <a:stretch>
+            <a:fillRect/>
+          </a:stretch>
+        </p:blipFill>
+        <p:spPr>
+          <a:xfrm>
+            <a:off x="3928036" y="1663723"/>
+            <a:ext cx="7421011" cy="3981550"/>
+          </a:xfrm>
+          <a:prstGeom prst="rect">
+            <a:avLst/>
+          </a:prstGeom>
+        </p:spPr>
+      </p:pic>
     </p:spTree>
     <p:extLst>
       <p:ext uri="{BB962C8B-B14F-4D97-AF65-F5344CB8AC3E}">
-        <p14:creationId xmlns:p14="http://schemas.microsoft.com/office/powerpoint/2010/main" val="3471470630"/>
+        <p14:creationId xmlns:p14="http://schemas.microsoft.com/office/powerpoint/2010/main" val="4269075172"/>
       </p:ext>
     </p:extLst>
   </p:cSld>
@@ -12865,10 +13718,10 @@
       </p:grpSp>
       <p:pic>
         <p:nvPicPr>
-          <p:cNvPr id="4" name="Grafik 3">
+          <p:cNvPr id="2" name="Grafik 1">
             <a:extLst>
               <a:ext uri="{FF2B5EF4-FFF2-40B4-BE49-F238E27FC236}">
-                <a16:creationId xmlns:a16="http://schemas.microsoft.com/office/drawing/2014/main" id="{2E172568-F5F4-41F4-3060-31A54F0AC114}"/>
+                <a16:creationId xmlns:a16="http://schemas.microsoft.com/office/drawing/2014/main" id="{9EB3951C-2213-28B1-AA9F-39D3DCACF726}"/>
               </a:ext>
             </a:extLst>
           </p:cNvPr>
@@ -12885,8 +13738,8 @@
         </p:blipFill>
         <p:spPr>
           <a:xfrm>
-            <a:off x="3928036" y="1663723"/>
-            <a:ext cx="7421011" cy="3981550"/>
+            <a:off x="4690673" y="1619154"/>
+            <a:ext cx="5895738" cy="4203314"/>
           </a:xfrm>
           <a:prstGeom prst="rect">
             <a:avLst/>
@@ -12896,7 +13749,7 @@
     </p:spTree>
     <p:extLst>
       <p:ext uri="{BB962C8B-B14F-4D97-AF65-F5344CB8AC3E}">
-        <p14:creationId xmlns:p14="http://schemas.microsoft.com/office/powerpoint/2010/main" val="4269075172"/>
+        <p14:creationId xmlns:p14="http://schemas.microsoft.com/office/powerpoint/2010/main" val="1844234061"/>
       </p:ext>
     </p:extLst>
   </p:cSld>
@@ -12909,6 +13762,14 @@
 <file path=ppt/slides/slide7.xml><?xml version="1.0" encoding="utf-8"?>
 <p:sld xmlns:a="http://schemas.openxmlformats.org/drawingml/2006/main" xmlns:r="http://schemas.openxmlformats.org/officeDocument/2006/relationships" xmlns:p="http://schemas.openxmlformats.org/presentationml/2006/main">
   <p:cSld>
+    <p:bg>
+      <p:bgPr>
+        <a:solidFill>
+          <a:srgbClr val="191414"/>
+        </a:solidFill>
+        <a:effectLst/>
+      </p:bgPr>
+    </p:bg>
     <p:spTree>
       <p:nvGrpSpPr>
         <p:cNvPr id="1" name=""/>
@@ -13062,6 +13923,636 @@
               </a:solidFill>
               <a:latin typeface="Segoe UI" panose="020B0502040204020203" pitchFamily="34" charset="0"/>
               <a:cs typeface="Segoe UI" panose="020B0502040204020203" pitchFamily="34" charset="0"/>
+            </a:endParaRPr>
+          </a:p>
+        </p:txBody>
+      </p:sp>
+      <p:sp>
+        <p:nvSpPr>
+          <p:cNvPr id="48" name="TextBox 47">
+            <a:extLst>
+              <a:ext uri="{FF2B5EF4-FFF2-40B4-BE49-F238E27FC236}">
+                <a16:creationId xmlns:a16="http://schemas.microsoft.com/office/drawing/2014/main" id="{E4CCABAB-F10A-642D-34EC-706C8A69764F}"/>
+              </a:ext>
+            </a:extLst>
+          </p:cNvPr>
+          <p:cNvSpPr txBox="1"/>
+          <p:nvPr/>
+        </p:nvSpPr>
+        <p:spPr>
+          <a:xfrm>
+            <a:off x="3474402" y="1569060"/>
+            <a:ext cx="7929163" cy="4431689"/>
+          </a:xfrm>
+          <a:prstGeom prst="rect">
+            <a:avLst/>
+          </a:prstGeom>
+          <a:noFill/>
+        </p:spPr>
+        <p:txBody>
+          <a:bodyPr wrap="square" lIns="0" rIns="0" rtlCol="0" anchor="t" anchorCtr="0">
+            <a:noAutofit/>
+          </a:bodyPr>
+          <a:lstStyle/>
+          <a:p>
+            <a:r>
+              <a:rPr lang="de-AT" sz="2800" b="0" i="0" u="none" strike="noStrike" dirty="0" err="1">
+                <a:solidFill>
+                  <a:schemeClr val="bg1"/>
+                </a:solidFill>
+                <a:effectLst/>
+                <a:latin typeface="Söhne"/>
+              </a:rPr>
+              <a:t>Statistics</a:t>
+            </a:r>
+            <a:r>
+              <a:rPr lang="de-AT" sz="2800" b="0" i="0" u="none" strike="noStrike" dirty="0">
+                <a:solidFill>
+                  <a:schemeClr val="bg1"/>
+                </a:solidFill>
+                <a:effectLst/>
+                <a:latin typeface="Söhne"/>
+              </a:rPr>
+              <a:t> </a:t>
+            </a:r>
+            <a:r>
+              <a:rPr lang="de-AT" sz="2800" b="0" i="0" u="none" strike="noStrike" dirty="0" err="1">
+                <a:solidFill>
+                  <a:schemeClr val="bg1"/>
+                </a:solidFill>
+                <a:effectLst/>
+                <a:latin typeface="Söhne"/>
+              </a:rPr>
+              <a:t>for</a:t>
+            </a:r>
+            <a:r>
+              <a:rPr lang="de-AT" sz="2800" b="0" i="0" u="none" strike="noStrike" dirty="0">
+                <a:solidFill>
+                  <a:schemeClr val="bg1"/>
+                </a:solidFill>
+                <a:effectLst/>
+                <a:latin typeface="Söhne"/>
+              </a:rPr>
+              <a:t> Lyrics:</a:t>
+            </a:r>
+          </a:p>
+          <a:p>
+            <a:endParaRPr lang="de-AT" sz="2800" b="0" i="0" dirty="0">
+              <a:solidFill>
+                <a:srgbClr val="D4D4D4"/>
+              </a:solidFill>
+              <a:effectLst/>
+              <a:latin typeface="Menlo" panose="020B0609030804020204" pitchFamily="49" charset="0"/>
+            </a:endParaRPr>
+          </a:p>
+          <a:p>
+            <a:pPr algn="l"/>
+            <a:r>
+              <a:rPr lang="de-AT" b="0" i="0" dirty="0" err="1">
+                <a:solidFill>
+                  <a:srgbClr val="D4D4D4"/>
+                </a:solidFill>
+                <a:effectLst/>
+                <a:latin typeface="Menlo" panose="020B0609030804020204" pitchFamily="49" charset="0"/>
+              </a:rPr>
+              <a:t>Number</a:t>
+            </a:r>
+            <a:r>
+              <a:rPr lang="de-AT" b="0" i="0" dirty="0">
+                <a:solidFill>
+                  <a:srgbClr val="D4D4D4"/>
+                </a:solidFill>
+                <a:effectLst/>
+                <a:latin typeface="Menlo" panose="020B0609030804020204" pitchFamily="49" charset="0"/>
+              </a:rPr>
+              <a:t> </a:t>
+            </a:r>
+            <a:r>
+              <a:rPr lang="de-AT" b="0" i="0" dirty="0" err="1">
+                <a:solidFill>
+                  <a:srgbClr val="D4D4D4"/>
+                </a:solidFill>
+                <a:effectLst/>
+                <a:latin typeface="Menlo" panose="020B0609030804020204" pitchFamily="49" charset="0"/>
+              </a:rPr>
+              <a:t>of</a:t>
+            </a:r>
+            <a:r>
+              <a:rPr lang="de-AT" b="0" i="0" dirty="0">
+                <a:solidFill>
+                  <a:srgbClr val="D4D4D4"/>
+                </a:solidFill>
+                <a:effectLst/>
+                <a:latin typeface="Menlo" panose="020B0609030804020204" pitchFamily="49" charset="0"/>
+              </a:rPr>
+              <a:t> </a:t>
+            </a:r>
+            <a:r>
+              <a:rPr lang="de-AT" b="0" i="0" dirty="0" err="1">
+                <a:solidFill>
+                  <a:srgbClr val="D4D4D4"/>
+                </a:solidFill>
+                <a:effectLst/>
+                <a:latin typeface="Menlo" panose="020B0609030804020204" pitchFamily="49" charset="0"/>
+              </a:rPr>
+              <a:t>Documents</a:t>
+            </a:r>
+            <a:r>
+              <a:rPr lang="de-AT" b="0" i="0" dirty="0">
+                <a:solidFill>
+                  <a:srgbClr val="D4D4D4"/>
+                </a:solidFill>
+                <a:effectLst/>
+                <a:latin typeface="Menlo" panose="020B0609030804020204" pitchFamily="49" charset="0"/>
+              </a:rPr>
+              <a:t>: 25728 </a:t>
+            </a:r>
+          </a:p>
+          <a:p>
+            <a:pPr algn="l"/>
+            <a:r>
+              <a:rPr lang="de-AT" b="0" i="0" dirty="0">
+                <a:solidFill>
+                  <a:srgbClr val="D4D4D4"/>
+                </a:solidFill>
+                <a:effectLst/>
+                <a:latin typeface="Menlo" panose="020B0609030804020204" pitchFamily="49" charset="0"/>
+              </a:rPr>
+              <a:t>Total </a:t>
+            </a:r>
+            <a:r>
+              <a:rPr lang="de-AT" b="0" i="0" dirty="0" err="1">
+                <a:solidFill>
+                  <a:srgbClr val="D4D4D4"/>
+                </a:solidFill>
+                <a:effectLst/>
+                <a:latin typeface="Menlo" panose="020B0609030804020204" pitchFamily="49" charset="0"/>
+              </a:rPr>
+              <a:t>Number</a:t>
+            </a:r>
+            <a:r>
+              <a:rPr lang="de-AT" b="0" i="0" dirty="0">
+                <a:solidFill>
+                  <a:srgbClr val="D4D4D4"/>
+                </a:solidFill>
+                <a:effectLst/>
+                <a:latin typeface="Menlo" panose="020B0609030804020204" pitchFamily="49" charset="0"/>
+              </a:rPr>
+              <a:t> </a:t>
+            </a:r>
+            <a:r>
+              <a:rPr lang="de-AT" b="0" i="0" dirty="0" err="1">
+                <a:solidFill>
+                  <a:srgbClr val="D4D4D4"/>
+                </a:solidFill>
+                <a:effectLst/>
+                <a:latin typeface="Menlo" panose="020B0609030804020204" pitchFamily="49" charset="0"/>
+              </a:rPr>
+              <a:t>of</a:t>
+            </a:r>
+            <a:r>
+              <a:rPr lang="de-AT" b="0" i="0" dirty="0">
+                <a:solidFill>
+                  <a:srgbClr val="D4D4D4"/>
+                </a:solidFill>
+                <a:effectLst/>
+                <a:latin typeface="Menlo" panose="020B0609030804020204" pitchFamily="49" charset="0"/>
+              </a:rPr>
+              <a:t> Words: 9950490 </a:t>
+            </a:r>
+          </a:p>
+          <a:p>
+            <a:pPr algn="l"/>
+            <a:r>
+              <a:rPr lang="de-AT" b="0" i="0" dirty="0">
+                <a:solidFill>
+                  <a:srgbClr val="D4D4D4"/>
+                </a:solidFill>
+                <a:effectLst/>
+                <a:latin typeface="Menlo" panose="020B0609030804020204" pitchFamily="49" charset="0"/>
+              </a:rPr>
+              <a:t>Average </a:t>
+            </a:r>
+            <a:r>
+              <a:rPr lang="de-AT" b="0" i="0" dirty="0" err="1">
+                <a:solidFill>
+                  <a:srgbClr val="D4D4D4"/>
+                </a:solidFill>
+                <a:effectLst/>
+                <a:latin typeface="Menlo" panose="020B0609030804020204" pitchFamily="49" charset="0"/>
+              </a:rPr>
+              <a:t>Document</a:t>
+            </a:r>
+            <a:r>
+              <a:rPr lang="de-AT" b="0" i="0" dirty="0">
+                <a:solidFill>
+                  <a:srgbClr val="D4D4D4"/>
+                </a:solidFill>
+                <a:effectLst/>
+                <a:latin typeface="Menlo" panose="020B0609030804020204" pitchFamily="49" charset="0"/>
+              </a:rPr>
+              <a:t> </a:t>
+            </a:r>
+            <a:r>
+              <a:rPr lang="de-AT" b="0" i="0" dirty="0" err="1">
+                <a:solidFill>
+                  <a:srgbClr val="D4D4D4"/>
+                </a:solidFill>
+                <a:effectLst/>
+                <a:latin typeface="Menlo" panose="020B0609030804020204" pitchFamily="49" charset="0"/>
+              </a:rPr>
+              <a:t>Length</a:t>
+            </a:r>
+            <a:r>
+              <a:rPr lang="de-AT" b="0" i="0" dirty="0">
+                <a:solidFill>
+                  <a:srgbClr val="D4D4D4"/>
+                </a:solidFill>
+                <a:effectLst/>
+                <a:latin typeface="Menlo" panose="020B0609030804020204" pitchFamily="49" charset="0"/>
+              </a:rPr>
+              <a:t>: 386.76 </a:t>
+            </a:r>
+            <a:r>
+              <a:rPr lang="de-AT" b="0" i="0" dirty="0" err="1">
+                <a:solidFill>
+                  <a:srgbClr val="D4D4D4"/>
+                </a:solidFill>
+                <a:effectLst/>
+                <a:latin typeface="Menlo" panose="020B0609030804020204" pitchFamily="49" charset="0"/>
+              </a:rPr>
+              <a:t>words</a:t>
+            </a:r>
+            <a:r>
+              <a:rPr lang="de-AT" b="0" i="0" dirty="0">
+                <a:solidFill>
+                  <a:srgbClr val="D4D4D4"/>
+                </a:solidFill>
+                <a:effectLst/>
+                <a:latin typeface="Menlo" panose="020B0609030804020204" pitchFamily="49" charset="0"/>
+              </a:rPr>
+              <a:t> </a:t>
+            </a:r>
+          </a:p>
+          <a:p>
+            <a:pPr algn="l"/>
+            <a:r>
+              <a:rPr lang="de-AT" b="0" i="0" dirty="0">
+                <a:solidFill>
+                  <a:srgbClr val="D4D4D4"/>
+                </a:solidFill>
+                <a:effectLst/>
+                <a:latin typeface="Menlo" panose="020B0609030804020204" pitchFamily="49" charset="0"/>
+              </a:rPr>
+              <a:t>Minimum </a:t>
+            </a:r>
+            <a:r>
+              <a:rPr lang="de-AT" b="0" i="0" dirty="0" err="1">
+                <a:solidFill>
+                  <a:srgbClr val="D4D4D4"/>
+                </a:solidFill>
+                <a:effectLst/>
+                <a:latin typeface="Menlo" panose="020B0609030804020204" pitchFamily="49" charset="0"/>
+              </a:rPr>
+              <a:t>Document</a:t>
+            </a:r>
+            <a:r>
+              <a:rPr lang="de-AT" b="0" i="0" dirty="0">
+                <a:solidFill>
+                  <a:srgbClr val="D4D4D4"/>
+                </a:solidFill>
+                <a:effectLst/>
+                <a:latin typeface="Menlo" panose="020B0609030804020204" pitchFamily="49" charset="0"/>
+              </a:rPr>
+              <a:t> </a:t>
+            </a:r>
+            <a:r>
+              <a:rPr lang="de-AT" b="0" i="0" dirty="0" err="1">
+                <a:solidFill>
+                  <a:srgbClr val="D4D4D4"/>
+                </a:solidFill>
+                <a:effectLst/>
+                <a:latin typeface="Menlo" panose="020B0609030804020204" pitchFamily="49" charset="0"/>
+              </a:rPr>
+              <a:t>Length</a:t>
+            </a:r>
+            <a:r>
+              <a:rPr lang="de-AT" b="0" i="0" dirty="0">
+                <a:solidFill>
+                  <a:srgbClr val="D4D4D4"/>
+                </a:solidFill>
+                <a:effectLst/>
+                <a:latin typeface="Menlo" panose="020B0609030804020204" pitchFamily="49" charset="0"/>
+              </a:rPr>
+              <a:t>: 2 </a:t>
+            </a:r>
+            <a:r>
+              <a:rPr lang="de-AT" b="0" i="0" dirty="0" err="1">
+                <a:solidFill>
+                  <a:srgbClr val="D4D4D4"/>
+                </a:solidFill>
+                <a:effectLst/>
+                <a:latin typeface="Menlo" panose="020B0609030804020204" pitchFamily="49" charset="0"/>
+              </a:rPr>
+              <a:t>words</a:t>
+            </a:r>
+            <a:r>
+              <a:rPr lang="de-AT" b="0" i="0" dirty="0">
+                <a:solidFill>
+                  <a:srgbClr val="D4D4D4"/>
+                </a:solidFill>
+                <a:effectLst/>
+                <a:latin typeface="Menlo" panose="020B0609030804020204" pitchFamily="49" charset="0"/>
+              </a:rPr>
+              <a:t> </a:t>
+            </a:r>
+          </a:p>
+          <a:p>
+            <a:pPr algn="l"/>
+            <a:r>
+              <a:rPr lang="de-AT" b="0" i="0" dirty="0">
+                <a:solidFill>
+                  <a:srgbClr val="D4D4D4"/>
+                </a:solidFill>
+                <a:effectLst/>
+                <a:latin typeface="Menlo" panose="020B0609030804020204" pitchFamily="49" charset="0"/>
+              </a:rPr>
+              <a:t>Maximum </a:t>
+            </a:r>
+            <a:r>
+              <a:rPr lang="de-AT" b="0" i="0" dirty="0" err="1">
+                <a:solidFill>
+                  <a:srgbClr val="D4D4D4"/>
+                </a:solidFill>
+                <a:effectLst/>
+                <a:latin typeface="Menlo" panose="020B0609030804020204" pitchFamily="49" charset="0"/>
+              </a:rPr>
+              <a:t>Document</a:t>
+            </a:r>
+            <a:r>
+              <a:rPr lang="de-AT" b="0" i="0" dirty="0">
+                <a:solidFill>
+                  <a:srgbClr val="D4D4D4"/>
+                </a:solidFill>
+                <a:effectLst/>
+                <a:latin typeface="Menlo" panose="020B0609030804020204" pitchFamily="49" charset="0"/>
+              </a:rPr>
+              <a:t> </a:t>
+            </a:r>
+            <a:r>
+              <a:rPr lang="de-AT" b="0" i="0" dirty="0" err="1">
+                <a:solidFill>
+                  <a:srgbClr val="D4D4D4"/>
+                </a:solidFill>
+                <a:effectLst/>
+                <a:latin typeface="Menlo" panose="020B0609030804020204" pitchFamily="49" charset="0"/>
+              </a:rPr>
+              <a:t>Length</a:t>
+            </a:r>
+            <a:r>
+              <a:rPr lang="de-AT" b="0" i="0" dirty="0">
+                <a:solidFill>
+                  <a:srgbClr val="D4D4D4"/>
+                </a:solidFill>
+                <a:effectLst/>
+                <a:latin typeface="Menlo" panose="020B0609030804020204" pitchFamily="49" charset="0"/>
+              </a:rPr>
+              <a:t>: 45398 </a:t>
+            </a:r>
+            <a:r>
+              <a:rPr lang="de-AT" b="0" i="0" dirty="0" err="1">
+                <a:solidFill>
+                  <a:srgbClr val="D4D4D4"/>
+                </a:solidFill>
+                <a:effectLst/>
+                <a:latin typeface="Menlo" panose="020B0609030804020204" pitchFamily="49" charset="0"/>
+              </a:rPr>
+              <a:t>words</a:t>
+            </a:r>
+            <a:r>
+              <a:rPr lang="de-AT" b="0" i="0" dirty="0">
+                <a:solidFill>
+                  <a:srgbClr val="D4D4D4"/>
+                </a:solidFill>
+                <a:effectLst/>
+                <a:latin typeface="Menlo" panose="020B0609030804020204" pitchFamily="49" charset="0"/>
+              </a:rPr>
+              <a:t> </a:t>
+            </a:r>
+          </a:p>
+          <a:p>
+            <a:pPr algn="l"/>
+            <a:r>
+              <a:rPr lang="de-AT" b="0" i="0" dirty="0" err="1">
+                <a:solidFill>
+                  <a:srgbClr val="D4D4D4"/>
+                </a:solidFill>
+                <a:effectLst/>
+                <a:latin typeface="Menlo" panose="020B0609030804020204" pitchFamily="49" charset="0"/>
+              </a:rPr>
+              <a:t>Vocabulary</a:t>
+            </a:r>
+            <a:r>
+              <a:rPr lang="de-AT" b="0" i="0" dirty="0">
+                <a:solidFill>
+                  <a:srgbClr val="D4D4D4"/>
+                </a:solidFill>
+                <a:effectLst/>
+                <a:latin typeface="Menlo" panose="020B0609030804020204" pitchFamily="49" charset="0"/>
+              </a:rPr>
+              <a:t> Size: 139469 </a:t>
+            </a:r>
+            <a:r>
+              <a:rPr lang="de-AT" b="0" i="0" dirty="0" err="1">
+                <a:solidFill>
+                  <a:srgbClr val="D4D4D4"/>
+                </a:solidFill>
+                <a:effectLst/>
+                <a:latin typeface="Menlo" panose="020B0609030804020204" pitchFamily="49" charset="0"/>
+              </a:rPr>
+              <a:t>unique</a:t>
+            </a:r>
+            <a:r>
+              <a:rPr lang="de-AT" b="0" i="0" dirty="0">
+                <a:solidFill>
+                  <a:srgbClr val="D4D4D4"/>
+                </a:solidFill>
+                <a:effectLst/>
+                <a:latin typeface="Menlo" panose="020B0609030804020204" pitchFamily="49" charset="0"/>
+              </a:rPr>
+              <a:t> </a:t>
+            </a:r>
+            <a:r>
+              <a:rPr lang="de-AT" b="0" i="0" dirty="0" err="1">
+                <a:solidFill>
+                  <a:srgbClr val="D4D4D4"/>
+                </a:solidFill>
+                <a:effectLst/>
+                <a:latin typeface="Menlo" panose="020B0609030804020204" pitchFamily="49" charset="0"/>
+              </a:rPr>
+              <a:t>words</a:t>
+            </a:r>
+            <a:r>
+              <a:rPr lang="de-AT" b="0" i="0" dirty="0">
+                <a:solidFill>
+                  <a:srgbClr val="D4D4D4"/>
+                </a:solidFill>
+                <a:effectLst/>
+                <a:latin typeface="Menlo" panose="020B0609030804020204" pitchFamily="49" charset="0"/>
+              </a:rPr>
+              <a:t> </a:t>
+            </a:r>
+          </a:p>
+          <a:p>
+            <a:pPr algn="l"/>
+            <a:r>
+              <a:rPr lang="de-AT" b="0" i="0" dirty="0">
+                <a:solidFill>
+                  <a:srgbClr val="D4D4D4"/>
+                </a:solidFill>
+                <a:effectLst/>
+                <a:latin typeface="Menlo" panose="020B0609030804020204" pitchFamily="49" charset="0"/>
+              </a:rPr>
+              <a:t>Most Common Words: [(',', 514354), ('I', 419661), ('</a:t>
+            </a:r>
+            <a:r>
+              <a:rPr lang="de-AT" b="0" i="0" dirty="0" err="1">
+                <a:solidFill>
+                  <a:srgbClr val="D4D4D4"/>
+                </a:solidFill>
+                <a:effectLst/>
+                <a:latin typeface="Menlo" panose="020B0609030804020204" pitchFamily="49" charset="0"/>
+              </a:rPr>
+              <a:t>the</a:t>
+            </a:r>
+            <a:r>
+              <a:rPr lang="de-AT" b="0" i="0" dirty="0">
+                <a:solidFill>
+                  <a:srgbClr val="D4D4D4"/>
+                </a:solidFill>
+                <a:effectLst/>
+                <a:latin typeface="Menlo" panose="020B0609030804020204" pitchFamily="49" charset="0"/>
+              </a:rPr>
+              <a:t>', 288309), ('</a:t>
+            </a:r>
+            <a:r>
+              <a:rPr lang="de-AT" b="0" i="0" dirty="0" err="1">
+                <a:solidFill>
+                  <a:srgbClr val="D4D4D4"/>
+                </a:solidFill>
+                <a:effectLst/>
+                <a:latin typeface="Menlo" panose="020B0609030804020204" pitchFamily="49" charset="0"/>
+              </a:rPr>
+              <a:t>you</a:t>
+            </a:r>
+            <a:r>
+              <a:rPr lang="de-AT" b="0" i="0" dirty="0">
+                <a:solidFill>
+                  <a:srgbClr val="D4D4D4"/>
+                </a:solidFill>
+                <a:effectLst/>
+                <a:latin typeface="Menlo" panose="020B0609030804020204" pitchFamily="49" charset="0"/>
+              </a:rPr>
+              <a:t>', 260889), ('</a:t>
+            </a:r>
+            <a:r>
+              <a:rPr lang="de-AT" b="0" i="0" dirty="0" err="1">
+                <a:solidFill>
+                  <a:srgbClr val="D4D4D4"/>
+                </a:solidFill>
+                <a:effectLst/>
+                <a:latin typeface="Menlo" panose="020B0609030804020204" pitchFamily="49" charset="0"/>
+              </a:rPr>
+              <a:t>to</a:t>
+            </a:r>
+            <a:r>
+              <a:rPr lang="de-AT" b="0" i="0" dirty="0">
+                <a:solidFill>
+                  <a:srgbClr val="D4D4D4"/>
+                </a:solidFill>
+                <a:effectLst/>
+                <a:latin typeface="Menlo" panose="020B0609030804020204" pitchFamily="49" charset="0"/>
+              </a:rPr>
+              <a:t>', 161731)] </a:t>
+            </a:r>
+          </a:p>
+          <a:p>
+            <a:pPr algn="l"/>
+            <a:r>
+              <a:rPr lang="de-AT" b="0" i="0" dirty="0" err="1">
+                <a:solidFill>
+                  <a:srgbClr val="D4D4D4"/>
+                </a:solidFill>
+                <a:effectLst/>
+                <a:latin typeface="Menlo" panose="020B0609030804020204" pitchFamily="49" charset="0"/>
+              </a:rPr>
+              <a:t>Filtered</a:t>
+            </a:r>
+            <a:r>
+              <a:rPr lang="de-AT" b="0" i="0" dirty="0">
+                <a:solidFill>
+                  <a:srgbClr val="D4D4D4"/>
+                </a:solidFill>
+                <a:effectLst/>
+                <a:latin typeface="Menlo" panose="020B0609030804020204" pitchFamily="49" charset="0"/>
+              </a:rPr>
+              <a:t> Words after </a:t>
+            </a:r>
+            <a:r>
+              <a:rPr lang="de-AT" b="0" i="0" dirty="0" err="1">
+                <a:solidFill>
+                  <a:srgbClr val="D4D4D4"/>
+                </a:solidFill>
+                <a:effectLst/>
+                <a:latin typeface="Menlo" panose="020B0609030804020204" pitchFamily="49" charset="0"/>
+              </a:rPr>
+              <a:t>Stopword</a:t>
+            </a:r>
+            <a:r>
+              <a:rPr lang="de-AT" b="0" i="0" dirty="0">
+                <a:solidFill>
+                  <a:srgbClr val="D4D4D4"/>
+                </a:solidFill>
+                <a:effectLst/>
+                <a:latin typeface="Menlo" panose="020B0609030804020204" pitchFamily="49" charset="0"/>
+              </a:rPr>
+              <a:t> </a:t>
+            </a:r>
+            <a:r>
+              <a:rPr lang="de-AT" b="0" i="0" dirty="0" err="1">
+                <a:solidFill>
+                  <a:srgbClr val="D4D4D4"/>
+                </a:solidFill>
+                <a:effectLst/>
+                <a:latin typeface="Menlo" panose="020B0609030804020204" pitchFamily="49" charset="0"/>
+              </a:rPr>
+              <a:t>Removal</a:t>
+            </a:r>
+            <a:r>
+              <a:rPr lang="de-AT" b="0" i="0" dirty="0">
+                <a:solidFill>
+                  <a:srgbClr val="D4D4D4"/>
+                </a:solidFill>
+                <a:effectLst/>
+                <a:latin typeface="Menlo" panose="020B0609030804020204" pitchFamily="49" charset="0"/>
+              </a:rPr>
+              <a:t>: 5675367 </a:t>
+            </a:r>
+            <a:r>
+              <a:rPr lang="de-AT" b="0" i="0" dirty="0" err="1">
+                <a:solidFill>
+                  <a:srgbClr val="D4D4D4"/>
+                </a:solidFill>
+                <a:effectLst/>
+                <a:latin typeface="Menlo" panose="020B0609030804020204" pitchFamily="49" charset="0"/>
+              </a:rPr>
+              <a:t>words</a:t>
+            </a:r>
+            <a:endParaRPr lang="de-AT" dirty="0">
+              <a:solidFill>
+                <a:schemeClr val="bg1"/>
+              </a:solidFill>
+              <a:latin typeface="Söhne"/>
             </a:endParaRPr>
           </a:p>
         </p:txBody>
@@ -13989,40 +15480,10 @@
           </p:txBody>
         </p:sp>
       </p:grpSp>
-      <p:pic>
-        <p:nvPicPr>
-          <p:cNvPr id="2" name="Grafik 1">
-            <a:extLst>
-              <a:ext uri="{FF2B5EF4-FFF2-40B4-BE49-F238E27FC236}">
-                <a16:creationId xmlns:a16="http://schemas.microsoft.com/office/drawing/2014/main" id="{9EB3951C-2213-28B1-AA9F-39D3DCACF726}"/>
-              </a:ext>
-            </a:extLst>
-          </p:cNvPr>
-          <p:cNvPicPr>
-            <a:picLocks noChangeAspect="1"/>
-          </p:cNvPicPr>
-          <p:nvPr/>
-        </p:nvPicPr>
-        <p:blipFill>
-          <a:blip r:embed="rId3"/>
-          <a:stretch>
-            <a:fillRect/>
-          </a:stretch>
-        </p:blipFill>
-        <p:spPr>
-          <a:xfrm>
-            <a:off x="4690673" y="1619154"/>
-            <a:ext cx="5895738" cy="4203314"/>
-          </a:xfrm>
-          <a:prstGeom prst="rect">
-            <a:avLst/>
-          </a:prstGeom>
-        </p:spPr>
-      </p:pic>
     </p:spTree>
     <p:extLst>
       <p:ext uri="{BB962C8B-B14F-4D97-AF65-F5344CB8AC3E}">
-        <p14:creationId xmlns:p14="http://schemas.microsoft.com/office/powerpoint/2010/main" val="1844234061"/>
+        <p14:creationId xmlns:p14="http://schemas.microsoft.com/office/powerpoint/2010/main" val="136629416"/>
       </p:ext>
     </p:extLst>
   </p:cSld>
@@ -14107,63 +15568,6 @@
       </p:sp>
       <p:sp>
         <p:nvSpPr>
-          <p:cNvPr id="42" name="Rectangle: Rounded Corners 41">
-            <a:extLst>
-              <a:ext uri="{FF2B5EF4-FFF2-40B4-BE49-F238E27FC236}">
-                <a16:creationId xmlns:a16="http://schemas.microsoft.com/office/drawing/2014/main" id="{2D323B2B-1A46-4DE2-23B4-AE05B947C523}"/>
-              </a:ext>
-            </a:extLst>
-          </p:cNvPr>
-          <p:cNvSpPr/>
-          <p:nvPr/>
-        </p:nvSpPr>
-        <p:spPr>
-          <a:xfrm>
-            <a:off x="3428683" y="1367642"/>
-            <a:ext cx="8382635" cy="4756908"/>
-          </a:xfrm>
-          <a:prstGeom prst="roundRect">
-            <a:avLst>
-              <a:gd name="adj" fmla="val 7408"/>
-            </a:avLst>
-          </a:prstGeom>
-          <a:solidFill>
-            <a:srgbClr val="0A0A0B"/>
-          </a:solidFill>
-          <a:ln>
-            <a:noFill/>
-          </a:ln>
-        </p:spPr>
-        <p:style>
-          <a:lnRef idx="2">
-            <a:schemeClr val="accent1">
-              <a:shade val="50000"/>
-            </a:schemeClr>
-          </a:lnRef>
-          <a:fillRef idx="1">
-            <a:schemeClr val="accent1"/>
-          </a:fillRef>
-          <a:effectRef idx="0">
-            <a:schemeClr val="accent1"/>
-          </a:effectRef>
-          <a:fontRef idx="minor">
-            <a:schemeClr val="lt1"/>
-          </a:fontRef>
-        </p:style>
-        <p:txBody>
-          <a:bodyPr rtlCol="0" anchor="ctr"/>
-          <a:lstStyle/>
-          <a:p>
-            <a:pPr algn="ctr"/>
-            <a:endParaRPr lang="en-US">
-              <a:latin typeface="Segoe UI" panose="020B0502040204020203" pitchFamily="34" charset="0"/>
-              <a:cs typeface="Segoe UI" panose="020B0502040204020203" pitchFamily="34" charset="0"/>
-            </a:endParaRPr>
-          </a:p>
-        </p:txBody>
-      </p:sp>
-      <p:sp>
-        <p:nvSpPr>
           <p:cNvPr id="45" name="TextBox 44">
             <a:extLst>
               <a:ext uri="{FF2B5EF4-FFF2-40B4-BE49-F238E27FC236}">
@@ -14196,174 +15600,6 @@
               </a:solidFill>
               <a:latin typeface="Segoe UI" panose="020B0502040204020203" pitchFamily="34" charset="0"/>
               <a:cs typeface="Segoe UI" panose="020B0502040204020203" pitchFamily="34" charset="0"/>
-            </a:endParaRPr>
-          </a:p>
-        </p:txBody>
-      </p:sp>
-      <p:sp>
-        <p:nvSpPr>
-          <p:cNvPr id="48" name="TextBox 47">
-            <a:extLst>
-              <a:ext uri="{FF2B5EF4-FFF2-40B4-BE49-F238E27FC236}">
-                <a16:creationId xmlns:a16="http://schemas.microsoft.com/office/drawing/2014/main" id="{E4CCABAB-F10A-642D-34EC-706C8A69764F}"/>
-              </a:ext>
-            </a:extLst>
-          </p:cNvPr>
-          <p:cNvSpPr txBox="1"/>
-          <p:nvPr/>
-        </p:nvSpPr>
-        <p:spPr>
-          <a:xfrm>
-            <a:off x="3666184" y="1569060"/>
-            <a:ext cx="7929163" cy="4431689"/>
-          </a:xfrm>
-          <a:prstGeom prst="rect">
-            <a:avLst/>
-          </a:prstGeom>
-          <a:noFill/>
-        </p:spPr>
-        <p:txBody>
-          <a:bodyPr wrap="square" lIns="0" rIns="0" rtlCol="0" anchor="t" anchorCtr="0">
-            <a:noAutofit/>
-          </a:bodyPr>
-          <a:lstStyle/>
-          <a:p>
-            <a:pPr algn="l"/>
-            <a:r>
-              <a:rPr lang="de-AT" sz="2800" dirty="0" err="1">
-                <a:solidFill>
-                  <a:schemeClr val="bg1"/>
-                </a:solidFill>
-                <a:latin typeface="Söhne"/>
-              </a:rPr>
-              <a:t>Statistics</a:t>
-            </a:r>
-            <a:r>
-              <a:rPr lang="de-AT" sz="2800" dirty="0">
-                <a:solidFill>
-                  <a:schemeClr val="bg1"/>
-                </a:solidFill>
-                <a:latin typeface="Söhne"/>
-              </a:rPr>
-              <a:t> </a:t>
-            </a:r>
-            <a:r>
-              <a:rPr lang="de-AT" sz="2800" dirty="0" err="1">
-                <a:solidFill>
-                  <a:schemeClr val="bg1"/>
-                </a:solidFill>
-                <a:latin typeface="Söhne"/>
-              </a:rPr>
-              <a:t>for</a:t>
-            </a:r>
-            <a:r>
-              <a:rPr lang="de-AT" sz="2800" dirty="0">
-                <a:solidFill>
-                  <a:schemeClr val="bg1"/>
-                </a:solidFill>
-                <a:latin typeface="Söhne"/>
-              </a:rPr>
-              <a:t> </a:t>
-            </a:r>
-            <a:r>
-              <a:rPr lang="de-AT" sz="2800" dirty="0" err="1">
-                <a:solidFill>
-                  <a:schemeClr val="bg1"/>
-                </a:solidFill>
-                <a:latin typeface="Söhne"/>
-              </a:rPr>
-              <a:t>lyrics</a:t>
-            </a:r>
-            <a:r>
-              <a:rPr lang="de-AT" sz="2800" dirty="0">
-                <a:solidFill>
-                  <a:schemeClr val="bg1"/>
-                </a:solidFill>
-                <a:latin typeface="Söhne"/>
-              </a:rPr>
-              <a:t>:</a:t>
-            </a:r>
-          </a:p>
-          <a:p>
-            <a:pPr marL="457200" indent="-457200" algn="l">
-              <a:buFont typeface="Arial" panose="020B0604020202020204" pitchFamily="34" charset="0"/>
-              <a:buChar char="•"/>
-            </a:pPr>
-            <a:r>
-              <a:rPr lang="de-AT" sz="2800" dirty="0">
-                <a:solidFill>
-                  <a:schemeClr val="bg1"/>
-                </a:solidFill>
-                <a:latin typeface="Söhne"/>
-              </a:rPr>
-              <a:t>40.816 </a:t>
-            </a:r>
-            <a:r>
-              <a:rPr lang="de-AT" sz="2800" dirty="0" err="1">
-                <a:solidFill>
-                  <a:schemeClr val="bg1"/>
-                </a:solidFill>
-                <a:latin typeface="Söhne"/>
-              </a:rPr>
-              <a:t>unique</a:t>
-            </a:r>
-            <a:r>
-              <a:rPr lang="de-AT" sz="2800" dirty="0">
-                <a:solidFill>
-                  <a:schemeClr val="bg1"/>
-                </a:solidFill>
-                <a:latin typeface="Söhne"/>
-              </a:rPr>
-              <a:t> </a:t>
-            </a:r>
-            <a:r>
-              <a:rPr lang="de-AT" sz="2800" dirty="0" err="1">
-                <a:solidFill>
-                  <a:schemeClr val="bg1"/>
-                </a:solidFill>
-                <a:latin typeface="Söhne"/>
-              </a:rPr>
-              <a:t>lyrics</a:t>
-            </a:r>
-            <a:endParaRPr lang="de-AT" sz="2800" b="0" i="0" u="none" strike="noStrike" dirty="0">
-              <a:solidFill>
-                <a:schemeClr val="bg1"/>
-              </a:solidFill>
-              <a:effectLst/>
-              <a:latin typeface="Söhne"/>
-            </a:endParaRPr>
-          </a:p>
-          <a:p>
-            <a:pPr marL="457200" indent="-457200" algn="l">
-              <a:buFont typeface="Arial" panose="020B0604020202020204" pitchFamily="34" charset="0"/>
-              <a:buChar char="•"/>
-            </a:pPr>
-            <a:r>
-              <a:rPr lang="de-AT" sz="2800" b="0" i="0" u="none" strike="noStrike" dirty="0">
-                <a:solidFill>
-                  <a:schemeClr val="bg1"/>
-                </a:solidFill>
-                <a:effectLst/>
-                <a:latin typeface="Söhne"/>
-              </a:rPr>
-              <a:t>Different </a:t>
-            </a:r>
-            <a:r>
-              <a:rPr lang="de-AT" sz="2800" b="0" i="0" u="none" strike="noStrike" dirty="0" err="1">
-                <a:solidFill>
-                  <a:schemeClr val="bg1"/>
-                </a:solidFill>
-                <a:effectLst/>
-                <a:latin typeface="Söhne"/>
-              </a:rPr>
-              <a:t>languages</a:t>
-            </a:r>
-            <a:endParaRPr lang="de-AT" sz="2800" b="0" i="0" u="none" strike="noStrike" dirty="0">
-              <a:solidFill>
-                <a:schemeClr val="bg1"/>
-              </a:solidFill>
-              <a:effectLst/>
-              <a:latin typeface="Söhne"/>
             </a:endParaRPr>
           </a:p>
         </p:txBody>
@@ -15293,10 +16529,10 @@
       </p:grpSp>
       <p:pic>
         <p:nvPicPr>
-          <p:cNvPr id="2" name="Grafik 1">
+          <p:cNvPr id="4" name="Grafik 3">
             <a:extLst>
               <a:ext uri="{FF2B5EF4-FFF2-40B4-BE49-F238E27FC236}">
-                <a16:creationId xmlns:a16="http://schemas.microsoft.com/office/drawing/2014/main" id="{3E8219EA-2CAC-4B0B-27E4-4985CC7BE36F}"/>
+                <a16:creationId xmlns:a16="http://schemas.microsoft.com/office/drawing/2014/main" id="{E3DE8C02-123E-B00B-695B-810CAE17C9D3}"/>
               </a:ext>
             </a:extLst>
           </p:cNvPr>
@@ -15313,8 +16549,8 @@
         </p:blipFill>
         <p:spPr>
           <a:xfrm>
-            <a:off x="4094205" y="2925811"/>
-            <a:ext cx="1143000" cy="2247900"/>
+            <a:off x="3474402" y="1285934"/>
+            <a:ext cx="7772400" cy="5001767"/>
           </a:xfrm>
           <a:prstGeom prst="rect">
             <a:avLst/>
@@ -15324,7 +16560,7 @@
     </p:spTree>
     <p:extLst>
       <p:ext uri="{BB962C8B-B14F-4D97-AF65-F5344CB8AC3E}">
-        <p14:creationId xmlns:p14="http://schemas.microsoft.com/office/powerpoint/2010/main" val="136629416"/>
+        <p14:creationId xmlns:p14="http://schemas.microsoft.com/office/powerpoint/2010/main" val="3763819030"/>
       </p:ext>
     </p:extLst>
   </p:cSld>
@@ -16370,10 +17606,10 @@
       </p:grpSp>
       <p:pic>
         <p:nvPicPr>
-          <p:cNvPr id="4" name="Grafik 3">
+          <p:cNvPr id="2" name="Grafik 1">
             <a:extLst>
               <a:ext uri="{FF2B5EF4-FFF2-40B4-BE49-F238E27FC236}">
-                <a16:creationId xmlns:a16="http://schemas.microsoft.com/office/drawing/2014/main" id="{E3DE8C02-123E-B00B-695B-810CAE17C9D3}"/>
+                <a16:creationId xmlns:a16="http://schemas.microsoft.com/office/drawing/2014/main" id="{0DA9E9D1-6813-3982-91ED-4EEC4DE4EA1E}"/>
               </a:ext>
             </a:extLst>
           </p:cNvPr>
@@ -16390,8 +17626,8 @@
         </p:blipFill>
         <p:spPr>
           <a:xfrm>
-            <a:off x="3474402" y="1285934"/>
-            <a:ext cx="7772400" cy="5001767"/>
+            <a:off x="3474402" y="1157721"/>
+            <a:ext cx="7294258" cy="5152453"/>
           </a:xfrm>
           <a:prstGeom prst="rect">
             <a:avLst/>
@@ -16401,7 +17637,7 @@
     </p:spTree>
     <p:extLst>
       <p:ext uri="{BB962C8B-B14F-4D97-AF65-F5344CB8AC3E}">
-        <p14:creationId xmlns:p14="http://schemas.microsoft.com/office/powerpoint/2010/main" val="3763819030"/>
+        <p14:creationId xmlns:p14="http://schemas.microsoft.com/office/powerpoint/2010/main" val="3490447661"/>
       </p:ext>
     </p:extLst>
   </p:cSld>

--- a/Presentations/Spotify NLP status 20231005.pptx
+++ b/Presentations/Spotify NLP status 20231005.pptx
@@ -215,7 +215,7 @@
           <a:p>
             <a:fld id="{A1DE6012-1BD2-423A-B783-8C352B9F1F3A}" type="datetimeFigureOut">
               <a:rPr lang="en-US" smtClean="0"/>
-              <a:t>10/5/23</a:t>
+              <a:t>10/5/2023</a:t>
             </a:fld>
             <a:endParaRPr lang="en-US"/>
           </a:p>
@@ -1469,7 +1469,7 @@
           <a:p>
             <a:fld id="{C085A3C5-C84E-4FAD-9AAC-6508D1A5CE25}" type="datetimeFigureOut">
               <a:rPr lang="en-US" smtClean="0"/>
-              <a:t>10/5/23</a:t>
+              <a:t>10/5/2023</a:t>
             </a:fld>
             <a:endParaRPr lang="en-US"/>
           </a:p>
@@ -1667,7 +1667,7 @@
           <a:p>
             <a:fld id="{C085A3C5-C84E-4FAD-9AAC-6508D1A5CE25}" type="datetimeFigureOut">
               <a:rPr lang="en-US" smtClean="0"/>
-              <a:t>10/5/23</a:t>
+              <a:t>10/5/2023</a:t>
             </a:fld>
             <a:endParaRPr lang="en-US"/>
           </a:p>
@@ -1875,7 +1875,7 @@
           <a:p>
             <a:fld id="{C085A3C5-C84E-4FAD-9AAC-6508D1A5CE25}" type="datetimeFigureOut">
               <a:rPr lang="en-US" smtClean="0"/>
-              <a:t>10/5/23</a:t>
+              <a:t>10/5/2023</a:t>
             </a:fld>
             <a:endParaRPr lang="en-US"/>
           </a:p>
@@ -2073,7 +2073,7 @@
           <a:p>
             <a:fld id="{C085A3C5-C84E-4FAD-9AAC-6508D1A5CE25}" type="datetimeFigureOut">
               <a:rPr lang="en-US" smtClean="0"/>
-              <a:t>10/5/23</a:t>
+              <a:t>10/5/2023</a:t>
             </a:fld>
             <a:endParaRPr lang="en-US"/>
           </a:p>
@@ -2348,7 +2348,7 @@
           <a:p>
             <a:fld id="{C085A3C5-C84E-4FAD-9AAC-6508D1A5CE25}" type="datetimeFigureOut">
               <a:rPr lang="en-US" smtClean="0"/>
-              <a:t>10/5/23</a:t>
+              <a:t>10/5/2023</a:t>
             </a:fld>
             <a:endParaRPr lang="en-US"/>
           </a:p>
@@ -2613,7 +2613,7 @@
           <a:p>
             <a:fld id="{C085A3C5-C84E-4FAD-9AAC-6508D1A5CE25}" type="datetimeFigureOut">
               <a:rPr lang="en-US" smtClean="0"/>
-              <a:t>10/5/23</a:t>
+              <a:t>10/5/2023</a:t>
             </a:fld>
             <a:endParaRPr lang="en-US"/>
           </a:p>
@@ -3025,7 +3025,7 @@
           <a:p>
             <a:fld id="{C085A3C5-C84E-4FAD-9AAC-6508D1A5CE25}" type="datetimeFigureOut">
               <a:rPr lang="en-US" smtClean="0"/>
-              <a:t>10/5/23</a:t>
+              <a:t>10/5/2023</a:t>
             </a:fld>
             <a:endParaRPr lang="en-US"/>
           </a:p>
@@ -3166,7 +3166,7 @@
           <a:p>
             <a:fld id="{C085A3C5-C84E-4FAD-9AAC-6508D1A5CE25}" type="datetimeFigureOut">
               <a:rPr lang="en-US" smtClean="0"/>
-              <a:t>10/5/23</a:t>
+              <a:t>10/5/2023</a:t>
             </a:fld>
             <a:endParaRPr lang="en-US"/>
           </a:p>
@@ -3519,7 +3519,7 @@
           <a:p>
             <a:fld id="{C085A3C5-C84E-4FAD-9AAC-6508D1A5CE25}" type="datetimeFigureOut">
               <a:rPr lang="en-US" smtClean="0"/>
-              <a:t>10/5/23</a:t>
+              <a:t>10/5/2023</a:t>
             </a:fld>
             <a:endParaRPr lang="en-US"/>
           </a:p>
@@ -3830,7 +3830,7 @@
           <a:p>
             <a:fld id="{C085A3C5-C84E-4FAD-9AAC-6508D1A5CE25}" type="datetimeFigureOut">
               <a:rPr lang="en-US" smtClean="0"/>
-              <a:t>10/5/23</a:t>
+              <a:t>10/5/2023</a:t>
             </a:fld>
             <a:endParaRPr lang="en-US"/>
           </a:p>
@@ -4118,7 +4118,7 @@
           <a:p>
             <a:fld id="{C085A3C5-C84E-4FAD-9AAC-6508D1A5CE25}" type="datetimeFigureOut">
               <a:rPr lang="en-US" smtClean="0"/>
-              <a:t>10/5/23</a:t>
+              <a:t>10/5/2023</a:t>
             </a:fld>
             <a:endParaRPr lang="en-US"/>
           </a:p>
@@ -4365,7 +4365,7 @@
           <a:p>
             <a:fld id="{C085A3C5-C84E-4FAD-9AAC-6508D1A5CE25}" type="datetimeFigureOut">
               <a:rPr lang="en-US" smtClean="0"/>
-              <a:t>10/5/23</a:t>
+              <a:t>10/5/2023</a:t>
             </a:fld>
             <a:endParaRPr lang="en-US"/>
           </a:p>
@@ -7437,7 +7437,7 @@
                 </a:solidFill>
                 <a:latin typeface="Söhne"/>
               </a:rPr>
-              <a:t>stoppwords</a:t>
+              <a:t>stopwords</a:t>
             </a:r>
             <a:endParaRPr lang="de-AT" sz="2800" dirty="0">
               <a:solidFill>
